--- a/RXJS Make it easy/RXJS Make it easy.pptx
+++ b/RXJS Make it easy/RXJS Make it easy.pptx
@@ -8,6 +8,8 @@
     <p:sldId id="256" r:id="rId2"/>
     <p:sldId id="257" r:id="rId3"/>
     <p:sldId id="258" r:id="rId4"/>
+    <p:sldId id="259" r:id="rId5"/>
+    <p:sldId id="260" r:id="rId6"/>
   </p:sldIdLst>
   <p:sldSz cx="12192000" cy="6858000"/>
   <p:notesSz cx="6858000" cy="9144000"/>
@@ -5982,30 +5984,16 @@
                 <a:latin typeface="Times New Roman" panose="02020603050405020304" pitchFamily="18" charset="0"/>
                 <a:cs typeface="Times New Roman" panose="02020603050405020304" pitchFamily="18" charset="0"/>
               </a:rPr>
-              <a:t>What is RXJS ? Benefit of </a:t>
-            </a:r>
-            <a:r>
-              <a:rPr lang="nl-NL" smtClean="0">
-                <a:latin typeface="Times New Roman" panose="02020603050405020304" pitchFamily="18" charset="0"/>
-                <a:cs typeface="Times New Roman" panose="02020603050405020304" pitchFamily="18" charset="0"/>
-              </a:rPr>
-              <a:t>RXJS </a:t>
-            </a:r>
-          </a:p>
-          <a:p>
-            <a:r>
-              <a:rPr lang="nl-NL" smtClean="0">
-                <a:latin typeface="Times New Roman" panose="02020603050405020304" pitchFamily="18" charset="0"/>
-                <a:cs typeface="Times New Roman" panose="02020603050405020304" pitchFamily="18" charset="0"/>
-              </a:rPr>
-              <a:t>Subject</a:t>
-            </a:r>
+              <a:t>What is RXJS ? Benefit of RXJS </a:t>
+            </a:r>
+          </a:p>
+          <a:p>
             <a:r>
               <a:rPr lang="nl-NL" dirty="0" smtClean="0">
                 <a:latin typeface="Times New Roman" panose="02020603050405020304" pitchFamily="18" charset="0"/>
                 <a:cs typeface="Times New Roman" panose="02020603050405020304" pitchFamily="18" charset="0"/>
               </a:rPr>
-              <a:t>, BehaviorSubject, ReplaySubject, AsyncSubject</a:t>
+              <a:t>Subject, BehaviorSubject, ReplaySubject, AsyncSubject</a:t>
             </a:r>
           </a:p>
           <a:p>
@@ -6210,6 +6198,391 @@
     <p:extLst>
       <p:ext uri="{BB962C8B-B14F-4D97-AF65-F5344CB8AC3E}">
         <p14:creationId xmlns:p14="http://schemas.microsoft.com/office/powerpoint/2010/main" val="1360348484"/>
+      </p:ext>
+    </p:extLst>
+  </p:cSld>
+  <p:clrMapOvr>
+    <a:masterClrMapping/>
+  </p:clrMapOvr>
+  <p:timing>
+    <p:tnLst>
+      <p:par>
+        <p:cTn id="1" dur="indefinite" restart="never" nodeType="tmRoot"/>
+      </p:par>
+    </p:tnLst>
+  </p:timing>
+</p:sld>
+</file>
+
+<file path=ppt/slides/slide4.xml><?xml version="1.0" encoding="utf-8"?>
+<p:sld xmlns:a="http://schemas.openxmlformats.org/drawingml/2006/main" xmlns:r="http://schemas.openxmlformats.org/officeDocument/2006/relationships" xmlns:p="http://schemas.openxmlformats.org/presentationml/2006/main">
+  <p:cSld>
+    <p:spTree>
+      <p:nvGrpSpPr>
+        <p:cNvPr id="1" name=""/>
+        <p:cNvGrpSpPr/>
+        <p:nvPr/>
+      </p:nvGrpSpPr>
+      <p:grpSpPr>
+        <a:xfrm>
+          <a:off x="0" y="0"/>
+          <a:ext cx="0" cy="0"/>
+          <a:chOff x="0" y="0"/>
+          <a:chExt cx="0" cy="0"/>
+        </a:xfrm>
+      </p:grpSpPr>
+      <p:sp>
+        <p:nvSpPr>
+          <p:cNvPr id="2" name="Title 1"/>
+          <p:cNvSpPr>
+            <a:spLocks noGrp="1"/>
+          </p:cNvSpPr>
+          <p:nvPr>
+            <p:ph type="title"/>
+          </p:nvPr>
+        </p:nvSpPr>
+        <p:spPr/>
+        <p:txBody>
+          <a:bodyPr>
+            <a:normAutofit fontScale="90000"/>
+          </a:bodyPr>
+          <a:lstStyle/>
+          <a:p>
+            <a:r>
+              <a:rPr lang="nl-NL" dirty="0" smtClean="0">
+                <a:latin typeface="Times New Roman" panose="02020603050405020304" pitchFamily="18" charset="0"/>
+                <a:cs typeface="Times New Roman" panose="02020603050405020304" pitchFamily="18" charset="0"/>
+              </a:rPr>
+              <a:t/>
+            </a:r>
+            <a:br>
+              <a:rPr lang="nl-NL" dirty="0" smtClean="0">
+                <a:latin typeface="Times New Roman" panose="02020603050405020304" pitchFamily="18" charset="0"/>
+                <a:cs typeface="Times New Roman" panose="02020603050405020304" pitchFamily="18" charset="0"/>
+              </a:rPr>
+            </a:br>
+            <a:r>
+              <a:rPr lang="nl-NL" dirty="0" smtClean="0">
+                <a:latin typeface="Times New Roman" panose="02020603050405020304" pitchFamily="18" charset="0"/>
+                <a:cs typeface="Times New Roman" panose="02020603050405020304" pitchFamily="18" charset="0"/>
+              </a:rPr>
+              <a:t>Subject</a:t>
+            </a:r>
+            <a:r>
+              <a:rPr lang="nl-NL" dirty="0">
+                <a:latin typeface="Times New Roman" panose="02020603050405020304" pitchFamily="18" charset="0"/>
+                <a:cs typeface="Times New Roman" panose="02020603050405020304" pitchFamily="18" charset="0"/>
+              </a:rPr>
+              <a:t>, BehaviorSubject, ReplaySubject, AsyncSubject</a:t>
+            </a:r>
+            <a:br>
+              <a:rPr lang="nl-NL" dirty="0">
+                <a:latin typeface="Times New Roman" panose="02020603050405020304" pitchFamily="18" charset="0"/>
+                <a:cs typeface="Times New Roman" panose="02020603050405020304" pitchFamily="18" charset="0"/>
+              </a:rPr>
+            </a:br>
+            <a:endParaRPr lang="en-US" dirty="0"/>
+          </a:p>
+        </p:txBody>
+      </p:sp>
+      <p:sp>
+        <p:nvSpPr>
+          <p:cNvPr id="3" name="Content Placeholder 2"/>
+          <p:cNvSpPr>
+            <a:spLocks noGrp="1"/>
+          </p:cNvSpPr>
+          <p:nvPr>
+            <p:ph idx="1"/>
+          </p:nvPr>
+        </p:nvSpPr>
+        <p:spPr/>
+        <p:txBody>
+          <a:bodyPr>
+            <a:normAutofit/>
+          </a:bodyPr>
+          <a:lstStyle/>
+          <a:p>
+            <a:endParaRPr lang="en-US" dirty="0" smtClean="0">
+              <a:latin typeface="Times New Roman" panose="02020603050405020304" pitchFamily="18" charset="0"/>
+              <a:cs typeface="Times New Roman" panose="02020603050405020304" pitchFamily="18" charset="0"/>
+            </a:endParaRPr>
+          </a:p>
+          <a:p>
+            <a:r>
+              <a:rPr lang="en-US" dirty="0" smtClean="0">
+                <a:latin typeface="Times New Roman" panose="02020603050405020304" pitchFamily="18" charset="0"/>
+                <a:cs typeface="Times New Roman" panose="02020603050405020304" pitchFamily="18" charset="0"/>
+              </a:rPr>
+              <a:t>A </a:t>
+            </a:r>
+            <a:r>
+              <a:rPr lang="en-US" dirty="0">
+                <a:latin typeface="Times New Roman" panose="02020603050405020304" pitchFamily="18" charset="0"/>
+                <a:cs typeface="Times New Roman" panose="02020603050405020304" pitchFamily="18" charset="0"/>
+              </a:rPr>
+              <a:t>Subject is a special type of Observable which shares a single execution path among observers</a:t>
+            </a:r>
+            <a:r>
+              <a:rPr lang="en-US" dirty="0" smtClean="0">
+                <a:latin typeface="Times New Roman" panose="02020603050405020304" pitchFamily="18" charset="0"/>
+                <a:cs typeface="Times New Roman" panose="02020603050405020304" pitchFamily="18" charset="0"/>
+              </a:rPr>
+              <a:t>.</a:t>
+            </a:r>
+          </a:p>
+          <a:p>
+            <a:endParaRPr lang="en-US" dirty="0">
+              <a:latin typeface="Times New Roman" panose="02020603050405020304" pitchFamily="18" charset="0"/>
+              <a:cs typeface="Times New Roman" panose="02020603050405020304" pitchFamily="18" charset="0"/>
+            </a:endParaRPr>
+          </a:p>
+          <a:p>
+            <a:r>
+              <a:rPr lang="en-US" dirty="0">
+                <a:latin typeface="Times New Roman" panose="02020603050405020304" pitchFamily="18" charset="0"/>
+                <a:cs typeface="Times New Roman" panose="02020603050405020304" pitchFamily="18" charset="0"/>
+              </a:rPr>
+              <a:t>You can think of this as a single speaker talking at a microphone in a room full of people. Their message (the subject) is being delivered to many (multicast) people (the observers) at once. This is the basis of </a:t>
+            </a:r>
+            <a:r>
+              <a:rPr lang="en-US" b="1" dirty="0">
+                <a:latin typeface="Times New Roman" panose="02020603050405020304" pitchFamily="18" charset="0"/>
+                <a:cs typeface="Times New Roman" panose="02020603050405020304" pitchFamily="18" charset="0"/>
+              </a:rPr>
+              <a:t>multicasting</a:t>
+            </a:r>
+            <a:r>
+              <a:rPr lang="en-US" dirty="0">
+                <a:latin typeface="Times New Roman" panose="02020603050405020304" pitchFamily="18" charset="0"/>
+                <a:cs typeface="Times New Roman" panose="02020603050405020304" pitchFamily="18" charset="0"/>
+              </a:rPr>
+              <a:t>. Typical observables would be comparable to a 1 on 1 conversation.</a:t>
+            </a:r>
+          </a:p>
+          <a:p>
+            <a:endParaRPr lang="en-US" dirty="0">
+              <a:latin typeface="Times New Roman" panose="02020603050405020304" pitchFamily="18" charset="0"/>
+              <a:cs typeface="Times New Roman" panose="02020603050405020304" pitchFamily="18" charset="0"/>
+            </a:endParaRPr>
+          </a:p>
+        </p:txBody>
+      </p:sp>
+    </p:spTree>
+    <p:extLst>
+      <p:ext uri="{BB962C8B-B14F-4D97-AF65-F5344CB8AC3E}">
+        <p14:creationId xmlns:p14="http://schemas.microsoft.com/office/powerpoint/2010/main" val="85158854"/>
+      </p:ext>
+    </p:extLst>
+  </p:cSld>
+  <p:clrMapOvr>
+    <a:masterClrMapping/>
+  </p:clrMapOvr>
+  <p:timing>
+    <p:tnLst>
+      <p:par>
+        <p:cTn id="1" dur="indefinite" restart="never" nodeType="tmRoot"/>
+      </p:par>
+    </p:tnLst>
+  </p:timing>
+</p:sld>
+</file>
+
+<file path=ppt/slides/slide5.xml><?xml version="1.0" encoding="utf-8"?>
+<p:sld xmlns:a="http://schemas.openxmlformats.org/drawingml/2006/main" xmlns:r="http://schemas.openxmlformats.org/officeDocument/2006/relationships" xmlns:p="http://schemas.openxmlformats.org/presentationml/2006/main">
+  <p:cSld>
+    <p:spTree>
+      <p:nvGrpSpPr>
+        <p:cNvPr id="1" name=""/>
+        <p:cNvGrpSpPr/>
+        <p:nvPr/>
+      </p:nvGrpSpPr>
+      <p:grpSpPr>
+        <a:xfrm>
+          <a:off x="0" y="0"/>
+          <a:ext cx="0" cy="0"/>
+          <a:chOff x="0" y="0"/>
+          <a:chExt cx="0" cy="0"/>
+        </a:xfrm>
+      </p:grpSpPr>
+      <p:sp>
+        <p:nvSpPr>
+          <p:cNvPr id="2" name="Title 1"/>
+          <p:cNvSpPr>
+            <a:spLocks noGrp="1"/>
+          </p:cNvSpPr>
+          <p:nvPr>
+            <p:ph type="title"/>
+          </p:nvPr>
+        </p:nvSpPr>
+        <p:spPr/>
+        <p:txBody>
+          <a:bodyPr>
+            <a:normAutofit fontScale="90000"/>
+          </a:bodyPr>
+          <a:lstStyle/>
+          <a:p>
+            <a:r>
+              <a:rPr lang="nl-NL">
+                <a:latin typeface="Times New Roman" panose="02020603050405020304" pitchFamily="18" charset="0"/>
+                <a:cs typeface="Times New Roman" panose="02020603050405020304" pitchFamily="18" charset="0"/>
+              </a:rPr>
+              <a:t/>
+            </a:r>
+            <a:br>
+              <a:rPr lang="nl-NL">
+                <a:latin typeface="Times New Roman" panose="02020603050405020304" pitchFamily="18" charset="0"/>
+                <a:cs typeface="Times New Roman" panose="02020603050405020304" pitchFamily="18" charset="0"/>
+              </a:rPr>
+            </a:br>
+            <a:r>
+              <a:rPr lang="nl-NL">
+                <a:latin typeface="Times New Roman" panose="02020603050405020304" pitchFamily="18" charset="0"/>
+                <a:cs typeface="Times New Roman" panose="02020603050405020304" pitchFamily="18" charset="0"/>
+              </a:rPr>
+              <a:t>Subject, BehaviorSubject, ReplaySubject, AsyncSubject</a:t>
+            </a:r>
+            <a:br>
+              <a:rPr lang="nl-NL">
+                <a:latin typeface="Times New Roman" panose="02020603050405020304" pitchFamily="18" charset="0"/>
+                <a:cs typeface="Times New Roman" panose="02020603050405020304" pitchFamily="18" charset="0"/>
+              </a:rPr>
+            </a:br>
+            <a:endParaRPr lang="en-US"/>
+          </a:p>
+        </p:txBody>
+      </p:sp>
+      <p:sp>
+        <p:nvSpPr>
+          <p:cNvPr id="3" name="Content Placeholder 2"/>
+          <p:cNvSpPr>
+            <a:spLocks noGrp="1"/>
+          </p:cNvSpPr>
+          <p:nvPr>
+            <p:ph idx="1"/>
+          </p:nvPr>
+        </p:nvSpPr>
+        <p:spPr/>
+        <p:txBody>
+          <a:bodyPr/>
+          <a:lstStyle/>
+          <a:p>
+            <a:pPr marL="0" indent="0">
+              <a:buNone/>
+            </a:pPr>
+            <a:endParaRPr lang="en-US" dirty="0" smtClean="0">
+              <a:latin typeface="Times New Roman" panose="02020603050405020304" pitchFamily="18" charset="0"/>
+              <a:cs typeface="Times New Roman" panose="02020603050405020304" pitchFamily="18" charset="0"/>
+            </a:endParaRPr>
+          </a:p>
+          <a:p>
+            <a:pPr marL="0" indent="0">
+              <a:buNone/>
+            </a:pPr>
+            <a:r>
+              <a:rPr lang="en-US" dirty="0" smtClean="0">
+                <a:latin typeface="Times New Roman" panose="02020603050405020304" pitchFamily="18" charset="0"/>
+                <a:cs typeface="Times New Roman" panose="02020603050405020304" pitchFamily="18" charset="0"/>
+              </a:rPr>
+              <a:t>There </a:t>
+            </a:r>
+            <a:r>
+              <a:rPr lang="en-US" dirty="0">
+                <a:latin typeface="Times New Roman" panose="02020603050405020304" pitchFamily="18" charset="0"/>
+                <a:cs typeface="Times New Roman" panose="02020603050405020304" pitchFamily="18" charset="0"/>
+              </a:rPr>
+              <a:t>are 4 variants of subjects:</a:t>
+            </a:r>
+          </a:p>
+          <a:p>
+            <a:r>
+              <a:rPr lang="en-US" b="1" dirty="0">
+                <a:latin typeface="Times New Roman" panose="02020603050405020304" pitchFamily="18" charset="0"/>
+                <a:cs typeface="Times New Roman" panose="02020603050405020304" pitchFamily="18" charset="0"/>
+              </a:rPr>
+              <a:t>Subject</a:t>
+            </a:r>
+            <a:r>
+              <a:rPr lang="en-US" dirty="0">
+                <a:latin typeface="Times New Roman" panose="02020603050405020304" pitchFamily="18" charset="0"/>
+                <a:cs typeface="Times New Roman" panose="02020603050405020304" pitchFamily="18" charset="0"/>
+              </a:rPr>
+              <a:t> - No </a:t>
+            </a:r>
+            <a:r>
+              <a:rPr lang="en-US" dirty="0" err="1">
+                <a:latin typeface="Times New Roman" panose="02020603050405020304" pitchFamily="18" charset="0"/>
+                <a:cs typeface="Times New Roman" panose="02020603050405020304" pitchFamily="18" charset="0"/>
+              </a:rPr>
+              <a:t>intial</a:t>
+            </a:r>
+            <a:r>
+              <a:rPr lang="en-US" dirty="0">
+                <a:latin typeface="Times New Roman" panose="02020603050405020304" pitchFamily="18" charset="0"/>
+                <a:cs typeface="Times New Roman" panose="02020603050405020304" pitchFamily="18" charset="0"/>
+              </a:rPr>
+              <a:t> value or replay behavior.</a:t>
+            </a:r>
+          </a:p>
+          <a:p>
+            <a:r>
+              <a:rPr lang="en-US" b="1" dirty="0" err="1">
+                <a:latin typeface="Times New Roman" panose="02020603050405020304" pitchFamily="18" charset="0"/>
+                <a:cs typeface="Times New Roman" panose="02020603050405020304" pitchFamily="18" charset="0"/>
+              </a:rPr>
+              <a:t>AsyncSubject</a:t>
+            </a:r>
+            <a:r>
+              <a:rPr lang="en-US" dirty="0">
+                <a:latin typeface="Times New Roman" panose="02020603050405020304" pitchFamily="18" charset="0"/>
+                <a:cs typeface="Times New Roman" panose="02020603050405020304" pitchFamily="18" charset="0"/>
+              </a:rPr>
+              <a:t> - Emits latest value to observers upon completion.</a:t>
+            </a:r>
+          </a:p>
+          <a:p>
+            <a:r>
+              <a:rPr lang="en-US" b="1" dirty="0" err="1">
+                <a:latin typeface="Times New Roman" panose="02020603050405020304" pitchFamily="18" charset="0"/>
+                <a:cs typeface="Times New Roman" panose="02020603050405020304" pitchFamily="18" charset="0"/>
+              </a:rPr>
+              <a:t>BehaviorSubject</a:t>
+            </a:r>
+            <a:r>
+              <a:rPr lang="en-US" dirty="0">
+                <a:latin typeface="Times New Roman" panose="02020603050405020304" pitchFamily="18" charset="0"/>
+                <a:cs typeface="Times New Roman" panose="02020603050405020304" pitchFamily="18" charset="0"/>
+              </a:rPr>
+              <a:t> - Requires an initial value and emits its current value (last emitted item) to new subscribers.</a:t>
+            </a:r>
+          </a:p>
+          <a:p>
+            <a:r>
+              <a:rPr lang="en-US" b="1" dirty="0" err="1">
+                <a:latin typeface="Times New Roman" panose="02020603050405020304" pitchFamily="18" charset="0"/>
+                <a:cs typeface="Times New Roman" panose="02020603050405020304" pitchFamily="18" charset="0"/>
+              </a:rPr>
+              <a:t>ReplaySubject</a:t>
+            </a:r>
+            <a:r>
+              <a:rPr lang="en-US" dirty="0">
+                <a:latin typeface="Times New Roman" panose="02020603050405020304" pitchFamily="18" charset="0"/>
+                <a:cs typeface="Times New Roman" panose="02020603050405020304" pitchFamily="18" charset="0"/>
+              </a:rPr>
+              <a:t> - Emits specified number of last emitted values (a replay) to new subscribers.</a:t>
+            </a:r>
+          </a:p>
+          <a:p>
+            <a:endParaRPr lang="en-US" dirty="0">
+              <a:latin typeface="Times New Roman" panose="02020603050405020304" pitchFamily="18" charset="0"/>
+              <a:cs typeface="Times New Roman" panose="02020603050405020304" pitchFamily="18" charset="0"/>
+            </a:endParaRPr>
+          </a:p>
+        </p:txBody>
+      </p:sp>
+    </p:spTree>
+    <p:extLst>
+      <p:ext uri="{BB962C8B-B14F-4D97-AF65-F5344CB8AC3E}">
+        <p14:creationId xmlns:p14="http://schemas.microsoft.com/office/powerpoint/2010/main" val="1432021771"/>
       </p:ext>
     </p:extLst>
   </p:cSld>

--- a/RXJS Make it easy/RXJS Make it easy.pptx
+++ b/RXJS Make it easy/RXJS Make it easy.pptx
@@ -6002,14 +6002,49 @@
                 <a:latin typeface="Times New Roman" panose="02020603050405020304" pitchFamily="18" charset="0"/>
                 <a:cs typeface="Times New Roman" panose="02020603050405020304" pitchFamily="18" charset="0"/>
               </a:rPr>
-              <a:t>switchMap</a:t>
+              <a:t>SwitchMap</a:t>
             </a:r>
             <a:r>
               <a:rPr lang="nl-NL" dirty="0">
                 <a:latin typeface="Times New Roman" panose="02020603050405020304" pitchFamily="18" charset="0"/>
                 <a:cs typeface="Times New Roman" panose="02020603050405020304" pitchFamily="18" charset="0"/>
               </a:rPr>
-              <a:t>, exhaustMap, mergeMap, concatMap</a:t>
+              <a:t>, </a:t>
+            </a:r>
+            <a:r>
+              <a:rPr lang="nl-NL" dirty="0" smtClean="0">
+                <a:latin typeface="Times New Roman" panose="02020603050405020304" pitchFamily="18" charset="0"/>
+                <a:cs typeface="Times New Roman" panose="02020603050405020304" pitchFamily="18" charset="0"/>
+              </a:rPr>
+              <a:t>ExhaustMap</a:t>
+            </a:r>
+            <a:r>
+              <a:rPr lang="nl-NL" dirty="0">
+                <a:latin typeface="Times New Roman" panose="02020603050405020304" pitchFamily="18" charset="0"/>
+                <a:cs typeface="Times New Roman" panose="02020603050405020304" pitchFamily="18" charset="0"/>
+              </a:rPr>
+              <a:t>, </a:t>
+            </a:r>
+            <a:r>
+              <a:rPr lang="nl-NL" dirty="0" smtClean="0">
+                <a:latin typeface="Times New Roman" panose="02020603050405020304" pitchFamily="18" charset="0"/>
+                <a:cs typeface="Times New Roman" panose="02020603050405020304" pitchFamily="18" charset="0"/>
+              </a:rPr>
+              <a:t>MergeMap</a:t>
+            </a:r>
+            <a:r>
+              <a:rPr lang="nl-NL">
+                <a:latin typeface="Times New Roman" panose="02020603050405020304" pitchFamily="18" charset="0"/>
+                <a:cs typeface="Times New Roman" panose="02020603050405020304" pitchFamily="18" charset="0"/>
+              </a:rPr>
+              <a:t>, </a:t>
+            </a:r>
+            <a:r>
+              <a:rPr lang="nl-NL" smtClean="0">
+                <a:latin typeface="Times New Roman" panose="02020603050405020304" pitchFamily="18" charset="0"/>
+                <a:cs typeface="Times New Roman" panose="02020603050405020304" pitchFamily="18" charset="0"/>
+              </a:rPr>
+              <a:t>ConcatMap</a:t>
             </a:r>
             <a:endParaRPr lang="nl-NL" dirty="0" smtClean="0">
               <a:latin typeface="Times New Roman" panose="02020603050405020304" pitchFamily="18" charset="0"/>
@@ -6422,32 +6457,32 @@
           <a:lstStyle/>
           <a:p>
             <a:r>
-              <a:rPr lang="nl-NL">
+              <a:rPr lang="nl-NL" dirty="0">
                 <a:latin typeface="Times New Roman" panose="02020603050405020304" pitchFamily="18" charset="0"/>
                 <a:cs typeface="Times New Roman" panose="02020603050405020304" pitchFamily="18" charset="0"/>
               </a:rPr>
               <a:t/>
             </a:r>
             <a:br>
-              <a:rPr lang="nl-NL">
+              <a:rPr lang="nl-NL" dirty="0">
                 <a:latin typeface="Times New Roman" panose="02020603050405020304" pitchFamily="18" charset="0"/>
                 <a:cs typeface="Times New Roman" panose="02020603050405020304" pitchFamily="18" charset="0"/>
               </a:rPr>
             </a:br>
             <a:r>
-              <a:rPr lang="nl-NL">
+              <a:rPr lang="nl-NL" dirty="0">
                 <a:latin typeface="Times New Roman" panose="02020603050405020304" pitchFamily="18" charset="0"/>
                 <a:cs typeface="Times New Roman" panose="02020603050405020304" pitchFamily="18" charset="0"/>
               </a:rPr>
               <a:t>Subject, BehaviorSubject, ReplaySubject, AsyncSubject</a:t>
             </a:r>
             <a:br>
-              <a:rPr lang="nl-NL">
+              <a:rPr lang="nl-NL" dirty="0">
                 <a:latin typeface="Times New Roman" panose="02020603050405020304" pitchFamily="18" charset="0"/>
                 <a:cs typeface="Times New Roman" panose="02020603050405020304" pitchFamily="18" charset="0"/>
               </a:rPr>
             </a:br>
-            <a:endParaRPr lang="en-US"/>
+            <a:endParaRPr lang="en-US" dirty="0"/>
           </a:p>
         </p:txBody>
       </p:sp>

--- a/RXJS Make it easy/RXJS Make it easy.pptx
+++ b/RXJS Make it easy/RXJS Make it easy.pptx
@@ -4,12 +4,17 @@
   <p:sldMasterIdLst>
     <p:sldMasterId id="2147483750" r:id="rId1"/>
   </p:sldMasterIdLst>
+  <p:notesMasterIdLst>
+    <p:notesMasterId r:id="rId9"/>
+  </p:notesMasterIdLst>
   <p:sldIdLst>
     <p:sldId id="256" r:id="rId2"/>
     <p:sldId id="257" r:id="rId3"/>
     <p:sldId id="258" r:id="rId4"/>
     <p:sldId id="259" r:id="rId5"/>
     <p:sldId id="260" r:id="rId6"/>
+    <p:sldId id="262" r:id="rId7"/>
+    <p:sldId id="261" r:id="rId8"/>
   </p:sldIdLst>
   <p:sldSz cx="12192000" cy="6858000"/>
   <p:notesSz cx="6858000" cy="9144000"/>
@@ -109,6 +114,469 @@
     </a:lvl9pPr>
   </p:defaultTextStyle>
 </p:presentation>
+</file>
+
+<file path=ppt/notesMasters/notesMaster1.xml><?xml version="1.0" encoding="utf-8"?>
+<p:notesMaster xmlns:a="http://schemas.openxmlformats.org/drawingml/2006/main" xmlns:r="http://schemas.openxmlformats.org/officeDocument/2006/relationships" xmlns:p="http://schemas.openxmlformats.org/presentationml/2006/main">
+  <p:cSld>
+    <p:bg>
+      <p:bgRef idx="1001">
+        <a:schemeClr val="bg1"/>
+      </p:bgRef>
+    </p:bg>
+    <p:spTree>
+      <p:nvGrpSpPr>
+        <p:cNvPr id="1" name=""/>
+        <p:cNvGrpSpPr/>
+        <p:nvPr/>
+      </p:nvGrpSpPr>
+      <p:grpSpPr>
+        <a:xfrm>
+          <a:off x="0" y="0"/>
+          <a:ext cx="0" cy="0"/>
+          <a:chOff x="0" y="0"/>
+          <a:chExt cx="0" cy="0"/>
+        </a:xfrm>
+      </p:grpSpPr>
+      <p:sp>
+        <p:nvSpPr>
+          <p:cNvPr id="2" name="Header Placeholder 1"/>
+          <p:cNvSpPr>
+            <a:spLocks noGrp="1"/>
+          </p:cNvSpPr>
+          <p:nvPr>
+            <p:ph type="hdr" sz="quarter"/>
+          </p:nvPr>
+        </p:nvSpPr>
+        <p:spPr>
+          <a:xfrm>
+            <a:off x="0" y="0"/>
+            <a:ext cx="2971800" cy="458788"/>
+          </a:xfrm>
+          <a:prstGeom prst="rect">
+            <a:avLst/>
+          </a:prstGeom>
+        </p:spPr>
+        <p:txBody>
+          <a:bodyPr vert="horz" lIns="91440" tIns="45720" rIns="91440" bIns="45720" rtlCol="0"/>
+          <a:lstStyle>
+            <a:lvl1pPr algn="l">
+              <a:defRPr sz="1200"/>
+            </a:lvl1pPr>
+          </a:lstStyle>
+          <a:p>
+            <a:endParaRPr lang="en-US"/>
+          </a:p>
+        </p:txBody>
+      </p:sp>
+      <p:sp>
+        <p:nvSpPr>
+          <p:cNvPr id="3" name="Date Placeholder 2"/>
+          <p:cNvSpPr>
+            <a:spLocks noGrp="1"/>
+          </p:cNvSpPr>
+          <p:nvPr>
+            <p:ph type="dt" idx="1"/>
+          </p:nvPr>
+        </p:nvSpPr>
+        <p:spPr>
+          <a:xfrm>
+            <a:off x="3884613" y="0"/>
+            <a:ext cx="2971800" cy="458788"/>
+          </a:xfrm>
+          <a:prstGeom prst="rect">
+            <a:avLst/>
+          </a:prstGeom>
+        </p:spPr>
+        <p:txBody>
+          <a:bodyPr vert="horz" lIns="91440" tIns="45720" rIns="91440" bIns="45720" rtlCol="0"/>
+          <a:lstStyle>
+            <a:lvl1pPr algn="r">
+              <a:defRPr sz="1200"/>
+            </a:lvl1pPr>
+          </a:lstStyle>
+          <a:p>
+            <a:fld id="{8F4A43FB-D854-4B89-9ABE-FF95F96787A3}" type="datetimeFigureOut">
+              <a:rPr lang="en-US" smtClean="0"/>
+              <a:t>8/4/2019</a:t>
+            </a:fld>
+            <a:endParaRPr lang="en-US"/>
+          </a:p>
+        </p:txBody>
+      </p:sp>
+      <p:sp>
+        <p:nvSpPr>
+          <p:cNvPr id="4" name="Slide Image Placeholder 3"/>
+          <p:cNvSpPr>
+            <a:spLocks noGrp="1" noRot="1" noChangeAspect="1"/>
+          </p:cNvSpPr>
+          <p:nvPr>
+            <p:ph type="sldImg" idx="2"/>
+          </p:nvPr>
+        </p:nvSpPr>
+        <p:spPr>
+          <a:xfrm>
+            <a:off x="685800" y="1143000"/>
+            <a:ext cx="5486400" cy="3086100"/>
+          </a:xfrm>
+          <a:prstGeom prst="rect">
+            <a:avLst/>
+          </a:prstGeom>
+          <a:noFill/>
+          <a:ln w="12700">
+            <a:solidFill>
+              <a:prstClr val="black"/>
+            </a:solidFill>
+          </a:ln>
+        </p:spPr>
+        <p:txBody>
+          <a:bodyPr vert="horz" lIns="91440" tIns="45720" rIns="91440" bIns="45720" rtlCol="0" anchor="ctr"/>
+          <a:lstStyle/>
+          <a:p>
+            <a:endParaRPr lang="en-US"/>
+          </a:p>
+        </p:txBody>
+      </p:sp>
+      <p:sp>
+        <p:nvSpPr>
+          <p:cNvPr id="5" name="Notes Placeholder 4"/>
+          <p:cNvSpPr>
+            <a:spLocks noGrp="1"/>
+          </p:cNvSpPr>
+          <p:nvPr>
+            <p:ph type="body" sz="quarter" idx="3"/>
+          </p:nvPr>
+        </p:nvSpPr>
+        <p:spPr>
+          <a:xfrm>
+            <a:off x="685800" y="4400550"/>
+            <a:ext cx="5486400" cy="3600450"/>
+          </a:xfrm>
+          <a:prstGeom prst="rect">
+            <a:avLst/>
+          </a:prstGeom>
+        </p:spPr>
+        <p:txBody>
+          <a:bodyPr vert="horz" lIns="91440" tIns="45720" rIns="91440" bIns="45720" rtlCol="0"/>
+          <a:lstStyle/>
+          <a:p>
+            <a:pPr lvl="0"/>
+            <a:r>
+              <a:rPr lang="en-US" smtClean="0"/>
+              <a:t>Click to edit Master text styles</a:t>
+            </a:r>
+          </a:p>
+          <a:p>
+            <a:pPr lvl="1"/>
+            <a:r>
+              <a:rPr lang="en-US" smtClean="0"/>
+              <a:t>Second level</a:t>
+            </a:r>
+          </a:p>
+          <a:p>
+            <a:pPr lvl="2"/>
+            <a:r>
+              <a:rPr lang="en-US" smtClean="0"/>
+              <a:t>Third level</a:t>
+            </a:r>
+          </a:p>
+          <a:p>
+            <a:pPr lvl="3"/>
+            <a:r>
+              <a:rPr lang="en-US" smtClean="0"/>
+              <a:t>Fourth level</a:t>
+            </a:r>
+          </a:p>
+          <a:p>
+            <a:pPr lvl="4"/>
+            <a:r>
+              <a:rPr lang="en-US" smtClean="0"/>
+              <a:t>Fifth level</a:t>
+            </a:r>
+            <a:endParaRPr lang="en-US"/>
+          </a:p>
+        </p:txBody>
+      </p:sp>
+      <p:sp>
+        <p:nvSpPr>
+          <p:cNvPr id="6" name="Footer Placeholder 5"/>
+          <p:cNvSpPr>
+            <a:spLocks noGrp="1"/>
+          </p:cNvSpPr>
+          <p:nvPr>
+            <p:ph type="ftr" sz="quarter" idx="4"/>
+          </p:nvPr>
+        </p:nvSpPr>
+        <p:spPr>
+          <a:xfrm>
+            <a:off x="0" y="8685213"/>
+            <a:ext cx="2971800" cy="458787"/>
+          </a:xfrm>
+          <a:prstGeom prst="rect">
+            <a:avLst/>
+          </a:prstGeom>
+        </p:spPr>
+        <p:txBody>
+          <a:bodyPr vert="horz" lIns="91440" tIns="45720" rIns="91440" bIns="45720" rtlCol="0" anchor="b"/>
+          <a:lstStyle>
+            <a:lvl1pPr algn="l">
+              <a:defRPr sz="1200"/>
+            </a:lvl1pPr>
+          </a:lstStyle>
+          <a:p>
+            <a:endParaRPr lang="en-US"/>
+          </a:p>
+        </p:txBody>
+      </p:sp>
+      <p:sp>
+        <p:nvSpPr>
+          <p:cNvPr id="7" name="Slide Number Placeholder 6"/>
+          <p:cNvSpPr>
+            <a:spLocks noGrp="1"/>
+          </p:cNvSpPr>
+          <p:nvPr>
+            <p:ph type="sldNum" sz="quarter" idx="5"/>
+          </p:nvPr>
+        </p:nvSpPr>
+        <p:spPr>
+          <a:xfrm>
+            <a:off x="3884613" y="8685213"/>
+            <a:ext cx="2971800" cy="458787"/>
+          </a:xfrm>
+          <a:prstGeom prst="rect">
+            <a:avLst/>
+          </a:prstGeom>
+        </p:spPr>
+        <p:txBody>
+          <a:bodyPr vert="horz" lIns="91440" tIns="45720" rIns="91440" bIns="45720" rtlCol="0" anchor="b"/>
+          <a:lstStyle>
+            <a:lvl1pPr algn="r">
+              <a:defRPr sz="1200"/>
+            </a:lvl1pPr>
+          </a:lstStyle>
+          <a:p>
+            <a:fld id="{354DFBB7-712C-4D98-B2C2-E7512CEAB31F}" type="slidenum">
+              <a:rPr lang="en-US" smtClean="0"/>
+              <a:t>‹#›</a:t>
+            </a:fld>
+            <a:endParaRPr lang="en-US"/>
+          </a:p>
+        </p:txBody>
+      </p:sp>
+    </p:spTree>
+    <p:extLst>
+      <p:ext uri="{BB962C8B-B14F-4D97-AF65-F5344CB8AC3E}">
+        <p14:creationId xmlns:p14="http://schemas.microsoft.com/office/powerpoint/2010/main" val="3555541756"/>
+      </p:ext>
+    </p:extLst>
+  </p:cSld>
+  <p:clrMap bg1="lt1" tx1="dk1" bg2="lt2" tx2="dk2" accent1="accent1" accent2="accent2" accent3="accent3" accent4="accent4" accent5="accent5" accent6="accent6" hlink="hlink" folHlink="folHlink"/>
+  <p:notesStyle>
+    <a:lvl1pPr marL="0" algn="l" defTabSz="914400" rtl="0" eaLnBrk="1" latinLnBrk="0" hangingPunct="1">
+      <a:defRPr sz="1200" kern="1200">
+        <a:solidFill>
+          <a:schemeClr val="tx1"/>
+        </a:solidFill>
+        <a:latin typeface="+mn-lt"/>
+        <a:ea typeface="+mn-ea"/>
+        <a:cs typeface="+mn-cs"/>
+      </a:defRPr>
+    </a:lvl1pPr>
+    <a:lvl2pPr marL="457200" algn="l" defTabSz="914400" rtl="0" eaLnBrk="1" latinLnBrk="0" hangingPunct="1">
+      <a:defRPr sz="1200" kern="1200">
+        <a:solidFill>
+          <a:schemeClr val="tx1"/>
+        </a:solidFill>
+        <a:latin typeface="+mn-lt"/>
+        <a:ea typeface="+mn-ea"/>
+        <a:cs typeface="+mn-cs"/>
+      </a:defRPr>
+    </a:lvl2pPr>
+    <a:lvl3pPr marL="914400" algn="l" defTabSz="914400" rtl="0" eaLnBrk="1" latinLnBrk="0" hangingPunct="1">
+      <a:defRPr sz="1200" kern="1200">
+        <a:solidFill>
+          <a:schemeClr val="tx1"/>
+        </a:solidFill>
+        <a:latin typeface="+mn-lt"/>
+        <a:ea typeface="+mn-ea"/>
+        <a:cs typeface="+mn-cs"/>
+      </a:defRPr>
+    </a:lvl3pPr>
+    <a:lvl4pPr marL="1371600" algn="l" defTabSz="914400" rtl="0" eaLnBrk="1" latinLnBrk="0" hangingPunct="1">
+      <a:defRPr sz="1200" kern="1200">
+        <a:solidFill>
+          <a:schemeClr val="tx1"/>
+        </a:solidFill>
+        <a:latin typeface="+mn-lt"/>
+        <a:ea typeface="+mn-ea"/>
+        <a:cs typeface="+mn-cs"/>
+      </a:defRPr>
+    </a:lvl4pPr>
+    <a:lvl5pPr marL="1828800" algn="l" defTabSz="914400" rtl="0" eaLnBrk="1" latinLnBrk="0" hangingPunct="1">
+      <a:defRPr sz="1200" kern="1200">
+        <a:solidFill>
+          <a:schemeClr val="tx1"/>
+        </a:solidFill>
+        <a:latin typeface="+mn-lt"/>
+        <a:ea typeface="+mn-ea"/>
+        <a:cs typeface="+mn-cs"/>
+      </a:defRPr>
+    </a:lvl5pPr>
+    <a:lvl6pPr marL="2286000" algn="l" defTabSz="914400" rtl="0" eaLnBrk="1" latinLnBrk="0" hangingPunct="1">
+      <a:defRPr sz="1200" kern="1200">
+        <a:solidFill>
+          <a:schemeClr val="tx1"/>
+        </a:solidFill>
+        <a:latin typeface="+mn-lt"/>
+        <a:ea typeface="+mn-ea"/>
+        <a:cs typeface="+mn-cs"/>
+      </a:defRPr>
+    </a:lvl6pPr>
+    <a:lvl7pPr marL="2743200" algn="l" defTabSz="914400" rtl="0" eaLnBrk="1" latinLnBrk="0" hangingPunct="1">
+      <a:defRPr sz="1200" kern="1200">
+        <a:solidFill>
+          <a:schemeClr val="tx1"/>
+        </a:solidFill>
+        <a:latin typeface="+mn-lt"/>
+        <a:ea typeface="+mn-ea"/>
+        <a:cs typeface="+mn-cs"/>
+      </a:defRPr>
+    </a:lvl7pPr>
+    <a:lvl8pPr marL="3200400" algn="l" defTabSz="914400" rtl="0" eaLnBrk="1" latinLnBrk="0" hangingPunct="1">
+      <a:defRPr sz="1200" kern="1200">
+        <a:solidFill>
+          <a:schemeClr val="tx1"/>
+        </a:solidFill>
+        <a:latin typeface="+mn-lt"/>
+        <a:ea typeface="+mn-ea"/>
+        <a:cs typeface="+mn-cs"/>
+      </a:defRPr>
+    </a:lvl8pPr>
+    <a:lvl9pPr marL="3657600" algn="l" defTabSz="914400" rtl="0" eaLnBrk="1" latinLnBrk="0" hangingPunct="1">
+      <a:defRPr sz="1200" kern="1200">
+        <a:solidFill>
+          <a:schemeClr val="tx1"/>
+        </a:solidFill>
+        <a:latin typeface="+mn-lt"/>
+        <a:ea typeface="+mn-ea"/>
+        <a:cs typeface="+mn-cs"/>
+      </a:defRPr>
+    </a:lvl9pPr>
+  </p:notesStyle>
+</p:notesMaster>
+</file>
+
+<file path=ppt/notesSlides/notesSlide1.xml><?xml version="1.0" encoding="utf-8"?>
+<p:notes xmlns:a="http://schemas.openxmlformats.org/drawingml/2006/main" xmlns:r="http://schemas.openxmlformats.org/officeDocument/2006/relationships" xmlns:p="http://schemas.openxmlformats.org/presentationml/2006/main">
+  <p:cSld>
+    <p:spTree>
+      <p:nvGrpSpPr>
+        <p:cNvPr id="1" name=""/>
+        <p:cNvGrpSpPr/>
+        <p:nvPr/>
+      </p:nvGrpSpPr>
+      <p:grpSpPr>
+        <a:xfrm>
+          <a:off x="0" y="0"/>
+          <a:ext cx="0" cy="0"/>
+          <a:chOff x="0" y="0"/>
+          <a:chExt cx="0" cy="0"/>
+        </a:xfrm>
+      </p:grpSpPr>
+      <p:sp>
+        <p:nvSpPr>
+          <p:cNvPr id="2" name="Slide Image Placeholder 1"/>
+          <p:cNvSpPr>
+            <a:spLocks noGrp="1" noRot="1" noChangeAspect="1"/>
+          </p:cNvSpPr>
+          <p:nvPr>
+            <p:ph type="sldImg"/>
+          </p:nvPr>
+        </p:nvSpPr>
+        <p:spPr/>
+      </p:sp>
+      <p:sp>
+        <p:nvSpPr>
+          <p:cNvPr id="3" name="Notes Placeholder 2"/>
+          <p:cNvSpPr>
+            <a:spLocks noGrp="1"/>
+          </p:cNvSpPr>
+          <p:nvPr>
+            <p:ph type="body" idx="1"/>
+          </p:nvPr>
+        </p:nvSpPr>
+        <p:spPr/>
+        <p:txBody>
+          <a:bodyPr/>
+          <a:lstStyle/>
+          <a:p>
+            <a:pPr marL="0" marR="0" indent="0" algn="l" defTabSz="914400" rtl="0" eaLnBrk="1" fontAlgn="auto" latinLnBrk="0" hangingPunct="1">
+              <a:lnSpc>
+                <a:spcPct val="100000"/>
+              </a:lnSpc>
+              <a:spcBef>
+                <a:spcPts val="0"/>
+              </a:spcBef>
+              <a:spcAft>
+                <a:spcPts val="0"/>
+              </a:spcAft>
+              <a:buClrTx/>
+              <a:buSzTx/>
+              <a:buFontTx/>
+              <a:buNone/>
+              <a:tabLst/>
+              <a:defRPr/>
+            </a:pPr>
+            <a:r>
+              <a:rPr lang="en-US" dirty="0" smtClean="0">
+                <a:hlinkClick r:id="rId3"/>
+              </a:rPr>
+              <a:t>https://stackblitz.com/edit/rxjs-subjects-comparison?file=index.ts&amp;devtoolsheight=100</a:t>
+            </a:r>
+            <a:endParaRPr lang="en-US" dirty="0" smtClean="0">
+              <a:latin typeface="Times New Roman" panose="02020603050405020304" pitchFamily="18" charset="0"/>
+              <a:cs typeface="Times New Roman" panose="02020603050405020304" pitchFamily="18" charset="0"/>
+            </a:endParaRPr>
+          </a:p>
+          <a:p>
+            <a:endParaRPr lang="en-US" dirty="0"/>
+          </a:p>
+        </p:txBody>
+      </p:sp>
+      <p:sp>
+        <p:nvSpPr>
+          <p:cNvPr id="4" name="Slide Number Placeholder 3"/>
+          <p:cNvSpPr>
+            <a:spLocks noGrp="1"/>
+          </p:cNvSpPr>
+          <p:nvPr>
+            <p:ph type="sldNum" sz="quarter" idx="10"/>
+          </p:nvPr>
+        </p:nvSpPr>
+        <p:spPr/>
+        <p:txBody>
+          <a:bodyPr/>
+          <a:lstStyle/>
+          <a:p>
+            <a:fld id="{354DFBB7-712C-4D98-B2C2-E7512CEAB31F}" type="slidenum">
+              <a:rPr lang="en-US" smtClean="0"/>
+              <a:t>5</a:t>
+            </a:fld>
+            <a:endParaRPr lang="en-US"/>
+          </a:p>
+        </p:txBody>
+      </p:sp>
+    </p:spTree>
+    <p:extLst>
+      <p:ext uri="{BB962C8B-B14F-4D97-AF65-F5344CB8AC3E}">
+        <p14:creationId xmlns:p14="http://schemas.microsoft.com/office/powerpoint/2010/main" val="706953282"/>
+      </p:ext>
+    </p:extLst>
+  </p:cSld>
+  <p:clrMapOvr>
+    <a:masterClrMapping/>
+  </p:clrMapOvr>
+</p:notes>
 </file>
 
 <file path=ppt/slideLayouts/slideLayout1.xml><?xml version="1.0" encoding="utf-8"?>
@@ -6019,20 +6487,6 @@
               <a:t>ExhaustMap</a:t>
             </a:r>
             <a:r>
-              <a:rPr lang="nl-NL" dirty="0">
-                <a:latin typeface="Times New Roman" panose="02020603050405020304" pitchFamily="18" charset="0"/>
-                <a:cs typeface="Times New Roman" panose="02020603050405020304" pitchFamily="18" charset="0"/>
-              </a:rPr>
-              <a:t>, </a:t>
-            </a:r>
-            <a:r>
-              <a:rPr lang="nl-NL" dirty="0" smtClean="0">
-                <a:latin typeface="Times New Roman" panose="02020603050405020304" pitchFamily="18" charset="0"/>
-                <a:cs typeface="Times New Roman" panose="02020603050405020304" pitchFamily="18" charset="0"/>
-              </a:rPr>
-              <a:t>MergeMap</a:t>
-            </a:r>
-            <a:r>
               <a:rPr lang="nl-NL">
                 <a:latin typeface="Times New Roman" panose="02020603050405020304" pitchFamily="18" charset="0"/>
                 <a:cs typeface="Times New Roman" panose="02020603050405020304" pitchFamily="18" charset="0"/>
@@ -6044,12 +6498,15 @@
                 <a:latin typeface="Times New Roman" panose="02020603050405020304" pitchFamily="18" charset="0"/>
                 <a:cs typeface="Times New Roman" panose="02020603050405020304" pitchFamily="18" charset="0"/>
               </a:rPr>
+              <a:t>MergeMap (FlatMap), </a:t>
+            </a:r>
+            <a:r>
+              <a:rPr lang="nl-NL" dirty="0" smtClean="0">
+                <a:latin typeface="Times New Roman" panose="02020603050405020304" pitchFamily="18" charset="0"/>
+                <a:cs typeface="Times New Roman" panose="02020603050405020304" pitchFamily="18" charset="0"/>
+              </a:rPr>
               <a:t>ConcatMap</a:t>
             </a:r>
-            <a:endParaRPr lang="nl-NL" dirty="0" smtClean="0">
-              <a:latin typeface="Times New Roman" panose="02020603050405020304" pitchFamily="18" charset="0"/>
-              <a:cs typeface="Times New Roman" panose="02020603050405020304" pitchFamily="18" charset="0"/>
-            </a:endParaRPr>
           </a:p>
           <a:p>
             <a:r>
@@ -6066,7 +6523,7 @@
                 <a:latin typeface="Times New Roman" panose="02020603050405020304" pitchFamily="18" charset="0"/>
                 <a:cs typeface="Times New Roman" panose="02020603050405020304" pitchFamily="18" charset="0"/>
               </a:rPr>
-              <a:t>Common operators in RXJS</a:t>
+              <a:t>24 Common operators in RXJS</a:t>
             </a:r>
           </a:p>
           <a:p>
@@ -6498,7 +6955,9 @@
         </p:nvSpPr>
         <p:spPr/>
         <p:txBody>
-          <a:bodyPr/>
+          <a:bodyPr>
+            <a:normAutofit/>
+          </a:bodyPr>
           <a:lstStyle/>
           <a:p>
             <a:pPr marL="0" indent="0">
@@ -6603,10 +7062,15 @@
                 <a:latin typeface="Times New Roman" panose="02020603050405020304" pitchFamily="18" charset="0"/>
                 <a:cs typeface="Times New Roman" panose="02020603050405020304" pitchFamily="18" charset="0"/>
               </a:rPr>
-              <a:t> - Emits specified number of last emitted values (a replay) to new subscribers.</a:t>
-            </a:r>
-          </a:p>
-          <a:p>
+              <a:t> - Emits specified number of last emitted values (a replay) to new subscribers</a:t>
+            </a:r>
+            <a:r>
+              <a:rPr lang="en-US" dirty="0" smtClean="0">
+                <a:latin typeface="Times New Roman" panose="02020603050405020304" pitchFamily="18" charset="0"/>
+                <a:cs typeface="Times New Roman" panose="02020603050405020304" pitchFamily="18" charset="0"/>
+              </a:rPr>
+              <a:t>.</a:t>
+            </a:r>
             <a:endParaRPr lang="en-US" dirty="0">
               <a:latin typeface="Times New Roman" panose="02020603050405020304" pitchFamily="18" charset="0"/>
               <a:cs typeface="Times New Roman" panose="02020603050405020304" pitchFamily="18" charset="0"/>
@@ -6618,6 +7082,346 @@
     <p:extLst>
       <p:ext uri="{BB962C8B-B14F-4D97-AF65-F5344CB8AC3E}">
         <p14:creationId xmlns:p14="http://schemas.microsoft.com/office/powerpoint/2010/main" val="1432021771"/>
+      </p:ext>
+    </p:extLst>
+  </p:cSld>
+  <p:clrMapOvr>
+    <a:masterClrMapping/>
+  </p:clrMapOvr>
+  <p:timing>
+    <p:tnLst>
+      <p:par>
+        <p:cTn id="1" dur="indefinite" restart="never" nodeType="tmRoot"/>
+      </p:par>
+    </p:tnLst>
+  </p:timing>
+</p:sld>
+</file>
+
+<file path=ppt/slides/slide6.xml><?xml version="1.0" encoding="utf-8"?>
+<p:sld xmlns:a="http://schemas.openxmlformats.org/drawingml/2006/main" xmlns:r="http://schemas.openxmlformats.org/officeDocument/2006/relationships" xmlns:p="http://schemas.openxmlformats.org/presentationml/2006/main">
+  <p:cSld>
+    <p:spTree>
+      <p:nvGrpSpPr>
+        <p:cNvPr id="1" name=""/>
+        <p:cNvGrpSpPr/>
+        <p:nvPr/>
+      </p:nvGrpSpPr>
+      <p:grpSpPr>
+        <a:xfrm>
+          <a:off x="0" y="0"/>
+          <a:ext cx="0" cy="0"/>
+          <a:chOff x="0" y="0"/>
+          <a:chExt cx="0" cy="0"/>
+        </a:xfrm>
+      </p:grpSpPr>
+      <p:sp>
+        <p:nvSpPr>
+          <p:cNvPr id="2" name="Title 1"/>
+          <p:cNvSpPr>
+            <a:spLocks noGrp="1"/>
+          </p:cNvSpPr>
+          <p:nvPr>
+            <p:ph type="title"/>
+          </p:nvPr>
+        </p:nvSpPr>
+        <p:spPr/>
+        <p:txBody>
+          <a:bodyPr>
+            <a:normAutofit fontScale="90000"/>
+          </a:bodyPr>
+          <a:lstStyle/>
+          <a:p>
+            <a:r>
+              <a:rPr lang="nl-NL" dirty="0" smtClean="0">
+                <a:latin typeface="Times New Roman" panose="02020603050405020304" pitchFamily="18" charset="0"/>
+                <a:cs typeface="Times New Roman" panose="02020603050405020304" pitchFamily="18" charset="0"/>
+              </a:rPr>
+              <a:t/>
+            </a:r>
+            <a:br>
+              <a:rPr lang="nl-NL" dirty="0" smtClean="0">
+                <a:latin typeface="Times New Roman" panose="02020603050405020304" pitchFamily="18" charset="0"/>
+                <a:cs typeface="Times New Roman" panose="02020603050405020304" pitchFamily="18" charset="0"/>
+              </a:rPr>
+            </a:br>
+            <a:r>
+              <a:rPr lang="nl-NL" dirty="0" smtClean="0">
+                <a:latin typeface="Times New Roman" panose="02020603050405020304" pitchFamily="18" charset="0"/>
+                <a:cs typeface="Times New Roman" panose="02020603050405020304" pitchFamily="18" charset="0"/>
+              </a:rPr>
+              <a:t>SwitchMap</a:t>
+            </a:r>
+            <a:r>
+              <a:rPr lang="nl-NL" dirty="0">
+                <a:latin typeface="Times New Roman" panose="02020603050405020304" pitchFamily="18" charset="0"/>
+                <a:cs typeface="Times New Roman" panose="02020603050405020304" pitchFamily="18" charset="0"/>
+              </a:rPr>
+              <a:t>, ExhaustMap, </a:t>
+            </a:r>
+            <a:r>
+              <a:rPr lang="nl-NL" dirty="0" smtClean="0">
+                <a:latin typeface="Times New Roman" panose="02020603050405020304" pitchFamily="18" charset="0"/>
+                <a:cs typeface="Times New Roman" panose="02020603050405020304" pitchFamily="18" charset="0"/>
+              </a:rPr>
+              <a:t/>
+            </a:r>
+            <a:br>
+              <a:rPr lang="nl-NL" dirty="0" smtClean="0">
+                <a:latin typeface="Times New Roman" panose="02020603050405020304" pitchFamily="18" charset="0"/>
+                <a:cs typeface="Times New Roman" panose="02020603050405020304" pitchFamily="18" charset="0"/>
+              </a:rPr>
+            </a:br>
+            <a:r>
+              <a:rPr lang="nl-NL" dirty="0" smtClean="0">
+                <a:latin typeface="Times New Roman" panose="02020603050405020304" pitchFamily="18" charset="0"/>
+                <a:cs typeface="Times New Roman" panose="02020603050405020304" pitchFamily="18" charset="0"/>
+              </a:rPr>
+              <a:t>MergeMap</a:t>
+            </a:r>
+            <a:r>
+              <a:rPr lang="nl-NL" dirty="0">
+                <a:latin typeface="Times New Roman" panose="02020603050405020304" pitchFamily="18" charset="0"/>
+                <a:cs typeface="Times New Roman" panose="02020603050405020304" pitchFamily="18" charset="0"/>
+              </a:rPr>
+              <a:t>, ConcatMap</a:t>
+            </a:r>
+            <a:br>
+              <a:rPr lang="nl-NL" dirty="0">
+                <a:latin typeface="Times New Roman" panose="02020603050405020304" pitchFamily="18" charset="0"/>
+                <a:cs typeface="Times New Roman" panose="02020603050405020304" pitchFamily="18" charset="0"/>
+              </a:rPr>
+            </a:br>
+            <a:endParaRPr lang="en-US" dirty="0"/>
+          </a:p>
+        </p:txBody>
+      </p:sp>
+      <p:sp>
+        <p:nvSpPr>
+          <p:cNvPr id="3" name="Content Placeholder 2"/>
+          <p:cNvSpPr>
+            <a:spLocks noGrp="1"/>
+          </p:cNvSpPr>
+          <p:nvPr>
+            <p:ph idx="1"/>
+          </p:nvPr>
+        </p:nvSpPr>
+        <p:spPr/>
+        <p:txBody>
+          <a:bodyPr/>
+          <a:lstStyle/>
+          <a:p>
+            <a:endParaRPr lang="en-US" dirty="0"/>
+          </a:p>
+        </p:txBody>
+      </p:sp>
+    </p:spTree>
+    <p:extLst>
+      <p:ext uri="{BB962C8B-B14F-4D97-AF65-F5344CB8AC3E}">
+        <p14:creationId xmlns:p14="http://schemas.microsoft.com/office/powerpoint/2010/main" val="3072284170"/>
+      </p:ext>
+    </p:extLst>
+  </p:cSld>
+  <p:clrMapOvr>
+    <a:masterClrMapping/>
+  </p:clrMapOvr>
+</p:sld>
+</file>
+
+<file path=ppt/slides/slide7.xml><?xml version="1.0" encoding="utf-8"?>
+<p:sld xmlns:a="http://schemas.openxmlformats.org/drawingml/2006/main" xmlns:r="http://schemas.openxmlformats.org/officeDocument/2006/relationships" xmlns:p="http://schemas.openxmlformats.org/presentationml/2006/main">
+  <p:cSld>
+    <p:spTree>
+      <p:nvGrpSpPr>
+        <p:cNvPr id="1" name=""/>
+        <p:cNvGrpSpPr/>
+        <p:nvPr/>
+      </p:nvGrpSpPr>
+      <p:grpSpPr>
+        <a:xfrm>
+          <a:off x="0" y="0"/>
+          <a:ext cx="0" cy="0"/>
+          <a:chOff x="0" y="0"/>
+          <a:chExt cx="0" cy="0"/>
+        </a:xfrm>
+      </p:grpSpPr>
+      <p:sp>
+        <p:nvSpPr>
+          <p:cNvPr id="2" name="Title 1"/>
+          <p:cNvSpPr>
+            <a:spLocks noGrp="1"/>
+          </p:cNvSpPr>
+          <p:nvPr>
+            <p:ph type="title"/>
+          </p:nvPr>
+        </p:nvSpPr>
+        <p:spPr/>
+        <p:txBody>
+          <a:bodyPr>
+            <a:noAutofit/>
+          </a:bodyPr>
+          <a:lstStyle/>
+          <a:p>
+            <a:r>
+              <a:rPr lang="nl-NL" sz="5500" dirty="0" smtClean="0">
+                <a:latin typeface="Times New Roman" panose="02020603050405020304" pitchFamily="18" charset="0"/>
+                <a:cs typeface="Times New Roman" panose="02020603050405020304" pitchFamily="18" charset="0"/>
+              </a:rPr>
+              <a:t/>
+            </a:r>
+            <a:br>
+              <a:rPr lang="nl-NL" sz="5500" dirty="0" smtClean="0">
+                <a:latin typeface="Times New Roman" panose="02020603050405020304" pitchFamily="18" charset="0"/>
+                <a:cs typeface="Times New Roman" panose="02020603050405020304" pitchFamily="18" charset="0"/>
+              </a:rPr>
+            </a:br>
+            <a:r>
+              <a:rPr lang="nl-NL" sz="5500" dirty="0" smtClean="0">
+                <a:latin typeface="Times New Roman" panose="02020603050405020304" pitchFamily="18" charset="0"/>
+                <a:cs typeface="Times New Roman" panose="02020603050405020304" pitchFamily="18" charset="0"/>
+              </a:rPr>
+              <a:t>Useful </a:t>
+            </a:r>
+            <a:r>
+              <a:rPr lang="nl-NL" sz="5500" dirty="0">
+                <a:latin typeface="Times New Roman" panose="02020603050405020304" pitchFamily="18" charset="0"/>
+                <a:cs typeface="Times New Roman" panose="02020603050405020304" pitchFamily="18" charset="0"/>
+              </a:rPr>
+              <a:t>resource</a:t>
+            </a:r>
+            <a:r>
+              <a:rPr lang="en-US" sz="5500" dirty="0">
+                <a:latin typeface="Times New Roman" panose="02020603050405020304" pitchFamily="18" charset="0"/>
+                <a:cs typeface="Times New Roman" panose="02020603050405020304" pitchFamily="18" charset="0"/>
+              </a:rPr>
+              <a:t/>
+            </a:r>
+            <a:br>
+              <a:rPr lang="en-US" sz="5500" dirty="0">
+                <a:latin typeface="Times New Roman" panose="02020603050405020304" pitchFamily="18" charset="0"/>
+                <a:cs typeface="Times New Roman" panose="02020603050405020304" pitchFamily="18" charset="0"/>
+              </a:rPr>
+            </a:br>
+            <a:endParaRPr lang="en-US" sz="5500" dirty="0"/>
+          </a:p>
+        </p:txBody>
+      </p:sp>
+      <p:sp>
+        <p:nvSpPr>
+          <p:cNvPr id="3" name="Content Placeholder 2"/>
+          <p:cNvSpPr>
+            <a:spLocks noGrp="1"/>
+          </p:cNvSpPr>
+          <p:nvPr>
+            <p:ph idx="1"/>
+          </p:nvPr>
+        </p:nvSpPr>
+        <p:spPr/>
+        <p:txBody>
+          <a:bodyPr>
+            <a:normAutofit/>
+          </a:bodyPr>
+          <a:lstStyle/>
+          <a:p>
+            <a:endParaRPr lang="en-US" sz="3000" dirty="0" smtClean="0">
+              <a:latin typeface="Times New Roman" panose="02020603050405020304" pitchFamily="18" charset="0"/>
+              <a:cs typeface="Times New Roman" panose="02020603050405020304" pitchFamily="18" charset="0"/>
+            </a:endParaRPr>
+          </a:p>
+          <a:p>
+            <a:r>
+              <a:rPr lang="en-US" sz="3000" dirty="0" smtClean="0">
+                <a:latin typeface="Times New Roman" panose="02020603050405020304" pitchFamily="18" charset="0"/>
+                <a:cs typeface="Times New Roman" panose="02020603050405020304" pitchFamily="18" charset="0"/>
+              </a:rPr>
+              <a:t>https</a:t>
+            </a:r>
+            <a:r>
+              <a:rPr lang="en-US" sz="3000" dirty="0">
+                <a:latin typeface="Times New Roman" panose="02020603050405020304" pitchFamily="18" charset="0"/>
+                <a:cs typeface="Times New Roman" panose="02020603050405020304" pitchFamily="18" charset="0"/>
+              </a:rPr>
+              <a:t>://www.learnrxjs.io</a:t>
+            </a:r>
+            <a:r>
+              <a:rPr lang="en-US" sz="3000" dirty="0" smtClean="0">
+                <a:latin typeface="Times New Roman" panose="02020603050405020304" pitchFamily="18" charset="0"/>
+                <a:cs typeface="Times New Roman" panose="02020603050405020304" pitchFamily="18" charset="0"/>
+              </a:rPr>
+              <a:t>/</a:t>
+            </a:r>
+          </a:p>
+          <a:p>
+            <a:r>
+              <a:rPr lang="en-US" sz="3000" dirty="0">
+                <a:latin typeface="Times New Roman" panose="02020603050405020304" pitchFamily="18" charset="0"/>
+                <a:cs typeface="Times New Roman" panose="02020603050405020304" pitchFamily="18" charset="0"/>
+              </a:rPr>
+              <a:t>https://thinkrx.io</a:t>
+            </a:r>
+            <a:r>
+              <a:rPr lang="en-US" sz="3000" dirty="0" smtClean="0">
+                <a:latin typeface="Times New Roman" panose="02020603050405020304" pitchFamily="18" charset="0"/>
+                <a:cs typeface="Times New Roman" panose="02020603050405020304" pitchFamily="18" charset="0"/>
+              </a:rPr>
+              <a:t>/</a:t>
+            </a:r>
+          </a:p>
+          <a:p>
+            <a:r>
+              <a:rPr lang="en-US" sz="3000" dirty="0">
+                <a:latin typeface="Times New Roman" panose="02020603050405020304" pitchFamily="18" charset="0"/>
+                <a:cs typeface="Times New Roman" panose="02020603050405020304" pitchFamily="18" charset="0"/>
+              </a:rPr>
+              <a:t>https://xgrommx.github.io/rx-book/content/which_operator_do_i_use/index.html</a:t>
+            </a:r>
+            <a:endParaRPr lang="en-US" sz="3000" dirty="0" smtClean="0">
+              <a:latin typeface="Times New Roman" panose="02020603050405020304" pitchFamily="18" charset="0"/>
+              <a:cs typeface="Times New Roman" panose="02020603050405020304" pitchFamily="18" charset="0"/>
+            </a:endParaRPr>
+          </a:p>
+          <a:p>
+            <a:r>
+              <a:rPr lang="en-US" sz="3000" dirty="0" smtClean="0">
+                <a:latin typeface="Times New Roman" panose="02020603050405020304" pitchFamily="18" charset="0"/>
+                <a:cs typeface="Times New Roman" panose="02020603050405020304" pitchFamily="18" charset="0"/>
+              </a:rPr>
+              <a:t>https</a:t>
+            </a:r>
+            <a:r>
+              <a:rPr lang="en-US" sz="3000" dirty="0">
+                <a:latin typeface="Times New Roman" panose="02020603050405020304" pitchFamily="18" charset="0"/>
+                <a:cs typeface="Times New Roman" panose="02020603050405020304" pitchFamily="18" charset="0"/>
+              </a:rPr>
+              <a:t>://youtu.be/_</a:t>
+            </a:r>
+            <a:r>
+              <a:rPr lang="en-US" sz="3000" dirty="0" smtClean="0">
+                <a:latin typeface="Times New Roman" panose="02020603050405020304" pitchFamily="18" charset="0"/>
+                <a:cs typeface="Times New Roman" panose="02020603050405020304" pitchFamily="18" charset="0"/>
+              </a:rPr>
+              <a:t>q-HL9YX_pk</a:t>
+            </a:r>
+          </a:p>
+          <a:p>
+            <a:r>
+              <a:rPr lang="en-US" sz="3000" dirty="0">
+                <a:latin typeface="Times New Roman" panose="02020603050405020304" pitchFamily="18" charset="0"/>
+                <a:cs typeface="Times New Roman" panose="02020603050405020304" pitchFamily="18" charset="0"/>
+              </a:rPr>
+              <a:t>https://youtu.be/ak3MvMn8u18</a:t>
+            </a:r>
+            <a:endParaRPr lang="en-US" sz="3000" dirty="0" smtClean="0">
+              <a:latin typeface="Times New Roman" panose="02020603050405020304" pitchFamily="18" charset="0"/>
+              <a:cs typeface="Times New Roman" panose="02020603050405020304" pitchFamily="18" charset="0"/>
+            </a:endParaRPr>
+          </a:p>
+        </p:txBody>
+      </p:sp>
+    </p:spTree>
+    <p:extLst>
+      <p:ext uri="{BB962C8B-B14F-4D97-AF65-F5344CB8AC3E}">
+        <p14:creationId xmlns:p14="http://schemas.microsoft.com/office/powerpoint/2010/main" val="1157860236"/>
       </p:ext>
     </p:extLst>
   </p:cSld>
@@ -6893,4 +7697,265 @@
     </a:ext>
   </a:extLst>
 </a:theme>
+</file>
+
+<file path=ppt/theme/theme2.xml><?xml version="1.0" encoding="utf-8"?>
+<a:theme xmlns:a="http://schemas.openxmlformats.org/drawingml/2006/main" name="Office Theme">
+  <a:themeElements>
+    <a:clrScheme name="Office">
+      <a:dk1>
+        <a:sysClr val="windowText" lastClr="000000"/>
+      </a:dk1>
+      <a:lt1>
+        <a:sysClr val="window" lastClr="FFFFFF"/>
+      </a:lt1>
+      <a:dk2>
+        <a:srgbClr val="44546A"/>
+      </a:dk2>
+      <a:lt2>
+        <a:srgbClr val="E7E6E6"/>
+      </a:lt2>
+      <a:accent1>
+        <a:srgbClr val="5B9BD5"/>
+      </a:accent1>
+      <a:accent2>
+        <a:srgbClr val="ED7D31"/>
+      </a:accent2>
+      <a:accent3>
+        <a:srgbClr val="A5A5A5"/>
+      </a:accent3>
+      <a:accent4>
+        <a:srgbClr val="FFC000"/>
+      </a:accent4>
+      <a:accent5>
+        <a:srgbClr val="4472C4"/>
+      </a:accent5>
+      <a:accent6>
+        <a:srgbClr val="70AD47"/>
+      </a:accent6>
+      <a:hlink>
+        <a:srgbClr val="0563C1"/>
+      </a:hlink>
+      <a:folHlink>
+        <a:srgbClr val="954F72"/>
+      </a:folHlink>
+    </a:clrScheme>
+    <a:fontScheme name="Office">
+      <a:majorFont>
+        <a:latin typeface="Calibri Light" panose="020F0302020204030204"/>
+        <a:ea typeface=""/>
+        <a:cs typeface=""/>
+        <a:font script="Jpan" typeface="ＭＳ Ｐゴシック"/>
+        <a:font script="Hang" typeface="맑은 고딕"/>
+        <a:font script="Hans" typeface="宋体"/>
+        <a:font script="Hant" typeface="新細明體"/>
+        <a:font script="Arab" typeface="Times New Roman"/>
+        <a:font script="Hebr" typeface="Times New Roman"/>
+        <a:font script="Thai" typeface="Angsana New"/>
+        <a:font script="Ethi" typeface="Nyala"/>
+        <a:font script="Beng" typeface="Vrinda"/>
+        <a:font script="Gujr" typeface="Shruti"/>
+        <a:font script="Khmr" typeface="MoolBoran"/>
+        <a:font script="Knda" typeface="Tunga"/>
+        <a:font script="Guru" typeface="Raavi"/>
+        <a:font script="Cans" typeface="Euphemia"/>
+        <a:font script="Cher" typeface="Plantagenet Cherokee"/>
+        <a:font script="Yiii" typeface="Microsoft Yi Baiti"/>
+        <a:font script="Tibt" typeface="Microsoft Himalaya"/>
+        <a:font script="Thaa" typeface="MV Boli"/>
+        <a:font script="Deva" typeface="Mangal"/>
+        <a:font script="Telu" typeface="Gautami"/>
+        <a:font script="Taml" typeface="Latha"/>
+        <a:font script="Syrc" typeface="Estrangelo Edessa"/>
+        <a:font script="Orya" typeface="Kalinga"/>
+        <a:font script="Mlym" typeface="Kartika"/>
+        <a:font script="Laoo" typeface="DokChampa"/>
+        <a:font script="Sinh" typeface="Iskoola Pota"/>
+        <a:font script="Mong" typeface="Mongolian Baiti"/>
+        <a:font script="Viet" typeface="Times New Roman"/>
+        <a:font script="Uigh" typeface="Microsoft Uighur"/>
+        <a:font script="Geor" typeface="Sylfaen"/>
+      </a:majorFont>
+      <a:minorFont>
+        <a:latin typeface="Calibri" panose="020F0502020204030204"/>
+        <a:ea typeface=""/>
+        <a:cs typeface=""/>
+        <a:font script="Jpan" typeface="ＭＳ Ｐゴシック"/>
+        <a:font script="Hang" typeface="맑은 고딕"/>
+        <a:font script="Hans" typeface="宋体"/>
+        <a:font script="Hant" typeface="新細明體"/>
+        <a:font script="Arab" typeface="Arial"/>
+        <a:font script="Hebr" typeface="Arial"/>
+        <a:font script="Thai" typeface="Cordia New"/>
+        <a:font script="Ethi" typeface="Nyala"/>
+        <a:font script="Beng" typeface="Vrinda"/>
+        <a:font script="Gujr" typeface="Shruti"/>
+        <a:font script="Khmr" typeface="DaunPenh"/>
+        <a:font script="Knda" typeface="Tunga"/>
+        <a:font script="Guru" typeface="Raavi"/>
+        <a:font script="Cans" typeface="Euphemia"/>
+        <a:font script="Cher" typeface="Plantagenet Cherokee"/>
+        <a:font script="Yiii" typeface="Microsoft Yi Baiti"/>
+        <a:font script="Tibt" typeface="Microsoft Himalaya"/>
+        <a:font script="Thaa" typeface="MV Boli"/>
+        <a:font script="Deva" typeface="Mangal"/>
+        <a:font script="Telu" typeface="Gautami"/>
+        <a:font script="Taml" typeface="Latha"/>
+        <a:font script="Syrc" typeface="Estrangelo Edessa"/>
+        <a:font script="Orya" typeface="Kalinga"/>
+        <a:font script="Mlym" typeface="Kartika"/>
+        <a:font script="Laoo" typeface="DokChampa"/>
+        <a:font script="Sinh" typeface="Iskoola Pota"/>
+        <a:font script="Mong" typeface="Mongolian Baiti"/>
+        <a:font script="Viet" typeface="Arial"/>
+        <a:font script="Uigh" typeface="Microsoft Uighur"/>
+        <a:font script="Geor" typeface="Sylfaen"/>
+      </a:minorFont>
+    </a:fontScheme>
+    <a:fmtScheme name="Office">
+      <a:fillStyleLst>
+        <a:solidFill>
+          <a:schemeClr val="phClr"/>
+        </a:solidFill>
+        <a:gradFill rotWithShape="1">
+          <a:gsLst>
+            <a:gs pos="0">
+              <a:schemeClr val="phClr">
+                <a:lumMod val="110000"/>
+                <a:satMod val="105000"/>
+                <a:tint val="67000"/>
+              </a:schemeClr>
+            </a:gs>
+            <a:gs pos="50000">
+              <a:schemeClr val="phClr">
+                <a:lumMod val="105000"/>
+                <a:satMod val="103000"/>
+                <a:tint val="73000"/>
+              </a:schemeClr>
+            </a:gs>
+            <a:gs pos="100000">
+              <a:schemeClr val="phClr">
+                <a:lumMod val="105000"/>
+                <a:satMod val="109000"/>
+                <a:tint val="81000"/>
+              </a:schemeClr>
+            </a:gs>
+          </a:gsLst>
+          <a:lin ang="5400000" scaled="0"/>
+        </a:gradFill>
+        <a:gradFill rotWithShape="1">
+          <a:gsLst>
+            <a:gs pos="0">
+              <a:schemeClr val="phClr">
+                <a:satMod val="103000"/>
+                <a:lumMod val="102000"/>
+                <a:tint val="94000"/>
+              </a:schemeClr>
+            </a:gs>
+            <a:gs pos="50000">
+              <a:schemeClr val="phClr">
+                <a:satMod val="110000"/>
+                <a:lumMod val="100000"/>
+                <a:shade val="100000"/>
+              </a:schemeClr>
+            </a:gs>
+            <a:gs pos="100000">
+              <a:schemeClr val="phClr">
+                <a:lumMod val="99000"/>
+                <a:satMod val="120000"/>
+                <a:shade val="78000"/>
+              </a:schemeClr>
+            </a:gs>
+          </a:gsLst>
+          <a:lin ang="5400000" scaled="0"/>
+        </a:gradFill>
+      </a:fillStyleLst>
+      <a:lnStyleLst>
+        <a:ln w="6350" cap="flat" cmpd="sng" algn="ctr">
+          <a:solidFill>
+            <a:schemeClr val="phClr"/>
+          </a:solidFill>
+          <a:prstDash val="solid"/>
+          <a:miter lim="800000"/>
+        </a:ln>
+        <a:ln w="12700" cap="flat" cmpd="sng" algn="ctr">
+          <a:solidFill>
+            <a:schemeClr val="phClr"/>
+          </a:solidFill>
+          <a:prstDash val="solid"/>
+          <a:miter lim="800000"/>
+        </a:ln>
+        <a:ln w="19050" cap="flat" cmpd="sng" algn="ctr">
+          <a:solidFill>
+            <a:schemeClr val="phClr"/>
+          </a:solidFill>
+          <a:prstDash val="solid"/>
+          <a:miter lim="800000"/>
+        </a:ln>
+      </a:lnStyleLst>
+      <a:effectStyleLst>
+        <a:effectStyle>
+          <a:effectLst/>
+        </a:effectStyle>
+        <a:effectStyle>
+          <a:effectLst/>
+        </a:effectStyle>
+        <a:effectStyle>
+          <a:effectLst>
+            <a:outerShdw blurRad="57150" dist="19050" dir="5400000" algn="ctr" rotWithShape="0">
+              <a:srgbClr val="000000">
+                <a:alpha val="63000"/>
+              </a:srgbClr>
+            </a:outerShdw>
+          </a:effectLst>
+        </a:effectStyle>
+      </a:effectStyleLst>
+      <a:bgFillStyleLst>
+        <a:solidFill>
+          <a:schemeClr val="phClr"/>
+        </a:solidFill>
+        <a:solidFill>
+          <a:schemeClr val="phClr">
+            <a:tint val="95000"/>
+            <a:satMod val="170000"/>
+          </a:schemeClr>
+        </a:solidFill>
+        <a:gradFill rotWithShape="1">
+          <a:gsLst>
+            <a:gs pos="0">
+              <a:schemeClr val="phClr">
+                <a:tint val="93000"/>
+                <a:satMod val="150000"/>
+                <a:shade val="98000"/>
+                <a:lumMod val="102000"/>
+              </a:schemeClr>
+            </a:gs>
+            <a:gs pos="50000">
+              <a:schemeClr val="phClr">
+                <a:tint val="98000"/>
+                <a:satMod val="130000"/>
+                <a:shade val="90000"/>
+                <a:lumMod val="103000"/>
+              </a:schemeClr>
+            </a:gs>
+            <a:gs pos="100000">
+              <a:schemeClr val="phClr">
+                <a:shade val="63000"/>
+                <a:satMod val="120000"/>
+              </a:schemeClr>
+            </a:gs>
+          </a:gsLst>
+          <a:lin ang="5400000" scaled="0"/>
+        </a:gradFill>
+      </a:bgFillStyleLst>
+    </a:fmtScheme>
+  </a:themeElements>
+  <a:objectDefaults/>
+  <a:extraClrSchemeLst/>
+  <a:extLst>
+    <a:ext uri="{05A4C25C-085E-4340-85A3-A5531E510DB2}">
+      <thm15:themeFamily xmlns:thm15="http://schemas.microsoft.com/office/thememl/2012/main" name="Office Theme" id="{62F939B6-93AF-4DB8-9C6B-D6C7DFDC589F}" vid="{4A3C46E8-61CC-4603-A589-7422A47A8E4A}"/>
+    </a:ext>
+  </a:extLst>
+</a:theme>
 </file>
--- a/RXJS Make it easy/RXJS Make it easy.pptx
+++ b/RXJS Make it easy/RXJS Make it easy.pptx
@@ -6487,25 +6487,18 @@
               <a:t>ExhaustMap</a:t>
             </a:r>
             <a:r>
-              <a:rPr lang="nl-NL">
+              <a:rPr lang="nl-NL" dirty="0">
                 <a:latin typeface="Times New Roman" panose="02020603050405020304" pitchFamily="18" charset="0"/>
                 <a:cs typeface="Times New Roman" panose="02020603050405020304" pitchFamily="18" charset="0"/>
               </a:rPr>
               <a:t>, </a:t>
             </a:r>
             <a:r>
-              <a:rPr lang="nl-NL" smtClean="0">
-                <a:latin typeface="Times New Roman" panose="02020603050405020304" pitchFamily="18" charset="0"/>
-                <a:cs typeface="Times New Roman" panose="02020603050405020304" pitchFamily="18" charset="0"/>
-              </a:rPr>
-              <a:t>MergeMap (FlatMap), </a:t>
-            </a:r>
-            <a:r>
               <a:rPr lang="nl-NL" dirty="0" smtClean="0">
                 <a:latin typeface="Times New Roman" panose="02020603050405020304" pitchFamily="18" charset="0"/>
                 <a:cs typeface="Times New Roman" panose="02020603050405020304" pitchFamily="18" charset="0"/>
               </a:rPr>
-              <a:t>ConcatMap</a:t>
+              <a:t>MergeMap (FlatMap), ConcatMap</a:t>
             </a:r>
           </a:p>
           <a:p>
@@ -7071,6 +7064,18 @@
               </a:rPr>
               <a:t>.</a:t>
             </a:r>
+          </a:p>
+          <a:p>
+            <a:pPr marL="0" indent="0">
+              <a:buNone/>
+            </a:pPr>
+            <a:r>
+              <a:rPr lang="en-US" smtClean="0">
+                <a:latin typeface="Times New Roman" panose="02020603050405020304" pitchFamily="18" charset="0"/>
+                <a:cs typeface="Times New Roman" panose="02020603050405020304" pitchFamily="18" charset="0"/>
+              </a:rPr>
+              <a:t>Small Demo</a:t>
+            </a:r>
             <a:endParaRPr lang="en-US" dirty="0">
               <a:latin typeface="Times New Roman" panose="02020603050405020304" pitchFamily="18" charset="0"/>
               <a:cs typeface="Times New Roman" panose="02020603050405020304" pitchFamily="18" charset="0"/>
@@ -7211,7 +7216,74 @@
           <a:bodyPr/>
           <a:lstStyle/>
           <a:p>
-            <a:endParaRPr lang="en-US" dirty="0"/>
+            <a:pPr marL="0" indent="0">
+              <a:buNone/>
+            </a:pPr>
+            <a:r>
+              <a:rPr lang="en-US" dirty="0" err="1" smtClean="0">
+                <a:latin typeface="Times New Roman" panose="02020603050405020304" pitchFamily="18" charset="0"/>
+                <a:cs typeface="Times New Roman" panose="02020603050405020304" pitchFamily="18" charset="0"/>
+              </a:rPr>
+              <a:t>SwitchMap</a:t>
+            </a:r>
+            <a:r>
+              <a:rPr lang="en-US" dirty="0" smtClean="0">
+                <a:latin typeface="Times New Roman" panose="02020603050405020304" pitchFamily="18" charset="0"/>
+                <a:cs typeface="Times New Roman" panose="02020603050405020304" pitchFamily="18" charset="0"/>
+              </a:rPr>
+              <a:t>:</a:t>
+            </a:r>
+          </a:p>
+          <a:p>
+            <a:r>
+              <a:rPr lang="en-US" dirty="0" smtClean="0">
+                <a:latin typeface="Times New Roman" panose="02020603050405020304" pitchFamily="18" charset="0"/>
+                <a:cs typeface="Times New Roman" panose="02020603050405020304" pitchFamily="18" charset="0"/>
+              </a:rPr>
+              <a:t>The </a:t>
+            </a:r>
+            <a:r>
+              <a:rPr lang="en-US" dirty="0">
+                <a:latin typeface="Times New Roman" panose="02020603050405020304" pitchFamily="18" charset="0"/>
+                <a:cs typeface="Times New Roman" panose="02020603050405020304" pitchFamily="18" charset="0"/>
+              </a:rPr>
+              <a:t>main difference between </a:t>
+            </a:r>
+            <a:r>
+              <a:rPr lang="en-US" dirty="0" err="1">
+                <a:latin typeface="Times New Roman" panose="02020603050405020304" pitchFamily="18" charset="0"/>
+                <a:cs typeface="Times New Roman" panose="02020603050405020304" pitchFamily="18" charset="0"/>
+              </a:rPr>
+              <a:t>switchMap</a:t>
+            </a:r>
+            <a:r>
+              <a:rPr lang="en-US" dirty="0">
+                <a:latin typeface="Times New Roman" panose="02020603050405020304" pitchFamily="18" charset="0"/>
+                <a:cs typeface="Times New Roman" panose="02020603050405020304" pitchFamily="18" charset="0"/>
+              </a:rPr>
+              <a:t> and other flattening operators is the cancelling effect. On each emission the previous inner observable (the result of the function you supplied) is cancelled and the new observable is subscribed. You can remember this by the phrase switch to a new observable</a:t>
+            </a:r>
+            <a:r>
+              <a:rPr lang="en-US" dirty="0" smtClean="0">
+                <a:latin typeface="Times New Roman" panose="02020603050405020304" pitchFamily="18" charset="0"/>
+                <a:cs typeface="Times New Roman" panose="02020603050405020304" pitchFamily="18" charset="0"/>
+              </a:rPr>
+              <a:t>.</a:t>
+            </a:r>
+          </a:p>
+          <a:p>
+            <a:r>
+              <a:rPr lang="en-US" dirty="0">
+                <a:latin typeface="Times New Roman" panose="02020603050405020304" pitchFamily="18" charset="0"/>
+                <a:cs typeface="Times New Roman" panose="02020603050405020304" pitchFamily="18" charset="0"/>
+                <a:hlinkClick r:id="rId2"/>
+              </a:rPr>
+              <a:t>https://stackblitz.com/edit/typescript-s4pvix?file=index.ts&amp;devtoolsheight=100</a:t>
+            </a:r>
+            <a:endParaRPr lang="en-US" dirty="0">
+              <a:latin typeface="Times New Roman" panose="02020603050405020304" pitchFamily="18" charset="0"/>
+              <a:cs typeface="Times New Roman" panose="02020603050405020304" pitchFamily="18" charset="0"/>
+            </a:endParaRPr>
           </a:p>
         </p:txBody>
       </p:sp>
@@ -7225,6 +7297,13 @@
   <p:clrMapOvr>
     <a:masterClrMapping/>
   </p:clrMapOvr>
+  <p:timing>
+    <p:tnLst>
+      <p:par>
+        <p:cTn id="1" dur="indefinite" restart="never" nodeType="tmRoot"/>
+      </p:par>
+    </p:tnLst>
+  </p:timing>
 </p:sld>
 </file>
 

--- a/RXJS Make it easy/RXJS Make it easy.pptx
+++ b/RXJS Make it easy/RXJS Make it easy.pptx
@@ -5,7 +5,7 @@
     <p:sldMasterId id="2147483750" r:id="rId1"/>
   </p:sldMasterIdLst>
   <p:notesMasterIdLst>
-    <p:notesMasterId r:id="rId9"/>
+    <p:notesMasterId r:id="rId12"/>
   </p:notesMasterIdLst>
   <p:sldIdLst>
     <p:sldId id="256" r:id="rId2"/>
@@ -14,7 +14,10 @@
     <p:sldId id="259" r:id="rId5"/>
     <p:sldId id="260" r:id="rId6"/>
     <p:sldId id="262" r:id="rId7"/>
-    <p:sldId id="261" r:id="rId8"/>
+    <p:sldId id="263" r:id="rId8"/>
+    <p:sldId id="264" r:id="rId9"/>
+    <p:sldId id="265" r:id="rId10"/>
+    <p:sldId id="261" r:id="rId11"/>
   </p:sldIdLst>
   <p:sldSz cx="12192000" cy="6858000"/>
   <p:notesSz cx="6858000" cy="9144000"/>
@@ -6384,6 +6387,216 @@
 </p:sld>
 </file>
 
+<file path=ppt/slides/slide10.xml><?xml version="1.0" encoding="utf-8"?>
+<p:sld xmlns:a="http://schemas.openxmlformats.org/drawingml/2006/main" xmlns:r="http://schemas.openxmlformats.org/officeDocument/2006/relationships" xmlns:p="http://schemas.openxmlformats.org/presentationml/2006/main">
+  <p:cSld>
+    <p:spTree>
+      <p:nvGrpSpPr>
+        <p:cNvPr id="1" name=""/>
+        <p:cNvGrpSpPr/>
+        <p:nvPr/>
+      </p:nvGrpSpPr>
+      <p:grpSpPr>
+        <a:xfrm>
+          <a:off x="0" y="0"/>
+          <a:ext cx="0" cy="0"/>
+          <a:chOff x="0" y="0"/>
+          <a:chExt cx="0" cy="0"/>
+        </a:xfrm>
+      </p:grpSpPr>
+      <p:sp>
+        <p:nvSpPr>
+          <p:cNvPr id="2" name="Title 1"/>
+          <p:cNvSpPr>
+            <a:spLocks noGrp="1"/>
+          </p:cNvSpPr>
+          <p:nvPr>
+            <p:ph type="title"/>
+          </p:nvPr>
+        </p:nvSpPr>
+        <p:spPr/>
+        <p:txBody>
+          <a:bodyPr>
+            <a:noAutofit/>
+          </a:bodyPr>
+          <a:lstStyle/>
+          <a:p>
+            <a:r>
+              <a:rPr lang="nl-NL" sz="5500" dirty="0" smtClean="0">
+                <a:latin typeface="Times New Roman" panose="02020603050405020304" pitchFamily="18" charset="0"/>
+                <a:cs typeface="Times New Roman" panose="02020603050405020304" pitchFamily="18" charset="0"/>
+              </a:rPr>
+              <a:t/>
+            </a:r>
+            <a:br>
+              <a:rPr lang="nl-NL" sz="5500" dirty="0" smtClean="0">
+                <a:latin typeface="Times New Roman" panose="02020603050405020304" pitchFamily="18" charset="0"/>
+                <a:cs typeface="Times New Roman" panose="02020603050405020304" pitchFamily="18" charset="0"/>
+              </a:rPr>
+            </a:br>
+            <a:r>
+              <a:rPr lang="nl-NL" sz="5500" dirty="0" smtClean="0">
+                <a:latin typeface="Times New Roman" panose="02020603050405020304" pitchFamily="18" charset="0"/>
+                <a:cs typeface="Times New Roman" panose="02020603050405020304" pitchFamily="18" charset="0"/>
+              </a:rPr>
+              <a:t>Useful </a:t>
+            </a:r>
+            <a:r>
+              <a:rPr lang="nl-NL" sz="5500" dirty="0">
+                <a:latin typeface="Times New Roman" panose="02020603050405020304" pitchFamily="18" charset="0"/>
+                <a:cs typeface="Times New Roman" panose="02020603050405020304" pitchFamily="18" charset="0"/>
+              </a:rPr>
+              <a:t>resource</a:t>
+            </a:r>
+            <a:r>
+              <a:rPr lang="en-US" sz="5500" dirty="0">
+                <a:latin typeface="Times New Roman" panose="02020603050405020304" pitchFamily="18" charset="0"/>
+                <a:cs typeface="Times New Roman" panose="02020603050405020304" pitchFamily="18" charset="0"/>
+              </a:rPr>
+              <a:t/>
+            </a:r>
+            <a:br>
+              <a:rPr lang="en-US" sz="5500" dirty="0">
+                <a:latin typeface="Times New Roman" panose="02020603050405020304" pitchFamily="18" charset="0"/>
+                <a:cs typeface="Times New Roman" panose="02020603050405020304" pitchFamily="18" charset="0"/>
+              </a:rPr>
+            </a:br>
+            <a:endParaRPr lang="en-US" sz="5500" dirty="0"/>
+          </a:p>
+        </p:txBody>
+      </p:sp>
+      <p:sp>
+        <p:nvSpPr>
+          <p:cNvPr id="3" name="Content Placeholder 2"/>
+          <p:cNvSpPr>
+            <a:spLocks noGrp="1"/>
+          </p:cNvSpPr>
+          <p:nvPr>
+            <p:ph idx="1"/>
+          </p:nvPr>
+        </p:nvSpPr>
+        <p:spPr/>
+        <p:txBody>
+          <a:bodyPr>
+            <a:normAutofit/>
+          </a:bodyPr>
+          <a:lstStyle/>
+          <a:p>
+            <a:endParaRPr lang="en-US" sz="3000" dirty="0" smtClean="0">
+              <a:latin typeface="Times New Roman" panose="02020603050405020304" pitchFamily="18" charset="0"/>
+              <a:cs typeface="Times New Roman" panose="02020603050405020304" pitchFamily="18" charset="0"/>
+            </a:endParaRPr>
+          </a:p>
+          <a:p>
+            <a:r>
+              <a:rPr lang="en-US" sz="3000" dirty="0" smtClean="0">
+                <a:latin typeface="Times New Roman" panose="02020603050405020304" pitchFamily="18" charset="0"/>
+                <a:cs typeface="Times New Roman" panose="02020603050405020304" pitchFamily="18" charset="0"/>
+              </a:rPr>
+              <a:t>https</a:t>
+            </a:r>
+            <a:r>
+              <a:rPr lang="en-US" sz="3000" dirty="0">
+                <a:latin typeface="Times New Roman" panose="02020603050405020304" pitchFamily="18" charset="0"/>
+                <a:cs typeface="Times New Roman" panose="02020603050405020304" pitchFamily="18" charset="0"/>
+              </a:rPr>
+              <a:t>://www.learnrxjs.io</a:t>
+            </a:r>
+            <a:r>
+              <a:rPr lang="en-US" sz="3000" dirty="0" smtClean="0">
+                <a:latin typeface="Times New Roman" panose="02020603050405020304" pitchFamily="18" charset="0"/>
+                <a:cs typeface="Times New Roman" panose="02020603050405020304" pitchFamily="18" charset="0"/>
+              </a:rPr>
+              <a:t>/</a:t>
+            </a:r>
+          </a:p>
+          <a:p>
+            <a:r>
+              <a:rPr lang="en-US" sz="3000" dirty="0">
+                <a:latin typeface="Times New Roman" panose="02020603050405020304" pitchFamily="18" charset="0"/>
+                <a:cs typeface="Times New Roman" panose="02020603050405020304" pitchFamily="18" charset="0"/>
+              </a:rPr>
+              <a:t>https://thinkrx.io</a:t>
+            </a:r>
+            <a:r>
+              <a:rPr lang="en-US" sz="3000" dirty="0" smtClean="0">
+                <a:latin typeface="Times New Roman" panose="02020603050405020304" pitchFamily="18" charset="0"/>
+                <a:cs typeface="Times New Roman" panose="02020603050405020304" pitchFamily="18" charset="0"/>
+              </a:rPr>
+              <a:t>/</a:t>
+            </a:r>
+          </a:p>
+          <a:p>
+            <a:r>
+              <a:rPr lang="en-US" sz="3000" dirty="0">
+                <a:latin typeface="Times New Roman" panose="02020603050405020304" pitchFamily="18" charset="0"/>
+                <a:cs typeface="Times New Roman" panose="02020603050405020304" pitchFamily="18" charset="0"/>
+              </a:rPr>
+              <a:t>https://xgrommx.github.io/rx-book/content/which_operator_do_i_use/index.html</a:t>
+            </a:r>
+            <a:endParaRPr lang="en-US" sz="3000" dirty="0" smtClean="0">
+              <a:latin typeface="Times New Roman" panose="02020603050405020304" pitchFamily="18" charset="0"/>
+              <a:cs typeface="Times New Roman" panose="02020603050405020304" pitchFamily="18" charset="0"/>
+            </a:endParaRPr>
+          </a:p>
+          <a:p>
+            <a:r>
+              <a:rPr lang="en-US" sz="3000" dirty="0" smtClean="0">
+                <a:latin typeface="Times New Roman" panose="02020603050405020304" pitchFamily="18" charset="0"/>
+                <a:cs typeface="Times New Roman" panose="02020603050405020304" pitchFamily="18" charset="0"/>
+              </a:rPr>
+              <a:t>https</a:t>
+            </a:r>
+            <a:r>
+              <a:rPr lang="en-US" sz="3000" dirty="0">
+                <a:latin typeface="Times New Roman" panose="02020603050405020304" pitchFamily="18" charset="0"/>
+                <a:cs typeface="Times New Roman" panose="02020603050405020304" pitchFamily="18" charset="0"/>
+              </a:rPr>
+              <a:t>://youtu.be/_</a:t>
+            </a:r>
+            <a:r>
+              <a:rPr lang="en-US" sz="3000" dirty="0" smtClean="0">
+                <a:latin typeface="Times New Roman" panose="02020603050405020304" pitchFamily="18" charset="0"/>
+                <a:cs typeface="Times New Roman" panose="02020603050405020304" pitchFamily="18" charset="0"/>
+              </a:rPr>
+              <a:t>q-HL9YX_pk</a:t>
+            </a:r>
+          </a:p>
+          <a:p>
+            <a:r>
+              <a:rPr lang="en-US" sz="3000" dirty="0">
+                <a:latin typeface="Times New Roman" panose="02020603050405020304" pitchFamily="18" charset="0"/>
+                <a:cs typeface="Times New Roman" panose="02020603050405020304" pitchFamily="18" charset="0"/>
+              </a:rPr>
+              <a:t>https://youtu.be/ak3MvMn8u18</a:t>
+            </a:r>
+            <a:endParaRPr lang="en-US" sz="3000" dirty="0" smtClean="0">
+              <a:latin typeface="Times New Roman" panose="02020603050405020304" pitchFamily="18" charset="0"/>
+              <a:cs typeface="Times New Roman" panose="02020603050405020304" pitchFamily="18" charset="0"/>
+            </a:endParaRPr>
+          </a:p>
+        </p:txBody>
+      </p:sp>
+    </p:spTree>
+    <p:extLst>
+      <p:ext uri="{BB962C8B-B14F-4D97-AF65-F5344CB8AC3E}">
+        <p14:creationId xmlns:p14="http://schemas.microsoft.com/office/powerpoint/2010/main" val="1157860236"/>
+      </p:ext>
+    </p:extLst>
+  </p:cSld>
+  <p:clrMapOvr>
+    <a:masterClrMapping/>
+  </p:clrMapOvr>
+  <p:timing>
+    <p:tnLst>
+      <p:par>
+        <p:cTn id="1" dur="indefinite" restart="never" nodeType="tmRoot"/>
+      </p:par>
+    </p:tnLst>
+  </p:timing>
+</p:sld>
+</file>
+
 <file path=ppt/slides/slide2.xml><?xml version="1.0" encoding="utf-8"?>
 <p:sld xmlns:a="http://schemas.openxmlformats.org/drawingml/2006/main" xmlns:r="http://schemas.openxmlformats.org/officeDocument/2006/relationships" xmlns:p="http://schemas.openxmlformats.org/presentationml/2006/main">
   <p:cSld>
@@ -7070,7 +7283,7 @@
               <a:buNone/>
             </a:pPr>
             <a:r>
-              <a:rPr lang="en-US" smtClean="0">
+              <a:rPr lang="en-US" dirty="0" smtClean="0">
                 <a:latin typeface="Times New Roman" panose="02020603050405020304" pitchFamily="18" charset="0"/>
                 <a:cs typeface="Times New Roman" panose="02020603050405020304" pitchFamily="18" charset="0"/>
               </a:rPr>
@@ -7133,7 +7346,7 @@
         <p:spPr/>
         <p:txBody>
           <a:bodyPr>
-            <a:normAutofit fontScale="90000"/>
+            <a:normAutofit/>
           </a:bodyPr>
           <a:lstStyle/>
           <a:p>
@@ -7142,61 +7355,8 @@
                 <a:latin typeface="Times New Roman" panose="02020603050405020304" pitchFamily="18" charset="0"/>
                 <a:cs typeface="Times New Roman" panose="02020603050405020304" pitchFamily="18" charset="0"/>
               </a:rPr>
-              <a:t/>
-            </a:r>
-            <a:br>
-              <a:rPr lang="nl-NL" dirty="0" smtClean="0">
-                <a:latin typeface="Times New Roman" panose="02020603050405020304" pitchFamily="18" charset="0"/>
-                <a:cs typeface="Times New Roman" panose="02020603050405020304" pitchFamily="18" charset="0"/>
-              </a:rPr>
-            </a:br>
-            <a:r>
-              <a:rPr lang="nl-NL" dirty="0" smtClean="0">
-                <a:latin typeface="Times New Roman" panose="02020603050405020304" pitchFamily="18" charset="0"/>
-                <a:cs typeface="Times New Roman" panose="02020603050405020304" pitchFamily="18" charset="0"/>
-              </a:rPr>
               <a:t>SwitchMap</a:t>
             </a:r>
-            <a:r>
-              <a:rPr lang="nl-NL" dirty="0">
-                <a:latin typeface="Times New Roman" panose="02020603050405020304" pitchFamily="18" charset="0"/>
-                <a:cs typeface="Times New Roman" panose="02020603050405020304" pitchFamily="18" charset="0"/>
-              </a:rPr>
-              <a:t>, ExhaustMap, </a:t>
-            </a:r>
-            <a:r>
-              <a:rPr lang="nl-NL" dirty="0" smtClean="0">
-                <a:latin typeface="Times New Roman" panose="02020603050405020304" pitchFamily="18" charset="0"/>
-                <a:cs typeface="Times New Roman" panose="02020603050405020304" pitchFamily="18" charset="0"/>
-              </a:rPr>
-              <a:t/>
-            </a:r>
-            <a:br>
-              <a:rPr lang="nl-NL" dirty="0" smtClean="0">
-                <a:latin typeface="Times New Roman" panose="02020603050405020304" pitchFamily="18" charset="0"/>
-                <a:cs typeface="Times New Roman" panose="02020603050405020304" pitchFamily="18" charset="0"/>
-              </a:rPr>
-            </a:br>
-            <a:r>
-              <a:rPr lang="nl-NL" dirty="0" smtClean="0">
-                <a:latin typeface="Times New Roman" panose="02020603050405020304" pitchFamily="18" charset="0"/>
-                <a:cs typeface="Times New Roman" panose="02020603050405020304" pitchFamily="18" charset="0"/>
-              </a:rPr>
-              <a:t>MergeMap</a:t>
-            </a:r>
-            <a:r>
-              <a:rPr lang="nl-NL" dirty="0">
-                <a:latin typeface="Times New Roman" panose="02020603050405020304" pitchFamily="18" charset="0"/>
-                <a:cs typeface="Times New Roman" panose="02020603050405020304" pitchFamily="18" charset="0"/>
-              </a:rPr>
-              <a:t>, ConcatMap</a:t>
-            </a:r>
-            <a:br>
-              <a:rPr lang="nl-NL" dirty="0">
-                <a:latin typeface="Times New Roman" panose="02020603050405020304" pitchFamily="18" charset="0"/>
-                <a:cs typeface="Times New Roman" panose="02020603050405020304" pitchFamily="18" charset="0"/>
-              </a:rPr>
-            </a:br>
             <a:endParaRPr lang="en-US" dirty="0"/>
           </a:p>
         </p:txBody>
@@ -7337,51 +7497,37 @@
         <p:spPr/>
         <p:txBody>
           <a:bodyPr>
-            <a:noAutofit/>
+            <a:normAutofit fontScale="90000"/>
           </a:bodyPr>
           <a:lstStyle/>
           <a:p>
             <a:r>
-              <a:rPr lang="nl-NL" sz="5500" dirty="0" smtClean="0">
+              <a:rPr lang="nl-NL" dirty="0">
                 <a:latin typeface="Times New Roman" panose="02020603050405020304" pitchFamily="18" charset="0"/>
                 <a:cs typeface="Times New Roman" panose="02020603050405020304" pitchFamily="18" charset="0"/>
               </a:rPr>
               <a:t/>
             </a:r>
             <a:br>
-              <a:rPr lang="nl-NL" sz="5500" dirty="0" smtClean="0">
+              <a:rPr lang="nl-NL" dirty="0">
                 <a:latin typeface="Times New Roman" panose="02020603050405020304" pitchFamily="18" charset="0"/>
                 <a:cs typeface="Times New Roman" panose="02020603050405020304" pitchFamily="18" charset="0"/>
               </a:rPr>
             </a:br>
             <a:r>
-              <a:rPr lang="nl-NL" sz="5500" dirty="0" smtClean="0">
+              <a:rPr lang="nl-NL" dirty="0" smtClean="0">
                 <a:latin typeface="Times New Roman" panose="02020603050405020304" pitchFamily="18" charset="0"/>
                 <a:cs typeface="Times New Roman" panose="02020603050405020304" pitchFamily="18" charset="0"/>
               </a:rPr>
-              <a:t>Useful </a:t>
-            </a:r>
-            <a:r>
-              <a:rPr lang="nl-NL" sz="5500" dirty="0">
+              <a:t>MergeMap</a:t>
+            </a:r>
+            <a:br>
+              <a:rPr lang="nl-NL" dirty="0" smtClean="0">
                 <a:latin typeface="Times New Roman" panose="02020603050405020304" pitchFamily="18" charset="0"/>
                 <a:cs typeface="Times New Roman" panose="02020603050405020304" pitchFamily="18" charset="0"/>
               </a:rPr>
-              <a:t>resource</a:t>
-            </a:r>
-            <a:r>
-              <a:rPr lang="en-US" sz="5500" dirty="0">
-                <a:latin typeface="Times New Roman" panose="02020603050405020304" pitchFamily="18" charset="0"/>
-                <a:cs typeface="Times New Roman" panose="02020603050405020304" pitchFamily="18" charset="0"/>
-              </a:rPr>
-              <a:t/>
-            </a:r>
-            <a:br>
-              <a:rPr lang="en-US" sz="5500" dirty="0">
-                <a:latin typeface="Times New Roman" panose="02020603050405020304" pitchFamily="18" charset="0"/>
-                <a:cs typeface="Times New Roman" panose="02020603050405020304" pitchFamily="18" charset="0"/>
-              </a:rPr>
             </a:br>
-            <a:endParaRPr lang="en-US" sz="5500" dirty="0"/>
+            <a:endParaRPr lang="en-US" dirty="0"/>
           </a:p>
         </p:txBody>
       </p:sp>
@@ -7397,123 +7543,175 @@
         </p:nvSpPr>
         <p:spPr/>
         <p:txBody>
-          <a:bodyPr>
-            <a:normAutofit/>
-          </a:bodyPr>
-          <a:lstStyle/>
-          <a:p>
-            <a:endParaRPr lang="en-US" sz="3000" dirty="0" smtClean="0">
-              <a:latin typeface="Times New Roman" panose="02020603050405020304" pitchFamily="18" charset="0"/>
-              <a:cs typeface="Times New Roman" panose="02020603050405020304" pitchFamily="18" charset="0"/>
-            </a:endParaRPr>
-          </a:p>
-          <a:p>
-            <a:r>
-              <a:rPr lang="en-US" sz="3000" dirty="0" smtClean="0">
-                <a:latin typeface="Times New Roman" panose="02020603050405020304" pitchFamily="18" charset="0"/>
-                <a:cs typeface="Times New Roman" panose="02020603050405020304" pitchFamily="18" charset="0"/>
-              </a:rPr>
-              <a:t>https</a:t>
-            </a:r>
-            <a:r>
-              <a:rPr lang="en-US" sz="3000" dirty="0">
-                <a:latin typeface="Times New Roman" panose="02020603050405020304" pitchFamily="18" charset="0"/>
-                <a:cs typeface="Times New Roman" panose="02020603050405020304" pitchFamily="18" charset="0"/>
-              </a:rPr>
-              <a:t>://www.learnrxjs.io</a:t>
-            </a:r>
-            <a:r>
-              <a:rPr lang="en-US" sz="3000" dirty="0" smtClean="0">
-                <a:latin typeface="Times New Roman" panose="02020603050405020304" pitchFamily="18" charset="0"/>
-                <a:cs typeface="Times New Roman" panose="02020603050405020304" pitchFamily="18" charset="0"/>
-              </a:rPr>
-              <a:t>/</a:t>
-            </a:r>
-          </a:p>
-          <a:p>
-            <a:r>
-              <a:rPr lang="en-US" sz="3000" dirty="0">
-                <a:latin typeface="Times New Roman" panose="02020603050405020304" pitchFamily="18" charset="0"/>
-                <a:cs typeface="Times New Roman" panose="02020603050405020304" pitchFamily="18" charset="0"/>
-              </a:rPr>
-              <a:t>https://thinkrx.io</a:t>
-            </a:r>
-            <a:r>
-              <a:rPr lang="en-US" sz="3000" dirty="0" smtClean="0">
-                <a:latin typeface="Times New Roman" panose="02020603050405020304" pitchFamily="18" charset="0"/>
-                <a:cs typeface="Times New Roman" panose="02020603050405020304" pitchFamily="18" charset="0"/>
-              </a:rPr>
-              <a:t>/</a:t>
-            </a:r>
-          </a:p>
-          <a:p>
-            <a:r>
-              <a:rPr lang="en-US" sz="3000" dirty="0">
-                <a:latin typeface="Times New Roman" panose="02020603050405020304" pitchFamily="18" charset="0"/>
-                <a:cs typeface="Times New Roman" panose="02020603050405020304" pitchFamily="18" charset="0"/>
-              </a:rPr>
-              <a:t>https://xgrommx.github.io/rx-book/content/which_operator_do_i_use/index.html</a:t>
-            </a:r>
-            <a:endParaRPr lang="en-US" sz="3000" dirty="0" smtClean="0">
-              <a:latin typeface="Times New Roman" panose="02020603050405020304" pitchFamily="18" charset="0"/>
-              <a:cs typeface="Times New Roman" panose="02020603050405020304" pitchFamily="18" charset="0"/>
-            </a:endParaRPr>
-          </a:p>
-          <a:p>
-            <a:r>
-              <a:rPr lang="en-US" sz="3000" dirty="0" smtClean="0">
-                <a:latin typeface="Times New Roman" panose="02020603050405020304" pitchFamily="18" charset="0"/>
-                <a:cs typeface="Times New Roman" panose="02020603050405020304" pitchFamily="18" charset="0"/>
-              </a:rPr>
-              <a:t>https</a:t>
-            </a:r>
-            <a:r>
-              <a:rPr lang="en-US" sz="3000" dirty="0">
-                <a:latin typeface="Times New Roman" panose="02020603050405020304" pitchFamily="18" charset="0"/>
-                <a:cs typeface="Times New Roman" panose="02020603050405020304" pitchFamily="18" charset="0"/>
-              </a:rPr>
-              <a:t>://youtu.be/_</a:t>
-            </a:r>
-            <a:r>
-              <a:rPr lang="en-US" sz="3000" dirty="0" smtClean="0">
-                <a:latin typeface="Times New Roman" panose="02020603050405020304" pitchFamily="18" charset="0"/>
-                <a:cs typeface="Times New Roman" panose="02020603050405020304" pitchFamily="18" charset="0"/>
-              </a:rPr>
-              <a:t>q-HL9YX_pk</a:t>
-            </a:r>
-          </a:p>
-          <a:p>
-            <a:r>
-              <a:rPr lang="en-US" sz="3000" dirty="0">
-                <a:latin typeface="Times New Roman" panose="02020603050405020304" pitchFamily="18" charset="0"/>
-                <a:cs typeface="Times New Roman" panose="02020603050405020304" pitchFamily="18" charset="0"/>
-              </a:rPr>
-              <a:t>https://youtu.be/ak3MvMn8u18</a:t>
-            </a:r>
-            <a:endParaRPr lang="en-US" sz="3000" dirty="0" smtClean="0">
-              <a:latin typeface="Times New Roman" panose="02020603050405020304" pitchFamily="18" charset="0"/>
-              <a:cs typeface="Times New Roman" panose="02020603050405020304" pitchFamily="18" charset="0"/>
-            </a:endParaRPr>
+          <a:bodyPr/>
+          <a:lstStyle/>
+          <a:p>
+            <a:endParaRPr lang="en-US"/>
           </a:p>
         </p:txBody>
       </p:sp>
     </p:spTree>
     <p:extLst>
       <p:ext uri="{BB962C8B-B14F-4D97-AF65-F5344CB8AC3E}">
-        <p14:creationId xmlns:p14="http://schemas.microsoft.com/office/powerpoint/2010/main" val="1157860236"/>
+        <p14:creationId xmlns:p14="http://schemas.microsoft.com/office/powerpoint/2010/main" val="1491410126"/>
       </p:ext>
     </p:extLst>
   </p:cSld>
   <p:clrMapOvr>
     <a:masterClrMapping/>
   </p:clrMapOvr>
-  <p:timing>
-    <p:tnLst>
-      <p:par>
-        <p:cTn id="1" dur="indefinite" restart="never" nodeType="tmRoot"/>
-      </p:par>
-    </p:tnLst>
-  </p:timing>
+</p:sld>
+</file>
+
+<file path=ppt/slides/slide8.xml><?xml version="1.0" encoding="utf-8"?>
+<p:sld xmlns:a="http://schemas.openxmlformats.org/drawingml/2006/main" xmlns:r="http://schemas.openxmlformats.org/officeDocument/2006/relationships" xmlns:p="http://schemas.openxmlformats.org/presentationml/2006/main">
+  <p:cSld>
+    <p:spTree>
+      <p:nvGrpSpPr>
+        <p:cNvPr id="1" name=""/>
+        <p:cNvGrpSpPr/>
+        <p:nvPr/>
+      </p:nvGrpSpPr>
+      <p:grpSpPr>
+        <a:xfrm>
+          <a:off x="0" y="0"/>
+          <a:ext cx="0" cy="0"/>
+          <a:chOff x="0" y="0"/>
+          <a:chExt cx="0" cy="0"/>
+        </a:xfrm>
+      </p:grpSpPr>
+      <p:sp>
+        <p:nvSpPr>
+          <p:cNvPr id="2" name="Title 1"/>
+          <p:cNvSpPr>
+            <a:spLocks noGrp="1"/>
+          </p:cNvSpPr>
+          <p:nvPr>
+            <p:ph type="title"/>
+          </p:nvPr>
+        </p:nvSpPr>
+        <p:spPr/>
+        <p:txBody>
+          <a:bodyPr>
+            <a:normAutofit/>
+          </a:bodyPr>
+          <a:lstStyle/>
+          <a:p>
+            <a:r>
+              <a:rPr lang="nl-NL" dirty="0" smtClean="0">
+                <a:latin typeface="Times New Roman" panose="02020603050405020304" pitchFamily="18" charset="0"/>
+                <a:cs typeface="Times New Roman" panose="02020603050405020304" pitchFamily="18" charset="0"/>
+              </a:rPr>
+              <a:t>ExhaustMap</a:t>
+            </a:r>
+            <a:endParaRPr lang="en-US" dirty="0"/>
+          </a:p>
+        </p:txBody>
+      </p:sp>
+      <p:sp>
+        <p:nvSpPr>
+          <p:cNvPr id="3" name="Content Placeholder 2"/>
+          <p:cNvSpPr>
+            <a:spLocks noGrp="1"/>
+          </p:cNvSpPr>
+          <p:nvPr>
+            <p:ph idx="1"/>
+          </p:nvPr>
+        </p:nvSpPr>
+        <p:spPr/>
+        <p:txBody>
+          <a:bodyPr/>
+          <a:lstStyle/>
+          <a:p>
+            <a:endParaRPr lang="en-US"/>
+          </a:p>
+        </p:txBody>
+      </p:sp>
+    </p:spTree>
+    <p:extLst>
+      <p:ext uri="{BB962C8B-B14F-4D97-AF65-F5344CB8AC3E}">
+        <p14:creationId xmlns:p14="http://schemas.microsoft.com/office/powerpoint/2010/main" val="3171333845"/>
+      </p:ext>
+    </p:extLst>
+  </p:cSld>
+  <p:clrMapOvr>
+    <a:masterClrMapping/>
+  </p:clrMapOvr>
+</p:sld>
+</file>
+
+<file path=ppt/slides/slide9.xml><?xml version="1.0" encoding="utf-8"?>
+<p:sld xmlns:a="http://schemas.openxmlformats.org/drawingml/2006/main" xmlns:r="http://schemas.openxmlformats.org/officeDocument/2006/relationships" xmlns:p="http://schemas.openxmlformats.org/presentationml/2006/main">
+  <p:cSld>
+    <p:spTree>
+      <p:nvGrpSpPr>
+        <p:cNvPr id="1" name=""/>
+        <p:cNvGrpSpPr/>
+        <p:nvPr/>
+      </p:nvGrpSpPr>
+      <p:grpSpPr>
+        <a:xfrm>
+          <a:off x="0" y="0"/>
+          <a:ext cx="0" cy="0"/>
+          <a:chOff x="0" y="0"/>
+          <a:chExt cx="0" cy="0"/>
+        </a:xfrm>
+      </p:grpSpPr>
+      <p:sp>
+        <p:nvSpPr>
+          <p:cNvPr id="2" name="Title 1"/>
+          <p:cNvSpPr>
+            <a:spLocks noGrp="1"/>
+          </p:cNvSpPr>
+          <p:nvPr>
+            <p:ph type="title"/>
+          </p:nvPr>
+        </p:nvSpPr>
+        <p:spPr/>
+        <p:txBody>
+          <a:bodyPr/>
+          <a:lstStyle/>
+          <a:p>
+            <a:r>
+              <a:rPr lang="nl-NL">
+                <a:latin typeface="Times New Roman" panose="02020603050405020304" pitchFamily="18" charset="0"/>
+                <a:cs typeface="Times New Roman" panose="02020603050405020304" pitchFamily="18" charset="0"/>
+              </a:rPr>
+              <a:t>ConcatMap</a:t>
+            </a:r>
+            <a:endParaRPr lang="en-US"/>
+          </a:p>
+        </p:txBody>
+      </p:sp>
+      <p:sp>
+        <p:nvSpPr>
+          <p:cNvPr id="3" name="Content Placeholder 2"/>
+          <p:cNvSpPr>
+            <a:spLocks noGrp="1"/>
+          </p:cNvSpPr>
+          <p:nvPr>
+            <p:ph idx="1"/>
+          </p:nvPr>
+        </p:nvSpPr>
+        <p:spPr/>
+        <p:txBody>
+          <a:bodyPr/>
+          <a:lstStyle/>
+          <a:p>
+            <a:endParaRPr lang="en-US"/>
+          </a:p>
+        </p:txBody>
+      </p:sp>
+    </p:spTree>
+    <p:extLst>
+      <p:ext uri="{BB962C8B-B14F-4D97-AF65-F5344CB8AC3E}">
+        <p14:creationId xmlns:p14="http://schemas.microsoft.com/office/powerpoint/2010/main" val="229299986"/>
+      </p:ext>
+    </p:extLst>
+  </p:cSld>
+  <p:clrMapOvr>
+    <a:masterClrMapping/>
+  </p:clrMapOvr>
 </p:sld>
 </file>
 

--- a/RXJS Make it easy/RXJS Make it easy.pptx
+++ b/RXJS Make it easy/RXJS Make it easy.pptx
@@ -5,19 +5,21 @@
     <p:sldMasterId id="2147483750" r:id="rId1"/>
   </p:sldMasterIdLst>
   <p:notesMasterIdLst>
-    <p:notesMasterId r:id="rId12"/>
+    <p:notesMasterId r:id="rId14"/>
   </p:notesMasterIdLst>
   <p:sldIdLst>
     <p:sldId id="256" r:id="rId2"/>
     <p:sldId id="257" r:id="rId3"/>
-    <p:sldId id="258" r:id="rId4"/>
-    <p:sldId id="259" r:id="rId5"/>
-    <p:sldId id="260" r:id="rId6"/>
-    <p:sldId id="262" r:id="rId7"/>
-    <p:sldId id="263" r:id="rId8"/>
-    <p:sldId id="264" r:id="rId9"/>
-    <p:sldId id="265" r:id="rId10"/>
-    <p:sldId id="261" r:id="rId11"/>
+    <p:sldId id="266" r:id="rId4"/>
+    <p:sldId id="267" r:id="rId5"/>
+    <p:sldId id="258" r:id="rId6"/>
+    <p:sldId id="259" r:id="rId7"/>
+    <p:sldId id="260" r:id="rId8"/>
+    <p:sldId id="262" r:id="rId9"/>
+    <p:sldId id="263" r:id="rId10"/>
+    <p:sldId id="264" r:id="rId11"/>
+    <p:sldId id="265" r:id="rId12"/>
+    <p:sldId id="261" r:id="rId13"/>
   </p:sldIdLst>
   <p:sldSz cx="12192000" cy="6858000"/>
   <p:notesSz cx="6858000" cy="9144000"/>
@@ -563,7 +565,7 @@
           <a:p>
             <a:fld id="{354DFBB7-712C-4D98-B2C2-E7512CEAB31F}" type="slidenum">
               <a:rPr lang="en-US" smtClean="0"/>
-              <a:t>5</a:t>
+              <a:t>7</a:t>
             </a:fld>
             <a:endParaRPr lang="en-US"/>
           </a:p>
@@ -6417,6 +6419,165 @@
         <p:spPr/>
         <p:txBody>
           <a:bodyPr>
+            <a:normAutofit/>
+          </a:bodyPr>
+          <a:lstStyle/>
+          <a:p>
+            <a:r>
+              <a:rPr lang="nl-NL" dirty="0" smtClean="0">
+                <a:latin typeface="Times New Roman" panose="02020603050405020304" pitchFamily="18" charset="0"/>
+                <a:cs typeface="Times New Roman" panose="02020603050405020304" pitchFamily="18" charset="0"/>
+              </a:rPr>
+              <a:t>ExhaustMap</a:t>
+            </a:r>
+            <a:endParaRPr lang="en-US" dirty="0"/>
+          </a:p>
+        </p:txBody>
+      </p:sp>
+      <p:sp>
+        <p:nvSpPr>
+          <p:cNvPr id="3" name="Content Placeholder 2"/>
+          <p:cNvSpPr>
+            <a:spLocks noGrp="1"/>
+          </p:cNvSpPr>
+          <p:nvPr>
+            <p:ph idx="1"/>
+          </p:nvPr>
+        </p:nvSpPr>
+        <p:spPr/>
+        <p:txBody>
+          <a:bodyPr/>
+          <a:lstStyle/>
+          <a:p>
+            <a:endParaRPr lang="en-US"/>
+          </a:p>
+        </p:txBody>
+      </p:sp>
+    </p:spTree>
+    <p:extLst>
+      <p:ext uri="{BB962C8B-B14F-4D97-AF65-F5344CB8AC3E}">
+        <p14:creationId xmlns:p14="http://schemas.microsoft.com/office/powerpoint/2010/main" val="3171333845"/>
+      </p:ext>
+    </p:extLst>
+  </p:cSld>
+  <p:clrMapOvr>
+    <a:masterClrMapping/>
+  </p:clrMapOvr>
+  <p:timing>
+    <p:tnLst>
+      <p:par>
+        <p:cTn id="1" dur="indefinite" restart="never" nodeType="tmRoot"/>
+      </p:par>
+    </p:tnLst>
+  </p:timing>
+</p:sld>
+</file>
+
+<file path=ppt/slides/slide11.xml><?xml version="1.0" encoding="utf-8"?>
+<p:sld xmlns:a="http://schemas.openxmlformats.org/drawingml/2006/main" xmlns:r="http://schemas.openxmlformats.org/officeDocument/2006/relationships" xmlns:p="http://schemas.openxmlformats.org/presentationml/2006/main">
+  <p:cSld>
+    <p:spTree>
+      <p:nvGrpSpPr>
+        <p:cNvPr id="1" name=""/>
+        <p:cNvGrpSpPr/>
+        <p:nvPr/>
+      </p:nvGrpSpPr>
+      <p:grpSpPr>
+        <a:xfrm>
+          <a:off x="0" y="0"/>
+          <a:ext cx="0" cy="0"/>
+          <a:chOff x="0" y="0"/>
+          <a:chExt cx="0" cy="0"/>
+        </a:xfrm>
+      </p:grpSpPr>
+      <p:sp>
+        <p:nvSpPr>
+          <p:cNvPr id="2" name="Title 1"/>
+          <p:cNvSpPr>
+            <a:spLocks noGrp="1"/>
+          </p:cNvSpPr>
+          <p:nvPr>
+            <p:ph type="title"/>
+          </p:nvPr>
+        </p:nvSpPr>
+        <p:spPr/>
+        <p:txBody>
+          <a:bodyPr/>
+          <a:lstStyle/>
+          <a:p>
+            <a:r>
+              <a:rPr lang="nl-NL" dirty="0">
+                <a:latin typeface="Times New Roman" panose="02020603050405020304" pitchFamily="18" charset="0"/>
+                <a:cs typeface="Times New Roman" panose="02020603050405020304" pitchFamily="18" charset="0"/>
+              </a:rPr>
+              <a:t>ConcatMap</a:t>
+            </a:r>
+            <a:endParaRPr lang="en-US" dirty="0"/>
+          </a:p>
+        </p:txBody>
+      </p:sp>
+      <p:sp>
+        <p:nvSpPr>
+          <p:cNvPr id="3" name="Content Placeholder 2"/>
+          <p:cNvSpPr>
+            <a:spLocks noGrp="1"/>
+          </p:cNvSpPr>
+          <p:nvPr>
+            <p:ph idx="1"/>
+          </p:nvPr>
+        </p:nvSpPr>
+        <p:spPr/>
+        <p:txBody>
+          <a:bodyPr/>
+          <a:lstStyle/>
+          <a:p>
+            <a:endParaRPr lang="en-US"/>
+          </a:p>
+        </p:txBody>
+      </p:sp>
+    </p:spTree>
+    <p:extLst>
+      <p:ext uri="{BB962C8B-B14F-4D97-AF65-F5344CB8AC3E}">
+        <p14:creationId xmlns:p14="http://schemas.microsoft.com/office/powerpoint/2010/main" val="229299986"/>
+      </p:ext>
+    </p:extLst>
+  </p:cSld>
+  <p:clrMapOvr>
+    <a:masterClrMapping/>
+  </p:clrMapOvr>
+</p:sld>
+</file>
+
+<file path=ppt/slides/slide12.xml><?xml version="1.0" encoding="utf-8"?>
+<p:sld xmlns:a="http://schemas.openxmlformats.org/drawingml/2006/main" xmlns:r="http://schemas.openxmlformats.org/officeDocument/2006/relationships" xmlns:p="http://schemas.openxmlformats.org/presentationml/2006/main">
+  <p:cSld>
+    <p:spTree>
+      <p:nvGrpSpPr>
+        <p:cNvPr id="1" name=""/>
+        <p:cNvGrpSpPr/>
+        <p:nvPr/>
+      </p:nvGrpSpPr>
+      <p:grpSpPr>
+        <a:xfrm>
+          <a:off x="0" y="0"/>
+          <a:ext cx="0" cy="0"/>
+          <a:chOff x="0" y="0"/>
+          <a:chExt cx="0" cy="0"/>
+        </a:xfrm>
+      </p:grpSpPr>
+      <p:sp>
+        <p:nvSpPr>
+          <p:cNvPr id="2" name="Title 1"/>
+          <p:cNvSpPr>
+            <a:spLocks noGrp="1"/>
+          </p:cNvSpPr>
+          <p:nvPr>
+            <p:ph type="title"/>
+          </p:nvPr>
+        </p:nvSpPr>
+        <p:spPr/>
+        <p:txBody>
+          <a:bodyPr>
             <a:noAutofit/>
           </a:bodyPr>
           <a:lstStyle/>
@@ -6674,6 +6835,15 @@
                 <a:latin typeface="Times New Roman" panose="02020603050405020304" pitchFamily="18" charset="0"/>
                 <a:cs typeface="Times New Roman" panose="02020603050405020304" pitchFamily="18" charset="0"/>
               </a:rPr>
+              <a:t>Understand Observable, Observer</a:t>
+            </a:r>
+          </a:p>
+          <a:p>
+            <a:r>
+              <a:rPr lang="nl-NL" dirty="0" smtClean="0">
+                <a:latin typeface="Times New Roman" panose="02020603050405020304" pitchFamily="18" charset="0"/>
+                <a:cs typeface="Times New Roman" panose="02020603050405020304" pitchFamily="18" charset="0"/>
+              </a:rPr>
               <a:t>Subject, BehaviorSubject, ReplaySubject, AsyncSubject</a:t>
             </a:r>
           </a:p>
@@ -6740,6 +6910,17 @@
               </a:rPr>
               <a:t>Useful resource</a:t>
             </a:r>
+          </a:p>
+          <a:p>
+            <a:r>
+              <a:rPr lang="en-US" b="1" i="1" dirty="0">
+                <a:latin typeface="Times New Roman" panose="02020603050405020304" pitchFamily="18" charset="0"/>
+                <a:cs typeface="Times New Roman" panose="02020603050405020304" pitchFamily="18" charset="0"/>
+              </a:rPr>
+              <a:t>Talk is cheap. Show me the code.</a:t>
+            </a:r>
+          </a:p>
+          <a:p>
             <a:endParaRPr lang="en-US" dirty="0">
               <a:latin typeface="Times New Roman" panose="02020603050405020304" pitchFamily="18" charset="0"/>
               <a:cs typeface="Times New Roman" panose="02020603050405020304" pitchFamily="18" charset="0"/>
@@ -6796,38 +6977,17 @@
         </p:nvSpPr>
         <p:spPr/>
         <p:txBody>
-          <a:bodyPr>
-            <a:noAutofit/>
-          </a:bodyPr>
-          <a:lstStyle/>
-          <a:p>
-            <a:r>
-              <a:rPr lang="nl-NL" sz="5500" dirty="0" smtClean="0">
-                <a:latin typeface="Times New Roman" panose="02020603050405020304" pitchFamily="18" charset="0"/>
-                <a:cs typeface="Times New Roman" panose="02020603050405020304" pitchFamily="18" charset="0"/>
-              </a:rPr>
-              <a:t/>
-            </a:r>
-            <a:br>
-              <a:rPr lang="nl-NL" sz="5500" dirty="0" smtClean="0">
-                <a:latin typeface="Times New Roman" panose="02020603050405020304" pitchFamily="18" charset="0"/>
-                <a:cs typeface="Times New Roman" panose="02020603050405020304" pitchFamily="18" charset="0"/>
-              </a:rPr>
-            </a:br>
-            <a:r>
-              <a:rPr lang="nl-NL" sz="5500" dirty="0" smtClean="0">
-                <a:latin typeface="Times New Roman" panose="02020603050405020304" pitchFamily="18" charset="0"/>
-                <a:cs typeface="Times New Roman" panose="02020603050405020304" pitchFamily="18" charset="0"/>
-              </a:rPr>
-              <a:t>What is RXJS</a:t>
-            </a:r>
-            <a:br>
-              <a:rPr lang="nl-NL" sz="5500" dirty="0" smtClean="0">
-                <a:latin typeface="Times New Roman" panose="02020603050405020304" pitchFamily="18" charset="0"/>
-                <a:cs typeface="Times New Roman" panose="02020603050405020304" pitchFamily="18" charset="0"/>
-              </a:rPr>
-            </a:br>
-            <a:endParaRPr lang="en-US" sz="5500" dirty="0"/>
+          <a:bodyPr/>
+          <a:lstStyle/>
+          <a:p>
+            <a:r>
+              <a:rPr lang="nl-NL" dirty="0">
+                <a:latin typeface="Times New Roman" panose="02020603050405020304" pitchFamily="18" charset="0"/>
+                <a:cs typeface="Times New Roman" panose="02020603050405020304" pitchFamily="18" charset="0"/>
+              </a:rPr>
+              <a:t>Understand Observable</a:t>
+            </a:r>
+            <a:endParaRPr lang="en-US" dirty="0"/>
           </a:p>
         </p:txBody>
       </p:sp>
@@ -6847,43 +7007,34 @@
           <a:lstStyle/>
           <a:p>
             <a:r>
-              <a:rPr lang="en-US" dirty="0" err="1">
-                <a:solidFill>
-                  <a:schemeClr val="tx1"/>
-                </a:solidFill>
-                <a:latin typeface="Times New Roman" panose="02020603050405020304" pitchFamily="18" charset="0"/>
-                <a:cs typeface="Times New Roman" panose="02020603050405020304" pitchFamily="18" charset="0"/>
-                <a:hlinkClick r:id="rId2"/>
-              </a:rPr>
-              <a:t>RxJS</a:t>
-            </a:r>
-            <a:r>
               <a:rPr lang="en-US" dirty="0">
                 <a:latin typeface="Times New Roman" panose="02020603050405020304" pitchFamily="18" charset="0"/>
                 <a:cs typeface="Times New Roman" panose="02020603050405020304" pitchFamily="18" charset="0"/>
               </a:rPr>
-              <a:t> is one of the hottest libraries in web development today. Offering a powerful, functional approach for dealing with events and with integration points into a growing number of frameworks, libraries, and </a:t>
+              <a:t>Observables are declarative which provide support for passing messages between publishers and subscribers in your application. They are mainly used for event handling, asynchronous programming, and handling multiple values</a:t>
             </a:r>
             <a:r>
               <a:rPr lang="en-US" dirty="0" smtClean="0">
                 <a:latin typeface="Times New Roman" panose="02020603050405020304" pitchFamily="18" charset="0"/>
                 <a:cs typeface="Times New Roman" panose="02020603050405020304" pitchFamily="18" charset="0"/>
               </a:rPr>
-              <a:t>utilities</a:t>
-            </a:r>
-          </a:p>
-          <a:p>
-            <a:endParaRPr lang="en-US" dirty="0" smtClean="0">
-              <a:latin typeface="Times New Roman" panose="02020603050405020304" pitchFamily="18" charset="0"/>
-              <a:cs typeface="Times New Roman" panose="02020603050405020304" pitchFamily="18" charset="0"/>
-            </a:endParaRPr>
-          </a:p>
-          <a:p>
+              <a:t>.</a:t>
+            </a:r>
+          </a:p>
+          <a:p>
+            <a:r>
+              <a:rPr lang="en-US" dirty="0" smtClean="0">
+                <a:latin typeface="Times New Roman" panose="02020603050405020304" pitchFamily="18" charset="0"/>
+                <a:cs typeface="Times New Roman" panose="02020603050405020304" pitchFamily="18" charset="0"/>
+              </a:rPr>
+              <a:t> </a:t>
+            </a:r>
             <a:r>
               <a:rPr lang="en-US" dirty="0">
-                <a:hlinkClick r:id="rId3"/>
-              </a:rPr>
-              <a:t>https://tylermcginnis.com/imperative-vs-declarative-programming/</a:t>
+                <a:latin typeface="Times New Roman" panose="02020603050405020304" pitchFamily="18" charset="0"/>
+                <a:cs typeface="Times New Roman" panose="02020603050405020304" pitchFamily="18" charset="0"/>
+              </a:rPr>
+              <a:t>In this case, you define a function for publishing values, but it is not executed until a consumer subscribes to it. The subscribed consumer then receives notifications until the function completes, or until they unsubscribe.</a:t>
             </a:r>
             <a:endParaRPr lang="en-US" dirty="0">
               <a:latin typeface="Times New Roman" panose="02020603050405020304" pitchFamily="18" charset="0"/>
@@ -6895,7 +7046,7 @@
     </p:spTree>
     <p:extLst>
       <p:ext uri="{BB962C8B-B14F-4D97-AF65-F5344CB8AC3E}">
-        <p14:creationId xmlns:p14="http://schemas.microsoft.com/office/powerpoint/2010/main" val="1360348484"/>
+        <p14:creationId xmlns:p14="http://schemas.microsoft.com/office/powerpoint/2010/main" val="1393384373"/>
       </p:ext>
     </p:extLst>
   </p:cSld>
@@ -6941,134 +7092,250 @@
         </p:nvSpPr>
         <p:spPr/>
         <p:txBody>
+          <a:bodyPr/>
+          <a:lstStyle/>
+          <a:p>
+            <a:r>
+              <a:rPr lang="en-US" dirty="0" smtClean="0"/>
+              <a:t>Observer</a:t>
+            </a:r>
+            <a:endParaRPr lang="en-US" dirty="0"/>
+          </a:p>
+        </p:txBody>
+      </p:sp>
+      <p:sp>
+        <p:nvSpPr>
+          <p:cNvPr id="3" name="Content Placeholder 2"/>
+          <p:cNvSpPr>
+            <a:spLocks noGrp="1"/>
+          </p:cNvSpPr>
+          <p:nvPr>
+            <p:ph idx="1"/>
+          </p:nvPr>
+        </p:nvSpPr>
+        <p:spPr>
+          <a:xfrm>
+            <a:off x="750499" y="1613140"/>
+            <a:ext cx="10981426" cy="4563823"/>
+          </a:xfrm>
+        </p:spPr>
+        <p:txBody>
           <a:bodyPr>
-            <a:normAutofit fontScale="90000"/>
+            <a:noAutofit/>
           </a:bodyPr>
           <a:lstStyle/>
           <a:p>
             <a:r>
-              <a:rPr lang="nl-NL" dirty="0" smtClean="0">
-                <a:latin typeface="Times New Roman" panose="02020603050405020304" pitchFamily="18" charset="0"/>
-                <a:cs typeface="Times New Roman" panose="02020603050405020304" pitchFamily="18" charset="0"/>
-              </a:rPr>
-              <a:t/>
-            </a:r>
-            <a:br>
-              <a:rPr lang="nl-NL" dirty="0" smtClean="0">
-                <a:latin typeface="Times New Roman" panose="02020603050405020304" pitchFamily="18" charset="0"/>
-                <a:cs typeface="Times New Roman" panose="02020603050405020304" pitchFamily="18" charset="0"/>
-              </a:rPr>
-            </a:br>
-            <a:r>
-              <a:rPr lang="nl-NL" dirty="0" smtClean="0">
-                <a:latin typeface="Times New Roman" panose="02020603050405020304" pitchFamily="18" charset="0"/>
-                <a:cs typeface="Times New Roman" panose="02020603050405020304" pitchFamily="18" charset="0"/>
-              </a:rPr>
-              <a:t>Subject</a:t>
-            </a:r>
-            <a:r>
-              <a:rPr lang="nl-NL" dirty="0">
-                <a:latin typeface="Times New Roman" panose="02020603050405020304" pitchFamily="18" charset="0"/>
-                <a:cs typeface="Times New Roman" panose="02020603050405020304" pitchFamily="18" charset="0"/>
-              </a:rPr>
-              <a:t>, BehaviorSubject, ReplaySubject, AsyncSubject</a:t>
-            </a:r>
-            <a:br>
-              <a:rPr lang="nl-NL" dirty="0">
-                <a:latin typeface="Times New Roman" panose="02020603050405020304" pitchFamily="18" charset="0"/>
-                <a:cs typeface="Times New Roman" panose="02020603050405020304" pitchFamily="18" charset="0"/>
-              </a:rPr>
-            </a:br>
-            <a:endParaRPr lang="en-US" dirty="0"/>
-          </a:p>
-        </p:txBody>
-      </p:sp>
-      <p:sp>
-        <p:nvSpPr>
-          <p:cNvPr id="3" name="Content Placeholder 2"/>
-          <p:cNvSpPr>
-            <a:spLocks noGrp="1"/>
-          </p:cNvSpPr>
-          <p:nvPr>
-            <p:ph idx="1"/>
-          </p:nvPr>
-        </p:nvSpPr>
-        <p:spPr/>
-        <p:txBody>
-          <a:bodyPr>
-            <a:normAutofit/>
-          </a:bodyPr>
-          <a:lstStyle/>
-          <a:p>
-            <a:endParaRPr lang="en-US" dirty="0" smtClean="0">
+              <a:rPr lang="en-US" sz="2000" dirty="0">
+                <a:latin typeface="Times New Roman" panose="02020603050405020304" pitchFamily="18" charset="0"/>
+                <a:cs typeface="Times New Roman" panose="02020603050405020304" pitchFamily="18" charset="0"/>
+              </a:rPr>
+              <a:t>Observer is an interface for a consumer of push-based notifications delivered by an Observable. It has below </a:t>
+            </a:r>
+            <a:r>
+              <a:rPr lang="en-US" sz="2000" dirty="0" smtClean="0">
+                <a:latin typeface="Times New Roman" panose="02020603050405020304" pitchFamily="18" charset="0"/>
+                <a:cs typeface="Times New Roman" panose="02020603050405020304" pitchFamily="18" charset="0"/>
+              </a:rPr>
+              <a:t>structure</a:t>
+            </a:r>
+            <a:endParaRPr lang="en-US" sz="2000" dirty="0">
               <a:latin typeface="Times New Roman" panose="02020603050405020304" pitchFamily="18" charset="0"/>
               <a:cs typeface="Times New Roman" panose="02020603050405020304" pitchFamily="18" charset="0"/>
             </a:endParaRPr>
           </a:p>
           <a:p>
-            <a:r>
-              <a:rPr lang="en-US" dirty="0" smtClean="0">
+            <a:pPr marL="0" indent="0">
+              <a:buNone/>
+            </a:pPr>
+            <a:r>
+              <a:rPr lang="en-US" sz="2000" dirty="0">
+                <a:latin typeface="Times New Roman" panose="02020603050405020304" pitchFamily="18" charset="0"/>
+                <a:cs typeface="Times New Roman" panose="02020603050405020304" pitchFamily="18" charset="0"/>
+              </a:rPr>
+              <a:t>interface Observer&lt;T&gt; {</a:t>
+            </a:r>
+          </a:p>
+          <a:p>
+            <a:pPr marL="0" indent="0">
+              <a:buNone/>
+            </a:pPr>
+            <a:r>
+              <a:rPr lang="en-US" sz="2000" dirty="0" smtClean="0">
+                <a:latin typeface="Times New Roman" panose="02020603050405020304" pitchFamily="18" charset="0"/>
+                <a:cs typeface="Times New Roman" panose="02020603050405020304" pitchFamily="18" charset="0"/>
+              </a:rPr>
+              <a:t>  </a:t>
+            </a:r>
+            <a:r>
+              <a:rPr lang="en-US" sz="2000" dirty="0">
+                <a:latin typeface="Times New Roman" panose="02020603050405020304" pitchFamily="18" charset="0"/>
+                <a:cs typeface="Times New Roman" panose="02020603050405020304" pitchFamily="18" charset="0"/>
+              </a:rPr>
+              <a:t>closed?: </a:t>
+            </a:r>
+            <a:r>
+              <a:rPr lang="en-US" sz="2000" dirty="0" err="1">
+                <a:latin typeface="Times New Roman" panose="02020603050405020304" pitchFamily="18" charset="0"/>
+                <a:cs typeface="Times New Roman" panose="02020603050405020304" pitchFamily="18" charset="0"/>
+              </a:rPr>
+              <a:t>boolean</a:t>
+            </a:r>
+            <a:r>
+              <a:rPr lang="en-US" sz="2000" dirty="0">
+                <a:latin typeface="Times New Roman" panose="02020603050405020304" pitchFamily="18" charset="0"/>
+                <a:cs typeface="Times New Roman" panose="02020603050405020304" pitchFamily="18" charset="0"/>
+              </a:rPr>
+              <a:t>;</a:t>
+            </a:r>
+          </a:p>
+          <a:p>
+            <a:pPr marL="0" indent="0">
+              <a:buNone/>
+            </a:pPr>
+            <a:r>
+              <a:rPr lang="en-US" sz="2000" dirty="0" smtClean="0">
+                <a:latin typeface="Times New Roman" panose="02020603050405020304" pitchFamily="18" charset="0"/>
+                <a:cs typeface="Times New Roman" panose="02020603050405020304" pitchFamily="18" charset="0"/>
+              </a:rPr>
+              <a:t>  next</a:t>
+            </a:r>
+            <a:r>
+              <a:rPr lang="en-US" sz="2000" dirty="0">
+                <a:latin typeface="Times New Roman" panose="02020603050405020304" pitchFamily="18" charset="0"/>
+                <a:cs typeface="Times New Roman" panose="02020603050405020304" pitchFamily="18" charset="0"/>
+              </a:rPr>
+              <a:t>: (value: T) =&gt; void;</a:t>
+            </a:r>
+          </a:p>
+          <a:p>
+            <a:pPr marL="0" indent="0">
+              <a:buNone/>
+            </a:pPr>
+            <a:r>
+              <a:rPr lang="en-US" sz="2000" dirty="0" smtClean="0">
+                <a:latin typeface="Times New Roman" panose="02020603050405020304" pitchFamily="18" charset="0"/>
+                <a:cs typeface="Times New Roman" panose="02020603050405020304" pitchFamily="18" charset="0"/>
+              </a:rPr>
+              <a:t> </a:t>
+            </a:r>
+            <a:r>
+              <a:rPr lang="en-US" sz="2000" dirty="0">
+                <a:latin typeface="Times New Roman" panose="02020603050405020304" pitchFamily="18" charset="0"/>
+                <a:cs typeface="Times New Roman" panose="02020603050405020304" pitchFamily="18" charset="0"/>
+              </a:rPr>
+              <a:t>error: (err: any) =&gt; void;</a:t>
+            </a:r>
+          </a:p>
+          <a:p>
+            <a:pPr marL="0" indent="0">
+              <a:buNone/>
+            </a:pPr>
+            <a:r>
+              <a:rPr lang="en-US" sz="2000" dirty="0" smtClean="0">
+                <a:latin typeface="Times New Roman" panose="02020603050405020304" pitchFamily="18" charset="0"/>
+                <a:cs typeface="Times New Roman" panose="02020603050405020304" pitchFamily="18" charset="0"/>
+              </a:rPr>
+              <a:t> complete</a:t>
+            </a:r>
+            <a:r>
+              <a:rPr lang="en-US" sz="2000" dirty="0">
+                <a:latin typeface="Times New Roman" panose="02020603050405020304" pitchFamily="18" charset="0"/>
+                <a:cs typeface="Times New Roman" panose="02020603050405020304" pitchFamily="18" charset="0"/>
+              </a:rPr>
+              <a:t>: () =&gt; void;</a:t>
+            </a:r>
+          </a:p>
+          <a:p>
+            <a:pPr marL="0" indent="0">
+              <a:buNone/>
+            </a:pPr>
+            <a:r>
+              <a:rPr lang="en-US" sz="2000" dirty="0" smtClean="0">
+                <a:latin typeface="Times New Roman" panose="02020603050405020304" pitchFamily="18" charset="0"/>
+                <a:cs typeface="Times New Roman" panose="02020603050405020304" pitchFamily="18" charset="0"/>
+              </a:rPr>
+              <a:t>}</a:t>
+            </a:r>
+          </a:p>
+          <a:p>
+            <a:r>
+              <a:rPr lang="en-US" sz="2000" dirty="0" smtClean="0">
                 <a:latin typeface="Times New Roman" panose="02020603050405020304" pitchFamily="18" charset="0"/>
                 <a:cs typeface="Times New Roman" panose="02020603050405020304" pitchFamily="18" charset="0"/>
               </a:rPr>
               <a:t>A </a:t>
             </a:r>
             <a:r>
-              <a:rPr lang="en-US" dirty="0">
-                <a:latin typeface="Times New Roman" panose="02020603050405020304" pitchFamily="18" charset="0"/>
-                <a:cs typeface="Times New Roman" panose="02020603050405020304" pitchFamily="18" charset="0"/>
-              </a:rPr>
-              <a:t>Subject is a special type of Observable which shares a single execution path among observers</a:t>
-            </a:r>
-            <a:r>
-              <a:rPr lang="en-US" dirty="0" smtClean="0">
-                <a:latin typeface="Times New Roman" panose="02020603050405020304" pitchFamily="18" charset="0"/>
-                <a:cs typeface="Times New Roman" panose="02020603050405020304" pitchFamily="18" charset="0"/>
-              </a:rPr>
-              <a:t>.</a:t>
-            </a:r>
-          </a:p>
-          <a:p>
-            <a:endParaRPr lang="en-US" dirty="0">
-              <a:latin typeface="Times New Roman" panose="02020603050405020304" pitchFamily="18" charset="0"/>
-              <a:cs typeface="Times New Roman" panose="02020603050405020304" pitchFamily="18" charset="0"/>
-            </a:endParaRPr>
-          </a:p>
-          <a:p>
-            <a:r>
-              <a:rPr lang="en-US" dirty="0">
-                <a:latin typeface="Times New Roman" panose="02020603050405020304" pitchFamily="18" charset="0"/>
-                <a:cs typeface="Times New Roman" panose="02020603050405020304" pitchFamily="18" charset="0"/>
-              </a:rPr>
-              <a:t>You can think of this as a single speaker talking at a microphone in a room full of people. Their message (the subject) is being delivered to many (multicast) people (the observers) at once. This is the basis of </a:t>
-            </a:r>
-            <a:r>
-              <a:rPr lang="en-US" b="1" dirty="0">
-                <a:latin typeface="Times New Roman" panose="02020603050405020304" pitchFamily="18" charset="0"/>
-                <a:cs typeface="Times New Roman" panose="02020603050405020304" pitchFamily="18" charset="0"/>
-              </a:rPr>
-              <a:t>multicasting</a:t>
-            </a:r>
-            <a:r>
-              <a:rPr lang="en-US" dirty="0">
-                <a:latin typeface="Times New Roman" panose="02020603050405020304" pitchFamily="18" charset="0"/>
-                <a:cs typeface="Times New Roman" panose="02020603050405020304" pitchFamily="18" charset="0"/>
-              </a:rPr>
-              <a:t>. Typical observables would be comparable to a 1 on 1 conversation.</a:t>
-            </a:r>
-          </a:p>
-          <a:p>
-            <a:endParaRPr lang="en-US" dirty="0">
-              <a:latin typeface="Times New Roman" panose="02020603050405020304" pitchFamily="18" charset="0"/>
-              <a:cs typeface="Times New Roman" panose="02020603050405020304" pitchFamily="18" charset="0"/>
-            </a:endParaRPr>
+              <a:rPr lang="en-US" sz="2000" dirty="0">
+                <a:latin typeface="Times New Roman" panose="02020603050405020304" pitchFamily="18" charset="0"/>
+                <a:cs typeface="Times New Roman" panose="02020603050405020304" pitchFamily="18" charset="0"/>
+              </a:rPr>
+              <a:t>handler that implements the Observer interface for receiving observable notifications will be passed as a parameter for observable as </a:t>
+            </a:r>
+            <a:r>
+              <a:rPr lang="en-US" sz="2000" dirty="0" smtClean="0">
+                <a:latin typeface="Times New Roman" panose="02020603050405020304" pitchFamily="18" charset="0"/>
+                <a:cs typeface="Times New Roman" panose="02020603050405020304" pitchFamily="18" charset="0"/>
+              </a:rPr>
+              <a:t>below</a:t>
+            </a:r>
+          </a:p>
+          <a:p>
+            <a:pPr marL="0" indent="0">
+              <a:buNone/>
+            </a:pPr>
+            <a:r>
+              <a:rPr lang="en-US" sz="2000" dirty="0" err="1" smtClean="0">
+                <a:latin typeface="Times New Roman" panose="02020603050405020304" pitchFamily="18" charset="0"/>
+                <a:cs typeface="Times New Roman" panose="02020603050405020304" pitchFamily="18" charset="0"/>
+              </a:rPr>
+              <a:t>myObservable.subscribe</a:t>
+            </a:r>
+            <a:r>
+              <a:rPr lang="en-US" sz="2000" dirty="0" smtClean="0">
+                <a:latin typeface="Times New Roman" panose="02020603050405020304" pitchFamily="18" charset="0"/>
+                <a:cs typeface="Times New Roman" panose="02020603050405020304" pitchFamily="18" charset="0"/>
+              </a:rPr>
+              <a:t>(</a:t>
+            </a:r>
+            <a:r>
+              <a:rPr lang="en-US" sz="2000" dirty="0" err="1" smtClean="0">
+                <a:latin typeface="Times New Roman" panose="02020603050405020304" pitchFamily="18" charset="0"/>
+                <a:cs typeface="Times New Roman" panose="02020603050405020304" pitchFamily="18" charset="0"/>
+              </a:rPr>
+              <a:t>myObserver</a:t>
+            </a:r>
+            <a:r>
+              <a:rPr lang="en-US" sz="2000" dirty="0" smtClean="0">
+                <a:latin typeface="Times New Roman" panose="02020603050405020304" pitchFamily="18" charset="0"/>
+                <a:cs typeface="Times New Roman" panose="02020603050405020304" pitchFamily="18" charset="0"/>
+              </a:rPr>
+              <a:t>);</a:t>
+            </a:r>
+          </a:p>
+          <a:p>
+            <a:r>
+              <a:rPr lang="en-US" sz="2000" dirty="0" smtClean="0">
+                <a:latin typeface="Times New Roman" panose="02020603050405020304" pitchFamily="18" charset="0"/>
+                <a:cs typeface="Times New Roman" panose="02020603050405020304" pitchFamily="18" charset="0"/>
+              </a:rPr>
+              <a:t>Note</a:t>
+            </a:r>
+            <a:r>
+              <a:rPr lang="en-US" sz="2000" dirty="0">
+                <a:latin typeface="Times New Roman" panose="02020603050405020304" pitchFamily="18" charset="0"/>
+                <a:cs typeface="Times New Roman" panose="02020603050405020304" pitchFamily="18" charset="0"/>
+              </a:rPr>
+              <a:t>: If you don't supply a handler for a notification type, the observer ignores notifications of that type.</a:t>
+            </a:r>
           </a:p>
         </p:txBody>
       </p:sp>
     </p:spTree>
     <p:extLst>
       <p:ext uri="{BB962C8B-B14F-4D97-AF65-F5344CB8AC3E}">
-        <p14:creationId xmlns:p14="http://schemas.microsoft.com/office/powerpoint/2010/main" val="85158854"/>
+        <p14:creationId xmlns:p14="http://schemas.microsoft.com/office/powerpoint/2010/main" val="440784315"/>
       </p:ext>
     </p:extLst>
   </p:cSld>
@@ -7115,37 +7382,37 @@
         <p:spPr/>
         <p:txBody>
           <a:bodyPr>
-            <a:normAutofit fontScale="90000"/>
+            <a:noAutofit/>
           </a:bodyPr>
           <a:lstStyle/>
           <a:p>
             <a:r>
-              <a:rPr lang="nl-NL" dirty="0">
+              <a:rPr lang="nl-NL" sz="5500" dirty="0" smtClean="0">
                 <a:latin typeface="Times New Roman" panose="02020603050405020304" pitchFamily="18" charset="0"/>
                 <a:cs typeface="Times New Roman" panose="02020603050405020304" pitchFamily="18" charset="0"/>
               </a:rPr>
               <a:t/>
             </a:r>
             <a:br>
-              <a:rPr lang="nl-NL" dirty="0">
+              <a:rPr lang="nl-NL" sz="5500" dirty="0" smtClean="0">
                 <a:latin typeface="Times New Roman" panose="02020603050405020304" pitchFamily="18" charset="0"/>
                 <a:cs typeface="Times New Roman" panose="02020603050405020304" pitchFamily="18" charset="0"/>
               </a:rPr>
             </a:br>
             <a:r>
-              <a:rPr lang="nl-NL" dirty="0">
-                <a:latin typeface="Times New Roman" panose="02020603050405020304" pitchFamily="18" charset="0"/>
-                <a:cs typeface="Times New Roman" panose="02020603050405020304" pitchFamily="18" charset="0"/>
-              </a:rPr>
-              <a:t>Subject, BehaviorSubject, ReplaySubject, AsyncSubject</a:t>
+              <a:rPr lang="nl-NL" sz="5500" dirty="0" smtClean="0">
+                <a:latin typeface="Times New Roman" panose="02020603050405020304" pitchFamily="18" charset="0"/>
+                <a:cs typeface="Times New Roman" panose="02020603050405020304" pitchFamily="18" charset="0"/>
+              </a:rPr>
+              <a:t>What is RXJS</a:t>
             </a:r>
             <a:br>
-              <a:rPr lang="nl-NL" dirty="0">
+              <a:rPr lang="nl-NL" sz="5500" dirty="0" smtClean="0">
                 <a:latin typeface="Times New Roman" panose="02020603050405020304" pitchFamily="18" charset="0"/>
                 <a:cs typeface="Times New Roman" panose="02020603050405020304" pitchFamily="18" charset="0"/>
               </a:rPr>
             </a:br>
-            <a:endParaRPr lang="en-US" dirty="0"/>
+            <a:endParaRPr lang="en-US" sz="5500" dirty="0"/>
           </a:p>
         </p:txBody>
       </p:sp>
@@ -7161,133 +7428,47 @@
         </p:nvSpPr>
         <p:spPr/>
         <p:txBody>
-          <a:bodyPr>
-            <a:normAutofit/>
-          </a:bodyPr>
-          <a:lstStyle/>
-          <a:p>
-            <a:pPr marL="0" indent="0">
-              <a:buNone/>
-            </a:pPr>
+          <a:bodyPr/>
+          <a:lstStyle/>
+          <a:p>
+            <a:r>
+              <a:rPr lang="en-US" dirty="0" err="1">
+                <a:solidFill>
+                  <a:schemeClr val="tx1"/>
+                </a:solidFill>
+                <a:latin typeface="Times New Roman" panose="02020603050405020304" pitchFamily="18" charset="0"/>
+                <a:cs typeface="Times New Roman" panose="02020603050405020304" pitchFamily="18" charset="0"/>
+                <a:hlinkClick r:id="rId2"/>
+              </a:rPr>
+              <a:t>RxJS</a:t>
+            </a:r>
+            <a:r>
+              <a:rPr lang="en-US" dirty="0">
+                <a:latin typeface="Times New Roman" panose="02020603050405020304" pitchFamily="18" charset="0"/>
+                <a:cs typeface="Times New Roman" panose="02020603050405020304" pitchFamily="18" charset="0"/>
+              </a:rPr>
+              <a:t> is one of the hottest libraries in web development today. Offering a powerful, functional approach for dealing with events and with integration points into a growing number of frameworks, libraries, and </a:t>
+            </a:r>
+            <a:r>
+              <a:rPr lang="en-US" dirty="0" smtClean="0">
+                <a:latin typeface="Times New Roman" panose="02020603050405020304" pitchFamily="18" charset="0"/>
+                <a:cs typeface="Times New Roman" panose="02020603050405020304" pitchFamily="18" charset="0"/>
+              </a:rPr>
+              <a:t>utilities</a:t>
+            </a:r>
+          </a:p>
+          <a:p>
             <a:endParaRPr lang="en-US" dirty="0" smtClean="0">
               <a:latin typeface="Times New Roman" panose="02020603050405020304" pitchFamily="18" charset="0"/>
               <a:cs typeface="Times New Roman" panose="02020603050405020304" pitchFamily="18" charset="0"/>
             </a:endParaRPr>
           </a:p>
           <a:p>
-            <a:pPr marL="0" indent="0">
-              <a:buNone/>
-            </a:pPr>
-            <a:r>
-              <a:rPr lang="en-US" dirty="0" smtClean="0">
-                <a:latin typeface="Times New Roman" panose="02020603050405020304" pitchFamily="18" charset="0"/>
-                <a:cs typeface="Times New Roman" panose="02020603050405020304" pitchFamily="18" charset="0"/>
-              </a:rPr>
-              <a:t>There </a:t>
-            </a:r>
             <a:r>
               <a:rPr lang="en-US" dirty="0">
-                <a:latin typeface="Times New Roman" panose="02020603050405020304" pitchFamily="18" charset="0"/>
-                <a:cs typeface="Times New Roman" panose="02020603050405020304" pitchFamily="18" charset="0"/>
-              </a:rPr>
-              <a:t>are 4 variants of subjects:</a:t>
-            </a:r>
-          </a:p>
-          <a:p>
-            <a:r>
-              <a:rPr lang="en-US" b="1" dirty="0">
-                <a:latin typeface="Times New Roman" panose="02020603050405020304" pitchFamily="18" charset="0"/>
-                <a:cs typeface="Times New Roman" panose="02020603050405020304" pitchFamily="18" charset="0"/>
-              </a:rPr>
-              <a:t>Subject</a:t>
-            </a:r>
-            <a:r>
-              <a:rPr lang="en-US" dirty="0">
-                <a:latin typeface="Times New Roman" panose="02020603050405020304" pitchFamily="18" charset="0"/>
-                <a:cs typeface="Times New Roman" panose="02020603050405020304" pitchFamily="18" charset="0"/>
-              </a:rPr>
-              <a:t> - No </a:t>
-            </a:r>
-            <a:r>
-              <a:rPr lang="en-US" dirty="0" err="1">
-                <a:latin typeface="Times New Roman" panose="02020603050405020304" pitchFamily="18" charset="0"/>
-                <a:cs typeface="Times New Roman" panose="02020603050405020304" pitchFamily="18" charset="0"/>
-              </a:rPr>
-              <a:t>intial</a:t>
-            </a:r>
-            <a:r>
-              <a:rPr lang="en-US" dirty="0">
-                <a:latin typeface="Times New Roman" panose="02020603050405020304" pitchFamily="18" charset="0"/>
-                <a:cs typeface="Times New Roman" panose="02020603050405020304" pitchFamily="18" charset="0"/>
-              </a:rPr>
-              <a:t> value or replay behavior.</a:t>
-            </a:r>
-          </a:p>
-          <a:p>
-            <a:r>
-              <a:rPr lang="en-US" b="1" dirty="0" err="1">
-                <a:latin typeface="Times New Roman" panose="02020603050405020304" pitchFamily="18" charset="0"/>
-                <a:cs typeface="Times New Roman" panose="02020603050405020304" pitchFamily="18" charset="0"/>
-              </a:rPr>
-              <a:t>AsyncSubject</a:t>
-            </a:r>
-            <a:r>
-              <a:rPr lang="en-US" dirty="0">
-                <a:latin typeface="Times New Roman" panose="02020603050405020304" pitchFamily="18" charset="0"/>
-                <a:cs typeface="Times New Roman" panose="02020603050405020304" pitchFamily="18" charset="0"/>
-              </a:rPr>
-              <a:t> - Emits latest value to observers upon completion.</a:t>
-            </a:r>
-          </a:p>
-          <a:p>
-            <a:r>
-              <a:rPr lang="en-US" b="1" dirty="0" err="1">
-                <a:latin typeface="Times New Roman" panose="02020603050405020304" pitchFamily="18" charset="0"/>
-                <a:cs typeface="Times New Roman" panose="02020603050405020304" pitchFamily="18" charset="0"/>
-              </a:rPr>
-              <a:t>BehaviorSubject</a:t>
-            </a:r>
-            <a:r>
-              <a:rPr lang="en-US" dirty="0">
-                <a:latin typeface="Times New Roman" panose="02020603050405020304" pitchFamily="18" charset="0"/>
-                <a:cs typeface="Times New Roman" panose="02020603050405020304" pitchFamily="18" charset="0"/>
-              </a:rPr>
-              <a:t> - Requires an initial value and emits its current value (last emitted item) to new subscribers.</a:t>
-            </a:r>
-          </a:p>
-          <a:p>
-            <a:r>
-              <a:rPr lang="en-US" b="1" dirty="0" err="1">
-                <a:latin typeface="Times New Roman" panose="02020603050405020304" pitchFamily="18" charset="0"/>
-                <a:cs typeface="Times New Roman" panose="02020603050405020304" pitchFamily="18" charset="0"/>
-              </a:rPr>
-              <a:t>ReplaySubject</a:t>
-            </a:r>
-            <a:r>
-              <a:rPr lang="en-US" dirty="0">
-                <a:latin typeface="Times New Roman" panose="02020603050405020304" pitchFamily="18" charset="0"/>
-                <a:cs typeface="Times New Roman" panose="02020603050405020304" pitchFamily="18" charset="0"/>
-              </a:rPr>
-              <a:t> - Emits specified number of last emitted values (a replay) to new subscribers</a:t>
-            </a:r>
-            <a:r>
-              <a:rPr lang="en-US" dirty="0" smtClean="0">
-                <a:latin typeface="Times New Roman" panose="02020603050405020304" pitchFamily="18" charset="0"/>
-                <a:cs typeface="Times New Roman" panose="02020603050405020304" pitchFamily="18" charset="0"/>
-              </a:rPr>
-              <a:t>.</a:t>
-            </a:r>
-          </a:p>
-          <a:p>
-            <a:pPr marL="0" indent="0">
-              <a:buNone/>
-            </a:pPr>
-            <a:r>
-              <a:rPr lang="en-US" dirty="0" smtClean="0">
-                <a:latin typeface="Times New Roman" panose="02020603050405020304" pitchFamily="18" charset="0"/>
-                <a:cs typeface="Times New Roman" panose="02020603050405020304" pitchFamily="18" charset="0"/>
-              </a:rPr>
-              <a:t>Small Demo</a:t>
+                <a:hlinkClick r:id="rId3"/>
+              </a:rPr>
+              <a:t>https://tylermcginnis.com/imperative-vs-declarative-programming/</a:t>
             </a:r>
             <a:endParaRPr lang="en-US" dirty="0">
               <a:latin typeface="Times New Roman" panose="02020603050405020304" pitchFamily="18" charset="0"/>
@@ -7299,7 +7480,7 @@
     </p:spTree>
     <p:extLst>
       <p:ext uri="{BB962C8B-B14F-4D97-AF65-F5344CB8AC3E}">
-        <p14:creationId xmlns:p14="http://schemas.microsoft.com/office/powerpoint/2010/main" val="1432021771"/>
+        <p14:creationId xmlns:p14="http://schemas.microsoft.com/office/powerpoint/2010/main" val="1360348484"/>
       </p:ext>
     </p:extLst>
   </p:cSld>
@@ -7346,111 +7527,133 @@
         <p:spPr/>
         <p:txBody>
           <a:bodyPr>
+            <a:normAutofit fontScale="90000"/>
+          </a:bodyPr>
+          <a:lstStyle/>
+          <a:p>
+            <a:r>
+              <a:rPr lang="nl-NL" dirty="0" smtClean="0">
+                <a:latin typeface="Times New Roman" panose="02020603050405020304" pitchFamily="18" charset="0"/>
+                <a:cs typeface="Times New Roman" panose="02020603050405020304" pitchFamily="18" charset="0"/>
+              </a:rPr>
+              <a:t/>
+            </a:r>
+            <a:br>
+              <a:rPr lang="nl-NL" dirty="0" smtClean="0">
+                <a:latin typeface="Times New Roman" panose="02020603050405020304" pitchFamily="18" charset="0"/>
+                <a:cs typeface="Times New Roman" panose="02020603050405020304" pitchFamily="18" charset="0"/>
+              </a:rPr>
+            </a:br>
+            <a:r>
+              <a:rPr lang="nl-NL" dirty="0" smtClean="0">
+                <a:latin typeface="Times New Roman" panose="02020603050405020304" pitchFamily="18" charset="0"/>
+                <a:cs typeface="Times New Roman" panose="02020603050405020304" pitchFamily="18" charset="0"/>
+              </a:rPr>
+              <a:t>Subject</a:t>
+            </a:r>
+            <a:r>
+              <a:rPr lang="nl-NL" dirty="0">
+                <a:latin typeface="Times New Roman" panose="02020603050405020304" pitchFamily="18" charset="0"/>
+                <a:cs typeface="Times New Roman" panose="02020603050405020304" pitchFamily="18" charset="0"/>
+              </a:rPr>
+              <a:t>, BehaviorSubject, ReplaySubject, AsyncSubject</a:t>
+            </a:r>
+            <a:br>
+              <a:rPr lang="nl-NL" dirty="0">
+                <a:latin typeface="Times New Roman" panose="02020603050405020304" pitchFamily="18" charset="0"/>
+                <a:cs typeface="Times New Roman" panose="02020603050405020304" pitchFamily="18" charset="0"/>
+              </a:rPr>
+            </a:br>
+            <a:endParaRPr lang="en-US" dirty="0"/>
+          </a:p>
+        </p:txBody>
+      </p:sp>
+      <p:sp>
+        <p:nvSpPr>
+          <p:cNvPr id="3" name="Content Placeholder 2"/>
+          <p:cNvSpPr>
+            <a:spLocks noGrp="1"/>
+          </p:cNvSpPr>
+          <p:nvPr>
+            <p:ph idx="1"/>
+          </p:nvPr>
+        </p:nvSpPr>
+        <p:spPr/>
+        <p:txBody>
+          <a:bodyPr>
             <a:normAutofit/>
           </a:bodyPr>
           <a:lstStyle/>
           <a:p>
-            <a:r>
-              <a:rPr lang="nl-NL" dirty="0" smtClean="0">
-                <a:latin typeface="Times New Roman" panose="02020603050405020304" pitchFamily="18" charset="0"/>
-                <a:cs typeface="Times New Roman" panose="02020603050405020304" pitchFamily="18" charset="0"/>
-              </a:rPr>
-              <a:t>SwitchMap</a:t>
-            </a:r>
-            <a:endParaRPr lang="en-US" dirty="0"/>
-          </a:p>
-        </p:txBody>
-      </p:sp>
-      <p:sp>
-        <p:nvSpPr>
-          <p:cNvPr id="3" name="Content Placeholder 2"/>
-          <p:cNvSpPr>
-            <a:spLocks noGrp="1"/>
-          </p:cNvSpPr>
-          <p:nvPr>
-            <p:ph idx="1"/>
-          </p:nvPr>
-        </p:nvSpPr>
-        <p:spPr/>
-        <p:txBody>
-          <a:bodyPr/>
-          <a:lstStyle/>
-          <a:p>
-            <a:pPr marL="0" indent="0">
-              <a:buNone/>
-            </a:pPr>
-            <a:r>
-              <a:rPr lang="en-US" dirty="0" err="1" smtClean="0">
-                <a:latin typeface="Times New Roman" panose="02020603050405020304" pitchFamily="18" charset="0"/>
-                <a:cs typeface="Times New Roman" panose="02020603050405020304" pitchFamily="18" charset="0"/>
-              </a:rPr>
-              <a:t>SwitchMap</a:t>
-            </a:r>
+            <a:endParaRPr lang="en-US" dirty="0" smtClean="0">
+              <a:latin typeface="Times New Roman" panose="02020603050405020304" pitchFamily="18" charset="0"/>
+              <a:cs typeface="Times New Roman" panose="02020603050405020304" pitchFamily="18" charset="0"/>
+            </a:endParaRPr>
+          </a:p>
+          <a:p>
             <a:r>
               <a:rPr lang="en-US" dirty="0" smtClean="0">
                 <a:latin typeface="Times New Roman" panose="02020603050405020304" pitchFamily="18" charset="0"/>
                 <a:cs typeface="Times New Roman" panose="02020603050405020304" pitchFamily="18" charset="0"/>
               </a:rPr>
-              <a:t>:</a:t>
-            </a:r>
-          </a:p>
-          <a:p>
+              <a:t>A </a:t>
+            </a:r>
+            <a:r>
+              <a:rPr lang="en-US" dirty="0">
+                <a:latin typeface="Times New Roman" panose="02020603050405020304" pitchFamily="18" charset="0"/>
+                <a:cs typeface="Times New Roman" panose="02020603050405020304" pitchFamily="18" charset="0"/>
+              </a:rPr>
+              <a:t>Subject is a special type of Observable which shares a single execution path among observers</a:t>
+            </a:r>
             <a:r>
               <a:rPr lang="en-US" dirty="0" smtClean="0">
                 <a:latin typeface="Times New Roman" panose="02020603050405020304" pitchFamily="18" charset="0"/>
                 <a:cs typeface="Times New Roman" panose="02020603050405020304" pitchFamily="18" charset="0"/>
               </a:rPr>
-              <a:t>The </a:t>
-            </a:r>
-            <a:r>
-              <a:rPr lang="en-US" dirty="0">
-                <a:latin typeface="Times New Roman" panose="02020603050405020304" pitchFamily="18" charset="0"/>
-                <a:cs typeface="Times New Roman" panose="02020603050405020304" pitchFamily="18" charset="0"/>
-              </a:rPr>
-              <a:t>main difference between </a:t>
-            </a:r>
-            <a:r>
-              <a:rPr lang="en-US" dirty="0" err="1">
-                <a:latin typeface="Times New Roman" panose="02020603050405020304" pitchFamily="18" charset="0"/>
-                <a:cs typeface="Times New Roman" panose="02020603050405020304" pitchFamily="18" charset="0"/>
-              </a:rPr>
-              <a:t>switchMap</a:t>
-            </a:r>
-            <a:r>
-              <a:rPr lang="en-US" dirty="0">
-                <a:latin typeface="Times New Roman" panose="02020603050405020304" pitchFamily="18" charset="0"/>
-                <a:cs typeface="Times New Roman" panose="02020603050405020304" pitchFamily="18" charset="0"/>
-              </a:rPr>
-              <a:t> and other flattening operators is the cancelling effect. On each emission the previous inner observable (the result of the function you supplied) is cancelled and the new observable is subscribed. You can remember this by the phrase switch to a new observable</a:t>
-            </a:r>
-            <a:r>
-              <a:rPr lang="en-US" dirty="0" smtClean="0">
-                <a:latin typeface="Times New Roman" panose="02020603050405020304" pitchFamily="18" charset="0"/>
-                <a:cs typeface="Times New Roman" panose="02020603050405020304" pitchFamily="18" charset="0"/>
-              </a:rPr>
               <a:t>.</a:t>
             </a:r>
           </a:p>
           <a:p>
-            <a:r>
-              <a:rPr lang="en-US" dirty="0">
-                <a:latin typeface="Times New Roman" panose="02020603050405020304" pitchFamily="18" charset="0"/>
-                <a:cs typeface="Times New Roman" panose="02020603050405020304" pitchFamily="18" charset="0"/>
-                <a:hlinkClick r:id="rId2"/>
-              </a:rPr>
-              <a:t>https://stackblitz.com/edit/typescript-s4pvix?file=index.ts&amp;devtoolsheight=100</a:t>
-            </a:r>
             <a:endParaRPr lang="en-US" dirty="0">
               <a:latin typeface="Times New Roman" panose="02020603050405020304" pitchFamily="18" charset="0"/>
               <a:cs typeface="Times New Roman" panose="02020603050405020304" pitchFamily="18" charset="0"/>
             </a:endParaRPr>
           </a:p>
+          <a:p>
+            <a:r>
+              <a:rPr lang="en-US" dirty="0">
+                <a:latin typeface="Times New Roman" panose="02020603050405020304" pitchFamily="18" charset="0"/>
+                <a:cs typeface="Times New Roman" panose="02020603050405020304" pitchFamily="18" charset="0"/>
+              </a:rPr>
+              <a:t>You can think of this as a single speaker talking at a microphone in a room full of people. Their message (the subject) is being delivered to many (multicast) people (the observers) at once. This is the basis of </a:t>
+            </a:r>
+            <a:r>
+              <a:rPr lang="en-US" b="1" dirty="0">
+                <a:latin typeface="Times New Roman" panose="02020603050405020304" pitchFamily="18" charset="0"/>
+                <a:cs typeface="Times New Roman" panose="02020603050405020304" pitchFamily="18" charset="0"/>
+              </a:rPr>
+              <a:t>multicasting</a:t>
+            </a:r>
+            <a:r>
+              <a:rPr lang="en-US" dirty="0">
+                <a:latin typeface="Times New Roman" panose="02020603050405020304" pitchFamily="18" charset="0"/>
+                <a:cs typeface="Times New Roman" panose="02020603050405020304" pitchFamily="18" charset="0"/>
+              </a:rPr>
+              <a:t>. Typical observables would be comparable to a 1 on 1 conversation.</a:t>
+            </a:r>
+          </a:p>
+          <a:p>
+            <a:endParaRPr lang="en-US" dirty="0">
+              <a:latin typeface="Times New Roman" panose="02020603050405020304" pitchFamily="18" charset="0"/>
+              <a:cs typeface="Times New Roman" panose="02020603050405020304" pitchFamily="18" charset="0"/>
+            </a:endParaRPr>
+          </a:p>
         </p:txBody>
       </p:sp>
     </p:spTree>
     <p:extLst>
       <p:ext uri="{BB962C8B-B14F-4D97-AF65-F5344CB8AC3E}">
-        <p14:creationId xmlns:p14="http://schemas.microsoft.com/office/powerpoint/2010/main" val="3072284170"/>
+        <p14:creationId xmlns:p14="http://schemas.microsoft.com/office/powerpoint/2010/main" val="85158854"/>
       </p:ext>
     </p:extLst>
   </p:cSld>
@@ -7515,14 +7718,14 @@
               </a:rPr>
             </a:br>
             <a:r>
-              <a:rPr lang="nl-NL" dirty="0" smtClean="0">
-                <a:latin typeface="Times New Roman" panose="02020603050405020304" pitchFamily="18" charset="0"/>
-                <a:cs typeface="Times New Roman" panose="02020603050405020304" pitchFamily="18" charset="0"/>
-              </a:rPr>
-              <a:t>MergeMap</a:t>
+              <a:rPr lang="nl-NL" dirty="0">
+                <a:latin typeface="Times New Roman" panose="02020603050405020304" pitchFamily="18" charset="0"/>
+                <a:cs typeface="Times New Roman" panose="02020603050405020304" pitchFamily="18" charset="0"/>
+              </a:rPr>
+              <a:t>Subject, BehaviorSubject, ReplaySubject, AsyncSubject</a:t>
             </a:r>
             <a:br>
-              <a:rPr lang="nl-NL" dirty="0" smtClean="0">
+              <a:rPr lang="nl-NL" dirty="0">
                 <a:latin typeface="Times New Roman" panose="02020603050405020304" pitchFamily="18" charset="0"/>
                 <a:cs typeface="Times New Roman" panose="02020603050405020304" pitchFamily="18" charset="0"/>
               </a:rPr>
@@ -7543,23 +7746,158 @@
         </p:nvSpPr>
         <p:spPr/>
         <p:txBody>
-          <a:bodyPr/>
-          <a:lstStyle/>
-          <a:p>
-            <a:endParaRPr lang="en-US"/>
+          <a:bodyPr>
+            <a:normAutofit/>
+          </a:bodyPr>
+          <a:lstStyle/>
+          <a:p>
+            <a:pPr marL="0" indent="0">
+              <a:buNone/>
+            </a:pPr>
+            <a:endParaRPr lang="en-US" dirty="0" smtClean="0">
+              <a:latin typeface="Times New Roman" panose="02020603050405020304" pitchFamily="18" charset="0"/>
+              <a:cs typeface="Times New Roman" panose="02020603050405020304" pitchFamily="18" charset="0"/>
+            </a:endParaRPr>
+          </a:p>
+          <a:p>
+            <a:pPr marL="0" indent="0">
+              <a:buNone/>
+            </a:pPr>
+            <a:r>
+              <a:rPr lang="en-US" dirty="0" smtClean="0">
+                <a:latin typeface="Times New Roman" panose="02020603050405020304" pitchFamily="18" charset="0"/>
+                <a:cs typeface="Times New Roman" panose="02020603050405020304" pitchFamily="18" charset="0"/>
+              </a:rPr>
+              <a:t>There </a:t>
+            </a:r>
+            <a:r>
+              <a:rPr lang="en-US" dirty="0">
+                <a:latin typeface="Times New Roman" panose="02020603050405020304" pitchFamily="18" charset="0"/>
+                <a:cs typeface="Times New Roman" panose="02020603050405020304" pitchFamily="18" charset="0"/>
+              </a:rPr>
+              <a:t>are 4 variants of subjects:</a:t>
+            </a:r>
+          </a:p>
+          <a:p>
+            <a:r>
+              <a:rPr lang="en-US" b="1" dirty="0">
+                <a:latin typeface="Times New Roman" panose="02020603050405020304" pitchFamily="18" charset="0"/>
+                <a:cs typeface="Times New Roman" panose="02020603050405020304" pitchFamily="18" charset="0"/>
+              </a:rPr>
+              <a:t>Subject</a:t>
+            </a:r>
+            <a:r>
+              <a:rPr lang="en-US" dirty="0">
+                <a:latin typeface="Times New Roman" panose="02020603050405020304" pitchFamily="18" charset="0"/>
+                <a:cs typeface="Times New Roman" panose="02020603050405020304" pitchFamily="18" charset="0"/>
+              </a:rPr>
+              <a:t> - No </a:t>
+            </a:r>
+            <a:r>
+              <a:rPr lang="en-US" dirty="0" err="1">
+                <a:latin typeface="Times New Roman" panose="02020603050405020304" pitchFamily="18" charset="0"/>
+                <a:cs typeface="Times New Roman" panose="02020603050405020304" pitchFamily="18" charset="0"/>
+              </a:rPr>
+              <a:t>intial</a:t>
+            </a:r>
+            <a:r>
+              <a:rPr lang="en-US" dirty="0">
+                <a:latin typeface="Times New Roman" panose="02020603050405020304" pitchFamily="18" charset="0"/>
+                <a:cs typeface="Times New Roman" panose="02020603050405020304" pitchFamily="18" charset="0"/>
+              </a:rPr>
+              <a:t> value or replay behavior.</a:t>
+            </a:r>
+          </a:p>
+          <a:p>
+            <a:r>
+              <a:rPr lang="en-US" b="1" dirty="0" err="1">
+                <a:latin typeface="Times New Roman" panose="02020603050405020304" pitchFamily="18" charset="0"/>
+                <a:cs typeface="Times New Roman" panose="02020603050405020304" pitchFamily="18" charset="0"/>
+              </a:rPr>
+              <a:t>AsyncSubject</a:t>
+            </a:r>
+            <a:r>
+              <a:rPr lang="en-US" dirty="0">
+                <a:latin typeface="Times New Roman" panose="02020603050405020304" pitchFamily="18" charset="0"/>
+                <a:cs typeface="Times New Roman" panose="02020603050405020304" pitchFamily="18" charset="0"/>
+              </a:rPr>
+              <a:t> - Emits latest value to observers upon completion.</a:t>
+            </a:r>
+          </a:p>
+          <a:p>
+            <a:r>
+              <a:rPr lang="en-US" b="1" dirty="0" err="1">
+                <a:latin typeface="Times New Roman" panose="02020603050405020304" pitchFamily="18" charset="0"/>
+                <a:cs typeface="Times New Roman" panose="02020603050405020304" pitchFamily="18" charset="0"/>
+              </a:rPr>
+              <a:t>BehaviorSubject</a:t>
+            </a:r>
+            <a:r>
+              <a:rPr lang="en-US" dirty="0">
+                <a:latin typeface="Times New Roman" panose="02020603050405020304" pitchFamily="18" charset="0"/>
+                <a:cs typeface="Times New Roman" panose="02020603050405020304" pitchFamily="18" charset="0"/>
+              </a:rPr>
+              <a:t> - Requires an initial value and emits its current value (last emitted item) to new subscribers.</a:t>
+            </a:r>
+          </a:p>
+          <a:p>
+            <a:r>
+              <a:rPr lang="en-US" b="1" dirty="0" err="1">
+                <a:latin typeface="Times New Roman" panose="02020603050405020304" pitchFamily="18" charset="0"/>
+                <a:cs typeface="Times New Roman" panose="02020603050405020304" pitchFamily="18" charset="0"/>
+              </a:rPr>
+              <a:t>ReplaySubject</a:t>
+            </a:r>
+            <a:r>
+              <a:rPr lang="en-US" dirty="0">
+                <a:latin typeface="Times New Roman" panose="02020603050405020304" pitchFamily="18" charset="0"/>
+                <a:cs typeface="Times New Roman" panose="02020603050405020304" pitchFamily="18" charset="0"/>
+              </a:rPr>
+              <a:t> - Emits specified number of last emitted values (a replay) to new subscribers</a:t>
+            </a:r>
+            <a:r>
+              <a:rPr lang="en-US" dirty="0" smtClean="0">
+                <a:latin typeface="Times New Roman" panose="02020603050405020304" pitchFamily="18" charset="0"/>
+                <a:cs typeface="Times New Roman" panose="02020603050405020304" pitchFamily="18" charset="0"/>
+              </a:rPr>
+              <a:t>.</a:t>
+            </a:r>
+          </a:p>
+          <a:p>
+            <a:pPr marL="0" indent="0">
+              <a:buNone/>
+            </a:pPr>
+            <a:r>
+              <a:rPr lang="en-US" dirty="0" smtClean="0">
+                <a:latin typeface="Times New Roman" panose="02020603050405020304" pitchFamily="18" charset="0"/>
+                <a:cs typeface="Times New Roman" panose="02020603050405020304" pitchFamily="18" charset="0"/>
+              </a:rPr>
+              <a:t>Small Demo</a:t>
+            </a:r>
+            <a:endParaRPr lang="en-US" dirty="0">
+              <a:latin typeface="Times New Roman" panose="02020603050405020304" pitchFamily="18" charset="0"/>
+              <a:cs typeface="Times New Roman" panose="02020603050405020304" pitchFamily="18" charset="0"/>
+            </a:endParaRPr>
           </a:p>
         </p:txBody>
       </p:sp>
     </p:spTree>
     <p:extLst>
       <p:ext uri="{BB962C8B-B14F-4D97-AF65-F5344CB8AC3E}">
-        <p14:creationId xmlns:p14="http://schemas.microsoft.com/office/powerpoint/2010/main" val="1491410126"/>
+        <p14:creationId xmlns:p14="http://schemas.microsoft.com/office/powerpoint/2010/main" val="1432021771"/>
       </p:ext>
     </p:extLst>
   </p:cSld>
   <p:clrMapOvr>
     <a:masterClrMapping/>
   </p:clrMapOvr>
+  <p:timing>
+    <p:tnLst>
+      <p:par>
+        <p:cTn id="1" dur="indefinite" restart="never" nodeType="tmRoot"/>
+      </p:par>
+    </p:tnLst>
+  </p:timing>
 </p:sld>
 </file>
 
@@ -7602,7 +7940,7 @@
                 <a:latin typeface="Times New Roman" panose="02020603050405020304" pitchFamily="18" charset="0"/>
                 <a:cs typeface="Times New Roman" panose="02020603050405020304" pitchFamily="18" charset="0"/>
               </a:rPr>
-              <a:t>ExhaustMap</a:t>
+              <a:t>SwitchMap</a:t>
             </a:r>
             <a:endParaRPr lang="en-US" dirty="0"/>
           </a:p>
@@ -7623,20 +7961,94 @@
           <a:bodyPr/>
           <a:lstStyle/>
           <a:p>
-            <a:endParaRPr lang="en-US"/>
+            <a:pPr marL="0" indent="0">
+              <a:buNone/>
+            </a:pPr>
+            <a:r>
+              <a:rPr lang="en-US" dirty="0" err="1" smtClean="0">
+                <a:latin typeface="Times New Roman" panose="02020603050405020304" pitchFamily="18" charset="0"/>
+                <a:cs typeface="Times New Roman" panose="02020603050405020304" pitchFamily="18" charset="0"/>
+              </a:rPr>
+              <a:t>SwitchMap</a:t>
+            </a:r>
+            <a:r>
+              <a:rPr lang="en-US" dirty="0" smtClean="0">
+                <a:latin typeface="Times New Roman" panose="02020603050405020304" pitchFamily="18" charset="0"/>
+                <a:cs typeface="Times New Roman" panose="02020603050405020304" pitchFamily="18" charset="0"/>
+              </a:rPr>
+              <a:t>:</a:t>
+            </a:r>
+          </a:p>
+          <a:p>
+            <a:r>
+              <a:rPr lang="en-US" dirty="0" smtClean="0">
+                <a:latin typeface="Times New Roman" panose="02020603050405020304" pitchFamily="18" charset="0"/>
+                <a:cs typeface="Times New Roman" panose="02020603050405020304" pitchFamily="18" charset="0"/>
+              </a:rPr>
+              <a:t>The </a:t>
+            </a:r>
+            <a:r>
+              <a:rPr lang="en-US" dirty="0">
+                <a:latin typeface="Times New Roman" panose="02020603050405020304" pitchFamily="18" charset="0"/>
+                <a:cs typeface="Times New Roman" panose="02020603050405020304" pitchFamily="18" charset="0"/>
+              </a:rPr>
+              <a:t>main difference between </a:t>
+            </a:r>
+            <a:r>
+              <a:rPr lang="en-US" dirty="0" err="1">
+                <a:latin typeface="Times New Roman" panose="02020603050405020304" pitchFamily="18" charset="0"/>
+                <a:cs typeface="Times New Roman" panose="02020603050405020304" pitchFamily="18" charset="0"/>
+              </a:rPr>
+              <a:t>switchMap</a:t>
+            </a:r>
+            <a:r>
+              <a:rPr lang="en-US" dirty="0">
+                <a:latin typeface="Times New Roman" panose="02020603050405020304" pitchFamily="18" charset="0"/>
+                <a:cs typeface="Times New Roman" panose="02020603050405020304" pitchFamily="18" charset="0"/>
+              </a:rPr>
+              <a:t> and other flattening operators is the cancelling effect. On each emission the previous inner observable (the result of the function you supplied) is cancelled and the new observable is subscribed. You can remember this by the phrase switch to a new observable</a:t>
+            </a:r>
+            <a:r>
+              <a:rPr lang="en-US" dirty="0" smtClean="0">
+                <a:latin typeface="Times New Roman" panose="02020603050405020304" pitchFamily="18" charset="0"/>
+                <a:cs typeface="Times New Roman" panose="02020603050405020304" pitchFamily="18" charset="0"/>
+              </a:rPr>
+              <a:t>.</a:t>
+            </a:r>
+          </a:p>
+          <a:p>
+            <a:r>
+              <a:rPr lang="en-US" dirty="0">
+                <a:latin typeface="Times New Roman" panose="02020603050405020304" pitchFamily="18" charset="0"/>
+                <a:cs typeface="Times New Roman" panose="02020603050405020304" pitchFamily="18" charset="0"/>
+                <a:hlinkClick r:id="rId2"/>
+              </a:rPr>
+              <a:t>https://stackblitz.com/edit/typescript-s4pvix?file=index.ts&amp;devtoolsheight=100</a:t>
+            </a:r>
+            <a:endParaRPr lang="en-US" dirty="0">
+              <a:latin typeface="Times New Roman" panose="02020603050405020304" pitchFamily="18" charset="0"/>
+              <a:cs typeface="Times New Roman" panose="02020603050405020304" pitchFamily="18" charset="0"/>
+            </a:endParaRPr>
           </a:p>
         </p:txBody>
       </p:sp>
     </p:spTree>
     <p:extLst>
       <p:ext uri="{BB962C8B-B14F-4D97-AF65-F5344CB8AC3E}">
-        <p14:creationId xmlns:p14="http://schemas.microsoft.com/office/powerpoint/2010/main" val="3171333845"/>
+        <p14:creationId xmlns:p14="http://schemas.microsoft.com/office/powerpoint/2010/main" val="3072284170"/>
       </p:ext>
     </p:extLst>
   </p:cSld>
   <p:clrMapOvr>
     <a:masterClrMapping/>
   </p:clrMapOvr>
+  <p:timing>
+    <p:tnLst>
+      <p:par>
+        <p:cTn id="1" dur="indefinite" restart="never" nodeType="tmRoot"/>
+      </p:par>
+    </p:tnLst>
+  </p:timing>
 </p:sld>
 </file>
 
@@ -7669,17 +8081,38 @@
         </p:nvSpPr>
         <p:spPr/>
         <p:txBody>
-          <a:bodyPr/>
-          <a:lstStyle/>
-          <a:p>
-            <a:r>
-              <a:rPr lang="nl-NL">
-                <a:latin typeface="Times New Roman" panose="02020603050405020304" pitchFamily="18" charset="0"/>
-                <a:cs typeface="Times New Roman" panose="02020603050405020304" pitchFamily="18" charset="0"/>
-              </a:rPr>
-              <a:t>ConcatMap</a:t>
-            </a:r>
-            <a:endParaRPr lang="en-US"/>
+          <a:bodyPr>
+            <a:normAutofit fontScale="90000"/>
+          </a:bodyPr>
+          <a:lstStyle/>
+          <a:p>
+            <a:r>
+              <a:rPr lang="nl-NL" dirty="0">
+                <a:latin typeface="Times New Roman" panose="02020603050405020304" pitchFamily="18" charset="0"/>
+                <a:cs typeface="Times New Roman" panose="02020603050405020304" pitchFamily="18" charset="0"/>
+              </a:rPr>
+              <a:t/>
+            </a:r>
+            <a:br>
+              <a:rPr lang="nl-NL" dirty="0">
+                <a:latin typeface="Times New Roman" panose="02020603050405020304" pitchFamily="18" charset="0"/>
+                <a:cs typeface="Times New Roman" panose="02020603050405020304" pitchFamily="18" charset="0"/>
+              </a:rPr>
+            </a:br>
+            <a:r>
+              <a:rPr lang="nl-NL" dirty="0" smtClean="0">
+                <a:latin typeface="Times New Roman" panose="02020603050405020304" pitchFamily="18" charset="0"/>
+                <a:cs typeface="Times New Roman" panose="02020603050405020304" pitchFamily="18" charset="0"/>
+              </a:rPr>
+              <a:t>MergeMap</a:t>
+            </a:r>
+            <a:br>
+              <a:rPr lang="nl-NL" dirty="0" smtClean="0">
+                <a:latin typeface="Times New Roman" panose="02020603050405020304" pitchFamily="18" charset="0"/>
+                <a:cs typeface="Times New Roman" panose="02020603050405020304" pitchFamily="18" charset="0"/>
+              </a:rPr>
+            </a:br>
+            <a:endParaRPr lang="en-US" dirty="0"/>
           </a:p>
         </p:txBody>
       </p:sp>
@@ -7705,13 +8138,20 @@
     </p:spTree>
     <p:extLst>
       <p:ext uri="{BB962C8B-B14F-4D97-AF65-F5344CB8AC3E}">
-        <p14:creationId xmlns:p14="http://schemas.microsoft.com/office/powerpoint/2010/main" val="229299986"/>
+        <p14:creationId xmlns:p14="http://schemas.microsoft.com/office/powerpoint/2010/main" val="1491410126"/>
       </p:ext>
     </p:extLst>
   </p:cSld>
   <p:clrMapOvr>
     <a:masterClrMapping/>
   </p:clrMapOvr>
+  <p:timing>
+    <p:tnLst>
+      <p:par>
+        <p:cTn id="1" dur="indefinite" restart="never" nodeType="tmRoot"/>
+      </p:par>
+    </p:tnLst>
+  </p:timing>
 </p:sld>
 </file>
 

--- a/RXJS Make it easy/RXJS Make it easy.pptx
+++ b/RXJS Make it easy/RXJS Make it easy.pptx
@@ -5,7 +5,7 @@
     <p:sldMasterId id="2147483750" r:id="rId1"/>
   </p:sldMasterIdLst>
   <p:notesMasterIdLst>
-    <p:notesMasterId r:id="rId14"/>
+    <p:notesMasterId r:id="rId15"/>
   </p:notesMasterIdLst>
   <p:sldIdLst>
     <p:sldId id="256" r:id="rId2"/>
@@ -19,7 +19,8 @@
     <p:sldId id="263" r:id="rId10"/>
     <p:sldId id="264" r:id="rId11"/>
     <p:sldId id="265" r:id="rId12"/>
-    <p:sldId id="261" r:id="rId13"/>
+    <p:sldId id="268" r:id="rId13"/>
+    <p:sldId id="261" r:id="rId14"/>
   </p:sldIdLst>
   <p:sldSz cx="12192000" cy="6858000"/>
   <p:notesSz cx="6858000" cy="9144000"/>
@@ -6577,6 +6578,151 @@
         </p:nvSpPr>
         <p:spPr/>
         <p:txBody>
+          <a:bodyPr/>
+          <a:lstStyle/>
+          <a:p>
+            <a:r>
+              <a:rPr lang="en-US" dirty="0" smtClean="0"/>
+              <a:t>Note</a:t>
+            </a:r>
+            <a:endParaRPr lang="en-US" dirty="0"/>
+          </a:p>
+        </p:txBody>
+      </p:sp>
+      <p:sp>
+        <p:nvSpPr>
+          <p:cNvPr id="3" name="Content Placeholder 2"/>
+          <p:cNvSpPr>
+            <a:spLocks noGrp="1"/>
+          </p:cNvSpPr>
+          <p:nvPr>
+            <p:ph idx="1"/>
+          </p:nvPr>
+        </p:nvSpPr>
+        <p:spPr/>
+        <p:txBody>
+          <a:bodyPr/>
+          <a:lstStyle/>
+          <a:p>
+            <a:r>
+              <a:rPr lang="en-US" dirty="0" err="1">
+                <a:latin typeface="Times New Roman" panose="02020603050405020304" pitchFamily="18" charset="0"/>
+                <a:cs typeface="Times New Roman" panose="02020603050405020304" pitchFamily="18" charset="0"/>
+              </a:rPr>
+              <a:t>mergeMap</a:t>
+            </a:r>
+            <a:r>
+              <a:rPr lang="en-US" dirty="0">
+                <a:latin typeface="Times New Roman" panose="02020603050405020304" pitchFamily="18" charset="0"/>
+                <a:cs typeface="Times New Roman" panose="02020603050405020304" pitchFamily="18" charset="0"/>
+              </a:rPr>
+              <a:t> = map + </a:t>
+            </a:r>
+            <a:r>
+              <a:rPr lang="en-US" dirty="0" err="1">
+                <a:latin typeface="Times New Roman" panose="02020603050405020304" pitchFamily="18" charset="0"/>
+                <a:cs typeface="Times New Roman" panose="02020603050405020304" pitchFamily="18" charset="0"/>
+              </a:rPr>
+              <a:t>mergeAll</a:t>
+            </a:r>
+            <a:endParaRPr lang="en-US" dirty="0">
+              <a:latin typeface="Times New Roman" panose="02020603050405020304" pitchFamily="18" charset="0"/>
+              <a:cs typeface="Times New Roman" panose="02020603050405020304" pitchFamily="18" charset="0"/>
+            </a:endParaRPr>
+          </a:p>
+          <a:p>
+            <a:r>
+              <a:rPr lang="en-US" dirty="0" err="1">
+                <a:latin typeface="Times New Roman" panose="02020603050405020304" pitchFamily="18" charset="0"/>
+                <a:cs typeface="Times New Roman" panose="02020603050405020304" pitchFamily="18" charset="0"/>
+              </a:rPr>
+              <a:t>concatMap</a:t>
+            </a:r>
+            <a:r>
+              <a:rPr lang="en-US" dirty="0">
+                <a:latin typeface="Times New Roman" panose="02020603050405020304" pitchFamily="18" charset="0"/>
+                <a:cs typeface="Times New Roman" panose="02020603050405020304" pitchFamily="18" charset="0"/>
+              </a:rPr>
+              <a:t> = map + </a:t>
+            </a:r>
+            <a:r>
+              <a:rPr lang="en-US" dirty="0" err="1">
+                <a:latin typeface="Times New Roman" panose="02020603050405020304" pitchFamily="18" charset="0"/>
+                <a:cs typeface="Times New Roman" panose="02020603050405020304" pitchFamily="18" charset="0"/>
+              </a:rPr>
+              <a:t>concatAll</a:t>
+            </a:r>
+            <a:endParaRPr lang="en-US" dirty="0">
+              <a:latin typeface="Times New Roman" panose="02020603050405020304" pitchFamily="18" charset="0"/>
+              <a:cs typeface="Times New Roman" panose="02020603050405020304" pitchFamily="18" charset="0"/>
+            </a:endParaRPr>
+          </a:p>
+          <a:p>
+            <a:r>
+              <a:rPr lang="en-US" dirty="0" err="1">
+                <a:latin typeface="Times New Roman" panose="02020603050405020304" pitchFamily="18" charset="0"/>
+                <a:cs typeface="Times New Roman" panose="02020603050405020304" pitchFamily="18" charset="0"/>
+              </a:rPr>
+              <a:t>switchMap</a:t>
+            </a:r>
+            <a:r>
+              <a:rPr lang="en-US" dirty="0">
+                <a:latin typeface="Times New Roman" panose="02020603050405020304" pitchFamily="18" charset="0"/>
+                <a:cs typeface="Times New Roman" panose="02020603050405020304" pitchFamily="18" charset="0"/>
+              </a:rPr>
+              <a:t> = map + switch</a:t>
+            </a:r>
+          </a:p>
+          <a:p>
+            <a:endParaRPr lang="en-US" dirty="0">
+              <a:latin typeface="Times New Roman" panose="02020603050405020304" pitchFamily="18" charset="0"/>
+              <a:cs typeface="Times New Roman" panose="02020603050405020304" pitchFamily="18" charset="0"/>
+            </a:endParaRPr>
+          </a:p>
+        </p:txBody>
+      </p:sp>
+    </p:spTree>
+    <p:extLst>
+      <p:ext uri="{BB962C8B-B14F-4D97-AF65-F5344CB8AC3E}">
+        <p14:creationId xmlns:p14="http://schemas.microsoft.com/office/powerpoint/2010/main" val="3719047428"/>
+      </p:ext>
+    </p:extLst>
+  </p:cSld>
+  <p:clrMapOvr>
+    <a:masterClrMapping/>
+  </p:clrMapOvr>
+</p:sld>
+</file>
+
+<file path=ppt/slides/slide13.xml><?xml version="1.0" encoding="utf-8"?>
+<p:sld xmlns:a="http://schemas.openxmlformats.org/drawingml/2006/main" xmlns:r="http://schemas.openxmlformats.org/officeDocument/2006/relationships" xmlns:p="http://schemas.openxmlformats.org/presentationml/2006/main">
+  <p:cSld>
+    <p:spTree>
+      <p:nvGrpSpPr>
+        <p:cNvPr id="1" name=""/>
+        <p:cNvGrpSpPr/>
+        <p:nvPr/>
+      </p:nvGrpSpPr>
+      <p:grpSpPr>
+        <a:xfrm>
+          <a:off x="0" y="0"/>
+          <a:ext cx="0" cy="0"/>
+          <a:chOff x="0" y="0"/>
+          <a:chExt cx="0" cy="0"/>
+        </a:xfrm>
+      </p:grpSpPr>
+      <p:sp>
+        <p:nvSpPr>
+          <p:cNvPr id="2" name="Title 1"/>
+          <p:cNvSpPr>
+            <a:spLocks noGrp="1"/>
+          </p:cNvSpPr>
+          <p:nvPr>
+            <p:ph type="title"/>
+          </p:nvPr>
+        </p:nvSpPr>
+        <p:spPr/>
+        <p:txBody>
           <a:bodyPr>
             <a:noAutofit/>
           </a:bodyPr>
@@ -6899,7 +7045,7 @@
                 <a:latin typeface="Times New Roman" panose="02020603050405020304" pitchFamily="18" charset="0"/>
                 <a:cs typeface="Times New Roman" panose="02020603050405020304" pitchFamily="18" charset="0"/>
               </a:rPr>
-              <a:t>24 Common operators in RXJS</a:t>
+              <a:t>25 Common operators in RXJS</a:t>
             </a:r>
           </a:p>
           <a:p>
@@ -8018,6 +8164,40 @@
           </a:p>
           <a:p>
             <a:r>
+              <a:rPr lang="en-US" dirty="0" smtClean="0">
+                <a:latin typeface="Times New Roman" panose="02020603050405020304" pitchFamily="18" charset="0"/>
+                <a:cs typeface="Times New Roman" panose="02020603050405020304" pitchFamily="18" charset="0"/>
+              </a:rPr>
+              <a:t>If using </a:t>
+            </a:r>
+            <a:r>
+              <a:rPr lang="en-US" dirty="0" err="1" smtClean="0">
+                <a:latin typeface="Times New Roman" panose="02020603050405020304" pitchFamily="18" charset="0"/>
+                <a:cs typeface="Times New Roman" panose="02020603050405020304" pitchFamily="18" charset="0"/>
+              </a:rPr>
+              <a:t>switchMap</a:t>
+            </a:r>
+            <a:r>
+              <a:rPr lang="en-US" dirty="0" smtClean="0">
+                <a:latin typeface="Times New Roman" panose="02020603050405020304" pitchFamily="18" charset="0"/>
+                <a:cs typeface="Times New Roman" panose="02020603050405020304" pitchFamily="18" charset="0"/>
+              </a:rPr>
+              <a:t> RXJS will take last emit value and drop previous value if new emitted value emit </a:t>
+            </a:r>
+            <a:r>
+              <a:rPr lang="en-US" smtClean="0">
+                <a:latin typeface="Times New Roman" panose="02020603050405020304" pitchFamily="18" charset="0"/>
+                <a:cs typeface="Times New Roman" panose="02020603050405020304" pitchFamily="18" charset="0"/>
+              </a:rPr>
+              <a:t>fast enough </a:t>
+            </a:r>
+            <a:endParaRPr lang="en-US" dirty="0" smtClean="0">
+              <a:latin typeface="Times New Roman" panose="02020603050405020304" pitchFamily="18" charset="0"/>
+              <a:cs typeface="Times New Roman" panose="02020603050405020304" pitchFamily="18" charset="0"/>
+            </a:endParaRPr>
+          </a:p>
+          <a:p>
+            <a:r>
               <a:rPr lang="en-US" dirty="0">
                 <a:latin typeface="Times New Roman" panose="02020603050405020304" pitchFamily="18" charset="0"/>
                 <a:cs typeface="Times New Roman" panose="02020603050405020304" pitchFamily="18" charset="0"/>
@@ -8131,7 +8311,16 @@
           <a:bodyPr/>
           <a:lstStyle/>
           <a:p>
-            <a:endParaRPr lang="en-US"/>
+            <a:endParaRPr lang="en-US" dirty="0" smtClean="0"/>
+          </a:p>
+          <a:p>
+            <a:r>
+              <a:rPr lang="en-US" dirty="0">
+                <a:hlinkClick r:id="rId2"/>
+              </a:rPr>
+              <a:t>https://stackblitz.com/edit/typescript-f8ghcx?file=index.ts&amp;devtoolsheight=100</a:t>
+            </a:r>
+            <a:endParaRPr lang="en-US" dirty="0"/>
           </a:p>
         </p:txBody>
       </p:sp>

--- a/RXJS Make it easy/RXJS Make it easy.pptx
+++ b/RXJS Make it easy/RXJS Make it easy.pptx
@@ -8104,7 +8104,9 @@
         </p:nvSpPr>
         <p:spPr/>
         <p:txBody>
-          <a:bodyPr/>
+          <a:bodyPr>
+            <a:normAutofit lnSpcReduction="10000"/>
+          </a:bodyPr>
           <a:lstStyle/>
           <a:p>
             <a:pPr marL="0" indent="0">
@@ -8152,58 +8154,76 @@
                 <a:latin typeface="Times New Roman" panose="02020603050405020304" pitchFamily="18" charset="0"/>
                 <a:cs typeface="Times New Roman" panose="02020603050405020304" pitchFamily="18" charset="0"/>
               </a:rPr>
-              <a:t> and other flattening operators is the cancelling effect. On each emission the previous inner observable (the result of the function you supplied) is cancelled and the new observable is subscribed. You can remember this by the phrase switch to a new observable</a:t>
+              <a:t> and other flattening operators is the cancelling effect. On each emission the previous inner observable (the result of the function you supplied) is cancelled and the new observable is </a:t>
             </a:r>
             <a:r>
               <a:rPr lang="en-US" dirty="0" smtClean="0">
                 <a:latin typeface="Times New Roman" panose="02020603050405020304" pitchFamily="18" charset="0"/>
                 <a:cs typeface="Times New Roman" panose="02020603050405020304" pitchFamily="18" charset="0"/>
               </a:rPr>
+              <a:t>subscribed (</a:t>
+            </a:r>
+            <a:r>
+              <a:rPr lang="en-US" dirty="0">
+                <a:latin typeface="Times New Roman" panose="02020603050405020304" pitchFamily="18" charset="0"/>
+                <a:cs typeface="Times New Roman" panose="02020603050405020304" pitchFamily="18" charset="0"/>
+              </a:rPr>
+              <a:t>if new emitted value emit fast </a:t>
+            </a:r>
+            <a:r>
+              <a:rPr lang="en-US" dirty="0" smtClean="0">
+                <a:latin typeface="Times New Roman" panose="02020603050405020304" pitchFamily="18" charset="0"/>
+                <a:cs typeface="Times New Roman" panose="02020603050405020304" pitchFamily="18" charset="0"/>
+              </a:rPr>
+              <a:t>enough).</a:t>
+            </a:r>
+          </a:p>
+          <a:p>
+            <a:r>
+              <a:rPr lang="en-US" dirty="0" smtClean="0">
+                <a:latin typeface="Times New Roman" panose="02020603050405020304" pitchFamily="18" charset="0"/>
+                <a:cs typeface="Times New Roman" panose="02020603050405020304" pitchFamily="18" charset="0"/>
+              </a:rPr>
+              <a:t> </a:t>
+            </a:r>
+            <a:r>
+              <a:rPr lang="en-US" dirty="0">
+                <a:latin typeface="Times New Roman" panose="02020603050405020304" pitchFamily="18" charset="0"/>
+                <a:cs typeface="Times New Roman" panose="02020603050405020304" pitchFamily="18" charset="0"/>
+              </a:rPr>
+              <a:t>You can remember this by the phrase switch to a new observable</a:t>
+            </a:r>
+            <a:r>
+              <a:rPr lang="en-US" dirty="0" smtClean="0">
+                <a:latin typeface="Times New Roman" panose="02020603050405020304" pitchFamily="18" charset="0"/>
+                <a:cs typeface="Times New Roman" panose="02020603050405020304" pitchFamily="18" charset="0"/>
+              </a:rPr>
               <a:t>.</a:t>
             </a:r>
           </a:p>
           <a:p>
-            <a:r>
-              <a:rPr lang="en-US" dirty="0" smtClean="0">
-                <a:latin typeface="Times New Roman" panose="02020603050405020304" pitchFamily="18" charset="0"/>
-                <a:cs typeface="Times New Roman" panose="02020603050405020304" pitchFamily="18" charset="0"/>
-              </a:rPr>
-              <a:t>If using </a:t>
-            </a:r>
-            <a:r>
-              <a:rPr lang="en-US" dirty="0" err="1" smtClean="0">
-                <a:latin typeface="Times New Roman" panose="02020603050405020304" pitchFamily="18" charset="0"/>
-                <a:cs typeface="Times New Roman" panose="02020603050405020304" pitchFamily="18" charset="0"/>
-              </a:rPr>
-              <a:t>switchMap</a:t>
-            </a:r>
-            <a:r>
-              <a:rPr lang="en-US" dirty="0" smtClean="0">
-                <a:latin typeface="Times New Roman" panose="02020603050405020304" pitchFamily="18" charset="0"/>
-                <a:cs typeface="Times New Roman" panose="02020603050405020304" pitchFamily="18" charset="0"/>
-              </a:rPr>
-              <a:t> RXJS will take last emit value and drop previous value if new emitted value emit </a:t>
-            </a:r>
-            <a:r>
-              <a:rPr lang="en-US" smtClean="0">
-                <a:latin typeface="Times New Roman" panose="02020603050405020304" pitchFamily="18" charset="0"/>
-                <a:cs typeface="Times New Roman" panose="02020603050405020304" pitchFamily="18" charset="0"/>
-              </a:rPr>
-              <a:t>fast enough </a:t>
-            </a:r>
             <a:endParaRPr lang="en-US" dirty="0" smtClean="0">
               <a:latin typeface="Times New Roman" panose="02020603050405020304" pitchFamily="18" charset="0"/>
               <a:cs typeface="Times New Roman" panose="02020603050405020304" pitchFamily="18" charset="0"/>
+              <a:hlinkClick r:id="rId2"/>
             </a:endParaRPr>
           </a:p>
           <a:p>
             <a:r>
+              <a:rPr lang="en-US" dirty="0" smtClean="0">
+                <a:latin typeface="Times New Roman" panose="02020603050405020304" pitchFamily="18" charset="0"/>
+                <a:cs typeface="Times New Roman" panose="02020603050405020304" pitchFamily="18" charset="0"/>
+                <a:hlinkClick r:id="rId2"/>
+              </a:rPr>
+              <a:t>https</a:t>
+            </a:r>
+            <a:r>
               <a:rPr lang="en-US" dirty="0">
                 <a:latin typeface="Times New Roman" panose="02020603050405020304" pitchFamily="18" charset="0"/>
                 <a:cs typeface="Times New Roman" panose="02020603050405020304" pitchFamily="18" charset="0"/>
                 <a:hlinkClick r:id="rId2"/>
               </a:rPr>
-              <a:t>https://stackblitz.com/edit/typescript-s4pvix?file=index.ts&amp;devtoolsheight=100</a:t>
+              <a:t>://stackblitz.com/edit/typescript-s4pvix?file=index.ts&amp;devtoolsheight=100</a:t>
             </a:r>
             <a:endParaRPr lang="en-US" dirty="0">
               <a:latin typeface="Times New Roman" panose="02020603050405020304" pitchFamily="18" charset="0"/>
@@ -8311,6 +8331,62 @@
           <a:bodyPr/>
           <a:lstStyle/>
           <a:p>
+            <a:r>
+              <a:rPr lang="en-US" dirty="0"/>
+              <a:t>This operator is best used when you wish to flatten an inner </a:t>
+            </a:r>
+            <a:r>
+              <a:rPr lang="en-US" dirty="0" smtClean="0"/>
+              <a:t>observable.</a:t>
+            </a:r>
+          </a:p>
+          <a:p>
+            <a:r>
+              <a:rPr lang="en-US" dirty="0" smtClean="0"/>
+              <a:t>When </a:t>
+            </a:r>
+            <a:r>
+              <a:rPr lang="en-US" dirty="0"/>
+              <a:t>using </a:t>
+            </a:r>
+            <a:r>
+              <a:rPr lang="en-US" dirty="0" err="1"/>
+              <a:t>switchMap</a:t>
+            </a:r>
+            <a:r>
+              <a:rPr lang="en-US" dirty="0"/>
+              <a:t> each inner subscription is completed when the source emits, allowing only one active inner subscription</a:t>
+            </a:r>
+            <a:r>
+              <a:rPr lang="en-US" dirty="0" smtClean="0"/>
+              <a:t>.</a:t>
+            </a:r>
+          </a:p>
+          <a:p>
+            <a:r>
+              <a:rPr lang="en-US" dirty="0" smtClean="0"/>
+              <a:t>In </a:t>
+            </a:r>
+            <a:r>
+              <a:rPr lang="en-US" dirty="0"/>
+              <a:t>contrast, </a:t>
+            </a:r>
+            <a:r>
+              <a:rPr lang="en-US" dirty="0" err="1"/>
+              <a:t>mergeMap</a:t>
+            </a:r>
+            <a:r>
+              <a:rPr lang="en-US" dirty="0"/>
+              <a:t> allows for multiple inner subscriptions to be active at </a:t>
+            </a:r>
+            <a:r>
+              <a:rPr lang="en-US"/>
+              <a:t>a </a:t>
+            </a:r>
+            <a:r>
+              <a:rPr lang="en-US" smtClean="0"/>
+              <a:t>time</a:t>
+            </a:r>
             <a:endParaRPr lang="en-US" dirty="0" smtClean="0"/>
           </a:p>
           <a:p>

--- a/RXJS Make it easy/RXJS Make it easy.pptx
+++ b/RXJS Make it easy/RXJS Make it easy.pptx
@@ -5,7 +5,7 @@
     <p:sldMasterId id="2147483750" r:id="rId1"/>
   </p:sldMasterIdLst>
   <p:notesMasterIdLst>
-    <p:notesMasterId r:id="rId15"/>
+    <p:notesMasterId r:id="rId19"/>
   </p:notesMasterIdLst>
   <p:sldIdLst>
     <p:sldId id="256" r:id="rId2"/>
@@ -16,11 +16,15 @@
     <p:sldId id="259" r:id="rId7"/>
     <p:sldId id="260" r:id="rId8"/>
     <p:sldId id="262" r:id="rId9"/>
-    <p:sldId id="263" r:id="rId10"/>
-    <p:sldId id="264" r:id="rId11"/>
-    <p:sldId id="265" r:id="rId12"/>
-    <p:sldId id="268" r:id="rId13"/>
-    <p:sldId id="261" r:id="rId14"/>
+    <p:sldId id="272" r:id="rId10"/>
+    <p:sldId id="263" r:id="rId11"/>
+    <p:sldId id="271" r:id="rId12"/>
+    <p:sldId id="265" r:id="rId13"/>
+    <p:sldId id="270" r:id="rId14"/>
+    <p:sldId id="264" r:id="rId15"/>
+    <p:sldId id="269" r:id="rId16"/>
+    <p:sldId id="268" r:id="rId17"/>
+    <p:sldId id="261" r:id="rId18"/>
   </p:sldIdLst>
   <p:sldSz cx="12192000" cy="6858000"/>
   <p:notesSz cx="6858000" cy="9144000"/>
@@ -6420,18 +6424,37 @@
         <p:spPr/>
         <p:txBody>
           <a:bodyPr>
-            <a:normAutofit/>
+            <a:noAutofit/>
           </a:bodyPr>
           <a:lstStyle/>
           <a:p>
             <a:r>
-              <a:rPr lang="nl-NL" dirty="0" smtClean="0">
-                <a:latin typeface="Times New Roman" panose="02020603050405020304" pitchFamily="18" charset="0"/>
-                <a:cs typeface="Times New Roman" panose="02020603050405020304" pitchFamily="18" charset="0"/>
-              </a:rPr>
-              <a:t>ExhaustMap</a:t>
-            </a:r>
-            <a:endParaRPr lang="en-US" dirty="0"/>
+              <a:rPr lang="nl-NL" sz="5500" dirty="0">
+                <a:latin typeface="Times New Roman" panose="02020603050405020304" pitchFamily="18" charset="0"/>
+                <a:cs typeface="Times New Roman" panose="02020603050405020304" pitchFamily="18" charset="0"/>
+              </a:rPr>
+              <a:t/>
+            </a:r>
+            <a:br>
+              <a:rPr lang="nl-NL" sz="5500" dirty="0">
+                <a:latin typeface="Times New Roman" panose="02020603050405020304" pitchFamily="18" charset="0"/>
+                <a:cs typeface="Times New Roman" panose="02020603050405020304" pitchFamily="18" charset="0"/>
+              </a:rPr>
+            </a:br>
+            <a:r>
+              <a:rPr lang="nl-NL" sz="5500" dirty="0" smtClean="0">
+                <a:latin typeface="Times New Roman" panose="02020603050405020304" pitchFamily="18" charset="0"/>
+                <a:cs typeface="Times New Roman" panose="02020603050405020304" pitchFamily="18" charset="0"/>
+              </a:rPr>
+              <a:t>MergeMap</a:t>
+            </a:r>
+            <a:br>
+              <a:rPr lang="nl-NL" sz="5500" dirty="0" smtClean="0">
+                <a:latin typeface="Times New Roman" panose="02020603050405020304" pitchFamily="18" charset="0"/>
+                <a:cs typeface="Times New Roman" panose="02020603050405020304" pitchFamily="18" charset="0"/>
+              </a:rPr>
+            </a:br>
+            <a:endParaRPr lang="en-US" sz="5500" dirty="0"/>
           </a:p>
         </p:txBody>
       </p:sp>
@@ -6450,14 +6473,115 @@
           <a:bodyPr/>
           <a:lstStyle/>
           <a:p>
-            <a:endParaRPr lang="en-US"/>
+            <a:r>
+              <a:rPr lang="en-US" dirty="0">
+                <a:latin typeface="Times New Roman" panose="02020603050405020304" pitchFamily="18" charset="0"/>
+                <a:cs typeface="Times New Roman" panose="02020603050405020304" pitchFamily="18" charset="0"/>
+              </a:rPr>
+              <a:t>This operator is best used when you wish to flatten an inner </a:t>
+            </a:r>
+            <a:r>
+              <a:rPr lang="en-US" dirty="0" smtClean="0">
+                <a:latin typeface="Times New Roman" panose="02020603050405020304" pitchFamily="18" charset="0"/>
+                <a:cs typeface="Times New Roman" panose="02020603050405020304" pitchFamily="18" charset="0"/>
+              </a:rPr>
+              <a:t>observable.</a:t>
+            </a:r>
+          </a:p>
+          <a:p>
+            <a:r>
+              <a:rPr lang="en-US" dirty="0" smtClean="0">
+                <a:latin typeface="Times New Roman" panose="02020603050405020304" pitchFamily="18" charset="0"/>
+                <a:cs typeface="Times New Roman" panose="02020603050405020304" pitchFamily="18" charset="0"/>
+              </a:rPr>
+              <a:t>When </a:t>
+            </a:r>
+            <a:r>
+              <a:rPr lang="en-US" dirty="0">
+                <a:latin typeface="Times New Roman" panose="02020603050405020304" pitchFamily="18" charset="0"/>
+                <a:cs typeface="Times New Roman" panose="02020603050405020304" pitchFamily="18" charset="0"/>
+              </a:rPr>
+              <a:t>using </a:t>
+            </a:r>
+            <a:r>
+              <a:rPr lang="en-US" dirty="0" err="1">
+                <a:latin typeface="Times New Roman" panose="02020603050405020304" pitchFamily="18" charset="0"/>
+                <a:cs typeface="Times New Roman" panose="02020603050405020304" pitchFamily="18" charset="0"/>
+              </a:rPr>
+              <a:t>switchMap</a:t>
+            </a:r>
+            <a:r>
+              <a:rPr lang="en-US" dirty="0">
+                <a:latin typeface="Times New Roman" panose="02020603050405020304" pitchFamily="18" charset="0"/>
+                <a:cs typeface="Times New Roman" panose="02020603050405020304" pitchFamily="18" charset="0"/>
+              </a:rPr>
+              <a:t> each inner subscription is completed when the source emits, allowing only one active inner subscription</a:t>
+            </a:r>
+            <a:r>
+              <a:rPr lang="en-US" dirty="0" smtClean="0">
+                <a:latin typeface="Times New Roman" panose="02020603050405020304" pitchFamily="18" charset="0"/>
+                <a:cs typeface="Times New Roman" panose="02020603050405020304" pitchFamily="18" charset="0"/>
+              </a:rPr>
+              <a:t>.</a:t>
+            </a:r>
+          </a:p>
+          <a:p>
+            <a:r>
+              <a:rPr lang="en-US" dirty="0" smtClean="0">
+                <a:latin typeface="Times New Roman" panose="02020603050405020304" pitchFamily="18" charset="0"/>
+                <a:cs typeface="Times New Roman" panose="02020603050405020304" pitchFamily="18" charset="0"/>
+              </a:rPr>
+              <a:t>In </a:t>
+            </a:r>
+            <a:r>
+              <a:rPr lang="en-US" dirty="0">
+                <a:latin typeface="Times New Roman" panose="02020603050405020304" pitchFamily="18" charset="0"/>
+                <a:cs typeface="Times New Roman" panose="02020603050405020304" pitchFamily="18" charset="0"/>
+              </a:rPr>
+              <a:t>contrast, </a:t>
+            </a:r>
+            <a:r>
+              <a:rPr lang="en-US" dirty="0" err="1">
+                <a:latin typeface="Times New Roman" panose="02020603050405020304" pitchFamily="18" charset="0"/>
+                <a:cs typeface="Times New Roman" panose="02020603050405020304" pitchFamily="18" charset="0"/>
+              </a:rPr>
+              <a:t>mergeMap</a:t>
+            </a:r>
+            <a:r>
+              <a:rPr lang="en-US" dirty="0">
+                <a:latin typeface="Times New Roman" panose="02020603050405020304" pitchFamily="18" charset="0"/>
+                <a:cs typeface="Times New Roman" panose="02020603050405020304" pitchFamily="18" charset="0"/>
+              </a:rPr>
+              <a:t> allows for multiple inner subscriptions to be active at a </a:t>
+            </a:r>
+            <a:r>
+              <a:rPr lang="en-US" dirty="0" smtClean="0">
+                <a:latin typeface="Times New Roman" panose="02020603050405020304" pitchFamily="18" charset="0"/>
+                <a:cs typeface="Times New Roman" panose="02020603050405020304" pitchFamily="18" charset="0"/>
+              </a:rPr>
+              <a:t>time</a:t>
+            </a:r>
+          </a:p>
+          <a:p>
+            <a:r>
+              <a:rPr lang="en-US" dirty="0">
+                <a:latin typeface="Times New Roman" panose="02020603050405020304" pitchFamily="18" charset="0"/>
+                <a:cs typeface="Times New Roman" panose="02020603050405020304" pitchFamily="18" charset="0"/>
+                <a:hlinkClick r:id="rId2"/>
+              </a:rPr>
+              <a:t>https://stackblitz.com/edit/typescript-f8ghcx?file=index.ts&amp;devtoolsheight=100</a:t>
+            </a:r>
+            <a:endParaRPr lang="en-US" dirty="0">
+              <a:latin typeface="Times New Roman" panose="02020603050405020304" pitchFamily="18" charset="0"/>
+              <a:cs typeface="Times New Roman" panose="02020603050405020304" pitchFamily="18" charset="0"/>
+            </a:endParaRPr>
           </a:p>
         </p:txBody>
       </p:sp>
     </p:spTree>
     <p:extLst>
       <p:ext uri="{BB962C8B-B14F-4D97-AF65-F5344CB8AC3E}">
-        <p14:creationId xmlns:p14="http://schemas.microsoft.com/office/powerpoint/2010/main" val="3171333845"/>
+        <p14:creationId xmlns:p14="http://schemas.microsoft.com/office/powerpoint/2010/main" val="1491410126"/>
       </p:ext>
     </p:extLst>
   </p:cSld>
@@ -6503,7 +6627,9 @@
         </p:nvSpPr>
         <p:spPr/>
         <p:txBody>
-          <a:bodyPr/>
+          <a:bodyPr>
+            <a:normAutofit fontScale="90000"/>
+          </a:bodyPr>
           <a:lstStyle/>
           <a:p>
             <a:r>
@@ -6511,35 +6637,78 @@
                 <a:latin typeface="Times New Roman" panose="02020603050405020304" pitchFamily="18" charset="0"/>
                 <a:cs typeface="Times New Roman" panose="02020603050405020304" pitchFamily="18" charset="0"/>
               </a:rPr>
-              <a:t>ConcatMap</a:t>
-            </a:r>
+              <a:t/>
+            </a:r>
+            <a:br>
+              <a:rPr lang="nl-NL" dirty="0">
+                <a:latin typeface="Times New Roman" panose="02020603050405020304" pitchFamily="18" charset="0"/>
+                <a:cs typeface="Times New Roman" panose="02020603050405020304" pitchFamily="18" charset="0"/>
+              </a:rPr>
+            </a:br>
+            <a:r>
+              <a:rPr lang="nl-NL" dirty="0">
+                <a:latin typeface="Times New Roman" panose="02020603050405020304" pitchFamily="18" charset="0"/>
+                <a:cs typeface="Times New Roman" panose="02020603050405020304" pitchFamily="18" charset="0"/>
+              </a:rPr>
+              <a:t>MergeMap</a:t>
+            </a:r>
+            <a:br>
+              <a:rPr lang="nl-NL" dirty="0">
+                <a:latin typeface="Times New Roman" panose="02020603050405020304" pitchFamily="18" charset="0"/>
+                <a:cs typeface="Times New Roman" panose="02020603050405020304" pitchFamily="18" charset="0"/>
+              </a:rPr>
+            </a:br>
             <a:endParaRPr lang="en-US" dirty="0"/>
           </a:p>
         </p:txBody>
       </p:sp>
-      <p:sp>
-        <p:nvSpPr>
-          <p:cNvPr id="3" name="Content Placeholder 2"/>
-          <p:cNvSpPr>
-            <a:spLocks noGrp="1"/>
-          </p:cNvSpPr>
+      <p:pic>
+        <p:nvPicPr>
+          <p:cNvPr id="8196" name="Picture 4" descr="RxJs merge Example"/>
+          <p:cNvPicPr>
+            <a:picLocks noGrp="1" noChangeAspect="1" noChangeArrowheads="1"/>
+          </p:cNvPicPr>
           <p:nvPr>
             <p:ph idx="1"/>
           </p:nvPr>
-        </p:nvSpPr>
-        <p:spPr/>
-        <p:txBody>
-          <a:bodyPr/>
-          <a:lstStyle/>
-          <a:p>
-            <a:endParaRPr lang="en-US"/>
-          </a:p>
-        </p:txBody>
-      </p:sp>
+        </p:nvPicPr>
+        <p:blipFill>
+          <a:blip r:embed="rId2">
+            <a:extLst>
+              <a:ext uri="{28A0092B-C50C-407E-A947-70E740481C1C}">
+                <a14:useLocalDpi xmlns:a14="http://schemas.microsoft.com/office/drawing/2010/main" val="0"/>
+              </a:ext>
+            </a:extLst>
+          </a:blip>
+          <a:srcRect/>
+          <a:stretch>
+            <a:fillRect/>
+          </a:stretch>
+        </p:blipFill>
+        <p:spPr bwMode="auto">
+          <a:xfrm>
+            <a:off x="2473968" y="1825625"/>
+            <a:ext cx="7526638" cy="4351338"/>
+          </a:xfrm>
+          <a:prstGeom prst="rect">
+            <a:avLst/>
+          </a:prstGeom>
+          <a:noFill/>
+          <a:extLst>
+            <a:ext uri="{909E8E84-426E-40DD-AFC4-6F175D3DCCD1}">
+              <a14:hiddenFill xmlns:a14="http://schemas.microsoft.com/office/drawing/2010/main">
+                <a:solidFill>
+                  <a:srgbClr val="FFFFFF"/>
+                </a:solidFill>
+              </a14:hiddenFill>
+            </a:ext>
+          </a:extLst>
+        </p:spPr>
+      </p:pic>
     </p:spTree>
     <p:extLst>
       <p:ext uri="{BB962C8B-B14F-4D97-AF65-F5344CB8AC3E}">
-        <p14:creationId xmlns:p14="http://schemas.microsoft.com/office/powerpoint/2010/main" val="229299986"/>
+        <p14:creationId xmlns:p14="http://schemas.microsoft.com/office/powerpoint/2010/main" val="4127517711"/>
       </p:ext>
     </p:extLst>
   </p:cSld>
@@ -6582,8 +6751,11 @@
           <a:lstStyle/>
           <a:p>
             <a:r>
-              <a:rPr lang="en-US" dirty="0" smtClean="0"/>
-              <a:t>Note</a:t>
+              <a:rPr lang="nl-NL" dirty="0">
+                <a:latin typeface="Times New Roman" panose="02020603050405020304" pitchFamily="18" charset="0"/>
+                <a:cs typeface="Times New Roman" panose="02020603050405020304" pitchFamily="18" charset="0"/>
+              </a:rPr>
+              <a:t>ConcatMap</a:t>
             </a:r>
             <a:endParaRPr lang="en-US" dirty="0"/>
           </a:p>
@@ -6605,86 +6777,74 @@
           <a:lstStyle/>
           <a:p>
             <a:r>
+              <a:rPr lang="en-US" dirty="0">
+                <a:latin typeface="Times New Roman" panose="02020603050405020304" pitchFamily="18" charset="0"/>
+                <a:cs typeface="Times New Roman" panose="02020603050405020304" pitchFamily="18" charset="0"/>
+              </a:rPr>
+              <a:t>When source stream emits, </a:t>
+            </a:r>
+            <a:r>
               <a:rPr lang="en-US" dirty="0" err="1">
                 <a:latin typeface="Times New Roman" panose="02020603050405020304" pitchFamily="18" charset="0"/>
                 <a:cs typeface="Times New Roman" panose="02020603050405020304" pitchFamily="18" charset="0"/>
               </a:rPr>
-              <a:t>mergeMap</a:t>
+              <a:t>concatMap</a:t>
             </a:r>
             <a:r>
               <a:rPr lang="en-US" dirty="0">
                 <a:latin typeface="Times New Roman" panose="02020603050405020304" pitchFamily="18" charset="0"/>
                 <a:cs typeface="Times New Roman" panose="02020603050405020304" pitchFamily="18" charset="0"/>
               </a:rPr>
-              <a:t> = map + </a:t>
+              <a:t> will call inner function to get inner stream that it will switch to. Once switched to inner stream, </a:t>
             </a:r>
             <a:r>
               <a:rPr lang="en-US" dirty="0" err="1">
                 <a:latin typeface="Times New Roman" panose="02020603050405020304" pitchFamily="18" charset="0"/>
                 <a:cs typeface="Times New Roman" panose="02020603050405020304" pitchFamily="18" charset="0"/>
               </a:rPr>
-              <a:t>mergeAll</a:t>
+              <a:t>concatMap</a:t>
+            </a:r>
+            <a:r>
+              <a:rPr lang="en-US" dirty="0">
+                <a:latin typeface="Times New Roman" panose="02020603050405020304" pitchFamily="18" charset="0"/>
+                <a:cs typeface="Times New Roman" panose="02020603050405020304" pitchFamily="18" charset="0"/>
+              </a:rPr>
+              <a:t> will wait for it to complete, before getting a new inner streams on following source emissions</a:t>
+            </a:r>
+            <a:endParaRPr lang="en-US" dirty="0" smtClean="0">
+              <a:latin typeface="Times New Roman" panose="02020603050405020304" pitchFamily="18" charset="0"/>
+              <a:cs typeface="Times New Roman" panose="02020603050405020304" pitchFamily="18" charset="0"/>
+              <a:hlinkClick r:id="rId2"/>
+            </a:endParaRPr>
+          </a:p>
+          <a:p>
+            <a:r>
+              <a:rPr lang="en-US" dirty="0" smtClean="0">
+                <a:latin typeface="Times New Roman" panose="02020603050405020304" pitchFamily="18" charset="0"/>
+                <a:cs typeface="Times New Roman" panose="02020603050405020304" pitchFamily="18" charset="0"/>
+                <a:hlinkClick r:id="rId2"/>
+              </a:rPr>
+              <a:t>https</a:t>
+            </a:r>
+            <a:r>
+              <a:rPr lang="en-US" dirty="0">
+                <a:latin typeface="Times New Roman" panose="02020603050405020304" pitchFamily="18" charset="0"/>
+                <a:cs typeface="Times New Roman" panose="02020603050405020304" pitchFamily="18" charset="0"/>
+                <a:hlinkClick r:id="rId2"/>
+              </a:rPr>
+              <a:t>://stackblitz.com/edit/typescript-rv9byk?file=index.ts&amp;devtoolsheight=100</a:t>
             </a:r>
             <a:endParaRPr lang="en-US" dirty="0">
               <a:latin typeface="Times New Roman" panose="02020603050405020304" pitchFamily="18" charset="0"/>
               <a:cs typeface="Times New Roman" panose="02020603050405020304" pitchFamily="18" charset="0"/>
             </a:endParaRPr>
           </a:p>
-          <a:p>
-            <a:r>
-              <a:rPr lang="en-US" dirty="0" err="1">
-                <a:latin typeface="Times New Roman" panose="02020603050405020304" pitchFamily="18" charset="0"/>
-                <a:cs typeface="Times New Roman" panose="02020603050405020304" pitchFamily="18" charset="0"/>
-              </a:rPr>
-              <a:t>concatMap</a:t>
-            </a:r>
-            <a:r>
-              <a:rPr lang="en-US" dirty="0">
-                <a:latin typeface="Times New Roman" panose="02020603050405020304" pitchFamily="18" charset="0"/>
-                <a:cs typeface="Times New Roman" panose="02020603050405020304" pitchFamily="18" charset="0"/>
-              </a:rPr>
-              <a:t> = map + </a:t>
-            </a:r>
-            <a:r>
-              <a:rPr lang="en-US" dirty="0" err="1">
-                <a:latin typeface="Times New Roman" panose="02020603050405020304" pitchFamily="18" charset="0"/>
-                <a:cs typeface="Times New Roman" panose="02020603050405020304" pitchFamily="18" charset="0"/>
-              </a:rPr>
-              <a:t>concatAll</a:t>
-            </a:r>
-            <a:endParaRPr lang="en-US" dirty="0">
-              <a:latin typeface="Times New Roman" panose="02020603050405020304" pitchFamily="18" charset="0"/>
-              <a:cs typeface="Times New Roman" panose="02020603050405020304" pitchFamily="18" charset="0"/>
-            </a:endParaRPr>
-          </a:p>
-          <a:p>
-            <a:r>
-              <a:rPr lang="en-US" dirty="0" err="1">
-                <a:latin typeface="Times New Roman" panose="02020603050405020304" pitchFamily="18" charset="0"/>
-                <a:cs typeface="Times New Roman" panose="02020603050405020304" pitchFamily="18" charset="0"/>
-              </a:rPr>
-              <a:t>switchMap</a:t>
-            </a:r>
-            <a:r>
-              <a:rPr lang="en-US" dirty="0">
-                <a:latin typeface="Times New Roman" panose="02020603050405020304" pitchFamily="18" charset="0"/>
-                <a:cs typeface="Times New Roman" panose="02020603050405020304" pitchFamily="18" charset="0"/>
-              </a:rPr>
-              <a:t> = map + switch</a:t>
-            </a:r>
-          </a:p>
-          <a:p>
-            <a:endParaRPr lang="en-US" dirty="0">
-              <a:latin typeface="Times New Roman" panose="02020603050405020304" pitchFamily="18" charset="0"/>
-              <a:cs typeface="Times New Roman" panose="02020603050405020304" pitchFamily="18" charset="0"/>
-            </a:endParaRPr>
-          </a:p>
         </p:txBody>
       </p:sp>
     </p:spTree>
     <p:extLst>
       <p:ext uri="{BB962C8B-B14F-4D97-AF65-F5344CB8AC3E}">
-        <p14:creationId xmlns:p14="http://schemas.microsoft.com/office/powerpoint/2010/main" val="3719047428"/>
+        <p14:creationId xmlns:p14="http://schemas.microsoft.com/office/powerpoint/2010/main" val="229299986"/>
       </p:ext>
     </p:extLst>
   </p:cSld>
@@ -6723,6 +6883,525 @@
         </p:nvSpPr>
         <p:spPr/>
         <p:txBody>
+          <a:bodyPr/>
+          <a:lstStyle/>
+          <a:p>
+            <a:r>
+              <a:rPr lang="nl-NL" dirty="0">
+                <a:latin typeface="Times New Roman" panose="02020603050405020304" pitchFamily="18" charset="0"/>
+                <a:cs typeface="Times New Roman" panose="02020603050405020304" pitchFamily="18" charset="0"/>
+              </a:rPr>
+              <a:t>ConcatMap</a:t>
+            </a:r>
+            <a:endParaRPr lang="en-US" dirty="0"/>
+          </a:p>
+        </p:txBody>
+      </p:sp>
+      <p:pic>
+        <p:nvPicPr>
+          <p:cNvPr id="7170" name="Picture 2" descr="RxJs Map Operator marble diagram"/>
+          <p:cNvPicPr>
+            <a:picLocks noGrp="1" noChangeAspect="1" noChangeArrowheads="1"/>
+          </p:cNvPicPr>
+          <p:nvPr>
+            <p:ph idx="1"/>
+          </p:nvPr>
+        </p:nvPicPr>
+        <p:blipFill>
+          <a:blip r:embed="rId2">
+            <a:extLst>
+              <a:ext uri="{28A0092B-C50C-407E-A947-70E740481C1C}">
+                <a14:useLocalDpi xmlns:a14="http://schemas.microsoft.com/office/drawing/2010/main" val="0"/>
+              </a:ext>
+            </a:extLst>
+          </a:blip>
+          <a:srcRect/>
+          <a:stretch>
+            <a:fillRect/>
+          </a:stretch>
+        </p:blipFill>
+        <p:spPr bwMode="auto">
+          <a:xfrm>
+            <a:off x="2473968" y="1825625"/>
+            <a:ext cx="7526638" cy="4351338"/>
+          </a:xfrm>
+          <a:prstGeom prst="rect">
+            <a:avLst/>
+          </a:prstGeom>
+          <a:noFill/>
+          <a:extLst>
+            <a:ext uri="{909E8E84-426E-40DD-AFC4-6F175D3DCCD1}">
+              <a14:hiddenFill xmlns:a14="http://schemas.microsoft.com/office/drawing/2010/main">
+                <a:solidFill>
+                  <a:srgbClr val="FFFFFF"/>
+                </a:solidFill>
+              </a14:hiddenFill>
+            </a:ext>
+          </a:extLst>
+        </p:spPr>
+      </p:pic>
+    </p:spTree>
+    <p:extLst>
+      <p:ext uri="{BB962C8B-B14F-4D97-AF65-F5344CB8AC3E}">
+        <p14:creationId xmlns:p14="http://schemas.microsoft.com/office/powerpoint/2010/main" val="4029790043"/>
+      </p:ext>
+    </p:extLst>
+  </p:cSld>
+  <p:clrMapOvr>
+    <a:masterClrMapping/>
+  </p:clrMapOvr>
+</p:sld>
+</file>
+
+<file path=ppt/slides/slide14.xml><?xml version="1.0" encoding="utf-8"?>
+<p:sld xmlns:a="http://schemas.openxmlformats.org/drawingml/2006/main" xmlns:r="http://schemas.openxmlformats.org/officeDocument/2006/relationships" xmlns:p="http://schemas.openxmlformats.org/presentationml/2006/main">
+  <p:cSld>
+    <p:spTree>
+      <p:nvGrpSpPr>
+        <p:cNvPr id="1" name=""/>
+        <p:cNvGrpSpPr/>
+        <p:nvPr/>
+      </p:nvGrpSpPr>
+      <p:grpSpPr>
+        <a:xfrm>
+          <a:off x="0" y="0"/>
+          <a:ext cx="0" cy="0"/>
+          <a:chOff x="0" y="0"/>
+          <a:chExt cx="0" cy="0"/>
+        </a:xfrm>
+      </p:grpSpPr>
+      <p:sp>
+        <p:nvSpPr>
+          <p:cNvPr id="2" name="Title 1"/>
+          <p:cNvSpPr>
+            <a:spLocks noGrp="1"/>
+          </p:cNvSpPr>
+          <p:nvPr>
+            <p:ph type="title"/>
+          </p:nvPr>
+        </p:nvSpPr>
+        <p:spPr/>
+        <p:txBody>
+          <a:bodyPr>
+            <a:normAutofit/>
+          </a:bodyPr>
+          <a:lstStyle/>
+          <a:p>
+            <a:r>
+              <a:rPr lang="nl-NL" dirty="0" smtClean="0">
+                <a:latin typeface="Times New Roman" panose="02020603050405020304" pitchFamily="18" charset="0"/>
+                <a:cs typeface="Times New Roman" panose="02020603050405020304" pitchFamily="18" charset="0"/>
+              </a:rPr>
+              <a:t>ExhaustMap</a:t>
+            </a:r>
+            <a:endParaRPr lang="en-US" dirty="0"/>
+          </a:p>
+        </p:txBody>
+      </p:sp>
+      <p:sp>
+        <p:nvSpPr>
+          <p:cNvPr id="3" name="Content Placeholder 2"/>
+          <p:cNvSpPr>
+            <a:spLocks noGrp="1"/>
+          </p:cNvSpPr>
+          <p:nvPr>
+            <p:ph idx="1"/>
+          </p:nvPr>
+        </p:nvSpPr>
+        <p:spPr/>
+        <p:txBody>
+          <a:bodyPr/>
+          <a:lstStyle/>
+          <a:p>
+            <a:r>
+              <a:rPr lang="en-US" dirty="0" smtClean="0"/>
+              <a:t>There </a:t>
+            </a:r>
+            <a:r>
+              <a:rPr lang="en-US" dirty="0"/>
+              <a:t>are other situations where what we want to do is to </a:t>
+            </a:r>
+            <a:r>
+              <a:rPr lang="en-US" i="1" dirty="0"/>
+              <a:t>ignore</a:t>
+            </a:r>
+            <a:r>
+              <a:rPr lang="en-US" dirty="0"/>
+              <a:t> new values in the source Observable until the previous value is completely processed.</a:t>
+            </a:r>
+            <a:endParaRPr lang="en-US" dirty="0" smtClean="0">
+              <a:latin typeface="Times New Roman" panose="02020603050405020304" pitchFamily="18" charset="0"/>
+              <a:cs typeface="Times New Roman" panose="02020603050405020304" pitchFamily="18" charset="0"/>
+            </a:endParaRPr>
+          </a:p>
+          <a:p>
+            <a:r>
+              <a:rPr lang="en-US" dirty="0" smtClean="0">
+                <a:latin typeface="Times New Roman" panose="02020603050405020304" pitchFamily="18" charset="0"/>
+                <a:cs typeface="Times New Roman" panose="02020603050405020304" pitchFamily="18" charset="0"/>
+              </a:rPr>
+              <a:t>When </a:t>
+            </a:r>
+            <a:r>
+              <a:rPr lang="en-US" dirty="0">
+                <a:latin typeface="Times New Roman" panose="02020603050405020304" pitchFamily="18" charset="0"/>
+                <a:cs typeface="Times New Roman" panose="02020603050405020304" pitchFamily="18" charset="0"/>
+              </a:rPr>
+              <a:t>source stream emits, </a:t>
+            </a:r>
+            <a:r>
+              <a:rPr lang="en-US" dirty="0" err="1">
+                <a:latin typeface="Times New Roman" panose="02020603050405020304" pitchFamily="18" charset="0"/>
+                <a:cs typeface="Times New Roman" panose="02020603050405020304" pitchFamily="18" charset="0"/>
+              </a:rPr>
+              <a:t>exhaustMap</a:t>
+            </a:r>
+            <a:r>
+              <a:rPr lang="en-US" dirty="0">
+                <a:latin typeface="Times New Roman" panose="02020603050405020304" pitchFamily="18" charset="0"/>
+                <a:cs typeface="Times New Roman" panose="02020603050405020304" pitchFamily="18" charset="0"/>
+              </a:rPr>
+              <a:t> will call inner function to get inner stream that it will switch to. Once switched to inner stream, </a:t>
+            </a:r>
+            <a:r>
+              <a:rPr lang="en-US" dirty="0" err="1">
+                <a:latin typeface="Times New Roman" panose="02020603050405020304" pitchFamily="18" charset="0"/>
+                <a:cs typeface="Times New Roman" panose="02020603050405020304" pitchFamily="18" charset="0"/>
+              </a:rPr>
+              <a:t>exhaustMap</a:t>
+            </a:r>
+            <a:r>
+              <a:rPr lang="en-US" dirty="0">
+                <a:latin typeface="Times New Roman" panose="02020603050405020304" pitchFamily="18" charset="0"/>
+                <a:cs typeface="Times New Roman" panose="02020603050405020304" pitchFamily="18" charset="0"/>
+              </a:rPr>
+              <a:t> will ignore values from source stream until inner stream </a:t>
+            </a:r>
+            <a:r>
+              <a:rPr lang="en-US" dirty="0" smtClean="0">
+                <a:latin typeface="Times New Roman" panose="02020603050405020304" pitchFamily="18" charset="0"/>
+                <a:cs typeface="Times New Roman" panose="02020603050405020304" pitchFamily="18" charset="0"/>
+              </a:rPr>
+              <a:t>completes</a:t>
+            </a:r>
+            <a:endParaRPr lang="en-US" dirty="0">
+              <a:latin typeface="Times New Roman" panose="02020603050405020304" pitchFamily="18" charset="0"/>
+              <a:cs typeface="Times New Roman" panose="02020603050405020304" pitchFamily="18" charset="0"/>
+            </a:endParaRPr>
+          </a:p>
+        </p:txBody>
+      </p:sp>
+    </p:spTree>
+    <p:extLst>
+      <p:ext uri="{BB962C8B-B14F-4D97-AF65-F5344CB8AC3E}">
+        <p14:creationId xmlns:p14="http://schemas.microsoft.com/office/powerpoint/2010/main" val="3171333845"/>
+      </p:ext>
+    </p:extLst>
+  </p:cSld>
+  <p:clrMapOvr>
+    <a:masterClrMapping/>
+  </p:clrMapOvr>
+  <p:timing>
+    <p:tnLst>
+      <p:par>
+        <p:cTn id="1" dur="indefinite" restart="never" nodeType="tmRoot"/>
+      </p:par>
+    </p:tnLst>
+  </p:timing>
+</p:sld>
+</file>
+
+<file path=ppt/slides/slide15.xml><?xml version="1.0" encoding="utf-8"?>
+<p:sld xmlns:a="http://schemas.openxmlformats.org/drawingml/2006/main" xmlns:r="http://schemas.openxmlformats.org/officeDocument/2006/relationships" xmlns:p="http://schemas.openxmlformats.org/presentationml/2006/main">
+  <p:cSld>
+    <p:spTree>
+      <p:nvGrpSpPr>
+        <p:cNvPr id="1" name=""/>
+        <p:cNvGrpSpPr/>
+        <p:nvPr/>
+      </p:nvGrpSpPr>
+      <p:grpSpPr>
+        <a:xfrm>
+          <a:off x="0" y="0"/>
+          <a:ext cx="0" cy="0"/>
+          <a:chOff x="0" y="0"/>
+          <a:chExt cx="0" cy="0"/>
+        </a:xfrm>
+      </p:grpSpPr>
+      <p:sp>
+        <p:nvSpPr>
+          <p:cNvPr id="2" name="Title 1"/>
+          <p:cNvSpPr>
+            <a:spLocks noGrp="1"/>
+          </p:cNvSpPr>
+          <p:nvPr>
+            <p:ph type="title"/>
+          </p:nvPr>
+        </p:nvSpPr>
+        <p:spPr/>
+        <p:txBody>
+          <a:bodyPr/>
+          <a:lstStyle/>
+          <a:p>
+            <a:r>
+              <a:rPr lang="nl-NL" dirty="0">
+                <a:latin typeface="Times New Roman" panose="02020603050405020304" pitchFamily="18" charset="0"/>
+                <a:cs typeface="Times New Roman" panose="02020603050405020304" pitchFamily="18" charset="0"/>
+              </a:rPr>
+              <a:t>ExhaustMap</a:t>
+            </a:r>
+            <a:endParaRPr lang="en-US" dirty="0"/>
+          </a:p>
+        </p:txBody>
+      </p:sp>
+      <p:pic>
+        <p:nvPicPr>
+          <p:cNvPr id="6146" name="Picture 2" descr="RxJs Exhaust Strategy"/>
+          <p:cNvPicPr>
+            <a:picLocks noGrp="1" noChangeAspect="1" noChangeArrowheads="1"/>
+          </p:cNvPicPr>
+          <p:nvPr>
+            <p:ph idx="1"/>
+          </p:nvPr>
+        </p:nvPicPr>
+        <p:blipFill>
+          <a:blip r:embed="rId2">
+            <a:extLst>
+              <a:ext uri="{28A0092B-C50C-407E-A947-70E740481C1C}">
+                <a14:useLocalDpi xmlns:a14="http://schemas.microsoft.com/office/drawing/2010/main" val="0"/>
+              </a:ext>
+            </a:extLst>
+          </a:blip>
+          <a:srcRect/>
+          <a:stretch>
+            <a:fillRect/>
+          </a:stretch>
+        </p:blipFill>
+        <p:spPr bwMode="auto">
+          <a:xfrm>
+            <a:off x="2099314" y="1825625"/>
+            <a:ext cx="8275947" cy="4351338"/>
+          </a:xfrm>
+          <a:prstGeom prst="rect">
+            <a:avLst/>
+          </a:prstGeom>
+          <a:noFill/>
+          <a:extLst>
+            <a:ext uri="{909E8E84-426E-40DD-AFC4-6F175D3DCCD1}">
+              <a14:hiddenFill xmlns:a14="http://schemas.microsoft.com/office/drawing/2010/main">
+                <a:solidFill>
+                  <a:srgbClr val="FFFFFF"/>
+                </a:solidFill>
+              </a14:hiddenFill>
+            </a:ext>
+          </a:extLst>
+        </p:spPr>
+      </p:pic>
+    </p:spTree>
+    <p:extLst>
+      <p:ext uri="{BB962C8B-B14F-4D97-AF65-F5344CB8AC3E}">
+        <p14:creationId xmlns:p14="http://schemas.microsoft.com/office/powerpoint/2010/main" val="2716731406"/>
+      </p:ext>
+    </p:extLst>
+  </p:cSld>
+  <p:clrMapOvr>
+    <a:masterClrMapping/>
+  </p:clrMapOvr>
+</p:sld>
+</file>
+
+<file path=ppt/slides/slide16.xml><?xml version="1.0" encoding="utf-8"?>
+<p:sld xmlns:a="http://schemas.openxmlformats.org/drawingml/2006/main" xmlns:r="http://schemas.openxmlformats.org/officeDocument/2006/relationships" xmlns:p="http://schemas.openxmlformats.org/presentationml/2006/main">
+  <p:cSld>
+    <p:spTree>
+      <p:nvGrpSpPr>
+        <p:cNvPr id="1" name=""/>
+        <p:cNvGrpSpPr/>
+        <p:nvPr/>
+      </p:nvGrpSpPr>
+      <p:grpSpPr>
+        <a:xfrm>
+          <a:off x="0" y="0"/>
+          <a:ext cx="0" cy="0"/>
+          <a:chOff x="0" y="0"/>
+          <a:chExt cx="0" cy="0"/>
+        </a:xfrm>
+      </p:grpSpPr>
+      <p:sp>
+        <p:nvSpPr>
+          <p:cNvPr id="2" name="Title 1"/>
+          <p:cNvSpPr>
+            <a:spLocks noGrp="1"/>
+          </p:cNvSpPr>
+          <p:nvPr>
+            <p:ph type="title"/>
+          </p:nvPr>
+        </p:nvSpPr>
+        <p:spPr/>
+        <p:txBody>
+          <a:bodyPr/>
+          <a:lstStyle/>
+          <a:p>
+            <a:r>
+              <a:rPr lang="en-US" dirty="0" smtClean="0"/>
+              <a:t>Note</a:t>
+            </a:r>
+            <a:endParaRPr lang="en-US" dirty="0"/>
+          </a:p>
+        </p:txBody>
+      </p:sp>
+      <p:sp>
+        <p:nvSpPr>
+          <p:cNvPr id="3" name="Content Placeholder 2"/>
+          <p:cNvSpPr>
+            <a:spLocks noGrp="1"/>
+          </p:cNvSpPr>
+          <p:nvPr>
+            <p:ph idx="1"/>
+          </p:nvPr>
+        </p:nvSpPr>
+        <p:spPr/>
+        <p:txBody>
+          <a:bodyPr/>
+          <a:lstStyle/>
+          <a:p>
+            <a:r>
+              <a:rPr lang="en-US" dirty="0" err="1">
+                <a:latin typeface="Times New Roman" panose="02020603050405020304" pitchFamily="18" charset="0"/>
+                <a:cs typeface="Times New Roman" panose="02020603050405020304" pitchFamily="18" charset="0"/>
+              </a:rPr>
+              <a:t>mergeMap</a:t>
+            </a:r>
+            <a:r>
+              <a:rPr lang="en-US" dirty="0">
+                <a:latin typeface="Times New Roman" panose="02020603050405020304" pitchFamily="18" charset="0"/>
+                <a:cs typeface="Times New Roman" panose="02020603050405020304" pitchFamily="18" charset="0"/>
+              </a:rPr>
+              <a:t> = map + </a:t>
+            </a:r>
+            <a:r>
+              <a:rPr lang="en-US" dirty="0" err="1">
+                <a:latin typeface="Times New Roman" panose="02020603050405020304" pitchFamily="18" charset="0"/>
+                <a:cs typeface="Times New Roman" panose="02020603050405020304" pitchFamily="18" charset="0"/>
+              </a:rPr>
+              <a:t>mergeAll</a:t>
+            </a:r>
+            <a:endParaRPr lang="en-US" dirty="0">
+              <a:latin typeface="Times New Roman" panose="02020603050405020304" pitchFamily="18" charset="0"/>
+              <a:cs typeface="Times New Roman" panose="02020603050405020304" pitchFamily="18" charset="0"/>
+            </a:endParaRPr>
+          </a:p>
+          <a:p>
+            <a:r>
+              <a:rPr lang="en-US" dirty="0" err="1">
+                <a:latin typeface="Times New Roman" panose="02020603050405020304" pitchFamily="18" charset="0"/>
+                <a:cs typeface="Times New Roman" panose="02020603050405020304" pitchFamily="18" charset="0"/>
+              </a:rPr>
+              <a:t>concatMap</a:t>
+            </a:r>
+            <a:r>
+              <a:rPr lang="en-US" dirty="0">
+                <a:latin typeface="Times New Roman" panose="02020603050405020304" pitchFamily="18" charset="0"/>
+                <a:cs typeface="Times New Roman" panose="02020603050405020304" pitchFamily="18" charset="0"/>
+              </a:rPr>
+              <a:t> = map + </a:t>
+            </a:r>
+            <a:r>
+              <a:rPr lang="en-US" dirty="0" err="1">
+                <a:latin typeface="Times New Roman" panose="02020603050405020304" pitchFamily="18" charset="0"/>
+                <a:cs typeface="Times New Roman" panose="02020603050405020304" pitchFamily="18" charset="0"/>
+              </a:rPr>
+              <a:t>concatAll</a:t>
+            </a:r>
+            <a:endParaRPr lang="en-US" dirty="0">
+              <a:latin typeface="Times New Roman" panose="02020603050405020304" pitchFamily="18" charset="0"/>
+              <a:cs typeface="Times New Roman" panose="02020603050405020304" pitchFamily="18" charset="0"/>
+            </a:endParaRPr>
+          </a:p>
+          <a:p>
+            <a:r>
+              <a:rPr lang="en-US" dirty="0" err="1">
+                <a:latin typeface="Times New Roman" panose="02020603050405020304" pitchFamily="18" charset="0"/>
+                <a:cs typeface="Times New Roman" panose="02020603050405020304" pitchFamily="18" charset="0"/>
+              </a:rPr>
+              <a:t>switchMap</a:t>
+            </a:r>
+            <a:r>
+              <a:rPr lang="en-US" dirty="0">
+                <a:latin typeface="Times New Roman" panose="02020603050405020304" pitchFamily="18" charset="0"/>
+                <a:cs typeface="Times New Roman" panose="02020603050405020304" pitchFamily="18" charset="0"/>
+              </a:rPr>
+              <a:t> = map + switch</a:t>
+            </a:r>
+          </a:p>
+          <a:p>
+            <a:r>
+              <a:rPr lang="en-US" dirty="0" err="1" smtClean="0"/>
+              <a:t>concatMap</a:t>
+            </a:r>
+            <a:r>
+              <a:rPr lang="en-US" dirty="0" smtClean="0"/>
+              <a:t> will wait for previous observable complete before execute next observable. In contrast </a:t>
+            </a:r>
+            <a:r>
+              <a:rPr lang="en-US" dirty="0" err="1" smtClean="0"/>
+              <a:t>mergeMap</a:t>
+            </a:r>
+            <a:r>
+              <a:rPr lang="en-US" dirty="0" smtClean="0"/>
+              <a:t> don’t</a:t>
+            </a:r>
+          </a:p>
+          <a:p>
+            <a:endParaRPr lang="en-US" dirty="0">
+              <a:latin typeface="Times New Roman" panose="02020603050405020304" pitchFamily="18" charset="0"/>
+              <a:cs typeface="Times New Roman" panose="02020603050405020304" pitchFamily="18" charset="0"/>
+            </a:endParaRPr>
+          </a:p>
+        </p:txBody>
+      </p:sp>
+    </p:spTree>
+    <p:extLst>
+      <p:ext uri="{BB962C8B-B14F-4D97-AF65-F5344CB8AC3E}">
+        <p14:creationId xmlns:p14="http://schemas.microsoft.com/office/powerpoint/2010/main" val="3719047428"/>
+      </p:ext>
+    </p:extLst>
+  </p:cSld>
+  <p:clrMapOvr>
+    <a:masterClrMapping/>
+  </p:clrMapOvr>
+</p:sld>
+</file>
+
+<file path=ppt/slides/slide17.xml><?xml version="1.0" encoding="utf-8"?>
+<p:sld xmlns:a="http://schemas.openxmlformats.org/drawingml/2006/main" xmlns:r="http://schemas.openxmlformats.org/officeDocument/2006/relationships" xmlns:p="http://schemas.openxmlformats.org/presentationml/2006/main">
+  <p:cSld>
+    <p:spTree>
+      <p:nvGrpSpPr>
+        <p:cNvPr id="1" name=""/>
+        <p:cNvGrpSpPr/>
+        <p:nvPr/>
+      </p:nvGrpSpPr>
+      <p:grpSpPr>
+        <a:xfrm>
+          <a:off x="0" y="0"/>
+          <a:ext cx="0" cy="0"/>
+          <a:chOff x="0" y="0"/>
+          <a:chExt cx="0" cy="0"/>
+        </a:xfrm>
+      </p:grpSpPr>
+      <p:sp>
+        <p:nvSpPr>
+          <p:cNvPr id="2" name="Title 1"/>
+          <p:cNvSpPr>
+            <a:spLocks noGrp="1"/>
+          </p:cNvSpPr>
+          <p:nvPr>
+            <p:ph type="title"/>
+          </p:nvPr>
+        </p:nvSpPr>
+        <p:spPr/>
+        <p:txBody>
           <a:bodyPr>
             <a:noAutofit/>
           </a:bodyPr>
@@ -6875,7 +7554,23 @@
                 <a:latin typeface="Times New Roman" panose="02020603050405020304" pitchFamily="18" charset="0"/>
                 <a:cs typeface="Times New Roman" panose="02020603050405020304" pitchFamily="18" charset="0"/>
               </a:rPr>
-              <a:t>https://youtu.be/ak3MvMn8u18</a:t>
+              <a:t>https://</a:t>
+            </a:r>
+            <a:r>
+              <a:rPr lang="en-US" sz="3000" dirty="0" smtClean="0">
+                <a:latin typeface="Times New Roman" panose="02020603050405020304" pitchFamily="18" charset="0"/>
+                <a:cs typeface="Times New Roman" panose="02020603050405020304" pitchFamily="18" charset="0"/>
+              </a:rPr>
+              <a:t>youtu.be/ak3MvMn8u18</a:t>
+            </a:r>
+          </a:p>
+          <a:p>
+            <a:r>
+              <a:rPr lang="en-US" sz="3000" dirty="0">
+                <a:latin typeface="Times New Roman" panose="02020603050405020304" pitchFamily="18" charset="0"/>
+                <a:cs typeface="Times New Roman" panose="02020603050405020304" pitchFamily="18" charset="0"/>
+              </a:rPr>
+              <a:t>https://blog.angular-university.io/rxjs-higher-order-mapping/</a:t>
             </a:r>
             <a:endParaRPr lang="en-US" sz="3000" dirty="0" smtClean="0">
               <a:latin typeface="Times New Roman" panose="02020603050405020304" pitchFamily="18" charset="0"/>
@@ -6939,13 +7634,13 @@
           <a:lstStyle/>
           <a:p>
             <a:r>
-              <a:rPr lang="nl-NL" sz="6000" dirty="0" smtClean="0">
+              <a:rPr lang="nl-NL" sz="5500" dirty="0" smtClean="0">
                 <a:latin typeface="Times New Roman" panose="02020603050405020304" pitchFamily="18" charset="0"/>
                 <a:cs typeface="Times New Roman" panose="02020603050405020304" pitchFamily="18" charset="0"/>
               </a:rPr>
               <a:t>Agenda</a:t>
             </a:r>
-            <a:endParaRPr lang="en-US" sz="6000" dirty="0">
+            <a:endParaRPr lang="en-US" sz="5500" dirty="0">
               <a:latin typeface="Times New Roman" panose="02020603050405020304" pitchFamily="18" charset="0"/>
               <a:cs typeface="Times New Roman" panose="02020603050405020304" pitchFamily="18" charset="0"/>
             </a:endParaRPr>
@@ -7123,17 +7818,19 @@
         </p:nvSpPr>
         <p:spPr/>
         <p:txBody>
-          <a:bodyPr/>
-          <a:lstStyle/>
-          <a:p>
-            <a:r>
-              <a:rPr lang="nl-NL" dirty="0">
+          <a:bodyPr>
+            <a:normAutofit/>
+          </a:bodyPr>
+          <a:lstStyle/>
+          <a:p>
+            <a:r>
+              <a:rPr lang="nl-NL" sz="5500" dirty="0">
                 <a:latin typeface="Times New Roman" panose="02020603050405020304" pitchFamily="18" charset="0"/>
                 <a:cs typeface="Times New Roman" panose="02020603050405020304" pitchFamily="18" charset="0"/>
               </a:rPr>
               <a:t>Understand Observable</a:t>
             </a:r>
-            <a:endParaRPr lang="en-US" dirty="0"/>
+            <a:endParaRPr lang="en-US" sz="5500" dirty="0"/>
           </a:p>
         </p:txBody>
       </p:sp>
@@ -7238,14 +7935,22 @@
         </p:nvSpPr>
         <p:spPr/>
         <p:txBody>
-          <a:bodyPr/>
-          <a:lstStyle/>
-          <a:p>
-            <a:r>
-              <a:rPr lang="en-US" dirty="0" smtClean="0"/>
+          <a:bodyPr>
+            <a:normAutofit/>
+          </a:bodyPr>
+          <a:lstStyle/>
+          <a:p>
+            <a:r>
+              <a:rPr lang="en-US" sz="5500" dirty="0" smtClean="0">
+                <a:latin typeface="Times New Roman" panose="02020603050405020304" pitchFamily="18" charset="0"/>
+                <a:cs typeface="Times New Roman" panose="02020603050405020304" pitchFamily="18" charset="0"/>
+              </a:rPr>
               <a:t>Observer</a:t>
             </a:r>
-            <a:endParaRPr lang="en-US" dirty="0"/>
+            <a:endParaRPr lang="en-US" sz="5500" dirty="0">
+              <a:latin typeface="Times New Roman" panose="02020603050405020304" pitchFamily="18" charset="0"/>
+              <a:cs typeface="Times New Roman" panose="02020603050405020304" pitchFamily="18" charset="0"/>
+            </a:endParaRPr>
           </a:p>
         </p:txBody>
       </p:sp>
@@ -7673,44 +8378,44 @@
         <p:spPr/>
         <p:txBody>
           <a:bodyPr>
-            <a:normAutofit fontScale="90000"/>
+            <a:noAutofit/>
           </a:bodyPr>
           <a:lstStyle/>
           <a:p>
             <a:r>
-              <a:rPr lang="nl-NL" dirty="0" smtClean="0">
+              <a:rPr lang="nl-NL" sz="5500" dirty="0" smtClean="0">
                 <a:latin typeface="Times New Roman" panose="02020603050405020304" pitchFamily="18" charset="0"/>
                 <a:cs typeface="Times New Roman" panose="02020603050405020304" pitchFamily="18" charset="0"/>
               </a:rPr>
               <a:t/>
             </a:r>
             <a:br>
-              <a:rPr lang="nl-NL" dirty="0" smtClean="0">
+              <a:rPr lang="nl-NL" sz="5500" dirty="0" smtClean="0">
                 <a:latin typeface="Times New Roman" panose="02020603050405020304" pitchFamily="18" charset="0"/>
                 <a:cs typeface="Times New Roman" panose="02020603050405020304" pitchFamily="18" charset="0"/>
               </a:rPr>
             </a:br>
             <a:r>
-              <a:rPr lang="nl-NL" dirty="0" smtClean="0">
+              <a:rPr lang="nl-NL" sz="5500" dirty="0" smtClean="0">
                 <a:latin typeface="Times New Roman" panose="02020603050405020304" pitchFamily="18" charset="0"/>
                 <a:cs typeface="Times New Roman" panose="02020603050405020304" pitchFamily="18" charset="0"/>
               </a:rPr>
               <a:t>Subject</a:t>
             </a:r>
             <a:r>
-              <a:rPr lang="nl-NL" dirty="0">
-                <a:latin typeface="Times New Roman" panose="02020603050405020304" pitchFamily="18" charset="0"/>
-                <a:cs typeface="Times New Roman" panose="02020603050405020304" pitchFamily="18" charset="0"/>
-              </a:rPr>
-              <a:t>, BehaviorSubject, ReplaySubject, AsyncSubject</a:t>
+              <a:rPr lang="nl-NL" sz="5500" dirty="0">
+                <a:latin typeface="Times New Roman" panose="02020603050405020304" pitchFamily="18" charset="0"/>
+                <a:cs typeface="Times New Roman" panose="02020603050405020304" pitchFamily="18" charset="0"/>
+              </a:rPr>
+              <a:t/>
             </a:r>
             <a:br>
-              <a:rPr lang="nl-NL" dirty="0">
+              <a:rPr lang="nl-NL" sz="5500" dirty="0">
                 <a:latin typeface="Times New Roman" panose="02020603050405020304" pitchFamily="18" charset="0"/>
                 <a:cs typeface="Times New Roman" panose="02020603050405020304" pitchFamily="18" charset="0"/>
               </a:rPr>
             </a:br>
-            <a:endParaRPr lang="en-US" dirty="0"/>
+            <a:endParaRPr lang="en-US" sz="5500" dirty="0"/>
           </a:p>
         </p:txBody>
       </p:sp>
@@ -7846,37 +8551,37 @@
         <p:spPr/>
         <p:txBody>
           <a:bodyPr>
-            <a:normAutofit fontScale="90000"/>
+            <a:noAutofit/>
           </a:bodyPr>
           <a:lstStyle/>
           <a:p>
             <a:r>
-              <a:rPr lang="nl-NL" dirty="0">
+              <a:rPr lang="nl-NL" sz="5500" dirty="0">
                 <a:latin typeface="Times New Roman" panose="02020603050405020304" pitchFamily="18" charset="0"/>
                 <a:cs typeface="Times New Roman" panose="02020603050405020304" pitchFamily="18" charset="0"/>
               </a:rPr>
               <a:t/>
             </a:r>
             <a:br>
-              <a:rPr lang="nl-NL" dirty="0">
+              <a:rPr lang="nl-NL" sz="5500" dirty="0">
                 <a:latin typeface="Times New Roman" panose="02020603050405020304" pitchFamily="18" charset="0"/>
                 <a:cs typeface="Times New Roman" panose="02020603050405020304" pitchFamily="18" charset="0"/>
               </a:rPr>
             </a:br>
             <a:r>
-              <a:rPr lang="nl-NL" dirty="0">
+              <a:rPr lang="nl-NL" sz="5500" dirty="0">
                 <a:latin typeface="Times New Roman" panose="02020603050405020304" pitchFamily="18" charset="0"/>
                 <a:cs typeface="Times New Roman" panose="02020603050405020304" pitchFamily="18" charset="0"/>
               </a:rPr>
               <a:t>Subject, BehaviorSubject, ReplaySubject, AsyncSubject</a:t>
             </a:r>
             <a:br>
-              <a:rPr lang="nl-NL" dirty="0">
+              <a:rPr lang="nl-NL" sz="5500" dirty="0">
                 <a:latin typeface="Times New Roman" panose="02020603050405020304" pitchFamily="18" charset="0"/>
                 <a:cs typeface="Times New Roman" panose="02020603050405020304" pitchFamily="18" charset="0"/>
               </a:rPr>
             </a:br>
-            <a:endParaRPr lang="en-US" dirty="0"/>
+            <a:endParaRPr lang="en-US" sz="5500" dirty="0"/>
           </a:p>
         </p:txBody>
       </p:sp>
@@ -8082,13 +8787,13 @@
           <a:lstStyle/>
           <a:p>
             <a:r>
-              <a:rPr lang="nl-NL" dirty="0" smtClean="0">
+              <a:rPr lang="nl-NL" sz="5500" dirty="0" smtClean="0">
                 <a:latin typeface="Times New Roman" panose="02020603050405020304" pitchFamily="18" charset="0"/>
                 <a:cs typeface="Times New Roman" panose="02020603050405020304" pitchFamily="18" charset="0"/>
               </a:rPr>
               <a:t>SwitchMap</a:t>
             </a:r>
-            <a:endParaRPr lang="en-US" dirty="0"/>
+            <a:endParaRPr lang="en-US" sz="5500" dirty="0"/>
           </a:p>
         </p:txBody>
       </p:sp>
@@ -8281,9 +8986,7 @@
         </p:nvSpPr>
         <p:spPr/>
         <p:txBody>
-          <a:bodyPr>
-            <a:normAutofit fontScale="90000"/>
-          </a:bodyPr>
+          <a:bodyPr/>
           <a:lstStyle/>
           <a:p>
             <a:r>
@@ -8291,132 +8994,65 @@
                 <a:latin typeface="Times New Roman" panose="02020603050405020304" pitchFamily="18" charset="0"/>
                 <a:cs typeface="Times New Roman" panose="02020603050405020304" pitchFamily="18" charset="0"/>
               </a:rPr>
-              <a:t/>
-            </a:r>
-            <a:br>
-              <a:rPr lang="nl-NL" dirty="0">
-                <a:latin typeface="Times New Roman" panose="02020603050405020304" pitchFamily="18" charset="0"/>
-                <a:cs typeface="Times New Roman" panose="02020603050405020304" pitchFamily="18" charset="0"/>
-              </a:rPr>
-            </a:br>
-            <a:r>
-              <a:rPr lang="nl-NL" dirty="0" smtClean="0">
-                <a:latin typeface="Times New Roman" panose="02020603050405020304" pitchFamily="18" charset="0"/>
-                <a:cs typeface="Times New Roman" panose="02020603050405020304" pitchFamily="18" charset="0"/>
-              </a:rPr>
-              <a:t>MergeMap</a:t>
-            </a:r>
-            <a:br>
-              <a:rPr lang="nl-NL" dirty="0" smtClean="0">
-                <a:latin typeface="Times New Roman" panose="02020603050405020304" pitchFamily="18" charset="0"/>
-                <a:cs typeface="Times New Roman" panose="02020603050405020304" pitchFamily="18" charset="0"/>
-              </a:rPr>
-            </a:br>
+              <a:t>SwitchMap</a:t>
+            </a:r>
             <a:endParaRPr lang="en-US" dirty="0"/>
           </a:p>
         </p:txBody>
       </p:sp>
-      <p:sp>
-        <p:nvSpPr>
-          <p:cNvPr id="3" name="Content Placeholder 2"/>
-          <p:cNvSpPr>
-            <a:spLocks noGrp="1"/>
-          </p:cNvSpPr>
+      <p:pic>
+        <p:nvPicPr>
+          <p:cNvPr id="9218" name="Picture 2" descr="RxJs switch Example"/>
+          <p:cNvPicPr>
+            <a:picLocks noGrp="1" noChangeAspect="1" noChangeArrowheads="1"/>
+          </p:cNvPicPr>
           <p:nvPr>
             <p:ph idx="1"/>
           </p:nvPr>
-        </p:nvSpPr>
-        <p:spPr/>
-        <p:txBody>
-          <a:bodyPr/>
-          <a:lstStyle/>
-          <a:p>
-            <a:r>
-              <a:rPr lang="en-US" dirty="0"/>
-              <a:t>This operator is best used when you wish to flatten an inner </a:t>
-            </a:r>
-            <a:r>
-              <a:rPr lang="en-US" dirty="0" smtClean="0"/>
-              <a:t>observable.</a:t>
-            </a:r>
-          </a:p>
-          <a:p>
-            <a:r>
-              <a:rPr lang="en-US" dirty="0" smtClean="0"/>
-              <a:t>When </a:t>
-            </a:r>
-            <a:r>
-              <a:rPr lang="en-US" dirty="0"/>
-              <a:t>using </a:t>
-            </a:r>
-            <a:r>
-              <a:rPr lang="en-US" dirty="0" err="1"/>
-              <a:t>switchMap</a:t>
-            </a:r>
-            <a:r>
-              <a:rPr lang="en-US" dirty="0"/>
-              <a:t> each inner subscription is completed when the source emits, allowing only one active inner subscription</a:t>
-            </a:r>
-            <a:r>
-              <a:rPr lang="en-US" dirty="0" smtClean="0"/>
-              <a:t>.</a:t>
-            </a:r>
-          </a:p>
-          <a:p>
-            <a:r>
-              <a:rPr lang="en-US" dirty="0" smtClean="0"/>
-              <a:t>In </a:t>
-            </a:r>
-            <a:r>
-              <a:rPr lang="en-US" dirty="0"/>
-              <a:t>contrast, </a:t>
-            </a:r>
-            <a:r>
-              <a:rPr lang="en-US" dirty="0" err="1"/>
-              <a:t>mergeMap</a:t>
-            </a:r>
-            <a:r>
-              <a:rPr lang="en-US" dirty="0"/>
-              <a:t> allows for multiple inner subscriptions to be active at </a:t>
-            </a:r>
-            <a:r>
-              <a:rPr lang="en-US"/>
-              <a:t>a </a:t>
-            </a:r>
-            <a:r>
-              <a:rPr lang="en-US" smtClean="0"/>
-              <a:t>time</a:t>
-            </a:r>
-            <a:endParaRPr lang="en-US" dirty="0" smtClean="0"/>
-          </a:p>
-          <a:p>
-            <a:r>
-              <a:rPr lang="en-US" dirty="0">
-                <a:hlinkClick r:id="rId2"/>
-              </a:rPr>
-              <a:t>https://stackblitz.com/edit/typescript-f8ghcx?file=index.ts&amp;devtoolsheight=100</a:t>
-            </a:r>
-            <a:endParaRPr lang="en-US" dirty="0"/>
-          </a:p>
-        </p:txBody>
-      </p:sp>
+        </p:nvPicPr>
+        <p:blipFill>
+          <a:blip r:embed="rId2">
+            <a:extLst>
+              <a:ext uri="{28A0092B-C50C-407E-A947-70E740481C1C}">
+                <a14:useLocalDpi xmlns:a14="http://schemas.microsoft.com/office/drawing/2010/main" val="0"/>
+              </a:ext>
+            </a:extLst>
+          </a:blip>
+          <a:srcRect/>
+          <a:stretch>
+            <a:fillRect/>
+          </a:stretch>
+        </p:blipFill>
+        <p:spPr bwMode="auto">
+          <a:xfrm>
+            <a:off x="2611172" y="1825625"/>
+            <a:ext cx="7252230" cy="4351338"/>
+          </a:xfrm>
+          <a:prstGeom prst="rect">
+            <a:avLst/>
+          </a:prstGeom>
+          <a:noFill/>
+          <a:extLst>
+            <a:ext uri="{909E8E84-426E-40DD-AFC4-6F175D3DCCD1}">
+              <a14:hiddenFill xmlns:a14="http://schemas.microsoft.com/office/drawing/2010/main">
+                <a:solidFill>
+                  <a:srgbClr val="FFFFFF"/>
+                </a:solidFill>
+              </a14:hiddenFill>
+            </a:ext>
+          </a:extLst>
+        </p:spPr>
+      </p:pic>
     </p:spTree>
     <p:extLst>
       <p:ext uri="{BB962C8B-B14F-4D97-AF65-F5344CB8AC3E}">
-        <p14:creationId xmlns:p14="http://schemas.microsoft.com/office/powerpoint/2010/main" val="1491410126"/>
+        <p14:creationId xmlns:p14="http://schemas.microsoft.com/office/powerpoint/2010/main" val="825944875"/>
       </p:ext>
     </p:extLst>
   </p:cSld>
   <p:clrMapOvr>
     <a:masterClrMapping/>
   </p:clrMapOvr>
-  <p:timing>
-    <p:tnLst>
-      <p:par>
-        <p:cTn id="1" dur="indefinite" restart="never" nodeType="tmRoot"/>
-      </p:par>
-    </p:tnLst>
-  </p:timing>
 </p:sld>
 </file>
 

--- a/RXJS Make it easy/RXJS Make it easy.pptx
+++ b/RXJS Make it easy/RXJS Make it easy.pptx
@@ -5,7 +5,7 @@
     <p:sldMasterId id="2147483750" r:id="rId1"/>
   </p:sldMasterIdLst>
   <p:notesMasterIdLst>
-    <p:notesMasterId r:id="rId19"/>
+    <p:notesMasterId r:id="rId20"/>
   </p:notesMasterIdLst>
   <p:sldIdLst>
     <p:sldId id="256" r:id="rId2"/>
@@ -24,7 +24,8 @@
     <p:sldId id="264" r:id="rId15"/>
     <p:sldId id="269" r:id="rId16"/>
     <p:sldId id="268" r:id="rId17"/>
-    <p:sldId id="261" r:id="rId18"/>
+    <p:sldId id="273" r:id="rId18"/>
+    <p:sldId id="261" r:id="rId19"/>
   </p:sldIdLst>
   <p:sldSz cx="12192000" cy="6858000"/>
   <p:notesSz cx="6858000" cy="9144000"/>
@@ -7374,6 +7375,220 @@
 </file>
 
 <file path=ppt/slides/slide17.xml><?xml version="1.0" encoding="utf-8"?>
+<p:sld xmlns:a="http://schemas.openxmlformats.org/drawingml/2006/main" xmlns:r="http://schemas.openxmlformats.org/officeDocument/2006/relationships" xmlns:p="http://schemas.openxmlformats.org/presentationml/2006/main">
+  <p:cSld>
+    <p:spTree>
+      <p:nvGrpSpPr>
+        <p:cNvPr id="1" name=""/>
+        <p:cNvGrpSpPr/>
+        <p:nvPr/>
+      </p:nvGrpSpPr>
+      <p:grpSpPr>
+        <a:xfrm>
+          <a:off x="0" y="0"/>
+          <a:ext cx="0" cy="0"/>
+          <a:chOff x="0" y="0"/>
+          <a:chExt cx="0" cy="0"/>
+        </a:xfrm>
+      </p:grpSpPr>
+      <p:sp>
+        <p:nvSpPr>
+          <p:cNvPr id="2" name="Title 1"/>
+          <p:cNvSpPr>
+            <a:spLocks noGrp="1"/>
+          </p:cNvSpPr>
+          <p:nvPr>
+            <p:ph type="title"/>
+          </p:nvPr>
+        </p:nvSpPr>
+        <p:spPr/>
+        <p:txBody>
+          <a:bodyPr>
+            <a:noAutofit/>
+          </a:bodyPr>
+          <a:lstStyle/>
+          <a:p>
+            <a:r>
+              <a:rPr lang="nl-NL" sz="5500" dirty="0" smtClean="0">
+                <a:latin typeface="Times New Roman" panose="02020603050405020304" pitchFamily="18" charset="0"/>
+                <a:cs typeface="Times New Roman" panose="02020603050405020304" pitchFamily="18" charset="0"/>
+              </a:rPr>
+              <a:t/>
+            </a:r>
+            <a:br>
+              <a:rPr lang="nl-NL" sz="5500" dirty="0" smtClean="0">
+                <a:latin typeface="Times New Roman" panose="02020603050405020304" pitchFamily="18" charset="0"/>
+                <a:cs typeface="Times New Roman" panose="02020603050405020304" pitchFamily="18" charset="0"/>
+              </a:rPr>
+            </a:br>
+            <a:r>
+              <a:rPr lang="nl-NL" sz="5500" dirty="0" smtClean="0">
+                <a:latin typeface="Times New Roman" panose="02020603050405020304" pitchFamily="18" charset="0"/>
+                <a:cs typeface="Times New Roman" panose="02020603050405020304" pitchFamily="18" charset="0"/>
+              </a:rPr>
+              <a:t>Pipe </a:t>
+            </a:r>
+            <a:r>
+              <a:rPr lang="nl-NL" sz="5500" dirty="0">
+                <a:latin typeface="Times New Roman" panose="02020603050405020304" pitchFamily="18" charset="0"/>
+                <a:cs typeface="Times New Roman" panose="02020603050405020304" pitchFamily="18" charset="0"/>
+              </a:rPr>
+              <a:t>operator &amp; benefit</a:t>
+            </a:r>
+            <a:br>
+              <a:rPr lang="nl-NL" sz="5500" dirty="0">
+                <a:latin typeface="Times New Roman" panose="02020603050405020304" pitchFamily="18" charset="0"/>
+                <a:cs typeface="Times New Roman" panose="02020603050405020304" pitchFamily="18" charset="0"/>
+              </a:rPr>
+            </a:br>
+            <a:endParaRPr lang="en-US" sz="5500" dirty="0"/>
+          </a:p>
+        </p:txBody>
+      </p:sp>
+      <p:sp>
+        <p:nvSpPr>
+          <p:cNvPr id="3" name="Content Placeholder 2"/>
+          <p:cNvSpPr>
+            <a:spLocks noGrp="1"/>
+          </p:cNvSpPr>
+          <p:nvPr>
+            <p:ph idx="1"/>
+          </p:nvPr>
+        </p:nvSpPr>
+        <p:spPr/>
+        <p:txBody>
+          <a:bodyPr/>
+          <a:lstStyle/>
+          <a:p>
+            <a:r>
+              <a:rPr lang="en-US" dirty="0" smtClean="0">
+                <a:latin typeface="Times New Roman" panose="02020603050405020304" pitchFamily="18" charset="0"/>
+                <a:cs typeface="Times New Roman" panose="02020603050405020304" pitchFamily="18" charset="0"/>
+              </a:rPr>
+              <a:t>Pipe</a:t>
+            </a:r>
+            <a:r>
+              <a:rPr lang="en-US" dirty="0">
+                <a:latin typeface="Times New Roman" panose="02020603050405020304" pitchFamily="18" charset="0"/>
+                <a:cs typeface="Times New Roman" panose="02020603050405020304" pitchFamily="18" charset="0"/>
+              </a:rPr>
+              <a:t> is a method on Observable which is used for composing operators</a:t>
+            </a:r>
+            <a:r>
+              <a:rPr lang="en-US" dirty="0" smtClean="0">
+                <a:latin typeface="Times New Roman" panose="02020603050405020304" pitchFamily="18" charset="0"/>
+                <a:cs typeface="Times New Roman" panose="02020603050405020304" pitchFamily="18" charset="0"/>
+              </a:rPr>
+              <a:t> similar </a:t>
+            </a:r>
+            <a:r>
+              <a:rPr lang="en-US" dirty="0">
+                <a:latin typeface="Times New Roman" panose="02020603050405020304" pitchFamily="18" charset="0"/>
+                <a:cs typeface="Times New Roman" panose="02020603050405020304" pitchFamily="18" charset="0"/>
+              </a:rPr>
+              <a:t>manner to what </a:t>
+            </a:r>
+            <a:r>
+              <a:rPr lang="en-US" dirty="0" smtClean="0">
+                <a:latin typeface="Times New Roman" panose="02020603050405020304" pitchFamily="18" charset="0"/>
+                <a:cs typeface="Times New Roman" panose="02020603050405020304" pitchFamily="18" charset="0"/>
+              </a:rPr>
+              <a:t>with dot-chaining.</a:t>
+            </a:r>
+          </a:p>
+          <a:p>
+            <a:pPr marL="0" indent="0">
+              <a:buNone/>
+            </a:pPr>
+            <a:r>
+              <a:rPr lang="nl-NL" dirty="0" smtClean="0">
+                <a:latin typeface="Times New Roman" panose="02020603050405020304" pitchFamily="18" charset="0"/>
+                <a:cs typeface="Times New Roman" panose="02020603050405020304" pitchFamily="18" charset="0"/>
+              </a:rPr>
+              <a:t>Benfit of pipe operator:</a:t>
+            </a:r>
+          </a:p>
+          <a:p>
+            <a:r>
+              <a:rPr lang="en-US" dirty="0">
+                <a:latin typeface="Times New Roman" panose="02020603050405020304" pitchFamily="18" charset="0"/>
+                <a:cs typeface="Times New Roman" panose="02020603050405020304" pitchFamily="18" charset="0"/>
+              </a:rPr>
+              <a:t>By importing only operators you need instead of the entire </a:t>
+            </a:r>
+            <a:r>
+              <a:rPr lang="en-US" dirty="0" err="1">
+                <a:latin typeface="Times New Roman" panose="02020603050405020304" pitchFamily="18" charset="0"/>
+                <a:cs typeface="Times New Roman" panose="02020603050405020304" pitchFamily="18" charset="0"/>
+              </a:rPr>
+              <a:t>RxJS</a:t>
+            </a:r>
+            <a:r>
+              <a:rPr lang="en-US" dirty="0">
+                <a:latin typeface="Times New Roman" panose="02020603050405020304" pitchFamily="18" charset="0"/>
+                <a:cs typeface="Times New Roman" panose="02020603050405020304" pitchFamily="18" charset="0"/>
+              </a:rPr>
+              <a:t> library you can significantly reduce the total bundle </a:t>
+            </a:r>
+            <a:r>
+              <a:rPr lang="en-US" dirty="0" smtClean="0">
+                <a:latin typeface="Times New Roman" panose="02020603050405020304" pitchFamily="18" charset="0"/>
+                <a:cs typeface="Times New Roman" panose="02020603050405020304" pitchFamily="18" charset="0"/>
+              </a:rPr>
+              <a:t>size</a:t>
+            </a:r>
+          </a:p>
+          <a:p>
+            <a:r>
+              <a:rPr lang="nl-NL" dirty="0" smtClean="0">
+                <a:latin typeface="Times New Roman" panose="02020603050405020304" pitchFamily="18" charset="0"/>
+                <a:cs typeface="Times New Roman" panose="02020603050405020304" pitchFamily="18" charset="0"/>
+              </a:rPr>
+              <a:t>Intellisense</a:t>
+            </a:r>
+          </a:p>
+          <a:p>
+            <a:r>
+              <a:rPr lang="en-US" dirty="0" smtClean="0">
+                <a:latin typeface="Times New Roman" panose="02020603050405020304" pitchFamily="18" charset="0"/>
+                <a:cs typeface="Times New Roman" panose="02020603050405020304" pitchFamily="18" charset="0"/>
+              </a:rPr>
+              <a:t>Avoid collisions </a:t>
+            </a:r>
+            <a:r>
+              <a:rPr lang="en-US" dirty="0">
+                <a:latin typeface="Times New Roman" panose="02020603050405020304" pitchFamily="18" charset="0"/>
+                <a:cs typeface="Times New Roman" panose="02020603050405020304" pitchFamily="18" charset="0"/>
+              </a:rPr>
+              <a:t>if two different parties wanted to create an operator of the same name.</a:t>
+            </a:r>
+            <a:endParaRPr lang="nl-NL" dirty="0" smtClean="0">
+              <a:latin typeface="Times New Roman" panose="02020603050405020304" pitchFamily="18" charset="0"/>
+              <a:cs typeface="Times New Roman" panose="02020603050405020304" pitchFamily="18" charset="0"/>
+            </a:endParaRPr>
+          </a:p>
+          <a:p>
+            <a:endParaRPr lang="en-US" dirty="0">
+              <a:latin typeface="Times New Roman" panose="02020603050405020304" pitchFamily="18" charset="0"/>
+              <a:cs typeface="Times New Roman" panose="02020603050405020304" pitchFamily="18" charset="0"/>
+            </a:endParaRPr>
+          </a:p>
+        </p:txBody>
+      </p:sp>
+    </p:spTree>
+    <p:extLst>
+      <p:ext uri="{BB962C8B-B14F-4D97-AF65-F5344CB8AC3E}">
+        <p14:creationId xmlns:p14="http://schemas.microsoft.com/office/powerpoint/2010/main" val="835066873"/>
+      </p:ext>
+    </p:extLst>
+  </p:cSld>
+  <p:clrMapOvr>
+    <a:masterClrMapping/>
+  </p:clrMapOvr>
+</p:sld>
+</file>
+
+<file path=ppt/slides/slide18.xml><?xml version="1.0" encoding="utf-8"?>
 <p:sld xmlns:a="http://schemas.openxmlformats.org/drawingml/2006/main" xmlns:r="http://schemas.openxmlformats.org/officeDocument/2006/relationships" xmlns:p="http://schemas.openxmlformats.org/presentationml/2006/main">
   <p:cSld>
     <p:spTree>

--- a/RXJS Make it easy/RXJS Make it easy.pptx
+++ b/RXJS Make it easy/RXJS Make it easy.pptx
@@ -124,6 +124,11 @@
       </a:defRPr>
     </a:lvl9pPr>
   </p:defaultTextStyle>
+  <p:extLst>
+    <p:ext uri="{EFAFB233-063F-42B5-8137-9DF3F51BA10A}">
+      <p15:sldGuideLst xmlns:p15="http://schemas.microsoft.com/office/powerpoint/2012/main"/>
+    </p:ext>
+  </p:extLst>
 </p:presentation>
 </file>
 
@@ -209,7 +214,7 @@
           <a:p>
             <a:fld id="{8F4A43FB-D854-4B89-9ABE-FF95F96787A3}" type="datetimeFigureOut">
               <a:rPr lang="en-US" smtClean="0"/>
-              <a:t>8/4/2019</a:t>
+              <a:t>8/13/2019</a:t>
             </a:fld>
             <a:endParaRPr lang="en-US"/>
           </a:p>
@@ -273,38 +278,37 @@
           <a:p>
             <a:pPr lvl="0"/>
             <a:r>
-              <a:rPr lang="en-US" smtClean="0"/>
+              <a:rPr lang="en-US"/>
               <a:t>Click to edit Master text styles</a:t>
             </a:r>
           </a:p>
           <a:p>
             <a:pPr lvl="1"/>
             <a:r>
-              <a:rPr lang="en-US" smtClean="0"/>
+              <a:rPr lang="en-US"/>
               <a:t>Second level</a:t>
             </a:r>
           </a:p>
           <a:p>
             <a:pPr lvl="2"/>
             <a:r>
-              <a:rPr lang="en-US" smtClean="0"/>
+              <a:rPr lang="en-US"/>
               <a:t>Third level</a:t>
             </a:r>
           </a:p>
           <a:p>
             <a:pPr lvl="3"/>
             <a:r>
-              <a:rPr lang="en-US" smtClean="0"/>
+              <a:rPr lang="en-US"/>
               <a:t>Fourth level</a:t>
             </a:r>
           </a:p>
           <a:p>
             <a:pPr lvl="4"/>
             <a:r>
-              <a:rPr lang="en-US" smtClean="0"/>
+              <a:rPr lang="en-US"/>
               <a:t>Fifth level</a:t>
             </a:r>
-            <a:endParaRPr lang="en-US"/>
           </a:p>
         </p:txBody>
       </p:sp>
@@ -539,12 +543,12 @@
               <a:defRPr/>
             </a:pPr>
             <a:r>
-              <a:rPr lang="en-US" dirty="0" smtClean="0">
+              <a:rPr lang="en-US" dirty="0">
                 <a:hlinkClick r:id="rId3"/>
               </a:rPr>
               <a:t>https://stackblitz.com/edit/rxjs-subjects-comparison?file=index.ts&amp;devtoolsheight=100</a:t>
             </a:r>
-            <a:endParaRPr lang="en-US" dirty="0" smtClean="0">
+            <a:endParaRPr lang="en-US" dirty="0">
               <a:latin typeface="Times New Roman" panose="02020603050405020304" pitchFamily="18" charset="0"/>
               <a:cs typeface="Times New Roman" panose="02020603050405020304" pitchFamily="18" charset="0"/>
             </a:endParaRPr>
@@ -666,7 +670,7 @@
           </a:lstStyle>
           <a:p>
             <a:r>
-              <a:rPr lang="en-US" smtClean="0"/>
+              <a:rPr lang="en-US"/>
               <a:t>Click to edit Master title style</a:t>
             </a:r>
             <a:endParaRPr lang="en-US" dirty="0"/>
@@ -762,7 +766,7 @@
           </a:lstStyle>
           <a:p>
             <a:r>
-              <a:rPr lang="en-US" smtClean="0"/>
+              <a:rPr lang="en-US"/>
               <a:t>Click to edit Master subtitle style</a:t>
             </a:r>
             <a:endParaRPr lang="en-US" dirty="0"/>
@@ -786,7 +790,7 @@
           <a:p>
             <a:fld id="{B9631ECC-CD42-4DF8-BF30-7048DD08762F}" type="datetimeFigureOut">
               <a:rPr lang="en-US" smtClean="0"/>
-              <a:t>8/4/2019</a:t>
+              <a:t>8/13/2019</a:t>
             </a:fld>
             <a:endParaRPr lang="en-US"/>
           </a:p>
@@ -894,7 +898,7 @@
           </a:lstStyle>
           <a:p>
             <a:r>
-              <a:rPr lang="en-US" smtClean="0"/>
+              <a:rPr lang="en-US"/>
               <a:t>Click to edit Master title style</a:t>
             </a:r>
             <a:endParaRPr lang="en-US" dirty="0"/>
@@ -959,7 +963,7 @@
           </a:lstStyle>
           <a:p>
             <a:r>
-              <a:rPr lang="en-US" smtClean="0"/>
+              <a:rPr lang="en-US"/>
               <a:t>Click icon to add picture</a:t>
             </a:r>
             <a:endParaRPr lang="en-US" dirty="0"/>
@@ -1049,7 +1053,7 @@
           <a:p>
             <a:pPr lvl="0"/>
             <a:r>
-              <a:rPr lang="en-US" smtClean="0"/>
+              <a:rPr lang="en-US"/>
               <a:t>Click to edit Master text styles</a:t>
             </a:r>
           </a:p>
@@ -1072,7 +1076,7 @@
           <a:p>
             <a:fld id="{B9631ECC-CD42-4DF8-BF30-7048DD08762F}" type="datetimeFigureOut">
               <a:rPr lang="en-US" smtClean="0"/>
-              <a:t>8/4/2019</a:t>
+              <a:t>8/13/2019</a:t>
             </a:fld>
             <a:endParaRPr lang="en-US"/>
           </a:p>
@@ -1175,7 +1179,7 @@
           </a:lstStyle>
           <a:p>
             <a:r>
-              <a:rPr lang="en-US" smtClean="0"/>
+              <a:rPr lang="en-US"/>
               <a:t>Click to edit Master title style</a:t>
             </a:r>
             <a:endParaRPr lang="en-US" dirty="0"/>
@@ -1241,7 +1245,7 @@
           <a:p>
             <a:pPr lvl="0"/>
             <a:r>
-              <a:rPr lang="en-US" smtClean="0"/>
+              <a:rPr lang="en-US"/>
               <a:t>Click to edit Master text styles</a:t>
             </a:r>
           </a:p>
@@ -1264,7 +1268,7 @@
           <a:p>
             <a:fld id="{B9631ECC-CD42-4DF8-BF30-7048DD08762F}" type="datetimeFigureOut">
               <a:rPr lang="en-US" smtClean="0"/>
-              <a:t>8/4/2019</a:t>
+              <a:t>8/13/2019</a:t>
             </a:fld>
             <a:endParaRPr lang="en-US"/>
           </a:p>
@@ -1367,7 +1371,7 @@
           </a:lstStyle>
           <a:p>
             <a:r>
-              <a:rPr lang="en-US" smtClean="0"/>
+              <a:rPr lang="en-US"/>
               <a:t>Click to edit Master title style</a:t>
             </a:r>
             <a:endParaRPr lang="en-US" dirty="0"/>
@@ -1435,7 +1439,7 @@
           <a:p>
             <a:pPr lvl="0"/>
             <a:r>
-              <a:rPr lang="en-US" smtClean="0"/>
+              <a:rPr lang="en-US"/>
               <a:t>Click to edit Master text styles</a:t>
             </a:r>
           </a:p>
@@ -1502,7 +1506,7 @@
           <a:p>
             <a:pPr lvl="0"/>
             <a:r>
-              <a:rPr lang="en-US" smtClean="0"/>
+              <a:rPr lang="en-US"/>
               <a:t>Click to edit Master text styles</a:t>
             </a:r>
           </a:p>
@@ -1525,7 +1529,7 @@
           <a:p>
             <a:fld id="{B9631ECC-CD42-4DF8-BF30-7048DD08762F}" type="datetimeFigureOut">
               <a:rPr lang="en-US" smtClean="0"/>
-              <a:t>8/4/2019</a:t>
+              <a:t>8/13/2019</a:t>
             </a:fld>
             <a:endParaRPr lang="en-US"/>
           </a:p>
@@ -1862,7 +1866,7 @@
           </a:lstStyle>
           <a:p>
             <a:r>
-              <a:rPr lang="en-US" smtClean="0"/>
+              <a:rPr lang="en-US"/>
               <a:t>Click to edit Master title style</a:t>
             </a:r>
             <a:endParaRPr lang="en-US" dirty="0"/>
@@ -1928,7 +1932,7 @@
           <a:p>
             <a:pPr lvl="0"/>
             <a:r>
-              <a:rPr lang="en-US" smtClean="0"/>
+              <a:rPr lang="en-US"/>
               <a:t>Click to edit Master text styles</a:t>
             </a:r>
           </a:p>
@@ -1951,7 +1955,7 @@
           <a:p>
             <a:fld id="{B9631ECC-CD42-4DF8-BF30-7048DD08762F}" type="datetimeFigureOut">
               <a:rPr lang="en-US" smtClean="0"/>
-              <a:t>8/4/2019</a:t>
+              <a:t>8/13/2019</a:t>
             </a:fld>
             <a:endParaRPr lang="en-US"/>
           </a:p>
@@ -2050,7 +2054,7 @@
           <a:lstStyle/>
           <a:p>
             <a:r>
-              <a:rPr lang="en-US" smtClean="0"/>
+              <a:rPr lang="en-US"/>
               <a:t>Click to edit Master title style</a:t>
             </a:r>
             <a:endParaRPr lang="en-US" dirty="0"/>
@@ -2145,7 +2149,7 @@
           <a:p>
             <a:pPr lvl="0"/>
             <a:r>
-              <a:rPr lang="en-US" smtClean="0"/>
+              <a:rPr lang="en-US"/>
               <a:t>Click to edit Master text styles</a:t>
             </a:r>
           </a:p>
@@ -2212,7 +2216,7 @@
           <a:p>
             <a:pPr lvl="0"/>
             <a:r>
-              <a:rPr lang="en-US" smtClean="0"/>
+              <a:rPr lang="en-US"/>
               <a:t>Click to edit Master text styles</a:t>
             </a:r>
           </a:p>
@@ -2276,7 +2280,7 @@
               <a:buNone/>
             </a:pPr>
             <a:r>
-              <a:rPr lang="en-US" smtClean="0"/>
+              <a:rPr lang="en-US"/>
               <a:t>Click to edit Master text styles</a:t>
             </a:r>
           </a:p>
@@ -2343,7 +2347,7 @@
           <a:p>
             <a:pPr lvl="0"/>
             <a:r>
-              <a:rPr lang="en-US" smtClean="0"/>
+              <a:rPr lang="en-US"/>
               <a:t>Click to edit Master text styles</a:t>
             </a:r>
           </a:p>
@@ -2407,7 +2411,7 @@
               <a:buNone/>
             </a:pPr>
             <a:r>
-              <a:rPr lang="en-US" smtClean="0"/>
+              <a:rPr lang="en-US"/>
               <a:t>Click to edit Master text styles</a:t>
             </a:r>
           </a:p>
@@ -2474,7 +2478,7 @@
           <a:p>
             <a:pPr lvl="0"/>
             <a:r>
-              <a:rPr lang="en-US" smtClean="0"/>
+              <a:rPr lang="en-US"/>
               <a:t>Click to edit Master text styles</a:t>
             </a:r>
           </a:p>
@@ -2497,7 +2501,7 @@
           <a:p>
             <a:fld id="{B9631ECC-CD42-4DF8-BF30-7048DD08762F}" type="datetimeFigureOut">
               <a:rPr lang="en-US" smtClean="0"/>
-              <a:t>8/4/2019</a:t>
+              <a:t>8/13/2019</a:t>
             </a:fld>
             <a:endParaRPr lang="en-US"/>
           </a:p>
@@ -2596,7 +2600,7 @@
           <a:lstStyle/>
           <a:p>
             <a:r>
-              <a:rPr lang="en-US" smtClean="0"/>
+              <a:rPr lang="en-US"/>
               <a:t>Click to edit Master title style</a:t>
             </a:r>
             <a:endParaRPr lang="en-US" dirty="0"/>
@@ -2687,7 +2691,7 @@
           <a:p>
             <a:pPr lvl="0"/>
             <a:r>
-              <a:rPr lang="en-US" smtClean="0"/>
+              <a:rPr lang="en-US"/>
               <a:t>Click to edit Master text styles</a:t>
             </a:r>
           </a:p>
@@ -2765,7 +2769,7 @@
           </a:lstStyle>
           <a:p>
             <a:r>
-              <a:rPr lang="en-US" smtClean="0"/>
+              <a:rPr lang="en-US"/>
               <a:t>Click icon to add picture</a:t>
             </a:r>
             <a:endParaRPr lang="en-US" dirty="0"/>
@@ -2833,7 +2837,7 @@
           <a:p>
             <a:pPr lvl="0"/>
             <a:r>
-              <a:rPr lang="en-US" smtClean="0"/>
+              <a:rPr lang="en-US"/>
               <a:t>Click to edit Master text styles</a:t>
             </a:r>
           </a:p>
@@ -2923,7 +2927,7 @@
           <a:p>
             <a:pPr lvl="0"/>
             <a:r>
-              <a:rPr lang="en-US" smtClean="0"/>
+              <a:rPr lang="en-US"/>
               <a:t>Click to edit Master text styles</a:t>
             </a:r>
           </a:p>
@@ -3001,7 +3005,7 @@
           </a:lstStyle>
           <a:p>
             <a:r>
-              <a:rPr lang="en-US" smtClean="0"/>
+              <a:rPr lang="en-US"/>
               <a:t>Click icon to add picture</a:t>
             </a:r>
             <a:endParaRPr lang="en-US" dirty="0"/>
@@ -3069,7 +3073,7 @@
           <a:p>
             <a:pPr lvl="0"/>
             <a:r>
-              <a:rPr lang="en-US" smtClean="0"/>
+              <a:rPr lang="en-US"/>
               <a:t>Click to edit Master text styles</a:t>
             </a:r>
           </a:p>
@@ -3159,7 +3163,7 @@
           <a:p>
             <a:pPr lvl="0"/>
             <a:r>
-              <a:rPr lang="en-US" smtClean="0"/>
+              <a:rPr lang="en-US"/>
               <a:t>Click to edit Master text styles</a:t>
             </a:r>
           </a:p>
@@ -3237,7 +3241,7 @@
           </a:lstStyle>
           <a:p>
             <a:r>
-              <a:rPr lang="en-US" smtClean="0"/>
+              <a:rPr lang="en-US"/>
               <a:t>Click icon to add picture</a:t>
             </a:r>
             <a:endParaRPr lang="en-US" dirty="0"/>
@@ -3305,7 +3309,7 @@
           <a:p>
             <a:pPr lvl="0"/>
             <a:r>
-              <a:rPr lang="en-US" smtClean="0"/>
+              <a:rPr lang="en-US"/>
               <a:t>Click to edit Master text styles</a:t>
             </a:r>
           </a:p>
@@ -3328,7 +3332,7 @@
           <a:p>
             <a:fld id="{B9631ECC-CD42-4DF8-BF30-7048DD08762F}" type="datetimeFigureOut">
               <a:rPr lang="en-US" smtClean="0"/>
-              <a:t>8/4/2019</a:t>
+              <a:t>8/13/2019</a:t>
             </a:fld>
             <a:endParaRPr lang="en-US"/>
           </a:p>
@@ -3422,7 +3426,7 @@
           <a:lstStyle/>
           <a:p>
             <a:r>
-              <a:rPr lang="en-US" smtClean="0"/>
+              <a:rPr lang="en-US"/>
               <a:t>Click to edit Master title style</a:t>
             </a:r>
             <a:endParaRPr lang="en-US" dirty="0"/>
@@ -3446,35 +3450,35 @@
           <a:p>
             <a:pPr lvl="0"/>
             <a:r>
-              <a:rPr lang="en-US" smtClean="0"/>
+              <a:rPr lang="en-US"/>
               <a:t>Click to edit Master text styles</a:t>
             </a:r>
           </a:p>
           <a:p>
             <a:pPr lvl="1"/>
             <a:r>
-              <a:rPr lang="en-US" smtClean="0"/>
+              <a:rPr lang="en-US"/>
               <a:t>Second level</a:t>
             </a:r>
           </a:p>
           <a:p>
             <a:pPr lvl="2"/>
             <a:r>
-              <a:rPr lang="en-US" smtClean="0"/>
+              <a:rPr lang="en-US"/>
               <a:t>Third level</a:t>
             </a:r>
           </a:p>
           <a:p>
             <a:pPr lvl="3"/>
             <a:r>
-              <a:rPr lang="en-US" smtClean="0"/>
+              <a:rPr lang="en-US"/>
               <a:t>Fourth level</a:t>
             </a:r>
           </a:p>
           <a:p>
             <a:pPr lvl="4"/>
             <a:r>
-              <a:rPr lang="en-US" smtClean="0"/>
+              <a:rPr lang="en-US"/>
               <a:t>Fifth level</a:t>
             </a:r>
             <a:endParaRPr lang="en-US" dirty="0"/>
@@ -3498,7 +3502,7 @@
           <a:p>
             <a:fld id="{B9631ECC-CD42-4DF8-BF30-7048DD08762F}" type="datetimeFigureOut">
               <a:rPr lang="en-US" smtClean="0"/>
-              <a:t>8/4/2019</a:t>
+              <a:t>8/13/2019</a:t>
             </a:fld>
             <a:endParaRPr lang="en-US"/>
           </a:p>
@@ -3597,7 +3601,7 @@
           <a:lstStyle/>
           <a:p>
             <a:r>
-              <a:rPr lang="en-US" smtClean="0"/>
+              <a:rPr lang="en-US"/>
               <a:t>Click to edit Master title style</a:t>
             </a:r>
             <a:endParaRPr lang="en-US" dirty="0"/>
@@ -3626,35 +3630,35 @@
           <a:p>
             <a:pPr lvl="0"/>
             <a:r>
-              <a:rPr lang="en-US" smtClean="0"/>
+              <a:rPr lang="en-US"/>
               <a:t>Click to edit Master text styles</a:t>
             </a:r>
           </a:p>
           <a:p>
             <a:pPr lvl="1"/>
             <a:r>
-              <a:rPr lang="en-US" smtClean="0"/>
+              <a:rPr lang="en-US"/>
               <a:t>Second level</a:t>
             </a:r>
           </a:p>
           <a:p>
             <a:pPr lvl="2"/>
             <a:r>
-              <a:rPr lang="en-US" smtClean="0"/>
+              <a:rPr lang="en-US"/>
               <a:t>Third level</a:t>
             </a:r>
           </a:p>
           <a:p>
             <a:pPr lvl="3"/>
             <a:r>
-              <a:rPr lang="en-US" smtClean="0"/>
+              <a:rPr lang="en-US"/>
               <a:t>Fourth level</a:t>
             </a:r>
           </a:p>
           <a:p>
             <a:pPr lvl="4"/>
             <a:r>
-              <a:rPr lang="en-US" smtClean="0"/>
+              <a:rPr lang="en-US"/>
               <a:t>Fifth level</a:t>
             </a:r>
             <a:endParaRPr lang="en-US" dirty="0"/>
@@ -3678,7 +3682,7 @@
           <a:p>
             <a:fld id="{B9631ECC-CD42-4DF8-BF30-7048DD08762F}" type="datetimeFigureOut">
               <a:rPr lang="en-US" smtClean="0"/>
-              <a:t>8/4/2019</a:t>
+              <a:t>8/13/2019</a:t>
             </a:fld>
             <a:endParaRPr lang="en-US"/>
           </a:p>
@@ -3777,7 +3781,7 @@
           <a:lstStyle/>
           <a:p>
             <a:r>
-              <a:rPr lang="en-US" smtClean="0"/>
+              <a:rPr lang="en-US"/>
               <a:t>Click to edit Master title style</a:t>
             </a:r>
             <a:endParaRPr lang="en-US" dirty="0"/>
@@ -3801,35 +3805,35 @@
           <a:p>
             <a:pPr lvl="0"/>
             <a:r>
-              <a:rPr lang="en-US" smtClean="0"/>
+              <a:rPr lang="en-US"/>
               <a:t>Click to edit Master text styles</a:t>
             </a:r>
           </a:p>
           <a:p>
             <a:pPr lvl="1"/>
             <a:r>
-              <a:rPr lang="en-US" smtClean="0"/>
+              <a:rPr lang="en-US"/>
               <a:t>Second level</a:t>
             </a:r>
           </a:p>
           <a:p>
             <a:pPr lvl="2"/>
             <a:r>
-              <a:rPr lang="en-US" smtClean="0"/>
+              <a:rPr lang="en-US"/>
               <a:t>Third level</a:t>
             </a:r>
           </a:p>
           <a:p>
             <a:pPr lvl="3"/>
             <a:r>
-              <a:rPr lang="en-US" smtClean="0"/>
+              <a:rPr lang="en-US"/>
               <a:t>Fourth level</a:t>
             </a:r>
           </a:p>
           <a:p>
             <a:pPr lvl="4"/>
             <a:r>
-              <a:rPr lang="en-US" smtClean="0"/>
+              <a:rPr lang="en-US"/>
               <a:t>Fifth level</a:t>
             </a:r>
             <a:endParaRPr lang="en-US" dirty="0"/>
@@ -3853,7 +3857,7 @@
           <a:p>
             <a:fld id="{B9631ECC-CD42-4DF8-BF30-7048DD08762F}" type="datetimeFigureOut">
               <a:rPr lang="en-US" smtClean="0"/>
-              <a:t>8/4/2019</a:t>
+              <a:t>8/13/2019</a:t>
             </a:fld>
             <a:endParaRPr lang="en-US"/>
           </a:p>
@@ -3990,7 +3994,7 @@
           </a:lstStyle>
           <a:p>
             <a:r>
-              <a:rPr lang="en-US" smtClean="0"/>
+              <a:rPr lang="en-US"/>
               <a:t>Click to edit Master title style</a:t>
             </a:r>
             <a:endParaRPr lang="en-US" dirty="0"/>
@@ -4086,7 +4090,7 @@
           </a:lstStyle>
           <a:p>
             <a:r>
-              <a:rPr lang="en-US" smtClean="0"/>
+              <a:rPr lang="en-US"/>
               <a:t>Click to edit Master subtitle style</a:t>
             </a:r>
             <a:endParaRPr lang="en-US" dirty="0"/>
@@ -4110,7 +4114,7 @@
           <a:p>
             <a:fld id="{B9631ECC-CD42-4DF8-BF30-7048DD08762F}" type="datetimeFigureOut">
               <a:rPr lang="en-US" smtClean="0"/>
-              <a:t>8/4/2019</a:t>
+              <a:t>8/13/2019</a:t>
             </a:fld>
             <a:endParaRPr lang="en-US"/>
           </a:p>
@@ -4209,7 +4213,7 @@
           <a:lstStyle/>
           <a:p>
             <a:r>
-              <a:rPr lang="en-US" smtClean="0"/>
+              <a:rPr lang="en-US"/>
               <a:t>Click to edit Master title style</a:t>
             </a:r>
             <a:endParaRPr lang="en-US" dirty="0"/>
@@ -4238,35 +4242,35 @@
           <a:p>
             <a:pPr lvl="0"/>
             <a:r>
-              <a:rPr lang="en-US" smtClean="0"/>
+              <a:rPr lang="en-US"/>
               <a:t>Click to edit Master text styles</a:t>
             </a:r>
           </a:p>
           <a:p>
             <a:pPr lvl="1"/>
             <a:r>
-              <a:rPr lang="en-US" smtClean="0"/>
+              <a:rPr lang="en-US"/>
               <a:t>Second level</a:t>
             </a:r>
           </a:p>
           <a:p>
             <a:pPr lvl="2"/>
             <a:r>
-              <a:rPr lang="en-US" smtClean="0"/>
+              <a:rPr lang="en-US"/>
               <a:t>Third level</a:t>
             </a:r>
           </a:p>
           <a:p>
             <a:pPr lvl="3"/>
             <a:r>
-              <a:rPr lang="en-US" smtClean="0"/>
+              <a:rPr lang="en-US"/>
               <a:t>Fourth level</a:t>
             </a:r>
           </a:p>
           <a:p>
             <a:pPr lvl="4"/>
             <a:r>
-              <a:rPr lang="en-US" smtClean="0"/>
+              <a:rPr lang="en-US"/>
               <a:t>Fifth level</a:t>
             </a:r>
             <a:endParaRPr lang="en-US" dirty="0"/>
@@ -4295,35 +4299,35 @@
           <a:p>
             <a:pPr lvl="0"/>
             <a:r>
-              <a:rPr lang="en-US" smtClean="0"/>
+              <a:rPr lang="en-US"/>
               <a:t>Click to edit Master text styles</a:t>
             </a:r>
           </a:p>
           <a:p>
             <a:pPr lvl="1"/>
             <a:r>
-              <a:rPr lang="en-US" smtClean="0"/>
+              <a:rPr lang="en-US"/>
               <a:t>Second level</a:t>
             </a:r>
           </a:p>
           <a:p>
             <a:pPr lvl="2"/>
             <a:r>
-              <a:rPr lang="en-US" smtClean="0"/>
+              <a:rPr lang="en-US"/>
               <a:t>Third level</a:t>
             </a:r>
           </a:p>
           <a:p>
             <a:pPr lvl="3"/>
             <a:r>
-              <a:rPr lang="en-US" smtClean="0"/>
+              <a:rPr lang="en-US"/>
               <a:t>Fourth level</a:t>
             </a:r>
           </a:p>
           <a:p>
             <a:pPr lvl="4"/>
             <a:r>
-              <a:rPr lang="en-US" smtClean="0"/>
+              <a:rPr lang="en-US"/>
               <a:t>Fifth level</a:t>
             </a:r>
             <a:endParaRPr lang="en-US" dirty="0"/>
@@ -4347,7 +4351,7 @@
           <a:p>
             <a:fld id="{B9631ECC-CD42-4DF8-BF30-7048DD08762F}" type="datetimeFigureOut">
               <a:rPr lang="en-US" smtClean="0"/>
-              <a:t>8/4/2019</a:t>
+              <a:t>8/13/2019</a:t>
             </a:fld>
             <a:endParaRPr lang="en-US"/>
           </a:p>
@@ -4446,7 +4450,7 @@
           <a:lstStyle/>
           <a:p>
             <a:r>
-              <a:rPr lang="en-US" smtClean="0"/>
+              <a:rPr lang="en-US"/>
               <a:t>Click to edit Master title style</a:t>
             </a:r>
             <a:endParaRPr lang="en-US" dirty="0"/>
@@ -4539,7 +4543,7 @@
           <a:p>
             <a:pPr lvl="0"/>
             <a:r>
-              <a:rPr lang="en-US" smtClean="0"/>
+              <a:rPr lang="en-US"/>
               <a:t>Click to edit Master text styles</a:t>
             </a:r>
           </a:p>
@@ -4567,35 +4571,35 @@
           <a:p>
             <a:pPr lvl="0"/>
             <a:r>
-              <a:rPr lang="en-US" smtClean="0"/>
+              <a:rPr lang="en-US"/>
               <a:t>Click to edit Master text styles</a:t>
             </a:r>
           </a:p>
           <a:p>
             <a:pPr lvl="1"/>
             <a:r>
-              <a:rPr lang="en-US" smtClean="0"/>
+              <a:rPr lang="en-US"/>
               <a:t>Second level</a:t>
             </a:r>
           </a:p>
           <a:p>
             <a:pPr lvl="2"/>
             <a:r>
-              <a:rPr lang="en-US" smtClean="0"/>
+              <a:rPr lang="en-US"/>
               <a:t>Third level</a:t>
             </a:r>
           </a:p>
           <a:p>
             <a:pPr lvl="3"/>
             <a:r>
-              <a:rPr lang="en-US" smtClean="0"/>
+              <a:rPr lang="en-US"/>
               <a:t>Fourth level</a:t>
             </a:r>
           </a:p>
           <a:p>
             <a:pPr lvl="4"/>
             <a:r>
-              <a:rPr lang="en-US" smtClean="0"/>
+              <a:rPr lang="en-US"/>
               <a:t>Fifth level</a:t>
             </a:r>
             <a:endParaRPr lang="en-US" dirty="0"/>
@@ -4660,7 +4664,7 @@
               <a:buNone/>
             </a:pPr>
             <a:r>
-              <a:rPr lang="en-US" smtClean="0"/>
+              <a:rPr lang="en-US"/>
               <a:t>Click to edit Master text styles</a:t>
             </a:r>
           </a:p>
@@ -4688,35 +4692,35 @@
           <a:p>
             <a:pPr lvl="0"/>
             <a:r>
-              <a:rPr lang="en-US" smtClean="0"/>
+              <a:rPr lang="en-US"/>
               <a:t>Click to edit Master text styles</a:t>
             </a:r>
           </a:p>
           <a:p>
             <a:pPr lvl="1"/>
             <a:r>
-              <a:rPr lang="en-US" smtClean="0"/>
+              <a:rPr lang="en-US"/>
               <a:t>Second level</a:t>
             </a:r>
           </a:p>
           <a:p>
             <a:pPr lvl="2"/>
             <a:r>
-              <a:rPr lang="en-US" smtClean="0"/>
+              <a:rPr lang="en-US"/>
               <a:t>Third level</a:t>
             </a:r>
           </a:p>
           <a:p>
             <a:pPr lvl="3"/>
             <a:r>
-              <a:rPr lang="en-US" smtClean="0"/>
+              <a:rPr lang="en-US"/>
               <a:t>Fourth level</a:t>
             </a:r>
           </a:p>
           <a:p>
             <a:pPr lvl="4"/>
             <a:r>
-              <a:rPr lang="en-US" smtClean="0"/>
+              <a:rPr lang="en-US"/>
               <a:t>Fifth level</a:t>
             </a:r>
             <a:endParaRPr lang="en-US" dirty="0"/>
@@ -4740,7 +4744,7 @@
           <a:p>
             <a:fld id="{B9631ECC-CD42-4DF8-BF30-7048DD08762F}" type="datetimeFigureOut">
               <a:rPr lang="en-US" smtClean="0"/>
-              <a:t>8/4/2019</a:t>
+              <a:t>8/13/2019</a:t>
             </a:fld>
             <a:endParaRPr lang="en-US"/>
           </a:p>
@@ -4834,7 +4838,7 @@
           <a:lstStyle/>
           <a:p>
             <a:r>
-              <a:rPr lang="en-US" smtClean="0"/>
+              <a:rPr lang="en-US"/>
               <a:t>Click to edit Master title style</a:t>
             </a:r>
             <a:endParaRPr lang="en-US" dirty="0"/>
@@ -4858,7 +4862,7 @@
           <a:p>
             <a:fld id="{B9631ECC-CD42-4DF8-BF30-7048DD08762F}" type="datetimeFigureOut">
               <a:rPr lang="en-US" smtClean="0"/>
-              <a:t>8/4/2019</a:t>
+              <a:t>8/13/2019</a:t>
             </a:fld>
             <a:endParaRPr lang="en-US"/>
           </a:p>
@@ -4953,7 +4957,7 @@
           <a:p>
             <a:fld id="{B9631ECC-CD42-4DF8-BF30-7048DD08762F}" type="datetimeFigureOut">
               <a:rPr lang="en-US" smtClean="0"/>
-              <a:t>8/4/2019</a:t>
+              <a:t>8/13/2019</a:t>
             </a:fld>
             <a:endParaRPr lang="en-US"/>
           </a:p>
@@ -5056,7 +5060,7 @@
           </a:lstStyle>
           <a:p>
             <a:r>
-              <a:rPr lang="en-US" smtClean="0"/>
+              <a:rPr lang="en-US"/>
               <a:t>Click to edit Master title style</a:t>
             </a:r>
             <a:endParaRPr lang="en-US" dirty="0"/>
@@ -5085,35 +5089,35 @@
           <a:p>
             <a:pPr lvl="0"/>
             <a:r>
-              <a:rPr lang="en-US" smtClean="0"/>
+              <a:rPr lang="en-US"/>
               <a:t>Click to edit Master text styles</a:t>
             </a:r>
           </a:p>
           <a:p>
             <a:pPr lvl="1"/>
             <a:r>
-              <a:rPr lang="en-US" smtClean="0"/>
+              <a:rPr lang="en-US"/>
               <a:t>Second level</a:t>
             </a:r>
           </a:p>
           <a:p>
             <a:pPr lvl="2"/>
             <a:r>
-              <a:rPr lang="en-US" smtClean="0"/>
+              <a:rPr lang="en-US"/>
               <a:t>Third level</a:t>
             </a:r>
           </a:p>
           <a:p>
             <a:pPr lvl="3"/>
             <a:r>
-              <a:rPr lang="en-US" smtClean="0"/>
+              <a:rPr lang="en-US"/>
               <a:t>Fourth level</a:t>
             </a:r>
           </a:p>
           <a:p>
             <a:pPr lvl="4"/>
             <a:r>
-              <a:rPr lang="en-US" smtClean="0"/>
+              <a:rPr lang="en-US"/>
               <a:t>Fifth level</a:t>
             </a:r>
             <a:endParaRPr lang="en-US" dirty="0"/>
@@ -5203,7 +5207,7 @@
           <a:p>
             <a:pPr lvl="0"/>
             <a:r>
-              <a:rPr lang="en-US" smtClean="0"/>
+              <a:rPr lang="en-US"/>
               <a:t>Click to edit Master text styles</a:t>
             </a:r>
           </a:p>
@@ -5226,7 +5230,7 @@
           <a:p>
             <a:fld id="{B9631ECC-CD42-4DF8-BF30-7048DD08762F}" type="datetimeFigureOut">
               <a:rPr lang="en-US" smtClean="0"/>
-              <a:t>8/4/2019</a:t>
+              <a:t>8/13/2019</a:t>
             </a:fld>
             <a:endParaRPr lang="en-US"/>
           </a:p>
@@ -5329,7 +5333,7 @@
           </a:lstStyle>
           <a:p>
             <a:r>
-              <a:rPr lang="en-US" smtClean="0"/>
+              <a:rPr lang="en-US"/>
               <a:t>Click to edit Master title style</a:t>
             </a:r>
             <a:endParaRPr lang="en-US" dirty="0"/>
@@ -5394,7 +5398,7 @@
           </a:lstStyle>
           <a:p>
             <a:r>
-              <a:rPr lang="en-US" smtClean="0"/>
+              <a:rPr lang="en-US"/>
               <a:t>Click icon to add picture</a:t>
             </a:r>
             <a:endParaRPr lang="en-US" dirty="0"/>
@@ -5484,7 +5488,7 @@
           <a:p>
             <a:pPr lvl="0"/>
             <a:r>
-              <a:rPr lang="en-US" smtClean="0"/>
+              <a:rPr lang="en-US"/>
               <a:t>Click to edit Master text styles</a:t>
             </a:r>
           </a:p>
@@ -5507,7 +5511,7 @@
           <a:p>
             <a:fld id="{B9631ECC-CD42-4DF8-BF30-7048DD08762F}" type="datetimeFigureOut">
               <a:rPr lang="en-US" smtClean="0"/>
-              <a:t>8/4/2019</a:t>
+              <a:t>8/13/2019</a:t>
             </a:fld>
             <a:endParaRPr lang="en-US"/>
           </a:p>
@@ -5625,7 +5629,7 @@
           <a:lstStyle/>
           <a:p>
             <a:r>
-              <a:rPr lang="en-US" smtClean="0"/>
+              <a:rPr lang="en-US"/>
               <a:t>Click to edit Master title style</a:t>
             </a:r>
             <a:endParaRPr lang="en-US" dirty="0"/>
@@ -5659,35 +5663,35 @@
           <a:p>
             <a:pPr lvl="0"/>
             <a:r>
-              <a:rPr lang="en-US" smtClean="0"/>
+              <a:rPr lang="en-US"/>
               <a:t>Click to edit Master text styles</a:t>
             </a:r>
           </a:p>
           <a:p>
             <a:pPr lvl="1"/>
             <a:r>
-              <a:rPr lang="en-US" smtClean="0"/>
+              <a:rPr lang="en-US"/>
               <a:t>Second level</a:t>
             </a:r>
           </a:p>
           <a:p>
             <a:pPr lvl="2"/>
             <a:r>
-              <a:rPr lang="en-US" smtClean="0"/>
+              <a:rPr lang="en-US"/>
               <a:t>Third level</a:t>
             </a:r>
           </a:p>
           <a:p>
             <a:pPr lvl="3"/>
             <a:r>
-              <a:rPr lang="en-US" smtClean="0"/>
+              <a:rPr lang="en-US"/>
               <a:t>Fourth level</a:t>
             </a:r>
           </a:p>
           <a:p>
             <a:pPr lvl="4"/>
             <a:r>
-              <a:rPr lang="en-US" smtClean="0"/>
+              <a:rPr lang="en-US"/>
               <a:t>Fifth level</a:t>
             </a:r>
             <a:endParaRPr lang="en-US" dirty="0"/>
@@ -5747,7 +5751,7 @@
           <a:p>
             <a:fld id="{B9631ECC-CD42-4DF8-BF30-7048DD08762F}" type="datetimeFigureOut">
               <a:rPr lang="en-US" smtClean="0"/>
-              <a:t>8/4/2019</a:t>
+              <a:t>8/13/2019</a:t>
             </a:fld>
             <a:endParaRPr lang="en-US"/>
           </a:p>
@@ -6332,7 +6336,7 @@
           <a:lstStyle/>
           <a:p>
             <a:r>
-              <a:rPr lang="nl-NL" sz="6000" dirty="0" smtClean="0">
+              <a:rPr lang="nl-NL" sz="6000" dirty="0">
                 <a:latin typeface="Times New Roman" panose="02020603050405020304" pitchFamily="18" charset="0"/>
                 <a:cs typeface="Times New Roman" panose="02020603050405020304" pitchFamily="18" charset="0"/>
               </a:rPr>
@@ -6362,7 +6366,7 @@
           <a:p>
             <a:pPr algn="r"/>
             <a:r>
-              <a:rPr lang="nl-NL" dirty="0" smtClean="0">
+              <a:rPr lang="nl-NL" dirty="0">
                 <a:latin typeface="Times New Roman" panose="02020603050405020304" pitchFamily="18" charset="0"/>
                 <a:cs typeface="Times New Roman" panose="02020603050405020304" pitchFamily="18" charset="0"/>
               </a:rPr>
@@ -6385,13 +6389,6 @@
   <p:clrMapOvr>
     <a:masterClrMapping/>
   </p:clrMapOvr>
-  <p:timing>
-    <p:tnLst>
-      <p:par>
-        <p:cTn id="1" dur="indefinite" restart="never" nodeType="tmRoot"/>
-      </p:par>
-    </p:tnLst>
-  </p:timing>
 </p:sld>
 </file>
 
@@ -6429,13 +6426,6 @@
           </a:bodyPr>
           <a:lstStyle/>
           <a:p>
-            <a:r>
-              <a:rPr lang="nl-NL" sz="5500" dirty="0">
-                <a:latin typeface="Times New Roman" panose="02020603050405020304" pitchFamily="18" charset="0"/>
-                <a:cs typeface="Times New Roman" panose="02020603050405020304" pitchFamily="18" charset="0"/>
-              </a:rPr>
-              <a:t/>
-            </a:r>
             <a:br>
               <a:rPr lang="nl-NL" sz="5500" dirty="0">
                 <a:latin typeface="Times New Roman" panose="02020603050405020304" pitchFamily="18" charset="0"/>
@@ -6443,14 +6433,14 @@
               </a:rPr>
             </a:br>
             <a:r>
-              <a:rPr lang="nl-NL" sz="5500" dirty="0" smtClean="0">
+              <a:rPr lang="nl-NL" sz="5500" dirty="0">
                 <a:latin typeface="Times New Roman" panose="02020603050405020304" pitchFamily="18" charset="0"/>
                 <a:cs typeface="Times New Roman" panose="02020603050405020304" pitchFamily="18" charset="0"/>
               </a:rPr>
               <a:t>MergeMap</a:t>
             </a:r>
             <a:br>
-              <a:rPr lang="nl-NL" sz="5500" dirty="0" smtClean="0">
+              <a:rPr lang="nl-NL" sz="5500" dirty="0">
                 <a:latin typeface="Times New Roman" panose="02020603050405020304" pitchFamily="18" charset="0"/>
                 <a:cs typeface="Times New Roman" panose="02020603050405020304" pitchFamily="18" charset="0"/>
               </a:rPr>
@@ -6479,30 +6469,16 @@
                 <a:latin typeface="Times New Roman" panose="02020603050405020304" pitchFamily="18" charset="0"/>
                 <a:cs typeface="Times New Roman" panose="02020603050405020304" pitchFamily="18" charset="0"/>
               </a:rPr>
-              <a:t>This operator is best used when you wish to flatten an inner </a:t>
-            </a:r>
-            <a:r>
-              <a:rPr lang="en-US" dirty="0" smtClean="0">
-                <a:latin typeface="Times New Roman" panose="02020603050405020304" pitchFamily="18" charset="0"/>
-                <a:cs typeface="Times New Roman" panose="02020603050405020304" pitchFamily="18" charset="0"/>
-              </a:rPr>
-              <a:t>observable.</a:t>
-            </a:r>
-          </a:p>
-          <a:p>
-            <a:r>
-              <a:rPr lang="en-US" dirty="0" smtClean="0">
-                <a:latin typeface="Times New Roman" panose="02020603050405020304" pitchFamily="18" charset="0"/>
-                <a:cs typeface="Times New Roman" panose="02020603050405020304" pitchFamily="18" charset="0"/>
-              </a:rPr>
-              <a:t>When </a:t>
-            </a:r>
+              <a:t>This operator is best used when you wish to flatten an inner observable.</a:t>
+            </a:r>
+          </a:p>
+          <a:p>
             <a:r>
               <a:rPr lang="en-US" dirty="0">
                 <a:latin typeface="Times New Roman" panose="02020603050405020304" pitchFamily="18" charset="0"/>
                 <a:cs typeface="Times New Roman" panose="02020603050405020304" pitchFamily="18" charset="0"/>
               </a:rPr>
-              <a:t>using </a:t>
+              <a:t>When using </a:t>
             </a:r>
             <a:r>
               <a:rPr lang="en-US" dirty="0" err="1">
@@ -6516,30 +6492,16 @@
                 <a:latin typeface="Times New Roman" panose="02020603050405020304" pitchFamily="18" charset="0"/>
                 <a:cs typeface="Times New Roman" panose="02020603050405020304" pitchFamily="18" charset="0"/>
               </a:rPr>
-              <a:t> each inner subscription is completed when the source emits, allowing only one active inner subscription</a:t>
-            </a:r>
-            <a:r>
-              <a:rPr lang="en-US" dirty="0" smtClean="0">
-                <a:latin typeface="Times New Roman" panose="02020603050405020304" pitchFamily="18" charset="0"/>
-                <a:cs typeface="Times New Roman" panose="02020603050405020304" pitchFamily="18" charset="0"/>
-              </a:rPr>
-              <a:t>.</a:t>
-            </a:r>
-          </a:p>
-          <a:p>
-            <a:r>
-              <a:rPr lang="en-US" dirty="0" smtClean="0">
-                <a:latin typeface="Times New Roman" panose="02020603050405020304" pitchFamily="18" charset="0"/>
-                <a:cs typeface="Times New Roman" panose="02020603050405020304" pitchFamily="18" charset="0"/>
-              </a:rPr>
-              <a:t>In </a:t>
-            </a:r>
+              <a:t> each inner subscription is completed when the source emits, allowing only one active inner subscription.</a:t>
+            </a:r>
+          </a:p>
+          <a:p>
             <a:r>
               <a:rPr lang="en-US" dirty="0">
                 <a:latin typeface="Times New Roman" panose="02020603050405020304" pitchFamily="18" charset="0"/>
                 <a:cs typeface="Times New Roman" panose="02020603050405020304" pitchFamily="18" charset="0"/>
               </a:rPr>
-              <a:t>contrast, </a:t>
+              <a:t>In contrast, </a:t>
             </a:r>
             <a:r>
               <a:rPr lang="en-US" dirty="0" err="1">
@@ -6553,14 +6515,7 @@
                 <a:latin typeface="Times New Roman" panose="02020603050405020304" pitchFamily="18" charset="0"/>
                 <a:cs typeface="Times New Roman" panose="02020603050405020304" pitchFamily="18" charset="0"/>
               </a:rPr>
-              <a:t> allows for multiple inner subscriptions to be active at a </a:t>
-            </a:r>
-            <a:r>
-              <a:rPr lang="en-US" dirty="0" smtClean="0">
-                <a:latin typeface="Times New Roman" panose="02020603050405020304" pitchFamily="18" charset="0"/>
-                <a:cs typeface="Times New Roman" panose="02020603050405020304" pitchFamily="18" charset="0"/>
-              </a:rPr>
-              <a:t>time</a:t>
+              <a:t> allows for multiple inner subscriptions to be active at a time</a:t>
             </a:r>
           </a:p>
           <a:p>
@@ -6589,13 +6544,6 @@
   <p:clrMapOvr>
     <a:masterClrMapping/>
   </p:clrMapOvr>
-  <p:timing>
-    <p:tnLst>
-      <p:par>
-        <p:cTn id="1" dur="indefinite" restart="never" nodeType="tmRoot"/>
-      </p:par>
-    </p:tnLst>
-  </p:timing>
 </p:sld>
 </file>
 
@@ -6633,13 +6581,6 @@
           </a:bodyPr>
           <a:lstStyle/>
           <a:p>
-            <a:r>
-              <a:rPr lang="nl-NL" dirty="0">
-                <a:latin typeface="Times New Roman" panose="02020603050405020304" pitchFamily="18" charset="0"/>
-                <a:cs typeface="Times New Roman" panose="02020603050405020304" pitchFamily="18" charset="0"/>
-              </a:rPr>
-              <a:t/>
-            </a:r>
             <a:br>
               <a:rPr lang="nl-NL" dirty="0">
                 <a:latin typeface="Times New Roman" panose="02020603050405020304" pitchFamily="18" charset="0"/>
@@ -6812,7 +6753,7 @@
               </a:rPr>
               <a:t> will wait for it to complete, before getting a new inner streams on following source emissions</a:t>
             </a:r>
-            <a:endParaRPr lang="en-US" dirty="0" smtClean="0">
+            <a:endParaRPr lang="en-US" dirty="0">
               <a:latin typeface="Times New Roman" panose="02020603050405020304" pitchFamily="18" charset="0"/>
               <a:cs typeface="Times New Roman" panose="02020603050405020304" pitchFamily="18" charset="0"/>
               <a:hlinkClick r:id="rId2"/>
@@ -6820,20 +6761,12 @@
           </a:p>
           <a:p>
             <a:r>
-              <a:rPr lang="en-US" dirty="0" smtClean="0">
+              <a:rPr lang="en-US" dirty="0">
                 <a:latin typeface="Times New Roman" panose="02020603050405020304" pitchFamily="18" charset="0"/>
                 <a:cs typeface="Times New Roman" panose="02020603050405020304" pitchFamily="18" charset="0"/>
                 <a:hlinkClick r:id="rId2"/>
               </a:rPr>
-              <a:t>https</a:t>
-            </a:r>
-            <a:r>
-              <a:rPr lang="en-US" dirty="0">
-                <a:latin typeface="Times New Roman" panose="02020603050405020304" pitchFamily="18" charset="0"/>
-                <a:cs typeface="Times New Roman" panose="02020603050405020304" pitchFamily="18" charset="0"/>
-                <a:hlinkClick r:id="rId2"/>
-              </a:rPr>
-              <a:t>://stackblitz.com/edit/typescript-rv9byk?file=index.ts&amp;devtoolsheight=100</a:t>
+              <a:t>https://stackblitz.com/edit/typescript-rv9byk?file=index.ts&amp;devtoolsheight=100</a:t>
             </a:r>
             <a:endParaRPr lang="en-US" dirty="0">
               <a:latin typeface="Times New Roman" panose="02020603050405020304" pitchFamily="18" charset="0"/>
@@ -6989,7 +6922,7 @@
           <a:lstStyle/>
           <a:p>
             <a:r>
-              <a:rPr lang="nl-NL" dirty="0" smtClean="0">
+              <a:rPr lang="nl-NL" dirty="0">
                 <a:latin typeface="Times New Roman" panose="02020603050405020304" pitchFamily="18" charset="0"/>
                 <a:cs typeface="Times New Roman" panose="02020603050405020304" pitchFamily="18" charset="0"/>
               </a:rPr>
@@ -7015,12 +6948,8 @@
           <a:lstStyle/>
           <a:p>
             <a:r>
-              <a:rPr lang="en-US" dirty="0" smtClean="0"/>
-              <a:t>There </a:t>
-            </a:r>
-            <a:r>
               <a:rPr lang="en-US" dirty="0"/>
-              <a:t>are other situations where what we want to do is to </a:t>
+              <a:t>There are other situations where what we want to do is to </a:t>
             </a:r>
             <a:r>
               <a:rPr lang="en-US" i="1" dirty="0"/>
@@ -7029,66 +6958,48 @@
             <a:r>
               <a:rPr lang="en-US" dirty="0"/>
               <a:t> new values in the source Observable until the previous value is completely processed.</a:t>
-            </a:r>
-            <a:endParaRPr lang="en-US" dirty="0" smtClean="0">
-              <a:latin typeface="Times New Roman" panose="02020603050405020304" pitchFamily="18" charset="0"/>
-              <a:cs typeface="Times New Roman" panose="02020603050405020304" pitchFamily="18" charset="0"/>
-            </a:endParaRPr>
-          </a:p>
-          <a:p>
-            <a:r>
-              <a:rPr lang="en-US" dirty="0" smtClean="0">
-                <a:latin typeface="Times New Roman" panose="02020603050405020304" pitchFamily="18" charset="0"/>
-                <a:cs typeface="Times New Roman" panose="02020603050405020304" pitchFamily="18" charset="0"/>
-              </a:rPr>
-              <a:t>When </a:t>
-            </a:r>
-            <a:r>
-              <a:rPr lang="en-US" dirty="0">
-                <a:latin typeface="Times New Roman" panose="02020603050405020304" pitchFamily="18" charset="0"/>
-                <a:cs typeface="Times New Roman" panose="02020603050405020304" pitchFamily="18" charset="0"/>
-              </a:rPr>
-              <a:t>source stream emits, </a:t>
-            </a:r>
-            <a:r>
-              <a:rPr lang="en-US" dirty="0" err="1">
-                <a:latin typeface="Times New Roman" panose="02020603050405020304" pitchFamily="18" charset="0"/>
-                <a:cs typeface="Times New Roman" panose="02020603050405020304" pitchFamily="18" charset="0"/>
-              </a:rPr>
-              <a:t>exhaustMap</a:t>
-            </a:r>
-            <a:r>
-              <a:rPr lang="en-US" dirty="0">
-                <a:latin typeface="Times New Roman" panose="02020603050405020304" pitchFamily="18" charset="0"/>
-                <a:cs typeface="Times New Roman" panose="02020603050405020304" pitchFamily="18" charset="0"/>
-              </a:rPr>
-              <a:t> will call inner function to get inner stream that it will switch to. Once switched to inner stream, </a:t>
-            </a:r>
-            <a:r>
-              <a:rPr lang="en-US" dirty="0" err="1">
-                <a:latin typeface="Times New Roman" panose="02020603050405020304" pitchFamily="18" charset="0"/>
-                <a:cs typeface="Times New Roman" panose="02020603050405020304" pitchFamily="18" charset="0"/>
-              </a:rPr>
-              <a:t>exhaustMap</a:t>
-            </a:r>
-            <a:r>
-              <a:rPr lang="en-US" dirty="0">
-                <a:latin typeface="Times New Roman" panose="02020603050405020304" pitchFamily="18" charset="0"/>
-                <a:cs typeface="Times New Roman" panose="02020603050405020304" pitchFamily="18" charset="0"/>
-              </a:rPr>
-              <a:t> will ignore values from source stream until inner stream </a:t>
-            </a:r>
-            <a:r>
-              <a:rPr lang="en-US" dirty="0" smtClean="0">
-                <a:latin typeface="Times New Roman" panose="02020603050405020304" pitchFamily="18" charset="0"/>
-                <a:cs typeface="Times New Roman" panose="02020603050405020304" pitchFamily="18" charset="0"/>
-              </a:rPr>
-              <a:t>completes</a:t>
             </a:r>
             <a:endParaRPr lang="en-US" dirty="0">
               <a:latin typeface="Times New Roman" panose="02020603050405020304" pitchFamily="18" charset="0"/>
               <a:cs typeface="Times New Roman" panose="02020603050405020304" pitchFamily="18" charset="0"/>
             </a:endParaRPr>
+          </a:p>
+          <a:p>
+            <a:r>
+              <a:rPr lang="en-US" dirty="0">
+                <a:latin typeface="Times New Roman" panose="02020603050405020304" pitchFamily="18" charset="0"/>
+                <a:cs typeface="Times New Roman" panose="02020603050405020304" pitchFamily="18" charset="0"/>
+              </a:rPr>
+              <a:t>When source stream emits, </a:t>
+            </a:r>
+            <a:r>
+              <a:rPr lang="en-US" dirty="0" err="1">
+                <a:latin typeface="Times New Roman" panose="02020603050405020304" pitchFamily="18" charset="0"/>
+                <a:cs typeface="Times New Roman" panose="02020603050405020304" pitchFamily="18" charset="0"/>
+              </a:rPr>
+              <a:t>exhaustMap</a:t>
+            </a:r>
+            <a:r>
+              <a:rPr lang="en-US" dirty="0">
+                <a:latin typeface="Times New Roman" panose="02020603050405020304" pitchFamily="18" charset="0"/>
+                <a:cs typeface="Times New Roman" panose="02020603050405020304" pitchFamily="18" charset="0"/>
+              </a:rPr>
+              <a:t> will call inner function to get inner stream that it will switch to. Once switched to inner stream, </a:t>
+            </a:r>
+            <a:r>
+              <a:rPr lang="en-US" dirty="0" err="1">
+                <a:latin typeface="Times New Roman" panose="02020603050405020304" pitchFamily="18" charset="0"/>
+                <a:cs typeface="Times New Roman" panose="02020603050405020304" pitchFamily="18" charset="0"/>
+              </a:rPr>
+              <a:t>exhaustMap</a:t>
+            </a:r>
+            <a:r>
+              <a:rPr lang="en-US" dirty="0">
+                <a:latin typeface="Times New Roman" panose="02020603050405020304" pitchFamily="18" charset="0"/>
+                <a:cs typeface="Times New Roman" panose="02020603050405020304" pitchFamily="18" charset="0"/>
+              </a:rPr>
+              <a:t> will ignore values from source stream until inner stream completes</a:t>
+            </a:r>
           </a:p>
         </p:txBody>
       </p:sp>
@@ -7102,13 +7013,6 @@
   <p:clrMapOvr>
     <a:masterClrMapping/>
   </p:clrMapOvr>
-  <p:timing>
-    <p:tnLst>
-      <p:par>
-        <p:cTn id="1" dur="indefinite" restart="never" nodeType="tmRoot"/>
-      </p:par>
-    </p:tnLst>
-  </p:timing>
 </p:sld>
 </file>
 
@@ -7244,10 +7148,9 @@
           <a:lstStyle/>
           <a:p>
             <a:r>
-              <a:rPr lang="en-US" dirty="0" smtClean="0"/>
+              <a:rPr lang="en-US" dirty="0"/>
               <a:t>Note</a:t>
             </a:r>
-            <a:endParaRPr lang="en-US" dirty="0"/>
           </a:p>
         </p:txBody>
       </p:sp>
@@ -7337,19 +7240,19 @@
           </a:p>
           <a:p>
             <a:r>
-              <a:rPr lang="en-US" dirty="0" err="1" smtClean="0"/>
+              <a:rPr lang="en-US" dirty="0" err="1"/>
               <a:t>concatMap</a:t>
             </a:r>
             <a:r>
-              <a:rPr lang="en-US" dirty="0" smtClean="0"/>
+              <a:rPr lang="en-US" dirty="0"/>
               <a:t> will wait for previous observable complete before execute next observable. In contrast </a:t>
             </a:r>
             <a:r>
-              <a:rPr lang="en-US" dirty="0" err="1" smtClean="0"/>
+              <a:rPr lang="en-US" dirty="0" err="1"/>
               <a:t>mergeMap</a:t>
             </a:r>
             <a:r>
-              <a:rPr lang="en-US" dirty="0" smtClean="0"/>
+              <a:rPr lang="en-US" dirty="0"/>
               <a:t> don’t</a:t>
             </a:r>
           </a:p>
@@ -7408,39 +7311,25 @@
           </a:bodyPr>
           <a:lstStyle/>
           <a:p>
-            <a:r>
-              <a:rPr lang="nl-NL" sz="5500" dirty="0" smtClean="0">
-                <a:latin typeface="Times New Roman" panose="02020603050405020304" pitchFamily="18" charset="0"/>
-                <a:cs typeface="Times New Roman" panose="02020603050405020304" pitchFamily="18" charset="0"/>
-              </a:rPr>
-              <a:t/>
-            </a:r>
-            <a:br>
-              <a:rPr lang="nl-NL" sz="5500" dirty="0" smtClean="0">
-                <a:latin typeface="Times New Roman" panose="02020603050405020304" pitchFamily="18" charset="0"/>
-                <a:cs typeface="Times New Roman" panose="02020603050405020304" pitchFamily="18" charset="0"/>
-              </a:rPr>
-            </a:br>
-            <a:r>
-              <a:rPr lang="nl-NL" sz="5500" dirty="0" smtClean="0">
-                <a:latin typeface="Times New Roman" panose="02020603050405020304" pitchFamily="18" charset="0"/>
-                <a:cs typeface="Times New Roman" panose="02020603050405020304" pitchFamily="18" charset="0"/>
-              </a:rPr>
-              <a:t>Pipe </a:t>
-            </a:r>
-            <a:r>
-              <a:rPr lang="nl-NL" sz="5500" dirty="0">
-                <a:latin typeface="Times New Roman" panose="02020603050405020304" pitchFamily="18" charset="0"/>
-                <a:cs typeface="Times New Roman" panose="02020603050405020304" pitchFamily="18" charset="0"/>
-              </a:rPr>
-              <a:t>operator &amp; benefit</a:t>
-            </a:r>
             <a:br>
               <a:rPr lang="nl-NL" sz="5500" dirty="0">
                 <a:latin typeface="Times New Roman" panose="02020603050405020304" pitchFamily="18" charset="0"/>
                 <a:cs typeface="Times New Roman" panose="02020603050405020304" pitchFamily="18" charset="0"/>
               </a:rPr>
             </a:br>
+            <a:r>
+              <a:rPr lang="nl-NL" sz="5500" dirty="0">
+                <a:latin typeface="Times New Roman" panose="02020603050405020304" pitchFamily="18" charset="0"/>
+                <a:cs typeface="Times New Roman" panose="02020603050405020304" pitchFamily="18" charset="0"/>
+              </a:rPr>
+              <a:t>Pipe operator &amp; benefit</a:t>
+            </a:r>
+            <a:br>
+              <a:rPr lang="nl-NL" sz="5500" dirty="0">
+                <a:latin typeface="Times New Roman" panose="02020603050405020304" pitchFamily="18" charset="0"/>
+                <a:cs typeface="Times New Roman" panose="02020603050405020304" pitchFamily="18" charset="0"/>
+              </a:rPr>
+            </a:br>
             <a:endParaRPr lang="en-US" sz="5500" dirty="0"/>
           </a:p>
         </p:txBody>
@@ -7461,108 +7350,66 @@
           <a:lstStyle/>
           <a:p>
             <a:r>
-              <a:rPr lang="en-US" dirty="0" smtClean="0">
-                <a:latin typeface="Times New Roman" panose="02020603050405020304" pitchFamily="18" charset="0"/>
-                <a:cs typeface="Times New Roman" panose="02020603050405020304" pitchFamily="18" charset="0"/>
-              </a:rPr>
-              <a:t>Pipe</a:t>
-            </a:r>
-            <a:r>
               <a:rPr lang="en-US" dirty="0">
                 <a:latin typeface="Times New Roman" panose="02020603050405020304" pitchFamily="18" charset="0"/>
                 <a:cs typeface="Times New Roman" panose="02020603050405020304" pitchFamily="18" charset="0"/>
               </a:rPr>
-              <a:t> is a method on Observable which is used for composing operators</a:t>
-            </a:r>
-            <a:r>
-              <a:rPr lang="en-US" dirty="0" smtClean="0">
-                <a:latin typeface="Times New Roman" panose="02020603050405020304" pitchFamily="18" charset="0"/>
-                <a:cs typeface="Times New Roman" panose="02020603050405020304" pitchFamily="18" charset="0"/>
-              </a:rPr>
-              <a:t> similar </a:t>
-            </a:r>
+              <a:t>Pipe is a method on Observable which is used for composing operators similar manner to what with dot-chaining.</a:t>
+            </a:r>
+          </a:p>
+          <a:p>
+            <a:pPr marL="0" indent="0">
+              <a:buNone/>
+            </a:pPr>
+            <a:r>
+              <a:rPr lang="nl-NL" dirty="0">
+                <a:latin typeface="Times New Roman" panose="02020603050405020304" pitchFamily="18" charset="0"/>
+                <a:cs typeface="Times New Roman" panose="02020603050405020304" pitchFamily="18" charset="0"/>
+              </a:rPr>
+              <a:t>Benfit of pipe operator:</a:t>
+            </a:r>
+          </a:p>
+          <a:p>
             <a:r>
               <a:rPr lang="en-US" dirty="0">
                 <a:latin typeface="Times New Roman" panose="02020603050405020304" pitchFamily="18" charset="0"/>
                 <a:cs typeface="Times New Roman" panose="02020603050405020304" pitchFamily="18" charset="0"/>
               </a:rPr>
-              <a:t>manner to what </a:t>
-            </a:r>
-            <a:r>
-              <a:rPr lang="en-US" dirty="0" smtClean="0">
-                <a:latin typeface="Times New Roman" panose="02020603050405020304" pitchFamily="18" charset="0"/>
-                <a:cs typeface="Times New Roman" panose="02020603050405020304" pitchFamily="18" charset="0"/>
-              </a:rPr>
-              <a:t>with dot-chaining.</a:t>
-            </a:r>
-          </a:p>
-          <a:p>
-            <a:pPr marL="0" indent="0">
-              <a:buNone/>
-            </a:pPr>
-            <a:r>
-              <a:rPr lang="nl-NL" dirty="0" smtClean="0">
-                <a:latin typeface="Times New Roman" panose="02020603050405020304" pitchFamily="18" charset="0"/>
-                <a:cs typeface="Times New Roman" panose="02020603050405020304" pitchFamily="18" charset="0"/>
-              </a:rPr>
-              <a:t>Benfit of pipe operator:</a:t>
-            </a:r>
-          </a:p>
-          <a:p>
+              <a:t>By importing only operators you need instead of the entire </a:t>
+            </a:r>
+            <a:r>
+              <a:rPr lang="en-US" dirty="0" err="1">
+                <a:latin typeface="Times New Roman" panose="02020603050405020304" pitchFamily="18" charset="0"/>
+                <a:cs typeface="Times New Roman" panose="02020603050405020304" pitchFamily="18" charset="0"/>
+              </a:rPr>
+              <a:t>RxJS</a:t>
+            </a:r>
             <a:r>
               <a:rPr lang="en-US" dirty="0">
                 <a:latin typeface="Times New Roman" panose="02020603050405020304" pitchFamily="18" charset="0"/>
                 <a:cs typeface="Times New Roman" panose="02020603050405020304" pitchFamily="18" charset="0"/>
               </a:rPr>
-              <a:t>By importing only operators you need instead of the entire </a:t>
-            </a:r>
-            <a:r>
-              <a:rPr lang="en-US" dirty="0" err="1">
-                <a:latin typeface="Times New Roman" panose="02020603050405020304" pitchFamily="18" charset="0"/>
-                <a:cs typeface="Times New Roman" panose="02020603050405020304" pitchFamily="18" charset="0"/>
-              </a:rPr>
-              <a:t>RxJS</a:t>
-            </a:r>
+              <a:t> library you can significantly reduce the total bundle size</a:t>
+            </a:r>
+          </a:p>
+          <a:p>
+            <a:r>
+              <a:rPr lang="nl-NL" dirty="0">
+                <a:latin typeface="Times New Roman" panose="02020603050405020304" pitchFamily="18" charset="0"/>
+                <a:cs typeface="Times New Roman" panose="02020603050405020304" pitchFamily="18" charset="0"/>
+              </a:rPr>
+              <a:t>Intellisense</a:t>
+            </a:r>
+          </a:p>
+          <a:p>
             <a:r>
               <a:rPr lang="en-US" dirty="0">
                 <a:latin typeface="Times New Roman" panose="02020603050405020304" pitchFamily="18" charset="0"/>
                 <a:cs typeface="Times New Roman" panose="02020603050405020304" pitchFamily="18" charset="0"/>
               </a:rPr>
-              <a:t> library you can significantly reduce the total bundle </a:t>
-            </a:r>
-            <a:r>
-              <a:rPr lang="en-US" dirty="0" smtClean="0">
-                <a:latin typeface="Times New Roman" panose="02020603050405020304" pitchFamily="18" charset="0"/>
-                <a:cs typeface="Times New Roman" panose="02020603050405020304" pitchFamily="18" charset="0"/>
-              </a:rPr>
-              <a:t>size</a:t>
-            </a:r>
-          </a:p>
-          <a:p>
-            <a:r>
-              <a:rPr lang="nl-NL" dirty="0" smtClean="0">
-                <a:latin typeface="Times New Roman" panose="02020603050405020304" pitchFamily="18" charset="0"/>
-                <a:cs typeface="Times New Roman" panose="02020603050405020304" pitchFamily="18" charset="0"/>
-              </a:rPr>
-              <a:t>Intellisense</a:t>
-            </a:r>
-          </a:p>
-          <a:p>
-            <a:r>
-              <a:rPr lang="en-US" dirty="0" smtClean="0">
-                <a:latin typeface="Times New Roman" panose="02020603050405020304" pitchFamily="18" charset="0"/>
-                <a:cs typeface="Times New Roman" panose="02020603050405020304" pitchFamily="18" charset="0"/>
-              </a:rPr>
-              <a:t>Avoid collisions </a:t>
-            </a:r>
-            <a:r>
-              <a:rPr lang="en-US" dirty="0">
-                <a:latin typeface="Times New Roman" panose="02020603050405020304" pitchFamily="18" charset="0"/>
-                <a:cs typeface="Times New Roman" panose="02020603050405020304" pitchFamily="18" charset="0"/>
-              </a:rPr>
-              <a:t>if two different parties wanted to create an operator of the same name.</a:t>
-            </a:r>
-            <a:endParaRPr lang="nl-NL" dirty="0" smtClean="0">
+              <a:t>Avoid collisions if two different parties wanted to create an operator of the same name.</a:t>
+            </a:r>
+            <a:endParaRPr lang="nl-NL" dirty="0">
               <a:latin typeface="Times New Roman" panose="02020603050405020304" pitchFamily="18" charset="0"/>
               <a:cs typeface="Times New Roman" panose="02020603050405020304" pitchFamily="18" charset="0"/>
             </a:endParaRPr>
@@ -7622,39 +7469,18 @@
           </a:bodyPr>
           <a:lstStyle/>
           <a:p>
-            <a:r>
-              <a:rPr lang="nl-NL" sz="5500" dirty="0" smtClean="0">
-                <a:latin typeface="Times New Roman" panose="02020603050405020304" pitchFamily="18" charset="0"/>
-                <a:cs typeface="Times New Roman" panose="02020603050405020304" pitchFamily="18" charset="0"/>
-              </a:rPr>
-              <a:t/>
-            </a:r>
             <a:br>
-              <a:rPr lang="nl-NL" sz="5500" dirty="0" smtClean="0">
+              <a:rPr lang="nl-NL" sz="5500" dirty="0">
                 <a:latin typeface="Times New Roman" panose="02020603050405020304" pitchFamily="18" charset="0"/>
                 <a:cs typeface="Times New Roman" panose="02020603050405020304" pitchFamily="18" charset="0"/>
               </a:rPr>
             </a:br>
             <a:r>
-              <a:rPr lang="nl-NL" sz="5500" dirty="0" smtClean="0">
-                <a:latin typeface="Times New Roman" panose="02020603050405020304" pitchFamily="18" charset="0"/>
-                <a:cs typeface="Times New Roman" panose="02020603050405020304" pitchFamily="18" charset="0"/>
-              </a:rPr>
-              <a:t>Useful </a:t>
-            </a:r>
-            <a:r>
               <a:rPr lang="nl-NL" sz="5500" dirty="0">
                 <a:latin typeface="Times New Roman" panose="02020603050405020304" pitchFamily="18" charset="0"/>
                 <a:cs typeface="Times New Roman" panose="02020603050405020304" pitchFamily="18" charset="0"/>
               </a:rPr>
-              <a:t>resource</a:t>
-            </a:r>
-            <a:r>
-              <a:rPr lang="en-US" sz="5500" dirty="0">
-                <a:latin typeface="Times New Roman" panose="02020603050405020304" pitchFamily="18" charset="0"/>
-                <a:cs typeface="Times New Roman" panose="02020603050405020304" pitchFamily="18" charset="0"/>
-              </a:rPr>
-              <a:t/>
+              <a:t>Useful resource</a:t>
             </a:r>
             <a:br>
               <a:rPr lang="en-US" sz="5500" dirty="0">
@@ -7679,36 +7505,22 @@
         <p:spPr/>
         <p:txBody>
           <a:bodyPr>
-            <a:normAutofit/>
+            <a:normAutofit lnSpcReduction="10000"/>
           </a:bodyPr>
           <a:lstStyle/>
           <a:p>
-            <a:endParaRPr lang="en-US" sz="3000" dirty="0" smtClean="0">
+            <a:endParaRPr lang="en-US" sz="3000" dirty="0">
               <a:latin typeface="Times New Roman" panose="02020603050405020304" pitchFamily="18" charset="0"/>
               <a:cs typeface="Times New Roman" panose="02020603050405020304" pitchFamily="18" charset="0"/>
             </a:endParaRPr>
           </a:p>
           <a:p>
             <a:r>
-              <a:rPr lang="en-US" sz="3000" dirty="0" smtClean="0">
-                <a:latin typeface="Times New Roman" panose="02020603050405020304" pitchFamily="18" charset="0"/>
-                <a:cs typeface="Times New Roman" panose="02020603050405020304" pitchFamily="18" charset="0"/>
-              </a:rPr>
-              <a:t>https</a:t>
-            </a:r>
-            <a:r>
               <a:rPr lang="en-US" sz="3000" dirty="0">
                 <a:latin typeface="Times New Roman" panose="02020603050405020304" pitchFamily="18" charset="0"/>
                 <a:cs typeface="Times New Roman" panose="02020603050405020304" pitchFamily="18" charset="0"/>
               </a:rPr>
-              <a:t>://www.learnrxjs.io</a:t>
-            </a:r>
-            <a:r>
-              <a:rPr lang="en-US" sz="3000" dirty="0" smtClean="0">
-                <a:latin typeface="Times New Roman" panose="02020603050405020304" pitchFamily="18" charset="0"/>
-                <a:cs typeface="Times New Roman" panose="02020603050405020304" pitchFamily="18" charset="0"/>
-              </a:rPr>
-              <a:t>/</a:t>
+              <a:t>https://www.learnrxjs.io/</a:t>
             </a:r>
           </a:p>
           <a:p>
@@ -7717,14 +7529,7 @@
                 <a:latin typeface="Times New Roman" panose="02020603050405020304" pitchFamily="18" charset="0"/>
                 <a:cs typeface="Times New Roman" panose="02020603050405020304" pitchFamily="18" charset="0"/>
               </a:rPr>
-              <a:t>https://thinkrx.io</a:t>
-            </a:r>
-            <a:r>
-              <a:rPr lang="en-US" sz="3000" dirty="0" smtClean="0">
-                <a:latin typeface="Times New Roman" panose="02020603050405020304" pitchFamily="18" charset="0"/>
-                <a:cs typeface="Times New Roman" panose="02020603050405020304" pitchFamily="18" charset="0"/>
-              </a:rPr>
-              <a:t>/</a:t>
+              <a:t>https://thinkrx.io/</a:t>
             </a:r>
           </a:p>
           <a:p>
@@ -7735,32 +7540,14 @@
               </a:rPr>
               <a:t>https://xgrommx.github.io/rx-book/content/which_operator_do_i_use/index.html</a:t>
             </a:r>
-            <a:endParaRPr lang="en-US" sz="3000" dirty="0" smtClean="0">
-              <a:latin typeface="Times New Roman" panose="02020603050405020304" pitchFamily="18" charset="0"/>
-              <a:cs typeface="Times New Roman" panose="02020603050405020304" pitchFamily="18" charset="0"/>
-            </a:endParaRPr>
-          </a:p>
-          <a:p>
-            <a:r>
-              <a:rPr lang="en-US" sz="3000" dirty="0" smtClean="0">
-                <a:latin typeface="Times New Roman" panose="02020603050405020304" pitchFamily="18" charset="0"/>
-                <a:cs typeface="Times New Roman" panose="02020603050405020304" pitchFamily="18" charset="0"/>
-              </a:rPr>
-              <a:t>https</a:t>
-            </a:r>
+          </a:p>
+          <a:p>
             <a:r>
               <a:rPr lang="en-US" sz="3000" dirty="0">
                 <a:latin typeface="Times New Roman" panose="02020603050405020304" pitchFamily="18" charset="0"/>
                 <a:cs typeface="Times New Roman" panose="02020603050405020304" pitchFamily="18" charset="0"/>
               </a:rPr>
-              <a:t>://youtu.be/_</a:t>
-            </a:r>
-            <a:r>
-              <a:rPr lang="en-US" sz="3000" dirty="0" smtClean="0">
-                <a:latin typeface="Times New Roman" panose="02020603050405020304" pitchFamily="18" charset="0"/>
-                <a:cs typeface="Times New Roman" panose="02020603050405020304" pitchFamily="18" charset="0"/>
-              </a:rPr>
-              <a:t>q-HL9YX_pk</a:t>
+              <a:t>https://youtu.be/_q-HL9YX_pk</a:t>
             </a:r>
           </a:p>
           <a:p>
@@ -7769,14 +7556,7 @@
                 <a:latin typeface="Times New Roman" panose="02020603050405020304" pitchFamily="18" charset="0"/>
                 <a:cs typeface="Times New Roman" panose="02020603050405020304" pitchFamily="18" charset="0"/>
               </a:rPr>
-              <a:t>https://</a:t>
-            </a:r>
-            <a:r>
-              <a:rPr lang="en-US" sz="3000" dirty="0" smtClean="0">
-                <a:latin typeface="Times New Roman" panose="02020603050405020304" pitchFamily="18" charset="0"/>
-                <a:cs typeface="Times New Roman" panose="02020603050405020304" pitchFamily="18" charset="0"/>
-              </a:rPr>
-              <a:t>youtu.be/ak3MvMn8u18</a:t>
+              <a:t>https://youtu.be/ak3MvMn8u18</a:t>
             </a:r>
           </a:p>
           <a:p>
@@ -7787,7 +7567,13 @@
               </a:rPr>
               <a:t>https://blog.angular-university.io/rxjs-higher-order-mapping/</a:t>
             </a:r>
-            <a:endParaRPr lang="en-US" sz="3000" dirty="0" smtClean="0">
+          </a:p>
+          <a:p>
+            <a:r>
+              <a:rPr lang="en-US" sz="3200" dirty="0"/>
+              <a:t>https://rxjs-dev.firebaseapp.com/operator-decision-tree</a:t>
+            </a:r>
+            <a:endParaRPr lang="en-US" sz="3000" dirty="0">
               <a:latin typeface="Times New Roman" panose="02020603050405020304" pitchFamily="18" charset="0"/>
               <a:cs typeface="Times New Roman" panose="02020603050405020304" pitchFamily="18" charset="0"/>
             </a:endParaRPr>
@@ -7804,13 +7590,6 @@
   <p:clrMapOvr>
     <a:masterClrMapping/>
   </p:clrMapOvr>
-  <p:timing>
-    <p:tnLst>
-      <p:par>
-        <p:cTn id="1" dur="indefinite" restart="never" nodeType="tmRoot"/>
-      </p:par>
-    </p:tnLst>
-  </p:timing>
 </p:sld>
 </file>
 
@@ -7849,7 +7628,7 @@
           <a:lstStyle/>
           <a:p>
             <a:r>
-              <a:rPr lang="nl-NL" sz="5500" dirty="0" smtClean="0">
+              <a:rPr lang="nl-NL" sz="5500" dirty="0">
                 <a:latin typeface="Times New Roman" panose="02020603050405020304" pitchFamily="18" charset="0"/>
                 <a:cs typeface="Times New Roman" panose="02020603050405020304" pitchFamily="18" charset="0"/>
               </a:rPr>
@@ -7878,7 +7657,7 @@
           <a:lstStyle/>
           <a:p>
             <a:r>
-              <a:rPr lang="nl-NL" dirty="0" smtClean="0">
+              <a:rPr lang="nl-NL" dirty="0">
                 <a:latin typeface="Times New Roman" panose="02020603050405020304" pitchFamily="18" charset="0"/>
                 <a:cs typeface="Times New Roman" panose="02020603050405020304" pitchFamily="18" charset="0"/>
               </a:rPr>
@@ -7887,7 +7666,7 @@
           </a:p>
           <a:p>
             <a:r>
-              <a:rPr lang="nl-NL" dirty="0" smtClean="0">
+              <a:rPr lang="nl-NL" dirty="0">
                 <a:latin typeface="Times New Roman" panose="02020603050405020304" pitchFamily="18" charset="0"/>
                 <a:cs typeface="Times New Roman" panose="02020603050405020304" pitchFamily="18" charset="0"/>
               </a:rPr>
@@ -7896,7 +7675,7 @@
           </a:p>
           <a:p>
             <a:r>
-              <a:rPr lang="nl-NL" dirty="0" smtClean="0">
+              <a:rPr lang="nl-NL" dirty="0">
                 <a:latin typeface="Times New Roman" panose="02020603050405020304" pitchFamily="18" charset="0"/>
                 <a:cs typeface="Times New Roman" panose="02020603050405020304" pitchFamily="18" charset="0"/>
               </a:rPr>
@@ -7905,53 +7684,25 @@
           </a:p>
           <a:p>
             <a:r>
-              <a:rPr lang="nl-NL" dirty="0" smtClean="0">
-                <a:latin typeface="Times New Roman" panose="02020603050405020304" pitchFamily="18" charset="0"/>
-                <a:cs typeface="Times New Roman" panose="02020603050405020304" pitchFamily="18" charset="0"/>
-              </a:rPr>
-              <a:t>SwitchMap</a:t>
-            </a:r>
-            <a:r>
               <a:rPr lang="nl-NL" dirty="0">
                 <a:latin typeface="Times New Roman" panose="02020603050405020304" pitchFamily="18" charset="0"/>
                 <a:cs typeface="Times New Roman" panose="02020603050405020304" pitchFamily="18" charset="0"/>
               </a:rPr>
-              <a:t>, </a:t>
-            </a:r>
-            <a:r>
-              <a:rPr lang="nl-NL" dirty="0" smtClean="0">
-                <a:latin typeface="Times New Roman" panose="02020603050405020304" pitchFamily="18" charset="0"/>
-                <a:cs typeface="Times New Roman" panose="02020603050405020304" pitchFamily="18" charset="0"/>
-              </a:rPr>
-              <a:t>ExhaustMap</a:t>
-            </a:r>
+              <a:t>SwitchMap, ExhaustMap, MergeMap (FlatMap), ConcatMap</a:t>
+            </a:r>
+          </a:p>
+          <a:p>
             <a:r>
               <a:rPr lang="nl-NL" dirty="0">
                 <a:latin typeface="Times New Roman" panose="02020603050405020304" pitchFamily="18" charset="0"/>
                 <a:cs typeface="Times New Roman" panose="02020603050405020304" pitchFamily="18" charset="0"/>
               </a:rPr>
-              <a:t>, </a:t>
-            </a:r>
-            <a:r>
-              <a:rPr lang="nl-NL" dirty="0" smtClean="0">
-                <a:latin typeface="Times New Roman" panose="02020603050405020304" pitchFamily="18" charset="0"/>
-                <a:cs typeface="Times New Roman" panose="02020603050405020304" pitchFamily="18" charset="0"/>
-              </a:rPr>
-              <a:t>MergeMap (FlatMap), ConcatMap</a:t>
-            </a:r>
-          </a:p>
-          <a:p>
-            <a:r>
-              <a:rPr lang="nl-NL" dirty="0" smtClean="0">
-                <a:latin typeface="Times New Roman" panose="02020603050405020304" pitchFamily="18" charset="0"/>
-                <a:cs typeface="Times New Roman" panose="02020603050405020304" pitchFamily="18" charset="0"/>
-              </a:rPr>
               <a:t>Pipe operator &amp; benefit</a:t>
             </a:r>
           </a:p>
           <a:p>
             <a:r>
-              <a:rPr lang="nl-NL" dirty="0" smtClean="0">
+              <a:rPr lang="nl-NL" dirty="0">
                 <a:latin typeface="Times New Roman" panose="02020603050405020304" pitchFamily="18" charset="0"/>
                 <a:cs typeface="Times New Roman" panose="02020603050405020304" pitchFamily="18" charset="0"/>
               </a:rPr>
@@ -7960,7 +7711,7 @@
           </a:p>
           <a:p>
             <a:r>
-              <a:rPr lang="nl-NL" dirty="0" smtClean="0">
+              <a:rPr lang="nl-NL" dirty="0">
                 <a:latin typeface="Times New Roman" panose="02020603050405020304" pitchFamily="18" charset="0"/>
                 <a:cs typeface="Times New Roman" panose="02020603050405020304" pitchFamily="18" charset="0"/>
               </a:rPr>
@@ -7994,13 +7745,6 @@
   <p:clrMapOvr>
     <a:masterClrMapping/>
   </p:clrMapOvr>
-  <p:timing>
-    <p:tnLst>
-      <p:par>
-        <p:cTn id="1" dur="indefinite" restart="never" nodeType="tmRoot"/>
-      </p:par>
-    </p:tnLst>
-  </p:timing>
 </p:sld>
 </file>
 
@@ -8069,35 +7813,17 @@
                 <a:latin typeface="Times New Roman" panose="02020603050405020304" pitchFamily="18" charset="0"/>
                 <a:cs typeface="Times New Roman" panose="02020603050405020304" pitchFamily="18" charset="0"/>
               </a:rPr>
-              <a:t>Observables are declarative which provide support for passing messages between publishers and subscribers in your application. They are mainly used for event handling, asynchronous programming, and handling multiple values</a:t>
-            </a:r>
-            <a:r>
-              <a:rPr lang="en-US" dirty="0" smtClean="0">
-                <a:latin typeface="Times New Roman" panose="02020603050405020304" pitchFamily="18" charset="0"/>
-                <a:cs typeface="Times New Roman" panose="02020603050405020304" pitchFamily="18" charset="0"/>
-              </a:rPr>
-              <a:t>.</a:t>
-            </a:r>
-          </a:p>
-          <a:p>
-            <a:r>
-              <a:rPr lang="en-US" dirty="0" smtClean="0">
-                <a:latin typeface="Times New Roman" panose="02020603050405020304" pitchFamily="18" charset="0"/>
-                <a:cs typeface="Times New Roman" panose="02020603050405020304" pitchFamily="18" charset="0"/>
-              </a:rPr>
-              <a:t> </a:t>
-            </a:r>
+              <a:t>Observables are declarative which provide support for passing messages between publishers and subscribers in your application. They are mainly used for event handling, asynchronous programming, and handling multiple values.</a:t>
+            </a:r>
+          </a:p>
+          <a:p>
             <a:r>
               <a:rPr lang="en-US" dirty="0">
                 <a:latin typeface="Times New Roman" panose="02020603050405020304" pitchFamily="18" charset="0"/>
                 <a:cs typeface="Times New Roman" panose="02020603050405020304" pitchFamily="18" charset="0"/>
               </a:rPr>
-              <a:t>In this case, you define a function for publishing values, but it is not executed until a consumer subscribes to it. The subscribed consumer then receives notifications until the function completes, or until they unsubscribe.</a:t>
-            </a:r>
-            <a:endParaRPr lang="en-US" dirty="0">
-              <a:latin typeface="Times New Roman" panose="02020603050405020304" pitchFamily="18" charset="0"/>
-              <a:cs typeface="Times New Roman" panose="02020603050405020304" pitchFamily="18" charset="0"/>
-            </a:endParaRPr>
+              <a:t> In this case, you define a function for publishing values, but it is not executed until a consumer subscribes to it. The subscribed consumer then receives notifications until the function completes, or until they unsubscribe.</a:t>
+            </a:r>
           </a:p>
         </p:txBody>
       </p:sp>
@@ -8111,13 +7837,6 @@
   <p:clrMapOvr>
     <a:masterClrMapping/>
   </p:clrMapOvr>
-  <p:timing>
-    <p:tnLst>
-      <p:par>
-        <p:cTn id="1" dur="indefinite" restart="never" nodeType="tmRoot"/>
-      </p:par>
-    </p:tnLst>
-  </p:timing>
 </p:sld>
 </file>
 
@@ -8156,16 +7875,12 @@
           <a:lstStyle/>
           <a:p>
             <a:r>
-              <a:rPr lang="en-US" sz="5500" dirty="0" smtClean="0">
+              <a:rPr lang="en-US" sz="5500" dirty="0">
                 <a:latin typeface="Times New Roman" panose="02020603050405020304" pitchFamily="18" charset="0"/>
                 <a:cs typeface="Times New Roman" panose="02020603050405020304" pitchFamily="18" charset="0"/>
               </a:rPr>
               <a:t>Observer</a:t>
             </a:r>
-            <a:endParaRPr lang="en-US" sz="5500" dirty="0">
-              <a:latin typeface="Times New Roman" panose="02020603050405020304" pitchFamily="18" charset="0"/>
-              <a:cs typeface="Times New Roman" panose="02020603050405020304" pitchFamily="18" charset="0"/>
-            </a:endParaRPr>
           </a:p>
         </p:txBody>
       </p:sp>
@@ -8196,19 +7911,8 @@
                 <a:latin typeface="Times New Roman" panose="02020603050405020304" pitchFamily="18" charset="0"/>
                 <a:cs typeface="Times New Roman" panose="02020603050405020304" pitchFamily="18" charset="0"/>
               </a:rPr>
-              <a:t>Observer is an interface for a consumer of push-based notifications delivered by an Observable. It has below </a:t>
-            </a:r>
-            <a:r>
-              <a:rPr lang="en-US" sz="2000" dirty="0" smtClean="0">
-                <a:latin typeface="Times New Roman" panose="02020603050405020304" pitchFamily="18" charset="0"/>
-                <a:cs typeface="Times New Roman" panose="02020603050405020304" pitchFamily="18" charset="0"/>
-              </a:rPr>
-              <a:t>structure</a:t>
-            </a:r>
-            <a:endParaRPr lang="en-US" sz="2000" dirty="0">
-              <a:latin typeface="Times New Roman" panose="02020603050405020304" pitchFamily="18" charset="0"/>
-              <a:cs typeface="Times New Roman" panose="02020603050405020304" pitchFamily="18" charset="0"/>
-            </a:endParaRPr>
+              <a:t>Observer is an interface for a consumer of push-based notifications delivered by an Observable. It has below structure</a:t>
+            </a:r>
           </a:p>
           <a:p>
             <a:pPr marL="0" indent="0">
@@ -8227,18 +7931,11 @@
               <a:buNone/>
             </a:pPr>
             <a:r>
-              <a:rPr lang="en-US" sz="2000" dirty="0" smtClean="0">
-                <a:latin typeface="Times New Roman" panose="02020603050405020304" pitchFamily="18" charset="0"/>
-                <a:cs typeface="Times New Roman" panose="02020603050405020304" pitchFamily="18" charset="0"/>
-              </a:rPr>
-              <a:t>  </a:t>
-            </a:r>
-            <a:r>
               <a:rPr lang="en-US" sz="2000" dirty="0">
                 <a:latin typeface="Times New Roman" panose="02020603050405020304" pitchFamily="18" charset="0"/>
                 <a:cs typeface="Times New Roman" panose="02020603050405020304" pitchFamily="18" charset="0"/>
               </a:rPr>
-              <a:t>closed?: </a:t>
+              <a:t>  closed?: </a:t>
             </a:r>
             <a:r>
               <a:rPr lang="en-US" sz="2000" dirty="0" err="1">
@@ -8260,18 +7957,11 @@
               <a:buNone/>
             </a:pPr>
             <a:r>
-              <a:rPr lang="en-US" sz="2000" dirty="0" smtClean="0">
-                <a:latin typeface="Times New Roman" panose="02020603050405020304" pitchFamily="18" charset="0"/>
-                <a:cs typeface="Times New Roman" panose="02020603050405020304" pitchFamily="18" charset="0"/>
-              </a:rPr>
-              <a:t>  next</a:t>
-            </a:r>
-            <a:r>
               <a:rPr lang="en-US" sz="2000" dirty="0">
                 <a:latin typeface="Times New Roman" panose="02020603050405020304" pitchFamily="18" charset="0"/>
                 <a:cs typeface="Times New Roman" panose="02020603050405020304" pitchFamily="18" charset="0"/>
               </a:rPr>
-              <a:t>: (value: T) =&gt; void;</a:t>
+              <a:t>  next: (value: T) =&gt; void;</a:t>
             </a:r>
           </a:p>
           <a:p>
@@ -8279,18 +7969,11 @@
               <a:buNone/>
             </a:pPr>
             <a:r>
-              <a:rPr lang="en-US" sz="2000" dirty="0" smtClean="0">
-                <a:latin typeface="Times New Roman" panose="02020603050405020304" pitchFamily="18" charset="0"/>
-                <a:cs typeface="Times New Roman" panose="02020603050405020304" pitchFamily="18" charset="0"/>
-              </a:rPr>
-              <a:t> </a:t>
-            </a:r>
-            <a:r>
               <a:rPr lang="en-US" sz="2000" dirty="0">
                 <a:latin typeface="Times New Roman" panose="02020603050405020304" pitchFamily="18" charset="0"/>
                 <a:cs typeface="Times New Roman" panose="02020603050405020304" pitchFamily="18" charset="0"/>
               </a:rPr>
-              <a:t>error: (err: any) =&gt; void;</a:t>
+              <a:t> error: (err: any) =&gt; void;</a:t>
             </a:r>
           </a:p>
           <a:p>
@@ -8298,18 +7981,11 @@
               <a:buNone/>
             </a:pPr>
             <a:r>
-              <a:rPr lang="en-US" sz="2000" dirty="0" smtClean="0">
-                <a:latin typeface="Times New Roman" panose="02020603050405020304" pitchFamily="18" charset="0"/>
-                <a:cs typeface="Times New Roman" panose="02020603050405020304" pitchFamily="18" charset="0"/>
-              </a:rPr>
-              <a:t> complete</a:t>
-            </a:r>
-            <a:r>
               <a:rPr lang="en-US" sz="2000" dirty="0">
                 <a:latin typeface="Times New Roman" panose="02020603050405020304" pitchFamily="18" charset="0"/>
                 <a:cs typeface="Times New Roman" panose="02020603050405020304" pitchFamily="18" charset="0"/>
               </a:rPr>
-              <a:t>: () =&gt; void;</a:t>
+              <a:t> complete: () =&gt; void;</a:t>
             </a:r>
           </a:p>
           <a:p>
@@ -8317,7 +7993,7 @@
               <a:buNone/>
             </a:pPr>
             <a:r>
-              <a:rPr lang="en-US" sz="2000" dirty="0" smtClean="0">
+              <a:rPr lang="en-US" sz="2000" dirty="0">
                 <a:latin typeface="Times New Roman" panose="02020603050405020304" pitchFamily="18" charset="0"/>
                 <a:cs typeface="Times New Roman" panose="02020603050405020304" pitchFamily="18" charset="0"/>
               </a:rPr>
@@ -8326,25 +8002,11 @@
           </a:p>
           <a:p>
             <a:r>
-              <a:rPr lang="en-US" sz="2000" dirty="0" smtClean="0">
-                <a:latin typeface="Times New Roman" panose="02020603050405020304" pitchFamily="18" charset="0"/>
-                <a:cs typeface="Times New Roman" panose="02020603050405020304" pitchFamily="18" charset="0"/>
-              </a:rPr>
-              <a:t>A </a:t>
-            </a:r>
-            <a:r>
               <a:rPr lang="en-US" sz="2000" dirty="0">
                 <a:latin typeface="Times New Roman" panose="02020603050405020304" pitchFamily="18" charset="0"/>
                 <a:cs typeface="Times New Roman" panose="02020603050405020304" pitchFamily="18" charset="0"/>
               </a:rPr>
-              <a:t>handler that implements the Observer interface for receiving observable notifications will be passed as a parameter for observable as </a:t>
-            </a:r>
-            <a:r>
-              <a:rPr lang="en-US" sz="2000" dirty="0" smtClean="0">
-                <a:latin typeface="Times New Roman" panose="02020603050405020304" pitchFamily="18" charset="0"/>
-                <a:cs typeface="Times New Roman" panose="02020603050405020304" pitchFamily="18" charset="0"/>
-              </a:rPr>
-              <a:t>below</a:t>
+              <a:t>A handler that implements the Observer interface for receiving observable notifications will be passed as a parameter for observable as below</a:t>
             </a:r>
           </a:p>
           <a:p>
@@ -8352,28 +8014,28 @@
               <a:buNone/>
             </a:pPr>
             <a:r>
-              <a:rPr lang="en-US" sz="2000" dirty="0" err="1" smtClean="0">
+              <a:rPr lang="en-US" sz="2000" dirty="0" err="1">
                 <a:latin typeface="Times New Roman" panose="02020603050405020304" pitchFamily="18" charset="0"/>
                 <a:cs typeface="Times New Roman" panose="02020603050405020304" pitchFamily="18" charset="0"/>
               </a:rPr>
               <a:t>myObservable.subscribe</a:t>
             </a:r>
             <a:r>
-              <a:rPr lang="en-US" sz="2000" dirty="0" smtClean="0">
+              <a:rPr lang="en-US" sz="2000" dirty="0">
                 <a:latin typeface="Times New Roman" panose="02020603050405020304" pitchFamily="18" charset="0"/>
                 <a:cs typeface="Times New Roman" panose="02020603050405020304" pitchFamily="18" charset="0"/>
               </a:rPr>
               <a:t>(</a:t>
             </a:r>
             <a:r>
-              <a:rPr lang="en-US" sz="2000" dirty="0" err="1" smtClean="0">
+              <a:rPr lang="en-US" sz="2000" dirty="0" err="1">
                 <a:latin typeface="Times New Roman" panose="02020603050405020304" pitchFamily="18" charset="0"/>
                 <a:cs typeface="Times New Roman" panose="02020603050405020304" pitchFamily="18" charset="0"/>
               </a:rPr>
               <a:t>myObserver</a:t>
             </a:r>
             <a:r>
-              <a:rPr lang="en-US" sz="2000" dirty="0" smtClean="0">
+              <a:rPr lang="en-US" sz="2000" dirty="0">
                 <a:latin typeface="Times New Roman" panose="02020603050405020304" pitchFamily="18" charset="0"/>
                 <a:cs typeface="Times New Roman" panose="02020603050405020304" pitchFamily="18" charset="0"/>
               </a:rPr>
@@ -8382,18 +8044,11 @@
           </a:p>
           <a:p>
             <a:r>
-              <a:rPr lang="en-US" sz="2000" dirty="0" smtClean="0">
-                <a:latin typeface="Times New Roman" panose="02020603050405020304" pitchFamily="18" charset="0"/>
-                <a:cs typeface="Times New Roman" panose="02020603050405020304" pitchFamily="18" charset="0"/>
-              </a:rPr>
-              <a:t>Note</a:t>
-            </a:r>
-            <a:r>
               <a:rPr lang="en-US" sz="2000" dirty="0">
                 <a:latin typeface="Times New Roman" panose="02020603050405020304" pitchFamily="18" charset="0"/>
                 <a:cs typeface="Times New Roman" panose="02020603050405020304" pitchFamily="18" charset="0"/>
               </a:rPr>
-              <a:t>: If you don't supply a handler for a notification type, the observer ignores notifications of that type.</a:t>
+              <a:t>Note: If you don't supply a handler for a notification type, the observer ignores notifications of that type.</a:t>
             </a:r>
           </a:p>
         </p:txBody>
@@ -8408,13 +8063,6 @@
   <p:clrMapOvr>
     <a:masterClrMapping/>
   </p:clrMapOvr>
-  <p:timing>
-    <p:tnLst>
-      <p:par>
-        <p:cTn id="1" dur="indefinite" restart="never" nodeType="tmRoot"/>
-      </p:par>
-    </p:tnLst>
-  </p:timing>
 </p:sld>
 </file>
 
@@ -8452,28 +8100,21 @@
           </a:bodyPr>
           <a:lstStyle/>
           <a:p>
-            <a:r>
-              <a:rPr lang="nl-NL" sz="5500" dirty="0" smtClean="0">
-                <a:latin typeface="Times New Roman" panose="02020603050405020304" pitchFamily="18" charset="0"/>
-                <a:cs typeface="Times New Roman" panose="02020603050405020304" pitchFamily="18" charset="0"/>
-              </a:rPr>
-              <a:t/>
-            </a:r>
             <a:br>
-              <a:rPr lang="nl-NL" sz="5500" dirty="0" smtClean="0">
+              <a:rPr lang="nl-NL" sz="5500" dirty="0">
                 <a:latin typeface="Times New Roman" panose="02020603050405020304" pitchFamily="18" charset="0"/>
                 <a:cs typeface="Times New Roman" panose="02020603050405020304" pitchFamily="18" charset="0"/>
               </a:rPr>
             </a:br>
             <a:r>
-              <a:rPr lang="nl-NL" sz="5500" dirty="0" smtClean="0">
+              <a:rPr lang="nl-NL" sz="5500" dirty="0">
                 <a:latin typeface="Times New Roman" panose="02020603050405020304" pitchFamily="18" charset="0"/>
                 <a:cs typeface="Times New Roman" panose="02020603050405020304" pitchFamily="18" charset="0"/>
               </a:rPr>
               <a:t>What is RXJS</a:t>
             </a:r>
             <a:br>
-              <a:rPr lang="nl-NL" sz="5500" dirty="0" smtClean="0">
+              <a:rPr lang="nl-NL" sz="5500" dirty="0">
                 <a:latin typeface="Times New Roman" panose="02020603050405020304" pitchFamily="18" charset="0"/>
                 <a:cs typeface="Times New Roman" panose="02020603050405020304" pitchFamily="18" charset="0"/>
               </a:rPr>
@@ -8513,18 +8154,11 @@
                 <a:latin typeface="Times New Roman" panose="02020603050405020304" pitchFamily="18" charset="0"/>
                 <a:cs typeface="Times New Roman" panose="02020603050405020304" pitchFamily="18" charset="0"/>
               </a:rPr>
-              <a:t> is one of the hottest libraries in web development today. Offering a powerful, functional approach for dealing with events and with integration points into a growing number of frameworks, libraries, and </a:t>
-            </a:r>
-            <a:r>
-              <a:rPr lang="en-US" dirty="0" smtClean="0">
-                <a:latin typeface="Times New Roman" panose="02020603050405020304" pitchFamily="18" charset="0"/>
-                <a:cs typeface="Times New Roman" panose="02020603050405020304" pitchFamily="18" charset="0"/>
-              </a:rPr>
-              <a:t>utilities</a:t>
-            </a:r>
-          </a:p>
-          <a:p>
-            <a:endParaRPr lang="en-US" dirty="0" smtClean="0">
+              <a:t> is one of the hottest libraries in web development today. Offering a powerful, functional approach for dealing with events and with integration points into a growing number of frameworks, libraries, and utilities</a:t>
+            </a:r>
+          </a:p>
+          <a:p>
+            <a:endParaRPr lang="en-US" dirty="0">
               <a:latin typeface="Times New Roman" panose="02020603050405020304" pitchFamily="18" charset="0"/>
               <a:cs typeface="Times New Roman" panose="02020603050405020304" pitchFamily="18" charset="0"/>
             </a:endParaRPr>
@@ -8553,13 +8187,6 @@
   <p:clrMapOvr>
     <a:masterClrMapping/>
   </p:clrMapOvr>
-  <p:timing>
-    <p:tnLst>
-      <p:par>
-        <p:cTn id="1" dur="indefinite" restart="never" nodeType="tmRoot"/>
-      </p:par>
-    </p:tnLst>
-  </p:timing>
 </p:sld>
 </file>
 
@@ -8597,32 +8224,18 @@
           </a:bodyPr>
           <a:lstStyle/>
           <a:p>
-            <a:r>
-              <a:rPr lang="nl-NL" sz="5500" dirty="0" smtClean="0">
-                <a:latin typeface="Times New Roman" panose="02020603050405020304" pitchFamily="18" charset="0"/>
-                <a:cs typeface="Times New Roman" panose="02020603050405020304" pitchFamily="18" charset="0"/>
-              </a:rPr>
-              <a:t/>
-            </a:r>
             <a:br>
-              <a:rPr lang="nl-NL" sz="5500" dirty="0" smtClean="0">
+              <a:rPr lang="nl-NL" sz="5500" dirty="0">
                 <a:latin typeface="Times New Roman" panose="02020603050405020304" pitchFamily="18" charset="0"/>
                 <a:cs typeface="Times New Roman" panose="02020603050405020304" pitchFamily="18" charset="0"/>
               </a:rPr>
             </a:br>
             <a:r>
-              <a:rPr lang="nl-NL" sz="5500" dirty="0" smtClean="0">
+              <a:rPr lang="nl-NL" sz="5500" dirty="0">
                 <a:latin typeface="Times New Roman" panose="02020603050405020304" pitchFamily="18" charset="0"/>
                 <a:cs typeface="Times New Roman" panose="02020603050405020304" pitchFamily="18" charset="0"/>
               </a:rPr>
               <a:t>Subject</a:t>
-            </a:r>
-            <a:r>
-              <a:rPr lang="nl-NL" sz="5500" dirty="0">
-                <a:latin typeface="Times New Roman" panose="02020603050405020304" pitchFamily="18" charset="0"/>
-                <a:cs typeface="Times New Roman" panose="02020603050405020304" pitchFamily="18" charset="0"/>
-              </a:rPr>
-              <a:t/>
             </a:r>
             <a:br>
               <a:rPr lang="nl-NL" sz="5500" dirty="0">
@@ -8651,32 +8264,18 @@
           </a:bodyPr>
           <a:lstStyle/>
           <a:p>
-            <a:endParaRPr lang="en-US" dirty="0" smtClean="0">
+            <a:endParaRPr lang="en-US" dirty="0">
               <a:latin typeface="Times New Roman" panose="02020603050405020304" pitchFamily="18" charset="0"/>
               <a:cs typeface="Times New Roman" panose="02020603050405020304" pitchFamily="18" charset="0"/>
             </a:endParaRPr>
           </a:p>
           <a:p>
             <a:r>
-              <a:rPr lang="en-US" dirty="0" smtClean="0">
-                <a:latin typeface="Times New Roman" panose="02020603050405020304" pitchFamily="18" charset="0"/>
-                <a:cs typeface="Times New Roman" panose="02020603050405020304" pitchFamily="18" charset="0"/>
-              </a:rPr>
-              <a:t>A </a:t>
-            </a:r>
-            <a:r>
               <a:rPr lang="en-US" dirty="0">
                 <a:latin typeface="Times New Roman" panose="02020603050405020304" pitchFamily="18" charset="0"/>
                 <a:cs typeface="Times New Roman" panose="02020603050405020304" pitchFamily="18" charset="0"/>
               </a:rPr>
-              <a:t>Subject is a special type of Observable which shares a single execution path among observers</a:t>
-            </a:r>
-            <a:r>
-              <a:rPr lang="en-US" dirty="0" smtClean="0">
-                <a:latin typeface="Times New Roman" panose="02020603050405020304" pitchFamily="18" charset="0"/>
-                <a:cs typeface="Times New Roman" panose="02020603050405020304" pitchFamily="18" charset="0"/>
-              </a:rPr>
-              <a:t>.</a:t>
+              <a:t>A Subject is a special type of Observable which shares a single execution path among observers.</a:t>
             </a:r>
           </a:p>
           <a:p>
@@ -8726,13 +8325,6 @@
   <p:clrMapOvr>
     <a:masterClrMapping/>
   </p:clrMapOvr>
-  <p:timing>
-    <p:tnLst>
-      <p:par>
-        <p:cTn id="1" dur="indefinite" restart="never" nodeType="tmRoot"/>
-      </p:par>
-    </p:tnLst>
-  </p:timing>
 </p:sld>
 </file>
 
@@ -8770,13 +8362,6 @@
           </a:bodyPr>
           <a:lstStyle/>
           <a:p>
-            <a:r>
-              <a:rPr lang="nl-NL" sz="5500" dirty="0">
-                <a:latin typeface="Times New Roman" panose="02020603050405020304" pitchFamily="18" charset="0"/>
-                <a:cs typeface="Times New Roman" panose="02020603050405020304" pitchFamily="18" charset="0"/>
-              </a:rPr>
-              <a:t/>
-            </a:r>
             <a:br>
               <a:rPr lang="nl-NL" sz="5500" dirty="0">
                 <a:latin typeface="Times New Roman" panose="02020603050405020304" pitchFamily="18" charset="0"/>
@@ -8820,130 +8405,112 @@
             <a:pPr marL="0" indent="0">
               <a:buNone/>
             </a:pPr>
-            <a:endParaRPr lang="en-US" dirty="0" smtClean="0">
-              <a:latin typeface="Times New Roman" panose="02020603050405020304" pitchFamily="18" charset="0"/>
-              <a:cs typeface="Times New Roman" panose="02020603050405020304" pitchFamily="18" charset="0"/>
-            </a:endParaRPr>
-          </a:p>
-          <a:p>
-            <a:pPr marL="0" indent="0">
-              <a:buNone/>
-            </a:pPr>
-            <a:r>
-              <a:rPr lang="en-US" dirty="0" smtClean="0">
-                <a:latin typeface="Times New Roman" panose="02020603050405020304" pitchFamily="18" charset="0"/>
-                <a:cs typeface="Times New Roman" panose="02020603050405020304" pitchFamily="18" charset="0"/>
-              </a:rPr>
-              <a:t>There </a:t>
-            </a:r>
-            <a:r>
-              <a:rPr lang="en-US" dirty="0">
-                <a:latin typeface="Times New Roman" panose="02020603050405020304" pitchFamily="18" charset="0"/>
-                <a:cs typeface="Times New Roman" panose="02020603050405020304" pitchFamily="18" charset="0"/>
-              </a:rPr>
-              <a:t>are 4 variants of subjects:</a:t>
-            </a:r>
-          </a:p>
-          <a:p>
-            <a:r>
-              <a:rPr lang="en-US" b="1" dirty="0">
-                <a:latin typeface="Times New Roman" panose="02020603050405020304" pitchFamily="18" charset="0"/>
-                <a:cs typeface="Times New Roman" panose="02020603050405020304" pitchFamily="18" charset="0"/>
-              </a:rPr>
-              <a:t>Subject</a:t>
-            </a:r>
-            <a:r>
-              <a:rPr lang="en-US" dirty="0">
-                <a:latin typeface="Times New Roman" panose="02020603050405020304" pitchFamily="18" charset="0"/>
-                <a:cs typeface="Times New Roman" panose="02020603050405020304" pitchFamily="18" charset="0"/>
-              </a:rPr>
-              <a:t> - No </a:t>
-            </a:r>
-            <a:r>
-              <a:rPr lang="en-US" dirty="0" err="1">
-                <a:latin typeface="Times New Roman" panose="02020603050405020304" pitchFamily="18" charset="0"/>
-                <a:cs typeface="Times New Roman" panose="02020603050405020304" pitchFamily="18" charset="0"/>
-              </a:rPr>
-              <a:t>intial</a:t>
-            </a:r>
-            <a:r>
-              <a:rPr lang="en-US" dirty="0">
-                <a:latin typeface="Times New Roman" panose="02020603050405020304" pitchFamily="18" charset="0"/>
-                <a:cs typeface="Times New Roman" panose="02020603050405020304" pitchFamily="18" charset="0"/>
-              </a:rPr>
-              <a:t> value or replay behavior.</a:t>
-            </a:r>
-          </a:p>
-          <a:p>
-            <a:r>
-              <a:rPr lang="en-US" b="1" dirty="0" err="1">
-                <a:latin typeface="Times New Roman" panose="02020603050405020304" pitchFamily="18" charset="0"/>
-                <a:cs typeface="Times New Roman" panose="02020603050405020304" pitchFamily="18" charset="0"/>
-              </a:rPr>
-              <a:t>AsyncSubject</a:t>
-            </a:r>
-            <a:r>
-              <a:rPr lang="en-US" dirty="0">
-                <a:latin typeface="Times New Roman" panose="02020603050405020304" pitchFamily="18" charset="0"/>
-                <a:cs typeface="Times New Roman" panose="02020603050405020304" pitchFamily="18" charset="0"/>
-              </a:rPr>
-              <a:t> - Emits latest value to observers upon completion.</a:t>
-            </a:r>
-          </a:p>
-          <a:p>
-            <a:r>
-              <a:rPr lang="en-US" b="1" dirty="0" err="1">
-                <a:latin typeface="Times New Roman" panose="02020603050405020304" pitchFamily="18" charset="0"/>
-                <a:cs typeface="Times New Roman" panose="02020603050405020304" pitchFamily="18" charset="0"/>
-              </a:rPr>
-              <a:t>BehaviorSubject</a:t>
-            </a:r>
-            <a:r>
-              <a:rPr lang="en-US" dirty="0">
-                <a:latin typeface="Times New Roman" panose="02020603050405020304" pitchFamily="18" charset="0"/>
-                <a:cs typeface="Times New Roman" panose="02020603050405020304" pitchFamily="18" charset="0"/>
-              </a:rPr>
-              <a:t> - Requires an initial value and emits its current value (last emitted item) to new subscribers.</a:t>
-            </a:r>
-          </a:p>
-          <a:p>
-            <a:r>
-              <a:rPr lang="en-US" b="1" dirty="0" err="1">
-                <a:latin typeface="Times New Roman" panose="02020603050405020304" pitchFamily="18" charset="0"/>
-                <a:cs typeface="Times New Roman" panose="02020603050405020304" pitchFamily="18" charset="0"/>
-              </a:rPr>
-              <a:t>ReplaySubject</a:t>
-            </a:r>
-            <a:r>
-              <a:rPr lang="en-US" dirty="0">
-                <a:latin typeface="Times New Roman" panose="02020603050405020304" pitchFamily="18" charset="0"/>
-                <a:cs typeface="Times New Roman" panose="02020603050405020304" pitchFamily="18" charset="0"/>
-              </a:rPr>
-              <a:t> - Emits specified number of last emitted values (a replay) to new subscribers</a:t>
-            </a:r>
-            <a:r>
-              <a:rPr lang="en-US" dirty="0" smtClean="0">
-                <a:latin typeface="Times New Roman" panose="02020603050405020304" pitchFamily="18" charset="0"/>
-                <a:cs typeface="Times New Roman" panose="02020603050405020304" pitchFamily="18" charset="0"/>
-              </a:rPr>
-              <a:t>.</a:t>
-            </a:r>
-          </a:p>
-          <a:p>
-            <a:pPr marL="0" indent="0">
-              <a:buNone/>
-            </a:pPr>
-            <a:r>
-              <a:rPr lang="en-US" dirty="0" smtClean="0">
-                <a:latin typeface="Times New Roman" panose="02020603050405020304" pitchFamily="18" charset="0"/>
-                <a:cs typeface="Times New Roman" panose="02020603050405020304" pitchFamily="18" charset="0"/>
-              </a:rPr>
-              <a:t>Small Demo</a:t>
-            </a:r>
             <a:endParaRPr lang="en-US" dirty="0">
               <a:latin typeface="Times New Roman" panose="02020603050405020304" pitchFamily="18" charset="0"/>
               <a:cs typeface="Times New Roman" panose="02020603050405020304" pitchFamily="18" charset="0"/>
             </a:endParaRPr>
+          </a:p>
+          <a:p>
+            <a:pPr marL="0" indent="0">
+              <a:buNone/>
+            </a:pPr>
+            <a:r>
+              <a:rPr lang="en-US" dirty="0">
+                <a:latin typeface="Times New Roman" panose="02020603050405020304" pitchFamily="18" charset="0"/>
+                <a:cs typeface="Times New Roman" panose="02020603050405020304" pitchFamily="18" charset="0"/>
+              </a:rPr>
+              <a:t>There are 4 variants of subjects:</a:t>
+            </a:r>
+          </a:p>
+          <a:p>
+            <a:r>
+              <a:rPr lang="en-US" b="1" dirty="0">
+                <a:latin typeface="Times New Roman" panose="02020603050405020304" pitchFamily="18" charset="0"/>
+                <a:cs typeface="Times New Roman" panose="02020603050405020304" pitchFamily="18" charset="0"/>
+              </a:rPr>
+              <a:t>Subject</a:t>
+            </a:r>
+            <a:r>
+              <a:rPr lang="en-US" dirty="0">
+                <a:latin typeface="Times New Roman" panose="02020603050405020304" pitchFamily="18" charset="0"/>
+                <a:cs typeface="Times New Roman" panose="02020603050405020304" pitchFamily="18" charset="0"/>
+              </a:rPr>
+              <a:t> - No </a:t>
+            </a:r>
+            <a:r>
+              <a:rPr lang="en-US" dirty="0" err="1">
+                <a:latin typeface="Times New Roman" panose="02020603050405020304" pitchFamily="18" charset="0"/>
+                <a:cs typeface="Times New Roman" panose="02020603050405020304" pitchFamily="18" charset="0"/>
+              </a:rPr>
+              <a:t>intial</a:t>
+            </a:r>
+            <a:r>
+              <a:rPr lang="en-US" dirty="0">
+                <a:latin typeface="Times New Roman" panose="02020603050405020304" pitchFamily="18" charset="0"/>
+                <a:cs typeface="Times New Roman" panose="02020603050405020304" pitchFamily="18" charset="0"/>
+              </a:rPr>
+              <a:t> value or replay behavior.</a:t>
+            </a:r>
+          </a:p>
+          <a:p>
+            <a:r>
+              <a:rPr lang="en-US" b="1" dirty="0" err="1">
+                <a:latin typeface="Times New Roman" panose="02020603050405020304" pitchFamily="18" charset="0"/>
+                <a:cs typeface="Times New Roman" panose="02020603050405020304" pitchFamily="18" charset="0"/>
+              </a:rPr>
+              <a:t>AsyncSubject</a:t>
+            </a:r>
+            <a:r>
+              <a:rPr lang="en-US" dirty="0">
+                <a:latin typeface="Times New Roman" panose="02020603050405020304" pitchFamily="18" charset="0"/>
+                <a:cs typeface="Times New Roman" panose="02020603050405020304" pitchFamily="18" charset="0"/>
+              </a:rPr>
+              <a:t> - Emits latest value to observers upon completion.</a:t>
+            </a:r>
+          </a:p>
+          <a:p>
+            <a:r>
+              <a:rPr lang="en-US" b="1" dirty="0" err="1">
+                <a:latin typeface="Times New Roman" panose="02020603050405020304" pitchFamily="18" charset="0"/>
+                <a:cs typeface="Times New Roman" panose="02020603050405020304" pitchFamily="18" charset="0"/>
+              </a:rPr>
+              <a:t>BehaviorSubject</a:t>
+            </a:r>
+            <a:r>
+              <a:rPr lang="en-US" dirty="0">
+                <a:latin typeface="Times New Roman" panose="02020603050405020304" pitchFamily="18" charset="0"/>
+                <a:cs typeface="Times New Roman" panose="02020603050405020304" pitchFamily="18" charset="0"/>
+              </a:rPr>
+              <a:t> - Requires an initial value and emits its current value (last emitted item) to new subscribers.</a:t>
+            </a:r>
+          </a:p>
+          <a:p>
+            <a:r>
+              <a:rPr lang="en-US" b="1" dirty="0" err="1">
+                <a:latin typeface="Times New Roman" panose="02020603050405020304" pitchFamily="18" charset="0"/>
+                <a:cs typeface="Times New Roman" panose="02020603050405020304" pitchFamily="18" charset="0"/>
+              </a:rPr>
+              <a:t>ReplaySubject</a:t>
+            </a:r>
+            <a:r>
+              <a:rPr lang="en-US" dirty="0">
+                <a:latin typeface="Times New Roman" panose="02020603050405020304" pitchFamily="18" charset="0"/>
+                <a:cs typeface="Times New Roman" panose="02020603050405020304" pitchFamily="18" charset="0"/>
+              </a:rPr>
+              <a:t> - Emits specified number of last emitted values (a replay) to new subscribers.</a:t>
+            </a:r>
+          </a:p>
+          <a:p>
+            <a:pPr marL="0" indent="0">
+              <a:buNone/>
+            </a:pPr>
+            <a:r>
+              <a:rPr lang="en-US" dirty="0">
+                <a:latin typeface="Times New Roman" panose="02020603050405020304" pitchFamily="18" charset="0"/>
+                <a:cs typeface="Times New Roman" panose="02020603050405020304" pitchFamily="18" charset="0"/>
+              </a:rPr>
+              <a:t>Small Demo</a:t>
+            </a:r>
           </a:p>
         </p:txBody>
       </p:sp>
@@ -8957,13 +8524,6 @@
   <p:clrMapOvr>
     <a:masterClrMapping/>
   </p:clrMapOvr>
-  <p:timing>
-    <p:tnLst>
-      <p:par>
-        <p:cTn id="1" dur="indefinite" restart="never" nodeType="tmRoot"/>
-      </p:par>
-    </p:tnLst>
-  </p:timing>
 </p:sld>
 </file>
 
@@ -9002,7 +8562,7 @@
           <a:lstStyle/>
           <a:p>
             <a:r>
-              <a:rPr lang="nl-NL" sz="5500" dirty="0" smtClean="0">
+              <a:rPr lang="nl-NL" sz="5500" dirty="0">
                 <a:latin typeface="Times New Roman" panose="02020603050405020304" pitchFamily="18" charset="0"/>
                 <a:cs typeface="Times New Roman" panose="02020603050405020304" pitchFamily="18" charset="0"/>
               </a:rPr>
@@ -9033,14 +8593,14 @@
               <a:buNone/>
             </a:pPr>
             <a:r>
-              <a:rPr lang="en-US" dirty="0" err="1" smtClean="0">
+              <a:rPr lang="en-US" dirty="0" err="1">
                 <a:latin typeface="Times New Roman" panose="02020603050405020304" pitchFamily="18" charset="0"/>
                 <a:cs typeface="Times New Roman" panose="02020603050405020304" pitchFamily="18" charset="0"/>
               </a:rPr>
               <a:t>SwitchMap</a:t>
             </a:r>
             <a:r>
-              <a:rPr lang="en-US" dirty="0" smtClean="0">
+              <a:rPr lang="en-US" dirty="0">
                 <a:latin typeface="Times New Roman" panose="02020603050405020304" pitchFamily="18" charset="0"/>
                 <a:cs typeface="Times New Roman" panose="02020603050405020304" pitchFamily="18" charset="0"/>
               </a:rPr>
@@ -9049,18 +8609,11 @@
           </a:p>
           <a:p>
             <a:r>
-              <a:rPr lang="en-US" dirty="0" smtClean="0">
-                <a:latin typeface="Times New Roman" panose="02020603050405020304" pitchFamily="18" charset="0"/>
-                <a:cs typeface="Times New Roman" panose="02020603050405020304" pitchFamily="18" charset="0"/>
-              </a:rPr>
-              <a:t>The </a:t>
-            </a:r>
-            <a:r>
               <a:rPr lang="en-US" dirty="0">
                 <a:latin typeface="Times New Roman" panose="02020603050405020304" pitchFamily="18" charset="0"/>
                 <a:cs typeface="Times New Roman" panose="02020603050405020304" pitchFamily="18" charset="0"/>
               </a:rPr>
-              <a:t>main difference between </a:t>
+              <a:t>The main difference between </a:t>
             </a:r>
             <a:r>
               <a:rPr lang="en-US" dirty="0" err="1">
@@ -9074,55 +8627,20 @@
                 <a:latin typeface="Times New Roman" panose="02020603050405020304" pitchFamily="18" charset="0"/>
                 <a:cs typeface="Times New Roman" panose="02020603050405020304" pitchFamily="18" charset="0"/>
               </a:rPr>
-              <a:t> and other flattening operators is the cancelling effect. On each emission the previous inner observable (the result of the function you supplied) is cancelled and the new observable is </a:t>
-            </a:r>
-            <a:r>
-              <a:rPr lang="en-US" dirty="0" smtClean="0">
-                <a:latin typeface="Times New Roman" panose="02020603050405020304" pitchFamily="18" charset="0"/>
-                <a:cs typeface="Times New Roman" panose="02020603050405020304" pitchFamily="18" charset="0"/>
-              </a:rPr>
-              <a:t>subscribed (</a:t>
-            </a:r>
+              <a:t> and other flattening operators is the cancelling effect. On each emission the previous inner observable (the result of the function you supplied) is cancelled and the new observable is subscribed (if new emitted value emit fast enough).</a:t>
+            </a:r>
+          </a:p>
+          <a:p>
             <a:r>
               <a:rPr lang="en-US" dirty="0">
                 <a:latin typeface="Times New Roman" panose="02020603050405020304" pitchFamily="18" charset="0"/>
                 <a:cs typeface="Times New Roman" panose="02020603050405020304" pitchFamily="18" charset="0"/>
               </a:rPr>
-              <a:t>if new emitted value emit fast </a:t>
-            </a:r>
-            <a:r>
-              <a:rPr lang="en-US" dirty="0" smtClean="0">
-                <a:latin typeface="Times New Roman" panose="02020603050405020304" pitchFamily="18" charset="0"/>
-                <a:cs typeface="Times New Roman" panose="02020603050405020304" pitchFamily="18" charset="0"/>
-              </a:rPr>
-              <a:t>enough).</a:t>
-            </a:r>
-          </a:p>
-          <a:p>
-            <a:r>
-              <a:rPr lang="en-US" dirty="0" smtClean="0">
-                <a:latin typeface="Times New Roman" panose="02020603050405020304" pitchFamily="18" charset="0"/>
-                <a:cs typeface="Times New Roman" panose="02020603050405020304" pitchFamily="18" charset="0"/>
-              </a:rPr>
-              <a:t> </a:t>
-            </a:r>
-            <a:r>
-              <a:rPr lang="en-US" dirty="0">
-                <a:latin typeface="Times New Roman" panose="02020603050405020304" pitchFamily="18" charset="0"/>
-                <a:cs typeface="Times New Roman" panose="02020603050405020304" pitchFamily="18" charset="0"/>
-              </a:rPr>
-              <a:t>You can remember this by the phrase switch to a new observable</a:t>
-            </a:r>
-            <a:r>
-              <a:rPr lang="en-US" dirty="0" smtClean="0">
-                <a:latin typeface="Times New Roman" panose="02020603050405020304" pitchFamily="18" charset="0"/>
-                <a:cs typeface="Times New Roman" panose="02020603050405020304" pitchFamily="18" charset="0"/>
-              </a:rPr>
-              <a:t>.</a:t>
-            </a:r>
-          </a:p>
-          <a:p>
-            <a:endParaRPr lang="en-US" dirty="0" smtClean="0">
+              <a:t> You can remember this by the phrase switch to a new observable.</a:t>
+            </a:r>
+          </a:p>
+          <a:p>
+            <a:endParaRPr lang="en-US" dirty="0">
               <a:latin typeface="Times New Roman" panose="02020603050405020304" pitchFamily="18" charset="0"/>
               <a:cs typeface="Times New Roman" panose="02020603050405020304" pitchFamily="18" charset="0"/>
               <a:hlinkClick r:id="rId2"/>
@@ -9130,20 +8648,12 @@
           </a:p>
           <a:p>
             <a:r>
-              <a:rPr lang="en-US" dirty="0" smtClean="0">
+              <a:rPr lang="en-US" dirty="0">
                 <a:latin typeface="Times New Roman" panose="02020603050405020304" pitchFamily="18" charset="0"/>
                 <a:cs typeface="Times New Roman" panose="02020603050405020304" pitchFamily="18" charset="0"/>
                 <a:hlinkClick r:id="rId2"/>
               </a:rPr>
-              <a:t>https</a:t>
-            </a:r>
-            <a:r>
-              <a:rPr lang="en-US" dirty="0">
-                <a:latin typeface="Times New Roman" panose="02020603050405020304" pitchFamily="18" charset="0"/>
-                <a:cs typeface="Times New Roman" panose="02020603050405020304" pitchFamily="18" charset="0"/>
-                <a:hlinkClick r:id="rId2"/>
-              </a:rPr>
-              <a:t>://stackblitz.com/edit/typescript-s4pvix?file=index.ts&amp;devtoolsheight=100</a:t>
+              <a:t>https://stackblitz.com/edit/typescript-s4pvix?file=index.ts&amp;devtoolsheight=100</a:t>
             </a:r>
             <a:endParaRPr lang="en-US" dirty="0">
               <a:latin typeface="Times New Roman" panose="02020603050405020304" pitchFamily="18" charset="0"/>
@@ -9162,13 +8672,6 @@
   <p:clrMapOvr>
     <a:masterClrMapping/>
   </p:clrMapOvr>
-  <p:timing>
-    <p:tnLst>
-      <p:par>
-        <p:cTn id="1" dur="indefinite" restart="never" nodeType="tmRoot"/>
-      </p:par>
-    </p:tnLst>
-  </p:timing>
 </p:sld>
 </file>
 

--- a/RXJS Make it easy/RXJS Make it easy.pptx
+++ b/RXJS Make it easy/RXJS Make it easy.pptx
@@ -5,7 +5,7 @@
     <p:sldMasterId id="2147483750" r:id="rId1"/>
   </p:sldMasterIdLst>
   <p:notesMasterIdLst>
-    <p:notesMasterId r:id="rId20"/>
+    <p:notesMasterId r:id="rId21"/>
   </p:notesMasterIdLst>
   <p:sldIdLst>
     <p:sldId id="256" r:id="rId2"/>
@@ -25,7 +25,8 @@
     <p:sldId id="269" r:id="rId16"/>
     <p:sldId id="268" r:id="rId17"/>
     <p:sldId id="273" r:id="rId18"/>
-    <p:sldId id="261" r:id="rId19"/>
+    <p:sldId id="274" r:id="rId19"/>
+    <p:sldId id="261" r:id="rId20"/>
   </p:sldIdLst>
   <p:sldSz cx="12192000" cy="6858000"/>
   <p:notesSz cx="6858000" cy="9144000"/>
@@ -214,7 +215,7 @@
           <a:p>
             <a:fld id="{8F4A43FB-D854-4B89-9ABE-FF95F96787A3}" type="datetimeFigureOut">
               <a:rPr lang="en-US" smtClean="0"/>
-              <a:t>8/13/2019</a:t>
+              <a:t>8/15/2019</a:t>
             </a:fld>
             <a:endParaRPr lang="en-US"/>
           </a:p>
@@ -790,7 +791,7 @@
           <a:p>
             <a:fld id="{B9631ECC-CD42-4DF8-BF30-7048DD08762F}" type="datetimeFigureOut">
               <a:rPr lang="en-US" smtClean="0"/>
-              <a:t>8/13/2019</a:t>
+              <a:t>8/15/2019</a:t>
             </a:fld>
             <a:endParaRPr lang="en-US"/>
           </a:p>
@@ -1076,7 +1077,7 @@
           <a:p>
             <a:fld id="{B9631ECC-CD42-4DF8-BF30-7048DD08762F}" type="datetimeFigureOut">
               <a:rPr lang="en-US" smtClean="0"/>
-              <a:t>8/13/2019</a:t>
+              <a:t>8/15/2019</a:t>
             </a:fld>
             <a:endParaRPr lang="en-US"/>
           </a:p>
@@ -1268,7 +1269,7 @@
           <a:p>
             <a:fld id="{B9631ECC-CD42-4DF8-BF30-7048DD08762F}" type="datetimeFigureOut">
               <a:rPr lang="en-US" smtClean="0"/>
-              <a:t>8/13/2019</a:t>
+              <a:t>8/15/2019</a:t>
             </a:fld>
             <a:endParaRPr lang="en-US"/>
           </a:p>
@@ -1529,7 +1530,7 @@
           <a:p>
             <a:fld id="{B9631ECC-CD42-4DF8-BF30-7048DD08762F}" type="datetimeFigureOut">
               <a:rPr lang="en-US" smtClean="0"/>
-              <a:t>8/13/2019</a:t>
+              <a:t>8/15/2019</a:t>
             </a:fld>
             <a:endParaRPr lang="en-US"/>
           </a:p>
@@ -1955,7 +1956,7 @@
           <a:p>
             <a:fld id="{B9631ECC-CD42-4DF8-BF30-7048DD08762F}" type="datetimeFigureOut">
               <a:rPr lang="en-US" smtClean="0"/>
-              <a:t>8/13/2019</a:t>
+              <a:t>8/15/2019</a:t>
             </a:fld>
             <a:endParaRPr lang="en-US"/>
           </a:p>
@@ -2501,7 +2502,7 @@
           <a:p>
             <a:fld id="{B9631ECC-CD42-4DF8-BF30-7048DD08762F}" type="datetimeFigureOut">
               <a:rPr lang="en-US" smtClean="0"/>
-              <a:t>8/13/2019</a:t>
+              <a:t>8/15/2019</a:t>
             </a:fld>
             <a:endParaRPr lang="en-US"/>
           </a:p>
@@ -3332,7 +3333,7 @@
           <a:p>
             <a:fld id="{B9631ECC-CD42-4DF8-BF30-7048DD08762F}" type="datetimeFigureOut">
               <a:rPr lang="en-US" smtClean="0"/>
-              <a:t>8/13/2019</a:t>
+              <a:t>8/15/2019</a:t>
             </a:fld>
             <a:endParaRPr lang="en-US"/>
           </a:p>
@@ -3502,7 +3503,7 @@
           <a:p>
             <a:fld id="{B9631ECC-CD42-4DF8-BF30-7048DD08762F}" type="datetimeFigureOut">
               <a:rPr lang="en-US" smtClean="0"/>
-              <a:t>8/13/2019</a:t>
+              <a:t>8/15/2019</a:t>
             </a:fld>
             <a:endParaRPr lang="en-US"/>
           </a:p>
@@ -3682,7 +3683,7 @@
           <a:p>
             <a:fld id="{B9631ECC-CD42-4DF8-BF30-7048DD08762F}" type="datetimeFigureOut">
               <a:rPr lang="en-US" smtClean="0"/>
-              <a:t>8/13/2019</a:t>
+              <a:t>8/15/2019</a:t>
             </a:fld>
             <a:endParaRPr lang="en-US"/>
           </a:p>
@@ -3857,7 +3858,7 @@
           <a:p>
             <a:fld id="{B9631ECC-CD42-4DF8-BF30-7048DD08762F}" type="datetimeFigureOut">
               <a:rPr lang="en-US" smtClean="0"/>
-              <a:t>8/13/2019</a:t>
+              <a:t>8/15/2019</a:t>
             </a:fld>
             <a:endParaRPr lang="en-US"/>
           </a:p>
@@ -4114,7 +4115,7 @@
           <a:p>
             <a:fld id="{B9631ECC-CD42-4DF8-BF30-7048DD08762F}" type="datetimeFigureOut">
               <a:rPr lang="en-US" smtClean="0"/>
-              <a:t>8/13/2019</a:t>
+              <a:t>8/15/2019</a:t>
             </a:fld>
             <a:endParaRPr lang="en-US"/>
           </a:p>
@@ -4351,7 +4352,7 @@
           <a:p>
             <a:fld id="{B9631ECC-CD42-4DF8-BF30-7048DD08762F}" type="datetimeFigureOut">
               <a:rPr lang="en-US" smtClean="0"/>
-              <a:t>8/13/2019</a:t>
+              <a:t>8/15/2019</a:t>
             </a:fld>
             <a:endParaRPr lang="en-US"/>
           </a:p>
@@ -4744,7 +4745,7 @@
           <a:p>
             <a:fld id="{B9631ECC-CD42-4DF8-BF30-7048DD08762F}" type="datetimeFigureOut">
               <a:rPr lang="en-US" smtClean="0"/>
-              <a:t>8/13/2019</a:t>
+              <a:t>8/15/2019</a:t>
             </a:fld>
             <a:endParaRPr lang="en-US"/>
           </a:p>
@@ -4862,7 +4863,7 @@
           <a:p>
             <a:fld id="{B9631ECC-CD42-4DF8-BF30-7048DD08762F}" type="datetimeFigureOut">
               <a:rPr lang="en-US" smtClean="0"/>
-              <a:t>8/13/2019</a:t>
+              <a:t>8/15/2019</a:t>
             </a:fld>
             <a:endParaRPr lang="en-US"/>
           </a:p>
@@ -4957,7 +4958,7 @@
           <a:p>
             <a:fld id="{B9631ECC-CD42-4DF8-BF30-7048DD08762F}" type="datetimeFigureOut">
               <a:rPr lang="en-US" smtClean="0"/>
-              <a:t>8/13/2019</a:t>
+              <a:t>8/15/2019</a:t>
             </a:fld>
             <a:endParaRPr lang="en-US"/>
           </a:p>
@@ -5230,7 +5231,7 @@
           <a:p>
             <a:fld id="{B9631ECC-CD42-4DF8-BF30-7048DD08762F}" type="datetimeFigureOut">
               <a:rPr lang="en-US" smtClean="0"/>
-              <a:t>8/13/2019</a:t>
+              <a:t>8/15/2019</a:t>
             </a:fld>
             <a:endParaRPr lang="en-US"/>
           </a:p>
@@ -5511,7 +5512,7 @@
           <a:p>
             <a:fld id="{B9631ECC-CD42-4DF8-BF30-7048DD08762F}" type="datetimeFigureOut">
               <a:rPr lang="en-US" smtClean="0"/>
-              <a:t>8/13/2019</a:t>
+              <a:t>8/15/2019</a:t>
             </a:fld>
             <a:endParaRPr lang="en-US"/>
           </a:p>
@@ -5751,7 +5752,7 @@
           <a:p>
             <a:fld id="{B9631ECC-CD42-4DF8-BF30-7048DD08762F}" type="datetimeFigureOut">
               <a:rPr lang="en-US" smtClean="0"/>
-              <a:t>8/13/2019</a:t>
+              <a:t>8/15/2019</a:t>
             </a:fld>
             <a:endParaRPr lang="en-US"/>
           </a:p>
@@ -6426,6 +6427,13 @@
           </a:bodyPr>
           <a:lstStyle/>
           <a:p>
+            <a:r>
+              <a:rPr lang="nl-NL" sz="5500" dirty="0">
+                <a:latin typeface="Times New Roman" panose="02020603050405020304" pitchFamily="18" charset="0"/>
+                <a:cs typeface="Times New Roman" panose="02020603050405020304" pitchFamily="18" charset="0"/>
+              </a:rPr>
+              <a:t/>
+            </a:r>
             <a:br>
               <a:rPr lang="nl-NL" sz="5500" dirty="0">
                 <a:latin typeface="Times New Roman" panose="02020603050405020304" pitchFamily="18" charset="0"/>
@@ -6581,6 +6589,13 @@
           </a:bodyPr>
           <a:lstStyle/>
           <a:p>
+            <a:r>
+              <a:rPr lang="nl-NL" dirty="0">
+                <a:latin typeface="Times New Roman" panose="02020603050405020304" pitchFamily="18" charset="0"/>
+                <a:cs typeface="Times New Roman" panose="02020603050405020304" pitchFamily="18" charset="0"/>
+              </a:rPr>
+              <a:t/>
+            </a:r>
             <a:br>
               <a:rPr lang="nl-NL" dirty="0">
                 <a:latin typeface="Times New Roman" panose="02020603050405020304" pitchFamily="18" charset="0"/>
@@ -7311,6 +7326,13 @@
           </a:bodyPr>
           <a:lstStyle/>
           <a:p>
+            <a:r>
+              <a:rPr lang="nl-NL" sz="5500" dirty="0">
+                <a:latin typeface="Times New Roman" panose="02020603050405020304" pitchFamily="18" charset="0"/>
+                <a:cs typeface="Times New Roman" panose="02020603050405020304" pitchFamily="18" charset="0"/>
+              </a:rPr>
+              <a:t/>
+            </a:r>
             <a:br>
               <a:rPr lang="nl-NL" sz="5500" dirty="0">
                 <a:latin typeface="Times New Roman" panose="02020603050405020304" pitchFamily="18" charset="0"/>
@@ -7465,118 +7487,211 @@
         <p:spPr/>
         <p:txBody>
           <a:bodyPr>
-            <a:noAutofit/>
+            <a:normAutofit/>
           </a:bodyPr>
           <a:lstStyle/>
           <a:p>
-            <a:br>
-              <a:rPr lang="nl-NL" sz="5500" dirty="0">
-                <a:latin typeface="Times New Roman" panose="02020603050405020304" pitchFamily="18" charset="0"/>
-                <a:cs typeface="Times New Roman" panose="02020603050405020304" pitchFamily="18" charset="0"/>
-              </a:rPr>
-            </a:br>
-            <a:r>
-              <a:rPr lang="nl-NL" sz="5500" dirty="0">
-                <a:latin typeface="Times New Roman" panose="02020603050405020304" pitchFamily="18" charset="0"/>
-                <a:cs typeface="Times New Roman" panose="02020603050405020304" pitchFamily="18" charset="0"/>
-              </a:rPr>
-              <a:t>Useful resource</a:t>
-            </a:r>
-            <a:br>
-              <a:rPr lang="en-US" sz="5500" dirty="0">
-                <a:latin typeface="Times New Roman" panose="02020603050405020304" pitchFamily="18" charset="0"/>
-                <a:cs typeface="Times New Roman" panose="02020603050405020304" pitchFamily="18" charset="0"/>
-              </a:rPr>
-            </a:br>
-            <a:endParaRPr lang="en-US" sz="5500" dirty="0"/>
-          </a:p>
-        </p:txBody>
-      </p:sp>
-      <p:sp>
-        <p:nvSpPr>
-          <p:cNvPr id="3" name="Content Placeholder 2"/>
-          <p:cNvSpPr>
-            <a:spLocks noGrp="1"/>
-          </p:cNvSpPr>
-          <p:nvPr>
-            <p:ph idx="1"/>
-          </p:nvPr>
-        </p:nvSpPr>
-        <p:spPr/>
-        <p:txBody>
-          <a:bodyPr>
-            <a:normAutofit lnSpcReduction="10000"/>
-          </a:bodyPr>
-          <a:lstStyle/>
-          <a:p>
-            <a:endParaRPr lang="en-US" sz="3000" dirty="0">
+            <a:r>
+              <a:rPr lang="nl-NL" sz="5500" dirty="0" smtClean="0">
+                <a:latin typeface="Times New Roman" panose="02020603050405020304" pitchFamily="18" charset="0"/>
+                <a:cs typeface="Times New Roman" panose="02020603050405020304" pitchFamily="18" charset="0"/>
+              </a:rPr>
+              <a:t>26 Common operators</a:t>
+            </a:r>
+            <a:endParaRPr lang="en-US" sz="5500" dirty="0">
               <a:latin typeface="Times New Roman" panose="02020603050405020304" pitchFamily="18" charset="0"/>
               <a:cs typeface="Times New Roman" panose="02020603050405020304" pitchFamily="18" charset="0"/>
             </a:endParaRPr>
           </a:p>
-          <a:p>
-            <a:r>
-              <a:rPr lang="en-US" sz="3000" dirty="0">
-                <a:latin typeface="Times New Roman" panose="02020603050405020304" pitchFamily="18" charset="0"/>
-                <a:cs typeface="Times New Roman" panose="02020603050405020304" pitchFamily="18" charset="0"/>
-              </a:rPr>
-              <a:t>https://www.learnrxjs.io/</a:t>
-            </a:r>
-          </a:p>
-          <a:p>
-            <a:r>
-              <a:rPr lang="en-US" sz="3000" dirty="0">
-                <a:latin typeface="Times New Roman" panose="02020603050405020304" pitchFamily="18" charset="0"/>
-                <a:cs typeface="Times New Roman" panose="02020603050405020304" pitchFamily="18" charset="0"/>
-              </a:rPr>
-              <a:t>https://thinkrx.io/</a:t>
-            </a:r>
-          </a:p>
-          <a:p>
-            <a:r>
-              <a:rPr lang="en-US" sz="3000" dirty="0">
-                <a:latin typeface="Times New Roman" panose="02020603050405020304" pitchFamily="18" charset="0"/>
-                <a:cs typeface="Times New Roman" panose="02020603050405020304" pitchFamily="18" charset="0"/>
-              </a:rPr>
-              <a:t>https://xgrommx.github.io/rx-book/content/which_operator_do_i_use/index.html</a:t>
-            </a:r>
-          </a:p>
-          <a:p>
-            <a:r>
-              <a:rPr lang="en-US" sz="3000" dirty="0">
-                <a:latin typeface="Times New Roman" panose="02020603050405020304" pitchFamily="18" charset="0"/>
-                <a:cs typeface="Times New Roman" panose="02020603050405020304" pitchFamily="18" charset="0"/>
-              </a:rPr>
-              <a:t>https://youtu.be/_q-HL9YX_pk</a:t>
-            </a:r>
-          </a:p>
-          <a:p>
-            <a:r>
-              <a:rPr lang="en-US" sz="3000" dirty="0">
-                <a:latin typeface="Times New Roman" panose="02020603050405020304" pitchFamily="18" charset="0"/>
-                <a:cs typeface="Times New Roman" panose="02020603050405020304" pitchFamily="18" charset="0"/>
-              </a:rPr>
-              <a:t>https://youtu.be/ak3MvMn8u18</a:t>
-            </a:r>
-          </a:p>
-          <a:p>
-            <a:r>
-              <a:rPr lang="en-US" sz="3000" dirty="0">
-                <a:latin typeface="Times New Roman" panose="02020603050405020304" pitchFamily="18" charset="0"/>
-                <a:cs typeface="Times New Roman" panose="02020603050405020304" pitchFamily="18" charset="0"/>
-              </a:rPr>
-              <a:t>https://blog.angular-university.io/rxjs-higher-order-mapping/</a:t>
-            </a:r>
-          </a:p>
-          <a:p>
-            <a:r>
-              <a:rPr lang="en-US" sz="3200" dirty="0"/>
-              <a:t>https://rxjs-dev.firebaseapp.com/operator-decision-tree</a:t>
-            </a:r>
-            <a:endParaRPr lang="en-US" sz="3000" dirty="0">
+        </p:txBody>
+      </p:sp>
+      <p:sp>
+        <p:nvSpPr>
+          <p:cNvPr id="3" name="Content Placeholder 2"/>
+          <p:cNvSpPr>
+            <a:spLocks noGrp="1"/>
+          </p:cNvSpPr>
+          <p:nvPr>
+            <p:ph idx="1"/>
+          </p:nvPr>
+        </p:nvSpPr>
+        <p:spPr/>
+        <p:txBody>
+          <a:bodyPr/>
+          <a:lstStyle/>
+          <a:p>
+            <a:endParaRPr lang="en-US"/>
+          </a:p>
+        </p:txBody>
+      </p:sp>
+    </p:spTree>
+    <p:extLst>
+      <p:ext uri="{BB962C8B-B14F-4D97-AF65-F5344CB8AC3E}">
+        <p14:creationId xmlns:p14="http://schemas.microsoft.com/office/powerpoint/2010/main" val="1314046799"/>
+      </p:ext>
+    </p:extLst>
+  </p:cSld>
+  <p:clrMapOvr>
+    <a:masterClrMapping/>
+  </p:clrMapOvr>
+</p:sld>
+</file>
+
+<file path=ppt/slides/slide19.xml><?xml version="1.0" encoding="utf-8"?>
+<p:sld xmlns:a="http://schemas.openxmlformats.org/drawingml/2006/main" xmlns:r="http://schemas.openxmlformats.org/officeDocument/2006/relationships" xmlns:p="http://schemas.openxmlformats.org/presentationml/2006/main">
+  <p:cSld>
+    <p:spTree>
+      <p:nvGrpSpPr>
+        <p:cNvPr id="1" name=""/>
+        <p:cNvGrpSpPr/>
+        <p:nvPr/>
+      </p:nvGrpSpPr>
+      <p:grpSpPr>
+        <a:xfrm>
+          <a:off x="0" y="0"/>
+          <a:ext cx="0" cy="0"/>
+          <a:chOff x="0" y="0"/>
+          <a:chExt cx="0" cy="0"/>
+        </a:xfrm>
+      </p:grpSpPr>
+      <p:sp>
+        <p:nvSpPr>
+          <p:cNvPr id="2" name="Title 1"/>
+          <p:cNvSpPr>
+            <a:spLocks noGrp="1"/>
+          </p:cNvSpPr>
+          <p:nvPr>
+            <p:ph type="title"/>
+          </p:nvPr>
+        </p:nvSpPr>
+        <p:spPr/>
+        <p:txBody>
+          <a:bodyPr>
+            <a:noAutofit/>
+          </a:bodyPr>
+          <a:lstStyle/>
+          <a:p>
+            <a:r>
+              <a:rPr lang="nl-NL" sz="5500" dirty="0">
+                <a:latin typeface="Times New Roman" panose="02020603050405020304" pitchFamily="18" charset="0"/>
+                <a:cs typeface="Times New Roman" panose="02020603050405020304" pitchFamily="18" charset="0"/>
+              </a:rPr>
+              <a:t/>
+            </a:r>
+            <a:br>
+              <a:rPr lang="nl-NL" sz="5500" dirty="0">
+                <a:latin typeface="Times New Roman" panose="02020603050405020304" pitchFamily="18" charset="0"/>
+                <a:cs typeface="Times New Roman" panose="02020603050405020304" pitchFamily="18" charset="0"/>
+              </a:rPr>
+            </a:br>
+            <a:r>
+              <a:rPr lang="nl-NL" sz="5500" dirty="0">
+                <a:latin typeface="Times New Roman" panose="02020603050405020304" pitchFamily="18" charset="0"/>
+                <a:cs typeface="Times New Roman" panose="02020603050405020304" pitchFamily="18" charset="0"/>
+              </a:rPr>
+              <a:t>Useful resource</a:t>
+            </a:r>
+            <a:r>
+              <a:rPr lang="en-US" sz="5500" dirty="0">
+                <a:latin typeface="Times New Roman" panose="02020603050405020304" pitchFamily="18" charset="0"/>
+                <a:cs typeface="Times New Roman" panose="02020603050405020304" pitchFamily="18" charset="0"/>
+              </a:rPr>
+              <a:t/>
+            </a:r>
+            <a:br>
+              <a:rPr lang="en-US" sz="5500" dirty="0">
+                <a:latin typeface="Times New Roman" panose="02020603050405020304" pitchFamily="18" charset="0"/>
+                <a:cs typeface="Times New Roman" panose="02020603050405020304" pitchFamily="18" charset="0"/>
+              </a:rPr>
+            </a:br>
+            <a:endParaRPr lang="en-US" sz="5500" dirty="0"/>
+          </a:p>
+        </p:txBody>
+      </p:sp>
+      <p:sp>
+        <p:nvSpPr>
+          <p:cNvPr id="3" name="Content Placeholder 2"/>
+          <p:cNvSpPr>
+            <a:spLocks noGrp="1"/>
+          </p:cNvSpPr>
+          <p:nvPr>
+            <p:ph idx="1"/>
+          </p:nvPr>
+        </p:nvSpPr>
+        <p:spPr/>
+        <p:txBody>
+          <a:bodyPr>
+            <a:noAutofit/>
+          </a:bodyPr>
+          <a:lstStyle/>
+          <a:p>
+            <a:endParaRPr lang="en-US" sz="2500" dirty="0">
               <a:latin typeface="Times New Roman" panose="02020603050405020304" pitchFamily="18" charset="0"/>
               <a:cs typeface="Times New Roman" panose="02020603050405020304" pitchFamily="18" charset="0"/>
             </a:endParaRPr>
+          </a:p>
+          <a:p>
+            <a:r>
+              <a:rPr lang="en-US" sz="2500" dirty="0">
+                <a:latin typeface="Times New Roman" panose="02020603050405020304" pitchFamily="18" charset="0"/>
+                <a:cs typeface="Times New Roman" panose="02020603050405020304" pitchFamily="18" charset="0"/>
+              </a:rPr>
+              <a:t>https://www.learnrxjs.io/</a:t>
+            </a:r>
+          </a:p>
+          <a:p>
+            <a:r>
+              <a:rPr lang="en-US" sz="2500" dirty="0">
+                <a:latin typeface="Times New Roman" panose="02020603050405020304" pitchFamily="18" charset="0"/>
+                <a:cs typeface="Times New Roman" panose="02020603050405020304" pitchFamily="18" charset="0"/>
+              </a:rPr>
+              <a:t>https://thinkrx.io/</a:t>
+            </a:r>
+          </a:p>
+          <a:p>
+            <a:r>
+              <a:rPr lang="en-US" sz="2500" dirty="0">
+                <a:latin typeface="Times New Roman" panose="02020603050405020304" pitchFamily="18" charset="0"/>
+                <a:cs typeface="Times New Roman" panose="02020603050405020304" pitchFamily="18" charset="0"/>
+              </a:rPr>
+              <a:t>https://xgrommx.github.io/rx-book/content/which_operator_do_i_use/index.html</a:t>
+            </a:r>
+          </a:p>
+          <a:p>
+            <a:r>
+              <a:rPr lang="en-US" sz="2500" dirty="0">
+                <a:latin typeface="Times New Roman" panose="02020603050405020304" pitchFamily="18" charset="0"/>
+                <a:cs typeface="Times New Roman" panose="02020603050405020304" pitchFamily="18" charset="0"/>
+              </a:rPr>
+              <a:t>https://youtu.be/_q-HL9YX_pk</a:t>
+            </a:r>
+          </a:p>
+          <a:p>
+            <a:r>
+              <a:rPr lang="en-US" sz="2500" dirty="0">
+                <a:latin typeface="Times New Roman" panose="02020603050405020304" pitchFamily="18" charset="0"/>
+                <a:cs typeface="Times New Roman" panose="02020603050405020304" pitchFamily="18" charset="0"/>
+              </a:rPr>
+              <a:t>https://youtu.be/ak3MvMn8u18</a:t>
+            </a:r>
+          </a:p>
+          <a:p>
+            <a:r>
+              <a:rPr lang="en-US" sz="2500" dirty="0">
+                <a:latin typeface="Times New Roman" panose="02020603050405020304" pitchFamily="18" charset="0"/>
+                <a:cs typeface="Times New Roman" panose="02020603050405020304" pitchFamily="18" charset="0"/>
+              </a:rPr>
+              <a:t>https://blog.angular-university.io/rxjs-higher-order-mapping/</a:t>
+            </a:r>
+          </a:p>
+          <a:p>
+            <a:r>
+              <a:rPr lang="en-US" sz="2500" dirty="0">
+                <a:latin typeface="Times New Roman" panose="02020603050405020304" pitchFamily="18" charset="0"/>
+                <a:cs typeface="Times New Roman" panose="02020603050405020304" pitchFamily="18" charset="0"/>
+              </a:rPr>
+              <a:t>https://rxjs-dev.firebaseapp.com/operator-decision-tree</a:t>
+            </a:r>
           </a:p>
         </p:txBody>
       </p:sp>
@@ -7702,11 +7817,18 @@
           </a:p>
           <a:p>
             <a:r>
+              <a:rPr lang="nl-NL" dirty="0" smtClean="0">
+                <a:latin typeface="Times New Roman" panose="02020603050405020304" pitchFamily="18" charset="0"/>
+                <a:cs typeface="Times New Roman" panose="02020603050405020304" pitchFamily="18" charset="0"/>
+              </a:rPr>
+              <a:t>26 </a:t>
+            </a:r>
+            <a:r>
               <a:rPr lang="nl-NL" dirty="0">
                 <a:latin typeface="Times New Roman" panose="02020603050405020304" pitchFamily="18" charset="0"/>
                 <a:cs typeface="Times New Roman" panose="02020603050405020304" pitchFamily="18" charset="0"/>
               </a:rPr>
-              <a:t>25 Common operators in RXJS</a:t>
+              <a:t>Common operators in RXJS</a:t>
             </a:r>
           </a:p>
           <a:p>
@@ -8100,6 +8222,13 @@
           </a:bodyPr>
           <a:lstStyle/>
           <a:p>
+            <a:r>
+              <a:rPr lang="nl-NL" sz="5500" dirty="0">
+                <a:latin typeface="Times New Roman" panose="02020603050405020304" pitchFamily="18" charset="0"/>
+                <a:cs typeface="Times New Roman" panose="02020603050405020304" pitchFamily="18" charset="0"/>
+              </a:rPr>
+              <a:t/>
+            </a:r>
             <a:br>
               <a:rPr lang="nl-NL" sz="5500" dirty="0">
                 <a:latin typeface="Times New Roman" panose="02020603050405020304" pitchFamily="18" charset="0"/>
@@ -8224,6 +8353,13 @@
           </a:bodyPr>
           <a:lstStyle/>
           <a:p>
+            <a:r>
+              <a:rPr lang="nl-NL" sz="5500" dirty="0">
+                <a:latin typeface="Times New Roman" panose="02020603050405020304" pitchFamily="18" charset="0"/>
+                <a:cs typeface="Times New Roman" panose="02020603050405020304" pitchFamily="18" charset="0"/>
+              </a:rPr>
+              <a:t/>
+            </a:r>
             <a:br>
               <a:rPr lang="nl-NL" sz="5500" dirty="0">
                 <a:latin typeface="Times New Roman" panose="02020603050405020304" pitchFamily="18" charset="0"/>
@@ -8362,6 +8498,13 @@
           </a:bodyPr>
           <a:lstStyle/>
           <a:p>
+            <a:r>
+              <a:rPr lang="nl-NL" sz="5500" dirty="0">
+                <a:latin typeface="Times New Roman" panose="02020603050405020304" pitchFamily="18" charset="0"/>
+                <a:cs typeface="Times New Roman" panose="02020603050405020304" pitchFamily="18" charset="0"/>
+              </a:rPr>
+              <a:t/>
+            </a:r>
             <a:br>
               <a:rPr lang="nl-NL" sz="5500" dirty="0">
                 <a:latin typeface="Times New Roman" panose="02020603050405020304" pitchFamily="18" charset="0"/>

--- a/RXJS Make it easy/RXJS Make it easy.pptx
+++ b/RXJS Make it easy/RXJS Make it easy.pptx
@@ -215,7 +215,7 @@
           <a:p>
             <a:fld id="{8F4A43FB-D854-4B89-9ABE-FF95F96787A3}" type="datetimeFigureOut">
               <a:rPr lang="en-US" smtClean="0"/>
-              <a:t>8/15/2019</a:t>
+              <a:t>9/10/2019</a:t>
             </a:fld>
             <a:endParaRPr lang="en-US"/>
           </a:p>
@@ -791,7 +791,7 @@
           <a:p>
             <a:fld id="{B9631ECC-CD42-4DF8-BF30-7048DD08762F}" type="datetimeFigureOut">
               <a:rPr lang="en-US" smtClean="0"/>
-              <a:t>8/15/2019</a:t>
+              <a:t>9/10/2019</a:t>
             </a:fld>
             <a:endParaRPr lang="en-US"/>
           </a:p>
@@ -1077,7 +1077,7 @@
           <a:p>
             <a:fld id="{B9631ECC-CD42-4DF8-BF30-7048DD08762F}" type="datetimeFigureOut">
               <a:rPr lang="en-US" smtClean="0"/>
-              <a:t>8/15/2019</a:t>
+              <a:t>9/10/2019</a:t>
             </a:fld>
             <a:endParaRPr lang="en-US"/>
           </a:p>
@@ -1269,7 +1269,7 @@
           <a:p>
             <a:fld id="{B9631ECC-CD42-4DF8-BF30-7048DD08762F}" type="datetimeFigureOut">
               <a:rPr lang="en-US" smtClean="0"/>
-              <a:t>8/15/2019</a:t>
+              <a:t>9/10/2019</a:t>
             </a:fld>
             <a:endParaRPr lang="en-US"/>
           </a:p>
@@ -1530,7 +1530,7 @@
           <a:p>
             <a:fld id="{B9631ECC-CD42-4DF8-BF30-7048DD08762F}" type="datetimeFigureOut">
               <a:rPr lang="en-US" smtClean="0"/>
-              <a:t>8/15/2019</a:t>
+              <a:t>9/10/2019</a:t>
             </a:fld>
             <a:endParaRPr lang="en-US"/>
           </a:p>
@@ -1956,7 +1956,7 @@
           <a:p>
             <a:fld id="{B9631ECC-CD42-4DF8-BF30-7048DD08762F}" type="datetimeFigureOut">
               <a:rPr lang="en-US" smtClean="0"/>
-              <a:t>8/15/2019</a:t>
+              <a:t>9/10/2019</a:t>
             </a:fld>
             <a:endParaRPr lang="en-US"/>
           </a:p>
@@ -2502,7 +2502,7 @@
           <a:p>
             <a:fld id="{B9631ECC-CD42-4DF8-BF30-7048DD08762F}" type="datetimeFigureOut">
               <a:rPr lang="en-US" smtClean="0"/>
-              <a:t>8/15/2019</a:t>
+              <a:t>9/10/2019</a:t>
             </a:fld>
             <a:endParaRPr lang="en-US"/>
           </a:p>
@@ -3333,7 +3333,7 @@
           <a:p>
             <a:fld id="{B9631ECC-CD42-4DF8-BF30-7048DD08762F}" type="datetimeFigureOut">
               <a:rPr lang="en-US" smtClean="0"/>
-              <a:t>8/15/2019</a:t>
+              <a:t>9/10/2019</a:t>
             </a:fld>
             <a:endParaRPr lang="en-US"/>
           </a:p>
@@ -3503,7 +3503,7 @@
           <a:p>
             <a:fld id="{B9631ECC-CD42-4DF8-BF30-7048DD08762F}" type="datetimeFigureOut">
               <a:rPr lang="en-US" smtClean="0"/>
-              <a:t>8/15/2019</a:t>
+              <a:t>9/10/2019</a:t>
             </a:fld>
             <a:endParaRPr lang="en-US"/>
           </a:p>
@@ -3683,7 +3683,7 @@
           <a:p>
             <a:fld id="{B9631ECC-CD42-4DF8-BF30-7048DD08762F}" type="datetimeFigureOut">
               <a:rPr lang="en-US" smtClean="0"/>
-              <a:t>8/15/2019</a:t>
+              <a:t>9/10/2019</a:t>
             </a:fld>
             <a:endParaRPr lang="en-US"/>
           </a:p>
@@ -3858,7 +3858,7 @@
           <a:p>
             <a:fld id="{B9631ECC-CD42-4DF8-BF30-7048DD08762F}" type="datetimeFigureOut">
               <a:rPr lang="en-US" smtClean="0"/>
-              <a:t>8/15/2019</a:t>
+              <a:t>9/10/2019</a:t>
             </a:fld>
             <a:endParaRPr lang="en-US"/>
           </a:p>
@@ -4115,7 +4115,7 @@
           <a:p>
             <a:fld id="{B9631ECC-CD42-4DF8-BF30-7048DD08762F}" type="datetimeFigureOut">
               <a:rPr lang="en-US" smtClean="0"/>
-              <a:t>8/15/2019</a:t>
+              <a:t>9/10/2019</a:t>
             </a:fld>
             <a:endParaRPr lang="en-US"/>
           </a:p>
@@ -4352,7 +4352,7 @@
           <a:p>
             <a:fld id="{B9631ECC-CD42-4DF8-BF30-7048DD08762F}" type="datetimeFigureOut">
               <a:rPr lang="en-US" smtClean="0"/>
-              <a:t>8/15/2019</a:t>
+              <a:t>9/10/2019</a:t>
             </a:fld>
             <a:endParaRPr lang="en-US"/>
           </a:p>
@@ -4745,7 +4745,7 @@
           <a:p>
             <a:fld id="{B9631ECC-CD42-4DF8-BF30-7048DD08762F}" type="datetimeFigureOut">
               <a:rPr lang="en-US" smtClean="0"/>
-              <a:t>8/15/2019</a:t>
+              <a:t>9/10/2019</a:t>
             </a:fld>
             <a:endParaRPr lang="en-US"/>
           </a:p>
@@ -4863,7 +4863,7 @@
           <a:p>
             <a:fld id="{B9631ECC-CD42-4DF8-BF30-7048DD08762F}" type="datetimeFigureOut">
               <a:rPr lang="en-US" smtClean="0"/>
-              <a:t>8/15/2019</a:t>
+              <a:t>9/10/2019</a:t>
             </a:fld>
             <a:endParaRPr lang="en-US"/>
           </a:p>
@@ -4958,7 +4958,7 @@
           <a:p>
             <a:fld id="{B9631ECC-CD42-4DF8-BF30-7048DD08762F}" type="datetimeFigureOut">
               <a:rPr lang="en-US" smtClean="0"/>
-              <a:t>8/15/2019</a:t>
+              <a:t>9/10/2019</a:t>
             </a:fld>
             <a:endParaRPr lang="en-US"/>
           </a:p>
@@ -5231,7 +5231,7 @@
           <a:p>
             <a:fld id="{B9631ECC-CD42-4DF8-BF30-7048DD08762F}" type="datetimeFigureOut">
               <a:rPr lang="en-US" smtClean="0"/>
-              <a:t>8/15/2019</a:t>
+              <a:t>9/10/2019</a:t>
             </a:fld>
             <a:endParaRPr lang="en-US"/>
           </a:p>
@@ -5512,7 +5512,7 @@
           <a:p>
             <a:fld id="{B9631ECC-CD42-4DF8-BF30-7048DD08762F}" type="datetimeFigureOut">
               <a:rPr lang="en-US" smtClean="0"/>
-              <a:t>8/15/2019</a:t>
+              <a:t>9/10/2019</a:t>
             </a:fld>
             <a:endParaRPr lang="en-US"/>
           </a:p>
@@ -5752,7 +5752,7 @@
           <a:p>
             <a:fld id="{B9631ECC-CD42-4DF8-BF30-7048DD08762F}" type="datetimeFigureOut">
               <a:rPr lang="en-US" smtClean="0"/>
-              <a:t>8/15/2019</a:t>
+              <a:t>9/10/2019</a:t>
             </a:fld>
             <a:endParaRPr lang="en-US"/>
           </a:p>
@@ -8400,43 +8400,49 @@
           </a:bodyPr>
           <a:lstStyle/>
           <a:p>
-            <a:endParaRPr lang="en-US" dirty="0">
+            <a:r>
+              <a:rPr lang="en-US" sz="3200" dirty="0" smtClean="0">
+                <a:latin typeface="Times New Roman" panose="02020603050405020304" pitchFamily="18" charset="0"/>
+                <a:cs typeface="Times New Roman" panose="02020603050405020304" pitchFamily="18" charset="0"/>
+              </a:rPr>
+              <a:t>A </a:t>
+            </a:r>
+            <a:r>
+              <a:rPr lang="en-US" sz="3200" dirty="0">
+                <a:latin typeface="Times New Roman" panose="02020603050405020304" pitchFamily="18" charset="0"/>
+                <a:cs typeface="Times New Roman" panose="02020603050405020304" pitchFamily="18" charset="0"/>
+              </a:rPr>
+              <a:t>Subject is a special type of Observable which shares a single execution path among observers</a:t>
+            </a:r>
+            <a:r>
+              <a:rPr lang="en-US" sz="3200" dirty="0" smtClean="0">
+                <a:latin typeface="Times New Roman" panose="02020603050405020304" pitchFamily="18" charset="0"/>
+                <a:cs typeface="Times New Roman" panose="02020603050405020304" pitchFamily="18" charset="0"/>
+              </a:rPr>
+              <a:t>.</a:t>
+            </a:r>
+            <a:endParaRPr lang="en-US" sz="3200" dirty="0">
               <a:latin typeface="Times New Roman" panose="02020603050405020304" pitchFamily="18" charset="0"/>
               <a:cs typeface="Times New Roman" panose="02020603050405020304" pitchFamily="18" charset="0"/>
             </a:endParaRPr>
           </a:p>
           <a:p>
             <a:r>
-              <a:rPr lang="en-US" dirty="0">
-                <a:latin typeface="Times New Roman" panose="02020603050405020304" pitchFamily="18" charset="0"/>
-                <a:cs typeface="Times New Roman" panose="02020603050405020304" pitchFamily="18" charset="0"/>
-              </a:rPr>
-              <a:t>A Subject is a special type of Observable which shares a single execution path among observers.</a:t>
-            </a:r>
-          </a:p>
-          <a:p>
-            <a:endParaRPr lang="en-US" dirty="0">
-              <a:latin typeface="Times New Roman" panose="02020603050405020304" pitchFamily="18" charset="0"/>
-              <a:cs typeface="Times New Roman" panose="02020603050405020304" pitchFamily="18" charset="0"/>
-            </a:endParaRPr>
-          </a:p>
-          <a:p>
-            <a:r>
-              <a:rPr lang="en-US" dirty="0">
+              <a:rPr lang="en-US" sz="3200" dirty="0">
                 <a:latin typeface="Times New Roman" panose="02020603050405020304" pitchFamily="18" charset="0"/>
                 <a:cs typeface="Times New Roman" panose="02020603050405020304" pitchFamily="18" charset="0"/>
               </a:rPr>
               <a:t>You can think of this as a single speaker talking at a microphone in a room full of people. Their message (the subject) is being delivered to many (multicast) people (the observers) at once. This is the basis of </a:t>
             </a:r>
             <a:r>
-              <a:rPr lang="en-US" b="1" dirty="0">
+              <a:rPr lang="en-US" sz="3200" b="1" dirty="0">
                 <a:latin typeface="Times New Roman" panose="02020603050405020304" pitchFamily="18" charset="0"/>
                 <a:cs typeface="Times New Roman" panose="02020603050405020304" pitchFamily="18" charset="0"/>
               </a:rPr>
               <a:t>multicasting</a:t>
             </a:r>
             <a:r>
-              <a:rPr lang="en-US" dirty="0">
+              <a:rPr lang="en-US" sz="3200" dirty="0">
                 <a:latin typeface="Times New Roman" panose="02020603050405020304" pitchFamily="18" charset="0"/>
                 <a:cs typeface="Times New Roman" panose="02020603050405020304" pitchFamily="18" charset="0"/>
               </a:rPr>
@@ -8444,7 +8450,7 @@
             </a:r>
           </a:p>
           <a:p>
-            <a:endParaRPr lang="en-US" dirty="0">
+            <a:endParaRPr lang="en-US" sz="3200" dirty="0">
               <a:latin typeface="Times New Roman" panose="02020603050405020304" pitchFamily="18" charset="0"/>
               <a:cs typeface="Times New Roman" panose="02020603050405020304" pitchFamily="18" charset="0"/>
             </a:endParaRPr>

--- a/RXJS Make it easy/RXJS Make it easy.pptx
+++ b/RXJS Make it easy/RXJS Make it easy.pptx
@@ -215,7 +215,7 @@
           <a:p>
             <a:fld id="{8F4A43FB-D854-4B89-9ABE-FF95F96787A3}" type="datetimeFigureOut">
               <a:rPr lang="en-US" smtClean="0"/>
-              <a:t>9/10/2019</a:t>
+              <a:t>9/12/2019</a:t>
             </a:fld>
             <a:endParaRPr lang="en-US"/>
           </a:p>
@@ -791,7 +791,7 @@
           <a:p>
             <a:fld id="{B9631ECC-CD42-4DF8-BF30-7048DD08762F}" type="datetimeFigureOut">
               <a:rPr lang="en-US" smtClean="0"/>
-              <a:t>9/10/2019</a:t>
+              <a:t>9/12/2019</a:t>
             </a:fld>
             <a:endParaRPr lang="en-US"/>
           </a:p>
@@ -1077,7 +1077,7 @@
           <a:p>
             <a:fld id="{B9631ECC-CD42-4DF8-BF30-7048DD08762F}" type="datetimeFigureOut">
               <a:rPr lang="en-US" smtClean="0"/>
-              <a:t>9/10/2019</a:t>
+              <a:t>9/12/2019</a:t>
             </a:fld>
             <a:endParaRPr lang="en-US"/>
           </a:p>
@@ -1269,7 +1269,7 @@
           <a:p>
             <a:fld id="{B9631ECC-CD42-4DF8-BF30-7048DD08762F}" type="datetimeFigureOut">
               <a:rPr lang="en-US" smtClean="0"/>
-              <a:t>9/10/2019</a:t>
+              <a:t>9/12/2019</a:t>
             </a:fld>
             <a:endParaRPr lang="en-US"/>
           </a:p>
@@ -1530,7 +1530,7 @@
           <a:p>
             <a:fld id="{B9631ECC-CD42-4DF8-BF30-7048DD08762F}" type="datetimeFigureOut">
               <a:rPr lang="en-US" smtClean="0"/>
-              <a:t>9/10/2019</a:t>
+              <a:t>9/12/2019</a:t>
             </a:fld>
             <a:endParaRPr lang="en-US"/>
           </a:p>
@@ -1956,7 +1956,7 @@
           <a:p>
             <a:fld id="{B9631ECC-CD42-4DF8-BF30-7048DD08762F}" type="datetimeFigureOut">
               <a:rPr lang="en-US" smtClean="0"/>
-              <a:t>9/10/2019</a:t>
+              <a:t>9/12/2019</a:t>
             </a:fld>
             <a:endParaRPr lang="en-US"/>
           </a:p>
@@ -2502,7 +2502,7 @@
           <a:p>
             <a:fld id="{B9631ECC-CD42-4DF8-BF30-7048DD08762F}" type="datetimeFigureOut">
               <a:rPr lang="en-US" smtClean="0"/>
-              <a:t>9/10/2019</a:t>
+              <a:t>9/12/2019</a:t>
             </a:fld>
             <a:endParaRPr lang="en-US"/>
           </a:p>
@@ -3333,7 +3333,7 @@
           <a:p>
             <a:fld id="{B9631ECC-CD42-4DF8-BF30-7048DD08762F}" type="datetimeFigureOut">
               <a:rPr lang="en-US" smtClean="0"/>
-              <a:t>9/10/2019</a:t>
+              <a:t>9/12/2019</a:t>
             </a:fld>
             <a:endParaRPr lang="en-US"/>
           </a:p>
@@ -3503,7 +3503,7 @@
           <a:p>
             <a:fld id="{B9631ECC-CD42-4DF8-BF30-7048DD08762F}" type="datetimeFigureOut">
               <a:rPr lang="en-US" smtClean="0"/>
-              <a:t>9/10/2019</a:t>
+              <a:t>9/12/2019</a:t>
             </a:fld>
             <a:endParaRPr lang="en-US"/>
           </a:p>
@@ -3683,7 +3683,7 @@
           <a:p>
             <a:fld id="{B9631ECC-CD42-4DF8-BF30-7048DD08762F}" type="datetimeFigureOut">
               <a:rPr lang="en-US" smtClean="0"/>
-              <a:t>9/10/2019</a:t>
+              <a:t>9/12/2019</a:t>
             </a:fld>
             <a:endParaRPr lang="en-US"/>
           </a:p>
@@ -3858,7 +3858,7 @@
           <a:p>
             <a:fld id="{B9631ECC-CD42-4DF8-BF30-7048DD08762F}" type="datetimeFigureOut">
               <a:rPr lang="en-US" smtClean="0"/>
-              <a:t>9/10/2019</a:t>
+              <a:t>9/12/2019</a:t>
             </a:fld>
             <a:endParaRPr lang="en-US"/>
           </a:p>
@@ -4115,7 +4115,7 @@
           <a:p>
             <a:fld id="{B9631ECC-CD42-4DF8-BF30-7048DD08762F}" type="datetimeFigureOut">
               <a:rPr lang="en-US" smtClean="0"/>
-              <a:t>9/10/2019</a:t>
+              <a:t>9/12/2019</a:t>
             </a:fld>
             <a:endParaRPr lang="en-US"/>
           </a:p>
@@ -4352,7 +4352,7 @@
           <a:p>
             <a:fld id="{B9631ECC-CD42-4DF8-BF30-7048DD08762F}" type="datetimeFigureOut">
               <a:rPr lang="en-US" smtClean="0"/>
-              <a:t>9/10/2019</a:t>
+              <a:t>9/12/2019</a:t>
             </a:fld>
             <a:endParaRPr lang="en-US"/>
           </a:p>
@@ -4745,7 +4745,7 @@
           <a:p>
             <a:fld id="{B9631ECC-CD42-4DF8-BF30-7048DD08762F}" type="datetimeFigureOut">
               <a:rPr lang="en-US" smtClean="0"/>
-              <a:t>9/10/2019</a:t>
+              <a:t>9/12/2019</a:t>
             </a:fld>
             <a:endParaRPr lang="en-US"/>
           </a:p>
@@ -4863,7 +4863,7 @@
           <a:p>
             <a:fld id="{B9631ECC-CD42-4DF8-BF30-7048DD08762F}" type="datetimeFigureOut">
               <a:rPr lang="en-US" smtClean="0"/>
-              <a:t>9/10/2019</a:t>
+              <a:t>9/12/2019</a:t>
             </a:fld>
             <a:endParaRPr lang="en-US"/>
           </a:p>
@@ -4958,7 +4958,7 @@
           <a:p>
             <a:fld id="{B9631ECC-CD42-4DF8-BF30-7048DD08762F}" type="datetimeFigureOut">
               <a:rPr lang="en-US" smtClean="0"/>
-              <a:t>9/10/2019</a:t>
+              <a:t>9/12/2019</a:t>
             </a:fld>
             <a:endParaRPr lang="en-US"/>
           </a:p>
@@ -5231,7 +5231,7 @@
           <a:p>
             <a:fld id="{B9631ECC-CD42-4DF8-BF30-7048DD08762F}" type="datetimeFigureOut">
               <a:rPr lang="en-US" smtClean="0"/>
-              <a:t>9/10/2019</a:t>
+              <a:t>9/12/2019</a:t>
             </a:fld>
             <a:endParaRPr lang="en-US"/>
           </a:p>
@@ -5512,7 +5512,7 @@
           <a:p>
             <a:fld id="{B9631ECC-CD42-4DF8-BF30-7048DD08762F}" type="datetimeFigureOut">
               <a:rPr lang="en-US" smtClean="0"/>
-              <a:t>9/10/2019</a:t>
+              <a:t>9/12/2019</a:t>
             </a:fld>
             <a:endParaRPr lang="en-US"/>
           </a:p>
@@ -5752,7 +5752,7 @@
           <a:p>
             <a:fld id="{B9631ECC-CD42-4DF8-BF30-7048DD08762F}" type="datetimeFigureOut">
               <a:rPr lang="en-US" smtClean="0"/>
-              <a:t>9/10/2019</a:t>
+              <a:t>9/12/2019</a:t>
             </a:fld>
             <a:endParaRPr lang="en-US"/>
           </a:p>
@@ -6427,13 +6427,6 @@
           </a:bodyPr>
           <a:lstStyle/>
           <a:p>
-            <a:r>
-              <a:rPr lang="nl-NL" sz="5500" dirty="0">
-                <a:latin typeface="Times New Roman" panose="02020603050405020304" pitchFamily="18" charset="0"/>
-                <a:cs typeface="Times New Roman" panose="02020603050405020304" pitchFamily="18" charset="0"/>
-              </a:rPr>
-              <a:t/>
-            </a:r>
             <a:br>
               <a:rPr lang="nl-NL" sz="5500" dirty="0">
                 <a:latin typeface="Times New Roman" panose="02020603050405020304" pitchFamily="18" charset="0"/>
@@ -6589,13 +6582,6 @@
           </a:bodyPr>
           <a:lstStyle/>
           <a:p>
-            <a:r>
-              <a:rPr lang="nl-NL" dirty="0">
-                <a:latin typeface="Times New Roman" panose="02020603050405020304" pitchFamily="18" charset="0"/>
-                <a:cs typeface="Times New Roman" panose="02020603050405020304" pitchFamily="18" charset="0"/>
-              </a:rPr>
-              <a:t/>
-            </a:r>
             <a:br>
               <a:rPr lang="nl-NL" dirty="0">
                 <a:latin typeface="Times New Roman" panose="02020603050405020304" pitchFamily="18" charset="0"/>
@@ -7272,6 +7258,32 @@
             </a:r>
           </a:p>
           <a:p>
+            <a:r>
+              <a:rPr lang="en-US" b="1" dirty="0" err="1">
+                <a:latin typeface="Times New Roman" panose="02020603050405020304" pitchFamily="18" charset="0"/>
+                <a:cs typeface="Times New Roman" panose="02020603050405020304" pitchFamily="18" charset="0"/>
+              </a:rPr>
+              <a:t>MergeMap</a:t>
+            </a:r>
+            <a:r>
+              <a:rPr lang="en-US" b="1" dirty="0">
+                <a:latin typeface="Times New Roman" panose="02020603050405020304" pitchFamily="18" charset="0"/>
+                <a:cs typeface="Times New Roman" panose="02020603050405020304" pitchFamily="18" charset="0"/>
+              </a:rPr>
+              <a:t> will be parallel</a:t>
+            </a:r>
+          </a:p>
+          <a:p>
+            <a:r>
+              <a:rPr lang="en-US" b="1" dirty="0" err="1"/>
+              <a:t>ConcatMap</a:t>
+            </a:r>
+            <a:r>
+              <a:rPr lang="en-US" b="1" dirty="0"/>
+              <a:t> will be sequentially</a:t>
+            </a:r>
+          </a:p>
+          <a:p>
             <a:endParaRPr lang="en-US" dirty="0">
               <a:latin typeface="Times New Roman" panose="02020603050405020304" pitchFamily="18" charset="0"/>
               <a:cs typeface="Times New Roman" panose="02020603050405020304" pitchFamily="18" charset="0"/>
@@ -7326,13 +7338,6 @@
           </a:bodyPr>
           <a:lstStyle/>
           <a:p>
-            <a:r>
-              <a:rPr lang="nl-NL" sz="5500" dirty="0">
-                <a:latin typeface="Times New Roman" panose="02020603050405020304" pitchFamily="18" charset="0"/>
-                <a:cs typeface="Times New Roman" panose="02020603050405020304" pitchFamily="18" charset="0"/>
-              </a:rPr>
-              <a:t/>
-            </a:r>
             <a:br>
               <a:rPr lang="nl-NL" sz="5500" dirty="0">
                 <a:latin typeface="Times New Roman" panose="02020603050405020304" pitchFamily="18" charset="0"/>
@@ -7492,7 +7497,7 @@
           <a:lstStyle/>
           <a:p>
             <a:r>
-              <a:rPr lang="nl-NL" sz="5500" dirty="0" smtClean="0">
+              <a:rPr lang="nl-NL" sz="5500" dirty="0">
                 <a:latin typeface="Times New Roman" panose="02020603050405020304" pitchFamily="18" charset="0"/>
                 <a:cs typeface="Times New Roman" panose="02020603050405020304" pitchFamily="18" charset="0"/>
               </a:rPr>
@@ -7571,13 +7576,6 @@
           </a:bodyPr>
           <a:lstStyle/>
           <a:p>
-            <a:r>
-              <a:rPr lang="nl-NL" sz="5500" dirty="0">
-                <a:latin typeface="Times New Roman" panose="02020603050405020304" pitchFamily="18" charset="0"/>
-                <a:cs typeface="Times New Roman" panose="02020603050405020304" pitchFamily="18" charset="0"/>
-              </a:rPr>
-              <a:t/>
-            </a:r>
             <a:br>
               <a:rPr lang="nl-NL" sz="5500" dirty="0">
                 <a:latin typeface="Times New Roman" panose="02020603050405020304" pitchFamily="18" charset="0"/>
@@ -7590,13 +7588,6 @@
                 <a:cs typeface="Times New Roman" panose="02020603050405020304" pitchFamily="18" charset="0"/>
               </a:rPr>
               <a:t>Useful resource</a:t>
-            </a:r>
-            <a:r>
-              <a:rPr lang="en-US" sz="5500" dirty="0">
-                <a:latin typeface="Times New Roman" panose="02020603050405020304" pitchFamily="18" charset="0"/>
-                <a:cs typeface="Times New Roman" panose="02020603050405020304" pitchFamily="18" charset="0"/>
-              </a:rPr>
-              <a:t/>
             </a:r>
             <a:br>
               <a:rPr lang="en-US" sz="5500" dirty="0">
@@ -7817,18 +7808,11 @@
           </a:p>
           <a:p>
             <a:r>
-              <a:rPr lang="nl-NL" dirty="0" smtClean="0">
-                <a:latin typeface="Times New Roman" panose="02020603050405020304" pitchFamily="18" charset="0"/>
-                <a:cs typeface="Times New Roman" panose="02020603050405020304" pitchFamily="18" charset="0"/>
-              </a:rPr>
-              <a:t>26 </a:t>
-            </a:r>
-            <a:r>
               <a:rPr lang="nl-NL" dirty="0">
                 <a:latin typeface="Times New Roman" panose="02020603050405020304" pitchFamily="18" charset="0"/>
                 <a:cs typeface="Times New Roman" panose="02020603050405020304" pitchFamily="18" charset="0"/>
               </a:rPr>
-              <a:t>Common operators in RXJS</a:t>
+              <a:t>26 Common operators in RXJS</a:t>
             </a:r>
           </a:p>
           <a:p>
@@ -8222,13 +8206,6 @@
           </a:bodyPr>
           <a:lstStyle/>
           <a:p>
-            <a:r>
-              <a:rPr lang="nl-NL" sz="5500" dirty="0">
-                <a:latin typeface="Times New Roman" panose="02020603050405020304" pitchFamily="18" charset="0"/>
-                <a:cs typeface="Times New Roman" panose="02020603050405020304" pitchFamily="18" charset="0"/>
-              </a:rPr>
-              <a:t/>
-            </a:r>
             <a:br>
               <a:rPr lang="nl-NL" sz="5500" dirty="0">
                 <a:latin typeface="Times New Roman" panose="02020603050405020304" pitchFamily="18" charset="0"/>
@@ -8353,13 +8330,6 @@
           </a:bodyPr>
           <a:lstStyle/>
           <a:p>
-            <a:r>
-              <a:rPr lang="nl-NL" sz="5500" dirty="0">
-                <a:latin typeface="Times New Roman" panose="02020603050405020304" pitchFamily="18" charset="0"/>
-                <a:cs typeface="Times New Roman" panose="02020603050405020304" pitchFamily="18" charset="0"/>
-              </a:rPr>
-              <a:t/>
-            </a:r>
             <a:br>
               <a:rPr lang="nl-NL" sz="5500" dirty="0">
                 <a:latin typeface="Times New Roman" panose="02020603050405020304" pitchFamily="18" charset="0"/>
@@ -8401,30 +8371,12 @@
           <a:lstStyle/>
           <a:p>
             <a:r>
-              <a:rPr lang="en-US" sz="3200" dirty="0" smtClean="0">
-                <a:latin typeface="Times New Roman" panose="02020603050405020304" pitchFamily="18" charset="0"/>
-                <a:cs typeface="Times New Roman" panose="02020603050405020304" pitchFamily="18" charset="0"/>
-              </a:rPr>
-              <a:t>A </a:t>
-            </a:r>
-            <a:r>
               <a:rPr lang="en-US" sz="3200" dirty="0">
                 <a:latin typeface="Times New Roman" panose="02020603050405020304" pitchFamily="18" charset="0"/>
                 <a:cs typeface="Times New Roman" panose="02020603050405020304" pitchFamily="18" charset="0"/>
               </a:rPr>
-              <a:t>Subject is a special type of Observable which shares a single execution path among observers</a:t>
-            </a:r>
-            <a:r>
-              <a:rPr lang="en-US" sz="3200" dirty="0" smtClean="0">
-                <a:latin typeface="Times New Roman" panose="02020603050405020304" pitchFamily="18" charset="0"/>
-                <a:cs typeface="Times New Roman" panose="02020603050405020304" pitchFamily="18" charset="0"/>
-              </a:rPr>
-              <a:t>.</a:t>
-            </a:r>
-            <a:endParaRPr lang="en-US" sz="3200" dirty="0">
-              <a:latin typeface="Times New Roman" panose="02020603050405020304" pitchFamily="18" charset="0"/>
-              <a:cs typeface="Times New Roman" panose="02020603050405020304" pitchFamily="18" charset="0"/>
-            </a:endParaRPr>
+              <a:t>A Subject is a special type of Observable which shares a single execution path among observers.</a:t>
+            </a:r>
           </a:p>
           <a:p>
             <a:r>
@@ -8504,13 +8456,6 @@
           </a:bodyPr>
           <a:lstStyle/>
           <a:p>
-            <a:r>
-              <a:rPr lang="nl-NL" sz="5500" dirty="0">
-                <a:latin typeface="Times New Roman" panose="02020603050405020304" pitchFamily="18" charset="0"/>
-                <a:cs typeface="Times New Roman" panose="02020603050405020304" pitchFamily="18" charset="0"/>
-              </a:rPr>
-              <a:t/>
-            </a:r>
             <a:br>
               <a:rPr lang="nl-NL" sz="5500" dirty="0">
                 <a:latin typeface="Times New Roman" panose="02020603050405020304" pitchFamily="18" charset="0"/>
